--- a/slides/day2_slides.pptx
+++ b/slides/day2_slides.pptx
@@ -5,7 +5,7 @@
     <p:sldMasterId id="2147483660" r:id="rId1"/>
   </p:sldMasterIdLst>
   <p:notesMasterIdLst>
-    <p:notesMasterId r:id="rId43"/>
+    <p:notesMasterId r:id="rId51"/>
   </p:notesMasterIdLst>
   <p:sldIdLst>
     <p:sldId id="256" r:id="rId2"/>
@@ -14,41 +14,49 @@
     <p:sldId id="339" r:id="rId5"/>
     <p:sldId id="340" r:id="rId6"/>
     <p:sldId id="341" r:id="rId7"/>
-    <p:sldId id="342" r:id="rId8"/>
-    <p:sldId id="343" r:id="rId9"/>
-    <p:sldId id="344" r:id="rId10"/>
-    <p:sldId id="345" r:id="rId11"/>
-    <p:sldId id="346" r:id="rId12"/>
-    <p:sldId id="357" r:id="rId13"/>
-    <p:sldId id="356" r:id="rId14"/>
-    <p:sldId id="347" r:id="rId15"/>
-    <p:sldId id="349" r:id="rId16"/>
-    <p:sldId id="350" r:id="rId17"/>
-    <p:sldId id="351" r:id="rId18"/>
-    <p:sldId id="348" r:id="rId19"/>
-    <p:sldId id="352" r:id="rId20"/>
-    <p:sldId id="355" r:id="rId21"/>
-    <p:sldId id="353" r:id="rId22"/>
-    <p:sldId id="359" r:id="rId23"/>
-    <p:sldId id="360" r:id="rId24"/>
-    <p:sldId id="354" r:id="rId25"/>
-    <p:sldId id="364" r:id="rId26"/>
-    <p:sldId id="358" r:id="rId27"/>
-    <p:sldId id="368" r:id="rId28"/>
-    <p:sldId id="365" r:id="rId29"/>
-    <p:sldId id="369" r:id="rId30"/>
-    <p:sldId id="370" r:id="rId31"/>
-    <p:sldId id="371" r:id="rId32"/>
-    <p:sldId id="372" r:id="rId33"/>
-    <p:sldId id="373" r:id="rId34"/>
-    <p:sldId id="374" r:id="rId35"/>
-    <p:sldId id="375" r:id="rId36"/>
-    <p:sldId id="379" r:id="rId37"/>
-    <p:sldId id="376" r:id="rId38"/>
-    <p:sldId id="377" r:id="rId39"/>
-    <p:sldId id="378" r:id="rId40"/>
-    <p:sldId id="380" r:id="rId41"/>
-    <p:sldId id="381" r:id="rId42"/>
+    <p:sldId id="385" r:id="rId8"/>
+    <p:sldId id="342" r:id="rId9"/>
+    <p:sldId id="343" r:id="rId10"/>
+    <p:sldId id="344" r:id="rId11"/>
+    <p:sldId id="345" r:id="rId12"/>
+    <p:sldId id="346" r:id="rId13"/>
+    <p:sldId id="357" r:id="rId14"/>
+    <p:sldId id="356" r:id="rId15"/>
+    <p:sldId id="347" r:id="rId16"/>
+    <p:sldId id="349" r:id="rId17"/>
+    <p:sldId id="350" r:id="rId18"/>
+    <p:sldId id="351" r:id="rId19"/>
+    <p:sldId id="348" r:id="rId20"/>
+    <p:sldId id="352" r:id="rId21"/>
+    <p:sldId id="355" r:id="rId22"/>
+    <p:sldId id="353" r:id="rId23"/>
+    <p:sldId id="382" r:id="rId24"/>
+    <p:sldId id="359" r:id="rId25"/>
+    <p:sldId id="360" r:id="rId26"/>
+    <p:sldId id="354" r:id="rId27"/>
+    <p:sldId id="364" r:id="rId28"/>
+    <p:sldId id="358" r:id="rId29"/>
+    <p:sldId id="368" r:id="rId30"/>
+    <p:sldId id="365" r:id="rId31"/>
+    <p:sldId id="369" r:id="rId32"/>
+    <p:sldId id="370" r:id="rId33"/>
+    <p:sldId id="371" r:id="rId34"/>
+    <p:sldId id="372" r:id="rId35"/>
+    <p:sldId id="373" r:id="rId36"/>
+    <p:sldId id="374" r:id="rId37"/>
+    <p:sldId id="375" r:id="rId38"/>
+    <p:sldId id="379" r:id="rId39"/>
+    <p:sldId id="376" r:id="rId40"/>
+    <p:sldId id="377" r:id="rId41"/>
+    <p:sldId id="378" r:id="rId42"/>
+    <p:sldId id="380" r:id="rId43"/>
+    <p:sldId id="381" r:id="rId44"/>
+    <p:sldId id="383" r:id="rId45"/>
+    <p:sldId id="386" r:id="rId46"/>
+    <p:sldId id="387" r:id="rId47"/>
+    <p:sldId id="388" r:id="rId48"/>
+    <p:sldId id="390" r:id="rId49"/>
+    <p:sldId id="389" r:id="rId50"/>
   </p:sldIdLst>
   <p:sldSz cx="9144000" cy="6858000" type="screen4x3"/>
   <p:notesSz cx="6858000" cy="9144000"/>
@@ -3888,7 +3896,7 @@
           <a:p>
             <a:r>
               <a:rPr lang="en-US" dirty="0" smtClean="0"/>
-              <a:t>combining logical statements</a:t>
+              <a:t>performing logical operations</a:t>
             </a:r>
             <a:endParaRPr lang="en-US" dirty="0"/>
           </a:p>
@@ -3896,107 +3904,236 @@
       </p:sp>
       <p:sp>
         <p:nvSpPr>
-          <p:cNvPr id="3" name="Content Placeholder 2"/>
-          <p:cNvSpPr>
-            <a:spLocks noGrp="1"/>
-          </p:cNvSpPr>
-          <p:nvPr>
-            <p:ph idx="1"/>
-          </p:nvPr>
-        </p:nvSpPr>
-        <p:spPr/>
-        <p:txBody>
-          <a:bodyPr/>
+          <p:cNvPr id="4" name="TextBox 3"/>
+          <p:cNvSpPr txBox="1"/>
+          <p:nvPr/>
+        </p:nvSpPr>
+        <p:spPr>
+          <a:xfrm>
+            <a:off x="265716" y="1632754"/>
+            <a:ext cx="8158734" cy="4524316"/>
+          </a:xfrm>
+          <a:prstGeom prst="rect">
+            <a:avLst/>
+          </a:prstGeom>
+          <a:noFill/>
+        </p:spPr>
+        <p:txBody>
+          <a:bodyPr wrap="square" rtlCol="0">
+            <a:spAutoFit/>
+          </a:bodyPr>
           <a:lstStyle/>
           <a:p>
-            <a:pPr marL="457200" indent="-457200">
-              <a:buFont typeface="Arial"/>
-              <a:buChar char="•"/>
-            </a:pPr>
-            <a:r>
-              <a:rPr lang="en-US" dirty="0" smtClean="0"/>
-              <a:t>Use the Python operators </a:t>
-            </a:r>
-            <a:r>
-              <a:rPr lang="en-US" dirty="0" smtClean="0">
-                <a:latin typeface="Monaco"/>
-                <a:cs typeface="Monaco"/>
-              </a:rPr>
-              <a:t>and</a:t>
-            </a:r>
-            <a:r>
-              <a:rPr lang="en-US" dirty="0" smtClean="0"/>
-              <a:t> and </a:t>
-            </a:r>
-            <a:r>
-              <a:rPr lang="en-US" dirty="0" smtClean="0">
-                <a:latin typeface="Monaco"/>
-                <a:cs typeface="Monaco"/>
-              </a:rPr>
-              <a:t>or</a:t>
-            </a:r>
-            <a:r>
-              <a:rPr lang="en-US" dirty="0" smtClean="0"/>
-              <a:t> to combine logical statements</a:t>
-            </a:r>
-          </a:p>
-          <a:p>
-            <a:pPr marL="914400" lvl="1" indent="-457200">
-              <a:buFont typeface="Arial"/>
-              <a:buChar char="•"/>
-            </a:pPr>
-            <a:r>
-              <a:rPr lang="en-US" dirty="0" smtClean="0">
-                <a:latin typeface="Monaco"/>
-                <a:cs typeface="Monaco"/>
-              </a:rPr>
-              <a:t>and</a:t>
-            </a:r>
-            <a:r>
-              <a:rPr lang="en-US" dirty="0" smtClean="0"/>
-              <a:t>: </a:t>
-            </a:r>
-            <a:r>
-              <a:rPr lang="en-US" i="1" dirty="0" smtClean="0"/>
-              <a:t>both</a:t>
-            </a:r>
-            <a:r>
-              <a:rPr lang="en-US" dirty="0" smtClean="0"/>
-              <a:t> conditions must be True</a:t>
-            </a:r>
-          </a:p>
-          <a:p>
-            <a:pPr marL="914400" lvl="1" indent="-457200">
-              <a:buFont typeface="Arial"/>
-              <a:buChar char="•"/>
-            </a:pPr>
-            <a:r>
-              <a:rPr lang="en-US" dirty="0" smtClean="0">
-                <a:latin typeface="Monaco"/>
-                <a:cs typeface="Monaco"/>
-              </a:rPr>
-              <a:t>or</a:t>
-            </a:r>
-            <a:r>
-              <a:rPr lang="en-US" dirty="0" smtClean="0"/>
-              <a:t>:  </a:t>
-            </a:r>
-            <a:r>
-              <a:rPr lang="en-US" i="1" dirty="0" smtClean="0"/>
-              <a:t>only one</a:t>
-            </a:r>
-            <a:r>
-              <a:rPr lang="en-US" dirty="0" smtClean="0"/>
-              <a:t> condition must be True</a:t>
-            </a:r>
-            <a:endParaRPr lang="en-US" dirty="0"/>
+            <a:r>
+              <a:rPr lang="en-US" dirty="0" smtClean="0">
+                <a:latin typeface="Monaco"/>
+                <a:cs typeface="Monaco"/>
+              </a:rPr>
+              <a:t>a = 6</a:t>
+            </a:r>
+          </a:p>
+          <a:p>
+            <a:r>
+              <a:rPr lang="en-US" dirty="0" smtClean="0">
+                <a:latin typeface="Monaco"/>
+                <a:cs typeface="Monaco"/>
+              </a:rPr>
+              <a:t>b = 120</a:t>
+            </a:r>
+          </a:p>
+          <a:p>
+            <a:r>
+              <a:rPr lang="en-US" dirty="0" smtClean="0">
+                <a:latin typeface="Monaco"/>
+                <a:cs typeface="Monaco"/>
+              </a:rPr>
+              <a:t>print b &gt; a</a:t>
+            </a:r>
+          </a:p>
+          <a:p>
+            <a:r>
+              <a:rPr lang="en-US" dirty="0">
+                <a:solidFill>
+                  <a:srgbClr val="A6A6A6"/>
+                </a:solidFill>
+                <a:latin typeface="Monaco"/>
+                <a:cs typeface="Monaco"/>
+              </a:rPr>
+              <a:t>	</a:t>
+            </a:r>
+            <a:r>
+              <a:rPr lang="en-US" dirty="0" smtClean="0">
+                <a:solidFill>
+                  <a:srgbClr val="A6A6A6"/>
+                </a:solidFill>
+                <a:latin typeface="Monaco"/>
+                <a:cs typeface="Monaco"/>
+              </a:rPr>
+              <a:t>True</a:t>
+            </a:r>
+          </a:p>
+          <a:p>
+            <a:endParaRPr lang="en-US" dirty="0" smtClean="0">
+              <a:latin typeface="Monaco"/>
+              <a:cs typeface="Monaco"/>
+            </a:endParaRPr>
+          </a:p>
+          <a:p>
+            <a:r>
+              <a:rPr lang="en-US" dirty="0" smtClean="0">
+                <a:latin typeface="Monaco"/>
+                <a:cs typeface="Monaco"/>
+              </a:rPr>
+              <a:t>print 6 == 6</a:t>
+            </a:r>
+          </a:p>
+          <a:p>
+            <a:r>
+              <a:rPr lang="en-US" dirty="0">
+                <a:solidFill>
+                  <a:srgbClr val="A6A6A6"/>
+                </a:solidFill>
+                <a:latin typeface="Monaco"/>
+                <a:cs typeface="Monaco"/>
+              </a:rPr>
+              <a:t>	</a:t>
+            </a:r>
+            <a:r>
+              <a:rPr lang="en-US" dirty="0" smtClean="0">
+                <a:solidFill>
+                  <a:srgbClr val="A6A6A6"/>
+                </a:solidFill>
+                <a:latin typeface="Monaco"/>
+                <a:cs typeface="Monaco"/>
+              </a:rPr>
+              <a:t>True</a:t>
+            </a:r>
+          </a:p>
+          <a:p>
+            <a:endParaRPr lang="en-US" dirty="0" smtClean="0">
+              <a:latin typeface="Monaco"/>
+              <a:cs typeface="Monaco"/>
+            </a:endParaRPr>
+          </a:p>
+          <a:p>
+            <a:r>
+              <a:rPr lang="en-US" dirty="0" smtClean="0">
+                <a:latin typeface="Monaco"/>
+                <a:cs typeface="Monaco"/>
+              </a:rPr>
+              <a:t>print 7 != "this isn't even a number"</a:t>
+            </a:r>
+          </a:p>
+          <a:p>
+            <a:r>
+              <a:rPr lang="en-US" dirty="0">
+                <a:solidFill>
+                  <a:srgbClr val="A6A6A6"/>
+                </a:solidFill>
+                <a:latin typeface="Monaco"/>
+                <a:cs typeface="Monaco"/>
+              </a:rPr>
+              <a:t>	</a:t>
+            </a:r>
+            <a:r>
+              <a:rPr lang="en-US" dirty="0" smtClean="0">
+                <a:solidFill>
+                  <a:srgbClr val="A6A6A6"/>
+                </a:solidFill>
+                <a:latin typeface="Monaco"/>
+                <a:cs typeface="Monaco"/>
+              </a:rPr>
+              <a:t>True</a:t>
+            </a:r>
+            <a:endParaRPr lang="en-US" dirty="0">
+              <a:solidFill>
+                <a:srgbClr val="A6A6A6"/>
+              </a:solidFill>
+              <a:latin typeface="Monaco"/>
+              <a:cs typeface="Monaco"/>
+            </a:endParaRPr>
+          </a:p>
+          <a:p>
+            <a:endParaRPr lang="en-US" dirty="0" smtClean="0">
+              <a:latin typeface="Monaco"/>
+              <a:cs typeface="Monaco"/>
+            </a:endParaRPr>
+          </a:p>
+          <a:p>
+            <a:r>
+              <a:rPr lang="en-US" dirty="0" smtClean="0">
+                <a:latin typeface="Monaco"/>
+                <a:cs typeface="Monaco"/>
+              </a:rPr>
+              <a:t>c = 1.2345</a:t>
+            </a:r>
+            <a:endParaRPr lang="en-US" dirty="0">
+              <a:latin typeface="Monaco"/>
+              <a:cs typeface="Monaco"/>
+            </a:endParaRPr>
+          </a:p>
+          <a:p>
+            <a:r>
+              <a:rPr lang="en-US" dirty="0" smtClean="0">
+                <a:latin typeface="Monaco"/>
+                <a:cs typeface="Monaco"/>
+              </a:rPr>
+              <a:t>print -99 &gt;= c</a:t>
+            </a:r>
+          </a:p>
+          <a:p>
+            <a:r>
+              <a:rPr lang="en-US" dirty="0">
+                <a:latin typeface="Monaco"/>
+                <a:cs typeface="Monaco"/>
+              </a:rPr>
+              <a:t>	</a:t>
+            </a:r>
+            <a:r>
+              <a:rPr lang="en-US" dirty="0" smtClean="0">
+                <a:solidFill>
+                  <a:srgbClr val="A6A6A6"/>
+                </a:solidFill>
+                <a:latin typeface="Monaco"/>
+                <a:cs typeface="Monaco"/>
+              </a:rPr>
+              <a:t>False</a:t>
+            </a:r>
+          </a:p>
+          <a:p>
+            <a:r>
+              <a:rPr lang="en-US" dirty="0">
+                <a:solidFill>
+                  <a:srgbClr val="A6A6A6"/>
+                </a:solidFill>
+                <a:latin typeface="Monaco"/>
+                <a:cs typeface="Monaco"/>
+              </a:rPr>
+              <a:t>	</a:t>
+            </a:r>
+            <a:endParaRPr lang="en-US" dirty="0" smtClean="0">
+              <a:solidFill>
+                <a:srgbClr val="A6A6A6"/>
+              </a:solidFill>
+              <a:latin typeface="Monaco"/>
+              <a:cs typeface="Monaco"/>
+            </a:endParaRPr>
+          </a:p>
+          <a:p>
+            <a:endParaRPr lang="en-US" dirty="0">
+              <a:solidFill>
+                <a:srgbClr val="A6A6A6"/>
+              </a:solidFill>
+              <a:latin typeface="Monaco"/>
+              <a:cs typeface="Monaco"/>
+            </a:endParaRPr>
           </a:p>
         </p:txBody>
       </p:sp>
     </p:spTree>
     <p:extLst>
       <p:ext uri="{BB962C8B-B14F-4D97-AF65-F5344CB8AC3E}">
-        <p14:creationId xmlns:p14="http://schemas.microsoft.com/office/powerpoint/2010/main" val="2442189817"/>
+        <p14:creationId xmlns:p14="http://schemas.microsoft.com/office/powerpoint/2010/main" val="2935389993"/>
       </p:ext>
     </p:extLst>
   </p:cSld>
@@ -4048,6 +4185,158 @@
       </p:sp>
       <p:sp>
         <p:nvSpPr>
+          <p:cNvPr id="3" name="Content Placeholder 2"/>
+          <p:cNvSpPr>
+            <a:spLocks noGrp="1"/>
+          </p:cNvSpPr>
+          <p:nvPr>
+            <p:ph idx="1"/>
+          </p:nvPr>
+        </p:nvSpPr>
+        <p:spPr/>
+        <p:txBody>
+          <a:bodyPr/>
+          <a:lstStyle/>
+          <a:p>
+            <a:pPr marL="457200" indent="-457200">
+              <a:buFont typeface="Arial"/>
+              <a:buChar char="•"/>
+            </a:pPr>
+            <a:r>
+              <a:rPr lang="en-US" dirty="0" smtClean="0"/>
+              <a:t>Use the Python operators </a:t>
+            </a:r>
+            <a:r>
+              <a:rPr lang="en-US" dirty="0" smtClean="0">
+                <a:latin typeface="Monaco"/>
+                <a:cs typeface="Monaco"/>
+              </a:rPr>
+              <a:t>and</a:t>
+            </a:r>
+            <a:r>
+              <a:rPr lang="en-US" dirty="0" smtClean="0"/>
+              <a:t> and </a:t>
+            </a:r>
+            <a:r>
+              <a:rPr lang="en-US" dirty="0" smtClean="0">
+                <a:latin typeface="Monaco"/>
+                <a:cs typeface="Monaco"/>
+              </a:rPr>
+              <a:t>or</a:t>
+            </a:r>
+            <a:r>
+              <a:rPr lang="en-US" dirty="0" smtClean="0"/>
+              <a:t> to combine logical statements</a:t>
+            </a:r>
+          </a:p>
+          <a:p>
+            <a:pPr marL="914400" lvl="1" indent="-457200">
+              <a:buFont typeface="Arial"/>
+              <a:buChar char="•"/>
+            </a:pPr>
+            <a:r>
+              <a:rPr lang="en-US" dirty="0" smtClean="0">
+                <a:latin typeface="Monaco"/>
+                <a:cs typeface="Monaco"/>
+              </a:rPr>
+              <a:t>and</a:t>
+            </a:r>
+            <a:r>
+              <a:rPr lang="en-US" dirty="0" smtClean="0"/>
+              <a:t>: </a:t>
+            </a:r>
+            <a:r>
+              <a:rPr lang="en-US" i="1" dirty="0" smtClean="0"/>
+              <a:t>both</a:t>
+            </a:r>
+            <a:r>
+              <a:rPr lang="en-US" dirty="0" smtClean="0"/>
+              <a:t> conditions must be True</a:t>
+            </a:r>
+          </a:p>
+          <a:p>
+            <a:pPr marL="914400" lvl="1" indent="-457200">
+              <a:buFont typeface="Arial"/>
+              <a:buChar char="•"/>
+            </a:pPr>
+            <a:r>
+              <a:rPr lang="en-US" dirty="0" smtClean="0">
+                <a:latin typeface="Monaco"/>
+                <a:cs typeface="Monaco"/>
+              </a:rPr>
+              <a:t>or</a:t>
+            </a:r>
+            <a:r>
+              <a:rPr lang="en-US" dirty="0" smtClean="0"/>
+              <a:t>:  </a:t>
+            </a:r>
+            <a:r>
+              <a:rPr lang="en-US" i="1" dirty="0" smtClean="0"/>
+              <a:t>only one</a:t>
+            </a:r>
+            <a:r>
+              <a:rPr lang="en-US" dirty="0" smtClean="0"/>
+              <a:t> condition must be True</a:t>
+            </a:r>
+            <a:endParaRPr lang="en-US" dirty="0"/>
+          </a:p>
+        </p:txBody>
+      </p:sp>
+    </p:spTree>
+    <p:extLst>
+      <p:ext uri="{BB962C8B-B14F-4D97-AF65-F5344CB8AC3E}">
+        <p14:creationId xmlns:p14="http://schemas.microsoft.com/office/powerpoint/2010/main" val="2442189817"/>
+      </p:ext>
+    </p:extLst>
+  </p:cSld>
+  <p:clrMapOvr>
+    <a:masterClrMapping/>
+  </p:clrMapOvr>
+</p:sld>
+</file>
+
+<file path=ppt/slides/slide12.xml><?xml version="1.0" encoding="utf-8"?>
+<p:sld xmlns:a="http://schemas.openxmlformats.org/drawingml/2006/main" xmlns:r="http://schemas.openxmlformats.org/officeDocument/2006/relationships" xmlns:p="http://schemas.openxmlformats.org/presentationml/2006/main">
+  <p:cSld>
+    <p:spTree>
+      <p:nvGrpSpPr>
+        <p:cNvPr id="1" name=""/>
+        <p:cNvGrpSpPr/>
+        <p:nvPr/>
+      </p:nvGrpSpPr>
+      <p:grpSpPr>
+        <a:xfrm>
+          <a:off x="0" y="0"/>
+          <a:ext cx="0" cy="0"/>
+          <a:chOff x="0" y="0"/>
+          <a:chExt cx="0" cy="0"/>
+        </a:xfrm>
+      </p:grpSpPr>
+      <p:sp>
+        <p:nvSpPr>
+          <p:cNvPr id="2" name="Title 1"/>
+          <p:cNvSpPr>
+            <a:spLocks noGrp="1"/>
+          </p:cNvSpPr>
+          <p:nvPr>
+            <p:ph type="title"/>
+          </p:nvPr>
+        </p:nvSpPr>
+        <p:spPr/>
+        <p:txBody>
+          <a:bodyPr/>
+          <a:lstStyle/>
+          <a:p>
+            <a:r>
+              <a:rPr lang="en-US" dirty="0" smtClean="0"/>
+              <a:t>combining logical statements</a:t>
+            </a:r>
+            <a:endParaRPr lang="en-US" dirty="0"/>
+          </a:p>
+        </p:txBody>
+      </p:sp>
+      <p:sp>
+        <p:nvSpPr>
           <p:cNvPr id="4" name="TextBox 3"/>
           <p:cNvSpPr txBox="1"/>
           <p:nvPr/>
@@ -4368,7 +4657,7 @@
 </p:sld>
 </file>
 
-<file path=ppt/slides/slide12.xml><?xml version="1.0" encoding="utf-8"?>
+<file path=ppt/slides/slide13.xml><?xml version="1.0" encoding="utf-8"?>
 <p:sld xmlns:a="http://schemas.openxmlformats.org/drawingml/2006/main" xmlns:r="http://schemas.openxmlformats.org/officeDocument/2006/relationships" xmlns:p="http://schemas.openxmlformats.org/presentationml/2006/main">
   <p:cSld>
     <p:spTree>
@@ -4451,7 +4740,7 @@
 </p:sld>
 </file>
 
-<file path=ppt/slides/slide13.xml><?xml version="1.0" encoding="utf-8"?>
+<file path=ppt/slides/slide14.xml><?xml version="1.0" encoding="utf-8"?>
 <p:sld xmlns:a="http://schemas.openxmlformats.org/drawingml/2006/main" xmlns:r="http://schemas.openxmlformats.org/officeDocument/2006/relationships" xmlns:p="http://schemas.openxmlformats.org/presentationml/2006/main">
   <p:cSld>
     <p:spTree>
@@ -4825,7 +5114,7 @@
 </p:sld>
 </file>
 
-<file path=ppt/slides/slide14.xml><?xml version="1.0" encoding="utf-8"?>
+<file path=ppt/slides/slide15.xml><?xml version="1.0" encoding="utf-8"?>
 <p:sld xmlns:a="http://schemas.openxmlformats.org/drawingml/2006/main" xmlns:r="http://schemas.openxmlformats.org/officeDocument/2006/relationships" xmlns:p="http://schemas.openxmlformats.org/presentationml/2006/main">
   <p:cSld>
     <p:spTree>
@@ -5289,7 +5578,7 @@
 </p:sld>
 </file>
 
-<file path=ppt/slides/slide15.xml><?xml version="1.0" encoding="utf-8"?>
+<file path=ppt/slides/slide16.xml><?xml version="1.0" encoding="utf-8"?>
 <p:sld xmlns:a="http://schemas.openxmlformats.org/drawingml/2006/main" xmlns:r="http://schemas.openxmlformats.org/officeDocument/2006/relationships" xmlns:p="http://schemas.openxmlformats.org/presentationml/2006/main">
   <p:cSld>
     <p:spTree>
@@ -5431,7 +5720,7 @@
 </p:sld>
 </file>
 
-<file path=ppt/slides/slide16.xml><?xml version="1.0" encoding="utf-8"?>
+<file path=ppt/slides/slide17.xml><?xml version="1.0" encoding="utf-8"?>
 <p:sld xmlns:a="http://schemas.openxmlformats.org/drawingml/2006/main" xmlns:r="http://schemas.openxmlformats.org/officeDocument/2006/relationships" xmlns:p="http://schemas.openxmlformats.org/presentationml/2006/main">
   <p:cSld>
     <p:spTree>
@@ -5920,7 +6209,7 @@
 </p:sld>
 </file>
 
-<file path=ppt/slides/slide17.xml><?xml version="1.0" encoding="utf-8"?>
+<file path=ppt/slides/slide18.xml><?xml version="1.0" encoding="utf-8"?>
 <p:sld xmlns:a="http://schemas.openxmlformats.org/drawingml/2006/main" xmlns:r="http://schemas.openxmlformats.org/officeDocument/2006/relationships" xmlns:p="http://schemas.openxmlformats.org/presentationml/2006/main">
   <p:cSld>
     <p:spTree>
@@ -6087,7 +6376,7 @@
 </p:sld>
 </file>
 
-<file path=ppt/slides/slide18.xml><?xml version="1.0" encoding="utf-8"?>
+<file path=ppt/slides/slide19.xml><?xml version="1.0" encoding="utf-8"?>
 <p:sld xmlns:a="http://schemas.openxmlformats.org/drawingml/2006/main" xmlns:r="http://schemas.openxmlformats.org/officeDocument/2006/relationships" xmlns:p="http://schemas.openxmlformats.org/presentationml/2006/main">
   <p:cSld>
     <p:spTree>
@@ -6699,7 +6988,400 @@
 </p:sld>
 </file>
 
-<file path=ppt/slides/slide19.xml><?xml version="1.0" encoding="utf-8"?>
+<file path=ppt/slides/slide2.xml><?xml version="1.0" encoding="utf-8"?>
+<p:sld xmlns:a="http://schemas.openxmlformats.org/drawingml/2006/main" xmlns:r="http://schemas.openxmlformats.org/officeDocument/2006/relationships" xmlns:p="http://schemas.openxmlformats.org/presentationml/2006/main">
+  <p:cSld>
+    <p:spTree>
+      <p:nvGrpSpPr>
+        <p:cNvPr id="1" name=""/>
+        <p:cNvGrpSpPr/>
+        <p:nvPr/>
+      </p:nvGrpSpPr>
+      <p:grpSpPr>
+        <a:xfrm>
+          <a:off x="0" y="0"/>
+          <a:ext cx="0" cy="0"/>
+          <a:chOff x="0" y="0"/>
+          <a:chExt cx="0" cy="0"/>
+        </a:xfrm>
+      </p:grpSpPr>
+      <p:sp>
+        <p:nvSpPr>
+          <p:cNvPr id="2" name="Title 1"/>
+          <p:cNvSpPr>
+            <a:spLocks noGrp="1"/>
+          </p:cNvSpPr>
+          <p:nvPr>
+            <p:ph type="title"/>
+          </p:nvPr>
+        </p:nvSpPr>
+        <p:spPr/>
+        <p:txBody>
+          <a:bodyPr/>
+          <a:lstStyle/>
+          <a:p>
+            <a:r>
+              <a:rPr lang="en-US" dirty="0" smtClean="0"/>
+              <a:t>another data type: dictionaries</a:t>
+            </a:r>
+            <a:endParaRPr lang="en-US" dirty="0"/>
+          </a:p>
+        </p:txBody>
+      </p:sp>
+      <p:sp>
+        <p:nvSpPr>
+          <p:cNvPr id="3" name="Content Placeholder 2"/>
+          <p:cNvSpPr>
+            <a:spLocks noGrp="1"/>
+          </p:cNvSpPr>
+          <p:nvPr>
+            <p:ph idx="1"/>
+          </p:nvPr>
+        </p:nvSpPr>
+        <p:spPr/>
+        <p:txBody>
+          <a:bodyPr/>
+          <a:lstStyle/>
+          <a:p>
+            <a:pPr marL="457200" indent="-457200">
+              <a:buFont typeface="Arial"/>
+              <a:buChar char="•"/>
+            </a:pPr>
+            <a:r>
+              <a:rPr lang="en-US" dirty="0" smtClean="0"/>
+              <a:t>Dictionaries are defined with braces: </a:t>
+            </a:r>
+            <a:r>
+              <a:rPr lang="en-US" dirty="0" smtClean="0">
+                <a:latin typeface="Monaco"/>
+                <a:cs typeface="Monaco"/>
+              </a:rPr>
+              <a:t>{}</a:t>
+            </a:r>
+          </a:p>
+          <a:p>
+            <a:pPr marL="914400" lvl="1" indent="-457200">
+              <a:buFont typeface="Arial"/>
+              <a:buChar char="•"/>
+            </a:pPr>
+            <a:r>
+              <a:rPr lang="en-US" dirty="0" smtClean="0"/>
+              <a:t>Contain </a:t>
+            </a:r>
+            <a:r>
+              <a:rPr lang="en-US" dirty="0" err="1" smtClean="0">
+                <a:latin typeface="Monaco"/>
+                <a:cs typeface="Monaco"/>
+              </a:rPr>
+              <a:t>key:value</a:t>
+            </a:r>
+            <a:r>
+              <a:rPr lang="en-US" dirty="0" smtClean="0"/>
+              <a:t> pairs</a:t>
+            </a:r>
+          </a:p>
+          <a:p>
+            <a:pPr marL="914400" lvl="1" indent="-457200">
+              <a:buFont typeface="Arial"/>
+              <a:buChar char="•"/>
+            </a:pPr>
+            <a:r>
+              <a:rPr lang="en-US" dirty="0" smtClean="0"/>
+              <a:t>Known in other contexts as "associative arrays"</a:t>
+            </a:r>
+            <a:endParaRPr lang="en-US" dirty="0"/>
+          </a:p>
+          <a:p>
+            <a:endParaRPr lang="en-US" dirty="0"/>
+          </a:p>
+        </p:txBody>
+      </p:sp>
+      <p:sp>
+        <p:nvSpPr>
+          <p:cNvPr id="4" name="TextBox 3"/>
+          <p:cNvSpPr txBox="1"/>
+          <p:nvPr/>
+        </p:nvSpPr>
+        <p:spPr>
+          <a:xfrm>
+            <a:off x="457199" y="3463843"/>
+            <a:ext cx="8338444" cy="3970318"/>
+          </a:xfrm>
+          <a:prstGeom prst="rect">
+            <a:avLst/>
+          </a:prstGeom>
+          <a:noFill/>
+        </p:spPr>
+        <p:txBody>
+          <a:bodyPr wrap="square" rtlCol="0">
+            <a:spAutoFit/>
+          </a:bodyPr>
+          <a:lstStyle/>
+          <a:p>
+            <a:r>
+              <a:rPr lang="en-US" dirty="0" smtClean="0">
+                <a:latin typeface="Monaco"/>
+                <a:cs typeface="Monaco"/>
+              </a:rPr>
+              <a:t># Define a dictionary of names</a:t>
+            </a:r>
+          </a:p>
+          <a:p>
+            <a:r>
+              <a:rPr lang="en-US" dirty="0" smtClean="0">
+                <a:latin typeface="Monaco"/>
+                <a:cs typeface="Monaco"/>
+              </a:rPr>
+              <a:t>names = {"Stephanie": "Spielman", "</a:t>
+            </a:r>
+            <a:r>
+              <a:rPr lang="en-US" dirty="0" err="1" smtClean="0">
+                <a:latin typeface="Monaco"/>
+                <a:cs typeface="Monaco"/>
+              </a:rPr>
+              <a:t>Eleisha</a:t>
+            </a:r>
+            <a:r>
+              <a:rPr lang="en-US" dirty="0" smtClean="0">
+                <a:latin typeface="Monaco"/>
+                <a:cs typeface="Monaco"/>
+              </a:rPr>
+              <a:t>": "Jackson", "Claus": "</a:t>
+            </a:r>
+            <a:r>
+              <a:rPr lang="en-US" dirty="0" err="1" smtClean="0">
+                <a:latin typeface="Monaco"/>
+                <a:cs typeface="Monaco"/>
+              </a:rPr>
+              <a:t>Wilke</a:t>
+            </a:r>
+            <a:r>
+              <a:rPr lang="en-US" dirty="0" smtClean="0">
+                <a:latin typeface="Monaco"/>
+                <a:cs typeface="Monaco"/>
+              </a:rPr>
+              <a:t>"}</a:t>
+            </a:r>
+          </a:p>
+          <a:p>
+            <a:endParaRPr lang="en-US" dirty="0">
+              <a:latin typeface="Monaco"/>
+              <a:cs typeface="Monaco"/>
+            </a:endParaRPr>
+          </a:p>
+          <a:p>
+            <a:r>
+              <a:rPr lang="en-US" dirty="0" smtClean="0">
+                <a:latin typeface="Monaco"/>
+                <a:cs typeface="Monaco"/>
+              </a:rPr>
+              <a:t># Each </a:t>
+            </a:r>
+            <a:r>
+              <a:rPr lang="en-US" dirty="0" err="1" smtClean="0">
+                <a:latin typeface="Monaco"/>
+                <a:cs typeface="Monaco"/>
+              </a:rPr>
+              <a:t>key:value</a:t>
+            </a:r>
+            <a:r>
+              <a:rPr lang="en-US" dirty="0" smtClean="0">
+                <a:latin typeface="Monaco"/>
+                <a:cs typeface="Monaco"/>
+              </a:rPr>
+              <a:t> pair is a single item</a:t>
+            </a:r>
+          </a:p>
+          <a:p>
+            <a:r>
+              <a:rPr lang="en-US" dirty="0" smtClean="0">
+                <a:latin typeface="Monaco"/>
+                <a:cs typeface="Monaco"/>
+              </a:rPr>
+              <a:t>print </a:t>
+            </a:r>
+            <a:r>
+              <a:rPr lang="en-US" dirty="0" err="1" smtClean="0">
+                <a:latin typeface="Monaco"/>
+                <a:cs typeface="Monaco"/>
+              </a:rPr>
+              <a:t>len</a:t>
+            </a:r>
+            <a:r>
+              <a:rPr lang="en-US" dirty="0" smtClean="0">
+                <a:latin typeface="Monaco"/>
+                <a:cs typeface="Monaco"/>
+              </a:rPr>
+              <a:t>(names)</a:t>
+            </a:r>
+          </a:p>
+          <a:p>
+            <a:r>
+              <a:rPr lang="en-US" dirty="0">
+                <a:latin typeface="Monaco"/>
+                <a:cs typeface="Monaco"/>
+              </a:rPr>
+              <a:t>	</a:t>
+            </a:r>
+            <a:r>
+              <a:rPr lang="en-US" dirty="0" smtClean="0">
+                <a:solidFill>
+                  <a:schemeClr val="bg1">
+                    <a:lumMod val="65000"/>
+                  </a:schemeClr>
+                </a:solidFill>
+                <a:latin typeface="Monaco"/>
+                <a:cs typeface="Monaco"/>
+              </a:rPr>
+              <a:t>3</a:t>
+            </a:r>
+          </a:p>
+          <a:p>
+            <a:endParaRPr lang="en-US" dirty="0">
+              <a:latin typeface="Monaco"/>
+              <a:cs typeface="Monaco"/>
+            </a:endParaRPr>
+          </a:p>
+          <a:p>
+            <a:r>
+              <a:rPr lang="en-US" dirty="0" smtClean="0">
+                <a:latin typeface="Monaco"/>
+                <a:cs typeface="Monaco"/>
+              </a:rPr>
+              <a:t># Index dictionaries via *keys* (not position!!)</a:t>
+            </a:r>
+          </a:p>
+          <a:p>
+            <a:r>
+              <a:rPr lang="en-US" dirty="0" smtClean="0">
+                <a:latin typeface="Monaco"/>
+                <a:cs typeface="Monaco"/>
+              </a:rPr>
+              <a:t>print names["</a:t>
+            </a:r>
+            <a:r>
+              <a:rPr lang="en-US" dirty="0" err="1" smtClean="0">
+                <a:latin typeface="Monaco"/>
+                <a:cs typeface="Monaco"/>
+              </a:rPr>
+              <a:t>Eleisha</a:t>
+            </a:r>
+            <a:r>
+              <a:rPr lang="en-US" dirty="0" smtClean="0">
+                <a:latin typeface="Monaco"/>
+                <a:cs typeface="Monaco"/>
+              </a:rPr>
+              <a:t>"]</a:t>
+            </a:r>
+          </a:p>
+          <a:p>
+            <a:r>
+              <a:rPr lang="en-US" dirty="0">
+                <a:solidFill>
+                  <a:schemeClr val="bg1">
+                    <a:lumMod val="65000"/>
+                  </a:schemeClr>
+                </a:solidFill>
+                <a:latin typeface="Monaco"/>
+                <a:cs typeface="Monaco"/>
+              </a:rPr>
+              <a:t>	</a:t>
+            </a:r>
+            <a:r>
+              <a:rPr lang="en-US" dirty="0" smtClean="0">
+                <a:solidFill>
+                  <a:schemeClr val="bg1">
+                    <a:lumMod val="65000"/>
+                  </a:schemeClr>
+                </a:solidFill>
+                <a:latin typeface="Monaco"/>
+                <a:cs typeface="Monaco"/>
+              </a:rPr>
+              <a:t>"Jackson"</a:t>
+            </a:r>
+          </a:p>
+          <a:p>
+            <a:endParaRPr lang="en-US" dirty="0">
+              <a:latin typeface="Monaco"/>
+              <a:cs typeface="Monaco"/>
+            </a:endParaRPr>
+          </a:p>
+          <a:p>
+            <a:endParaRPr lang="en-US" dirty="0" smtClean="0">
+              <a:latin typeface="Monaco"/>
+              <a:cs typeface="Monaco"/>
+            </a:endParaRPr>
+          </a:p>
+          <a:p>
+            <a:r>
+              <a:rPr lang="en-US" dirty="0" smtClean="0">
+                <a:latin typeface="Monaco"/>
+                <a:cs typeface="Monaco"/>
+              </a:rPr>
+              <a:t> </a:t>
+            </a:r>
+          </a:p>
+        </p:txBody>
+      </p:sp>
+      <p:sp>
+        <p:nvSpPr>
+          <p:cNvPr id="5" name="Rectangle 4"/>
+          <p:cNvSpPr/>
+          <p:nvPr/>
+        </p:nvSpPr>
+        <p:spPr>
+          <a:xfrm>
+            <a:off x="1761248" y="3765274"/>
+            <a:ext cx="3177481" cy="283603"/>
+          </a:xfrm>
+          <a:prstGeom prst="rect">
+            <a:avLst/>
+          </a:prstGeom>
+          <a:noFill/>
+          <a:ln w="28575" cmpd="sng">
+            <a:solidFill>
+              <a:schemeClr val="accent2"/>
+            </a:solidFill>
+          </a:ln>
+          <a:effectLst/>
+        </p:spPr>
+        <p:style>
+          <a:lnRef idx="1">
+            <a:schemeClr val="accent1"/>
+          </a:lnRef>
+          <a:fillRef idx="3">
+            <a:schemeClr val="accent1"/>
+          </a:fillRef>
+          <a:effectRef idx="2">
+            <a:schemeClr val="accent1"/>
+          </a:effectRef>
+          <a:fontRef idx="minor">
+            <a:schemeClr val="lt1"/>
+          </a:fontRef>
+        </p:style>
+        <p:txBody>
+          <a:bodyPr rtlCol="0" anchor="ctr"/>
+          <a:lstStyle/>
+          <a:p>
+            <a:pPr algn="ctr"/>
+            <a:endParaRPr lang="en-US"/>
+          </a:p>
+        </p:txBody>
+      </p:sp>
+    </p:spTree>
+    <p:extLst>
+      <p:ext uri="{BB962C8B-B14F-4D97-AF65-F5344CB8AC3E}">
+        <p14:creationId xmlns:p14="http://schemas.microsoft.com/office/powerpoint/2010/main" val="515583906"/>
+      </p:ext>
+    </p:extLst>
+  </p:cSld>
+  <p:clrMapOvr>
+    <a:masterClrMapping/>
+  </p:clrMapOvr>
+</p:sld>
+</file>
+
+<file path=ppt/slides/slide20.xml><?xml version="1.0" encoding="utf-8"?>
 <p:sld xmlns:a="http://schemas.openxmlformats.org/drawingml/2006/main" xmlns:r="http://schemas.openxmlformats.org/officeDocument/2006/relationships" xmlns:p="http://schemas.openxmlformats.org/presentationml/2006/main">
   <p:cSld>
     <p:spTree>
@@ -6894,400 +7576,7 @@
 </p:sld>
 </file>
 
-<file path=ppt/slides/slide2.xml><?xml version="1.0" encoding="utf-8"?>
-<p:sld xmlns:a="http://schemas.openxmlformats.org/drawingml/2006/main" xmlns:r="http://schemas.openxmlformats.org/officeDocument/2006/relationships" xmlns:p="http://schemas.openxmlformats.org/presentationml/2006/main">
-  <p:cSld>
-    <p:spTree>
-      <p:nvGrpSpPr>
-        <p:cNvPr id="1" name=""/>
-        <p:cNvGrpSpPr/>
-        <p:nvPr/>
-      </p:nvGrpSpPr>
-      <p:grpSpPr>
-        <a:xfrm>
-          <a:off x="0" y="0"/>
-          <a:ext cx="0" cy="0"/>
-          <a:chOff x="0" y="0"/>
-          <a:chExt cx="0" cy="0"/>
-        </a:xfrm>
-      </p:grpSpPr>
-      <p:sp>
-        <p:nvSpPr>
-          <p:cNvPr id="2" name="Title 1"/>
-          <p:cNvSpPr>
-            <a:spLocks noGrp="1"/>
-          </p:cNvSpPr>
-          <p:nvPr>
-            <p:ph type="title"/>
-          </p:nvPr>
-        </p:nvSpPr>
-        <p:spPr/>
-        <p:txBody>
-          <a:bodyPr/>
-          <a:lstStyle/>
-          <a:p>
-            <a:r>
-              <a:rPr lang="en-US" dirty="0" smtClean="0"/>
-              <a:t>another data type: dictionaries</a:t>
-            </a:r>
-            <a:endParaRPr lang="en-US" dirty="0"/>
-          </a:p>
-        </p:txBody>
-      </p:sp>
-      <p:sp>
-        <p:nvSpPr>
-          <p:cNvPr id="3" name="Content Placeholder 2"/>
-          <p:cNvSpPr>
-            <a:spLocks noGrp="1"/>
-          </p:cNvSpPr>
-          <p:nvPr>
-            <p:ph idx="1"/>
-          </p:nvPr>
-        </p:nvSpPr>
-        <p:spPr/>
-        <p:txBody>
-          <a:bodyPr/>
-          <a:lstStyle/>
-          <a:p>
-            <a:pPr marL="457200" indent="-457200">
-              <a:buFont typeface="Arial"/>
-              <a:buChar char="•"/>
-            </a:pPr>
-            <a:r>
-              <a:rPr lang="en-US" dirty="0" smtClean="0"/>
-              <a:t>Dictionaries are defined with braces: </a:t>
-            </a:r>
-            <a:r>
-              <a:rPr lang="en-US" dirty="0" smtClean="0">
-                <a:latin typeface="Monaco"/>
-                <a:cs typeface="Monaco"/>
-              </a:rPr>
-              <a:t>{}</a:t>
-            </a:r>
-          </a:p>
-          <a:p>
-            <a:pPr marL="914400" lvl="1" indent="-457200">
-              <a:buFont typeface="Arial"/>
-              <a:buChar char="•"/>
-            </a:pPr>
-            <a:r>
-              <a:rPr lang="en-US" dirty="0" smtClean="0"/>
-              <a:t>Contain </a:t>
-            </a:r>
-            <a:r>
-              <a:rPr lang="en-US" dirty="0" err="1" smtClean="0">
-                <a:latin typeface="Monaco"/>
-                <a:cs typeface="Monaco"/>
-              </a:rPr>
-              <a:t>key:value</a:t>
-            </a:r>
-            <a:r>
-              <a:rPr lang="en-US" dirty="0" smtClean="0"/>
-              <a:t> pairs</a:t>
-            </a:r>
-          </a:p>
-          <a:p>
-            <a:pPr marL="914400" lvl="1" indent="-457200">
-              <a:buFont typeface="Arial"/>
-              <a:buChar char="•"/>
-            </a:pPr>
-            <a:r>
-              <a:rPr lang="en-US" dirty="0" smtClean="0"/>
-              <a:t>Known in other contexts as "associative arrays"</a:t>
-            </a:r>
-            <a:endParaRPr lang="en-US" dirty="0"/>
-          </a:p>
-          <a:p>
-            <a:endParaRPr lang="en-US" dirty="0"/>
-          </a:p>
-        </p:txBody>
-      </p:sp>
-      <p:sp>
-        <p:nvSpPr>
-          <p:cNvPr id="4" name="TextBox 3"/>
-          <p:cNvSpPr txBox="1"/>
-          <p:nvPr/>
-        </p:nvSpPr>
-        <p:spPr>
-          <a:xfrm>
-            <a:off x="457199" y="3463843"/>
-            <a:ext cx="8338444" cy="3970318"/>
-          </a:xfrm>
-          <a:prstGeom prst="rect">
-            <a:avLst/>
-          </a:prstGeom>
-          <a:noFill/>
-        </p:spPr>
-        <p:txBody>
-          <a:bodyPr wrap="square" rtlCol="0">
-            <a:spAutoFit/>
-          </a:bodyPr>
-          <a:lstStyle/>
-          <a:p>
-            <a:r>
-              <a:rPr lang="en-US" dirty="0" smtClean="0">
-                <a:latin typeface="Monaco"/>
-                <a:cs typeface="Monaco"/>
-              </a:rPr>
-              <a:t># Define a dictionary of names</a:t>
-            </a:r>
-          </a:p>
-          <a:p>
-            <a:r>
-              <a:rPr lang="en-US" dirty="0" smtClean="0">
-                <a:latin typeface="Monaco"/>
-                <a:cs typeface="Monaco"/>
-              </a:rPr>
-              <a:t>names = {"Stephanie": "Spielman", "</a:t>
-            </a:r>
-            <a:r>
-              <a:rPr lang="en-US" dirty="0" err="1" smtClean="0">
-                <a:latin typeface="Monaco"/>
-                <a:cs typeface="Monaco"/>
-              </a:rPr>
-              <a:t>Eleisha</a:t>
-            </a:r>
-            <a:r>
-              <a:rPr lang="en-US" dirty="0" smtClean="0">
-                <a:latin typeface="Monaco"/>
-                <a:cs typeface="Monaco"/>
-              </a:rPr>
-              <a:t>": "Jackson", "Claus": "</a:t>
-            </a:r>
-            <a:r>
-              <a:rPr lang="en-US" dirty="0" err="1" smtClean="0">
-                <a:latin typeface="Monaco"/>
-                <a:cs typeface="Monaco"/>
-              </a:rPr>
-              <a:t>Wilke</a:t>
-            </a:r>
-            <a:r>
-              <a:rPr lang="en-US" dirty="0" smtClean="0">
-                <a:latin typeface="Monaco"/>
-                <a:cs typeface="Monaco"/>
-              </a:rPr>
-              <a:t>"}</a:t>
-            </a:r>
-          </a:p>
-          <a:p>
-            <a:endParaRPr lang="en-US" dirty="0">
-              <a:latin typeface="Monaco"/>
-              <a:cs typeface="Monaco"/>
-            </a:endParaRPr>
-          </a:p>
-          <a:p>
-            <a:r>
-              <a:rPr lang="en-US" dirty="0" smtClean="0">
-                <a:latin typeface="Monaco"/>
-                <a:cs typeface="Monaco"/>
-              </a:rPr>
-              <a:t># Each </a:t>
-            </a:r>
-            <a:r>
-              <a:rPr lang="en-US" dirty="0" err="1" smtClean="0">
-                <a:latin typeface="Monaco"/>
-                <a:cs typeface="Monaco"/>
-              </a:rPr>
-              <a:t>key:value</a:t>
-            </a:r>
-            <a:r>
-              <a:rPr lang="en-US" dirty="0" smtClean="0">
-                <a:latin typeface="Monaco"/>
-                <a:cs typeface="Monaco"/>
-              </a:rPr>
-              <a:t> pair is a single item</a:t>
-            </a:r>
-          </a:p>
-          <a:p>
-            <a:r>
-              <a:rPr lang="en-US" dirty="0" smtClean="0">
-                <a:latin typeface="Monaco"/>
-                <a:cs typeface="Monaco"/>
-              </a:rPr>
-              <a:t>print </a:t>
-            </a:r>
-            <a:r>
-              <a:rPr lang="en-US" dirty="0" err="1" smtClean="0">
-                <a:latin typeface="Monaco"/>
-                <a:cs typeface="Monaco"/>
-              </a:rPr>
-              <a:t>len</a:t>
-            </a:r>
-            <a:r>
-              <a:rPr lang="en-US" dirty="0" smtClean="0">
-                <a:latin typeface="Monaco"/>
-                <a:cs typeface="Monaco"/>
-              </a:rPr>
-              <a:t>(names)</a:t>
-            </a:r>
-          </a:p>
-          <a:p>
-            <a:r>
-              <a:rPr lang="en-US" dirty="0">
-                <a:latin typeface="Monaco"/>
-                <a:cs typeface="Monaco"/>
-              </a:rPr>
-              <a:t>	</a:t>
-            </a:r>
-            <a:r>
-              <a:rPr lang="en-US" dirty="0" smtClean="0">
-                <a:solidFill>
-                  <a:schemeClr val="bg1">
-                    <a:lumMod val="65000"/>
-                  </a:schemeClr>
-                </a:solidFill>
-                <a:latin typeface="Monaco"/>
-                <a:cs typeface="Monaco"/>
-              </a:rPr>
-              <a:t>3</a:t>
-            </a:r>
-          </a:p>
-          <a:p>
-            <a:endParaRPr lang="en-US" dirty="0">
-              <a:latin typeface="Monaco"/>
-              <a:cs typeface="Monaco"/>
-            </a:endParaRPr>
-          </a:p>
-          <a:p>
-            <a:r>
-              <a:rPr lang="en-US" dirty="0" smtClean="0">
-                <a:latin typeface="Monaco"/>
-                <a:cs typeface="Monaco"/>
-              </a:rPr>
-              <a:t># Index dictionaries via *keys* (not position!!)</a:t>
-            </a:r>
-          </a:p>
-          <a:p>
-            <a:r>
-              <a:rPr lang="en-US" dirty="0" smtClean="0">
-                <a:latin typeface="Monaco"/>
-                <a:cs typeface="Monaco"/>
-              </a:rPr>
-              <a:t>print names["</a:t>
-            </a:r>
-            <a:r>
-              <a:rPr lang="en-US" dirty="0" err="1" smtClean="0">
-                <a:latin typeface="Monaco"/>
-                <a:cs typeface="Monaco"/>
-              </a:rPr>
-              <a:t>Eleisha</a:t>
-            </a:r>
-            <a:r>
-              <a:rPr lang="en-US" dirty="0" smtClean="0">
-                <a:latin typeface="Monaco"/>
-                <a:cs typeface="Monaco"/>
-              </a:rPr>
-              <a:t>"]</a:t>
-            </a:r>
-          </a:p>
-          <a:p>
-            <a:r>
-              <a:rPr lang="en-US" dirty="0">
-                <a:solidFill>
-                  <a:schemeClr val="bg1">
-                    <a:lumMod val="65000"/>
-                  </a:schemeClr>
-                </a:solidFill>
-                <a:latin typeface="Monaco"/>
-                <a:cs typeface="Monaco"/>
-              </a:rPr>
-              <a:t>	</a:t>
-            </a:r>
-            <a:r>
-              <a:rPr lang="en-US" dirty="0" smtClean="0">
-                <a:solidFill>
-                  <a:schemeClr val="bg1">
-                    <a:lumMod val="65000"/>
-                  </a:schemeClr>
-                </a:solidFill>
-                <a:latin typeface="Monaco"/>
-                <a:cs typeface="Monaco"/>
-              </a:rPr>
-              <a:t>"Jackson"</a:t>
-            </a:r>
-          </a:p>
-          <a:p>
-            <a:endParaRPr lang="en-US" dirty="0">
-              <a:latin typeface="Monaco"/>
-              <a:cs typeface="Monaco"/>
-            </a:endParaRPr>
-          </a:p>
-          <a:p>
-            <a:endParaRPr lang="en-US" dirty="0" smtClean="0">
-              <a:latin typeface="Monaco"/>
-              <a:cs typeface="Monaco"/>
-            </a:endParaRPr>
-          </a:p>
-          <a:p>
-            <a:r>
-              <a:rPr lang="en-US" dirty="0" smtClean="0">
-                <a:latin typeface="Monaco"/>
-                <a:cs typeface="Monaco"/>
-              </a:rPr>
-              <a:t> </a:t>
-            </a:r>
-          </a:p>
-        </p:txBody>
-      </p:sp>
-      <p:sp>
-        <p:nvSpPr>
-          <p:cNvPr id="5" name="Rectangle 4"/>
-          <p:cNvSpPr/>
-          <p:nvPr/>
-        </p:nvSpPr>
-        <p:spPr>
-          <a:xfrm>
-            <a:off x="1761248" y="3765274"/>
-            <a:ext cx="3177481" cy="283603"/>
-          </a:xfrm>
-          <a:prstGeom prst="rect">
-            <a:avLst/>
-          </a:prstGeom>
-          <a:noFill/>
-          <a:ln w="28575" cmpd="sng">
-            <a:solidFill>
-              <a:schemeClr val="accent2"/>
-            </a:solidFill>
-          </a:ln>
-          <a:effectLst/>
-        </p:spPr>
-        <p:style>
-          <a:lnRef idx="1">
-            <a:schemeClr val="accent1"/>
-          </a:lnRef>
-          <a:fillRef idx="3">
-            <a:schemeClr val="accent1"/>
-          </a:fillRef>
-          <a:effectRef idx="2">
-            <a:schemeClr val="accent1"/>
-          </a:effectRef>
-          <a:fontRef idx="minor">
-            <a:schemeClr val="lt1"/>
-          </a:fontRef>
-        </p:style>
-        <p:txBody>
-          <a:bodyPr rtlCol="0" anchor="ctr"/>
-          <a:lstStyle/>
-          <a:p>
-            <a:pPr algn="ctr"/>
-            <a:endParaRPr lang="en-US"/>
-          </a:p>
-        </p:txBody>
-      </p:sp>
-    </p:spTree>
-    <p:extLst>
-      <p:ext uri="{BB962C8B-B14F-4D97-AF65-F5344CB8AC3E}">
-        <p14:creationId xmlns:p14="http://schemas.microsoft.com/office/powerpoint/2010/main" val="515583906"/>
-      </p:ext>
-    </p:extLst>
-  </p:cSld>
-  <p:clrMapOvr>
-    <a:masterClrMapping/>
-  </p:clrMapOvr>
-</p:sld>
-</file>
-
-<file path=ppt/slides/slide20.xml><?xml version="1.0" encoding="utf-8"?>
+<file path=ppt/slides/slide21.xml><?xml version="1.0" encoding="utf-8"?>
 <p:sld xmlns:a="http://schemas.openxmlformats.org/drawingml/2006/main" xmlns:r="http://schemas.openxmlformats.org/officeDocument/2006/relationships" xmlns:p="http://schemas.openxmlformats.org/presentationml/2006/main">
   <p:cSld>
     <p:spTree>
@@ -7536,7 +7825,7 @@
 </p:sld>
 </file>
 
-<file path=ppt/slides/slide21.xml><?xml version="1.0" encoding="utf-8"?>
+<file path=ppt/slides/slide22.xml><?xml version="1.0" encoding="utf-8"?>
 <p:sld xmlns:a="http://schemas.openxmlformats.org/drawingml/2006/main" xmlns:r="http://schemas.openxmlformats.org/officeDocument/2006/relationships" xmlns:p="http://schemas.openxmlformats.org/presentationml/2006/main">
   <p:cSld>
     <p:spTree>
@@ -7742,95 +8031,6 @@
 </p:sld>
 </file>
 
-<file path=ppt/slides/slide22.xml><?xml version="1.0" encoding="utf-8"?>
-<p:sld xmlns:a="http://schemas.openxmlformats.org/drawingml/2006/main" xmlns:r="http://schemas.openxmlformats.org/officeDocument/2006/relationships" xmlns:p="http://schemas.openxmlformats.org/presentationml/2006/main">
-  <p:cSld>
-    <p:spTree>
-      <p:nvGrpSpPr>
-        <p:cNvPr id="1" name=""/>
-        <p:cNvGrpSpPr/>
-        <p:nvPr/>
-      </p:nvGrpSpPr>
-      <p:grpSpPr>
-        <a:xfrm>
-          <a:off x="0" y="0"/>
-          <a:ext cx="0" cy="0"/>
-          <a:chOff x="0" y="0"/>
-          <a:chExt cx="0" cy="0"/>
-        </a:xfrm>
-      </p:grpSpPr>
-      <p:sp>
-        <p:nvSpPr>
-          <p:cNvPr id="2" name="Title 1"/>
-          <p:cNvSpPr>
-            <a:spLocks noGrp="1"/>
-          </p:cNvSpPr>
-          <p:nvPr>
-            <p:ph type="title"/>
-          </p:nvPr>
-        </p:nvSpPr>
-        <p:spPr/>
-        <p:txBody>
-          <a:bodyPr/>
-          <a:lstStyle/>
-          <a:p>
-            <a:r>
-              <a:rPr lang="en-US" dirty="0" smtClean="0"/>
-              <a:t>iteration is our other control flow tool</a:t>
-            </a:r>
-            <a:endParaRPr lang="en-US" dirty="0"/>
-          </a:p>
-        </p:txBody>
-      </p:sp>
-      <p:sp>
-        <p:nvSpPr>
-          <p:cNvPr id="3" name="Content Placeholder 2"/>
-          <p:cNvSpPr>
-            <a:spLocks noGrp="1"/>
-          </p:cNvSpPr>
-          <p:nvPr>
-            <p:ph idx="1"/>
-          </p:nvPr>
-        </p:nvSpPr>
-        <p:spPr>
-          <a:xfrm>
-            <a:off x="457200" y="1752600"/>
-            <a:ext cx="8256954" cy="4373563"/>
-          </a:xfrm>
-        </p:spPr>
-        <p:txBody>
-          <a:bodyPr>
-            <a:normAutofit/>
-          </a:bodyPr>
-          <a:lstStyle/>
-          <a:p>
-            <a:pPr marL="457200" indent="-457200">
-              <a:buFont typeface="Arial"/>
-              <a:buChar char="•"/>
-            </a:pPr>
-            <a:r>
-              <a:rPr lang="en-US" dirty="0" smtClean="0"/>
-              <a:t>Iteration performs the same code repeatedly</a:t>
-            </a:r>
-          </a:p>
-          <a:p>
-            <a:endParaRPr lang="en-US" dirty="0" smtClean="0"/>
-          </a:p>
-        </p:txBody>
-      </p:sp>
-    </p:spTree>
-    <p:extLst>
-      <p:ext uri="{BB962C8B-B14F-4D97-AF65-F5344CB8AC3E}">
-        <p14:creationId xmlns:p14="http://schemas.microsoft.com/office/powerpoint/2010/main" val="1201355029"/>
-      </p:ext>
-    </p:extLst>
-  </p:cSld>
-  <p:clrMapOvr>
-    <a:masterClrMapping/>
-  </p:clrMapOvr>
-</p:sld>
-</file>
-
 <file path=ppt/slides/slide23.xml><?xml version="1.0" encoding="utf-8"?>
 <p:sld xmlns:a="http://schemas.openxmlformats.org/drawingml/2006/main" xmlns:r="http://schemas.openxmlformats.org/officeDocument/2006/relationships" xmlns:p="http://schemas.openxmlformats.org/presentationml/2006/main">
   <p:cSld>
@@ -7858,6 +8058,153 @@
             <p:ph type="title"/>
           </p:nvPr>
         </p:nvSpPr>
+        <p:spPr>
+          <a:xfrm>
+            <a:off x="2230714" y="3087537"/>
+            <a:ext cx="4688183" cy="692215"/>
+          </a:xfrm>
+        </p:spPr>
+        <p:txBody>
+          <a:bodyPr/>
+          <a:lstStyle/>
+          <a:p>
+            <a:r>
+              <a:rPr lang="en-US" dirty="0" smtClean="0"/>
+              <a:t>exercise break</a:t>
+            </a:r>
+            <a:endParaRPr lang="en-US" dirty="0"/>
+          </a:p>
+        </p:txBody>
+      </p:sp>
+    </p:spTree>
+    <p:extLst>
+      <p:ext uri="{BB962C8B-B14F-4D97-AF65-F5344CB8AC3E}">
+        <p14:creationId xmlns:p14="http://schemas.microsoft.com/office/powerpoint/2010/main" val="1637656586"/>
+      </p:ext>
+    </p:extLst>
+  </p:cSld>
+  <p:clrMapOvr>
+    <a:masterClrMapping/>
+  </p:clrMapOvr>
+</p:sld>
+</file>
+
+<file path=ppt/slides/slide24.xml><?xml version="1.0" encoding="utf-8"?>
+<p:sld xmlns:a="http://schemas.openxmlformats.org/drawingml/2006/main" xmlns:r="http://schemas.openxmlformats.org/officeDocument/2006/relationships" xmlns:p="http://schemas.openxmlformats.org/presentationml/2006/main">
+  <p:cSld>
+    <p:spTree>
+      <p:nvGrpSpPr>
+        <p:cNvPr id="1" name=""/>
+        <p:cNvGrpSpPr/>
+        <p:nvPr/>
+      </p:nvGrpSpPr>
+      <p:grpSpPr>
+        <a:xfrm>
+          <a:off x="0" y="0"/>
+          <a:ext cx="0" cy="0"/>
+          <a:chOff x="0" y="0"/>
+          <a:chExt cx="0" cy="0"/>
+        </a:xfrm>
+      </p:grpSpPr>
+      <p:sp>
+        <p:nvSpPr>
+          <p:cNvPr id="2" name="Title 1"/>
+          <p:cNvSpPr>
+            <a:spLocks noGrp="1"/>
+          </p:cNvSpPr>
+          <p:nvPr>
+            <p:ph type="title"/>
+          </p:nvPr>
+        </p:nvSpPr>
+        <p:spPr/>
+        <p:txBody>
+          <a:bodyPr/>
+          <a:lstStyle/>
+          <a:p>
+            <a:r>
+              <a:rPr lang="en-US" dirty="0" smtClean="0"/>
+              <a:t>iteration is our other control flow tool</a:t>
+            </a:r>
+            <a:endParaRPr lang="en-US" dirty="0"/>
+          </a:p>
+        </p:txBody>
+      </p:sp>
+      <p:sp>
+        <p:nvSpPr>
+          <p:cNvPr id="3" name="Content Placeholder 2"/>
+          <p:cNvSpPr>
+            <a:spLocks noGrp="1"/>
+          </p:cNvSpPr>
+          <p:nvPr>
+            <p:ph idx="1"/>
+          </p:nvPr>
+        </p:nvSpPr>
+        <p:spPr>
+          <a:xfrm>
+            <a:off x="457200" y="1752600"/>
+            <a:ext cx="8256954" cy="4373563"/>
+          </a:xfrm>
+        </p:spPr>
+        <p:txBody>
+          <a:bodyPr>
+            <a:normAutofit/>
+          </a:bodyPr>
+          <a:lstStyle/>
+          <a:p>
+            <a:pPr marL="457200" indent="-457200">
+              <a:buFont typeface="Arial"/>
+              <a:buChar char="•"/>
+            </a:pPr>
+            <a:r>
+              <a:rPr lang="en-US" dirty="0" smtClean="0"/>
+              <a:t>Iteration performs the same code repeatedly</a:t>
+            </a:r>
+          </a:p>
+          <a:p>
+            <a:endParaRPr lang="en-US" dirty="0" smtClean="0"/>
+          </a:p>
+        </p:txBody>
+      </p:sp>
+    </p:spTree>
+    <p:extLst>
+      <p:ext uri="{BB962C8B-B14F-4D97-AF65-F5344CB8AC3E}">
+        <p14:creationId xmlns:p14="http://schemas.microsoft.com/office/powerpoint/2010/main" val="1201355029"/>
+      </p:ext>
+    </p:extLst>
+  </p:cSld>
+  <p:clrMapOvr>
+    <a:masterClrMapping/>
+  </p:clrMapOvr>
+</p:sld>
+</file>
+
+<file path=ppt/slides/slide25.xml><?xml version="1.0" encoding="utf-8"?>
+<p:sld xmlns:a="http://schemas.openxmlformats.org/drawingml/2006/main" xmlns:r="http://schemas.openxmlformats.org/officeDocument/2006/relationships" xmlns:p="http://schemas.openxmlformats.org/presentationml/2006/main">
+  <p:cSld>
+    <p:spTree>
+      <p:nvGrpSpPr>
+        <p:cNvPr id="1" name=""/>
+        <p:cNvGrpSpPr/>
+        <p:nvPr/>
+      </p:nvGrpSpPr>
+      <p:grpSpPr>
+        <a:xfrm>
+          <a:off x="0" y="0"/>
+          <a:ext cx="0" cy="0"/>
+          <a:chOff x="0" y="0"/>
+          <a:chExt cx="0" cy="0"/>
+        </a:xfrm>
+      </p:grpSpPr>
+      <p:sp>
+        <p:nvSpPr>
+          <p:cNvPr id="2" name="Title 1"/>
+          <p:cNvSpPr>
+            <a:spLocks noGrp="1"/>
+          </p:cNvSpPr>
+          <p:nvPr>
+            <p:ph type="title"/>
+          </p:nvPr>
+        </p:nvSpPr>
         <p:spPr/>
         <p:txBody>
           <a:bodyPr/>
@@ -7957,7 +8304,7 @@
 </p:sld>
 </file>
 
-<file path=ppt/slides/slide24.xml><?xml version="1.0" encoding="utf-8"?>
+<file path=ppt/slides/slide26.xml><?xml version="1.0" encoding="utf-8"?>
 <p:sld xmlns:a="http://schemas.openxmlformats.org/drawingml/2006/main" xmlns:r="http://schemas.openxmlformats.org/officeDocument/2006/relationships" xmlns:p="http://schemas.openxmlformats.org/presentationml/2006/main">
   <p:cSld>
     <p:spTree>
@@ -8128,7 +8475,7 @@
 </p:sld>
 </file>
 
-<file path=ppt/slides/slide25.xml><?xml version="1.0" encoding="utf-8"?>
+<file path=ppt/slides/slide27.xml><?xml version="1.0" encoding="utf-8"?>
 <p:sld xmlns:a="http://schemas.openxmlformats.org/drawingml/2006/main" xmlns:r="http://schemas.openxmlformats.org/officeDocument/2006/relationships" xmlns:p="http://schemas.openxmlformats.org/presentationml/2006/main">
   <p:cSld>
     <p:spTree>
@@ -8228,7 +8575,7 @@
 </p:sld>
 </file>
 
-<file path=ppt/slides/slide26.xml><?xml version="1.0" encoding="utf-8"?>
+<file path=ppt/slides/slide28.xml><?xml version="1.0" encoding="utf-8"?>
 <p:sld xmlns:a="http://schemas.openxmlformats.org/drawingml/2006/main" xmlns:r="http://schemas.openxmlformats.org/officeDocument/2006/relationships" xmlns:p="http://schemas.openxmlformats.org/presentationml/2006/main">
   <p:cSld>
     <p:spTree>
@@ -8555,7 +8902,7 @@
 </p:sld>
 </file>
 
-<file path=ppt/slides/slide27.xml><?xml version="1.0" encoding="utf-8"?>
+<file path=ppt/slides/slide29.xml><?xml version="1.0" encoding="utf-8"?>
 <p:sld xmlns:a="http://schemas.openxmlformats.org/drawingml/2006/main" xmlns:r="http://schemas.openxmlformats.org/officeDocument/2006/relationships" xmlns:p="http://schemas.openxmlformats.org/presentationml/2006/main">
   <p:cSld>
     <p:spTree>
@@ -8972,7 +9319,293 @@
 </p:sld>
 </file>
 
-<file path=ppt/slides/slide28.xml><?xml version="1.0" encoding="utf-8"?>
+<file path=ppt/slides/slide3.xml><?xml version="1.0" encoding="utf-8"?>
+<p:sld xmlns:a="http://schemas.openxmlformats.org/drawingml/2006/main" xmlns:r="http://schemas.openxmlformats.org/officeDocument/2006/relationships" xmlns:p="http://schemas.openxmlformats.org/presentationml/2006/main">
+  <p:cSld>
+    <p:spTree>
+      <p:nvGrpSpPr>
+        <p:cNvPr id="1" name=""/>
+        <p:cNvGrpSpPr/>
+        <p:nvPr/>
+      </p:nvGrpSpPr>
+      <p:grpSpPr>
+        <a:xfrm>
+          <a:off x="0" y="0"/>
+          <a:ext cx="0" cy="0"/>
+          <a:chOff x="0" y="0"/>
+          <a:chExt cx="0" cy="0"/>
+        </a:xfrm>
+      </p:grpSpPr>
+      <p:sp>
+        <p:nvSpPr>
+          <p:cNvPr id="2" name="Title 1"/>
+          <p:cNvSpPr>
+            <a:spLocks noGrp="1"/>
+          </p:cNvSpPr>
+          <p:nvPr>
+            <p:ph type="title"/>
+          </p:nvPr>
+        </p:nvSpPr>
+        <p:spPr/>
+        <p:txBody>
+          <a:bodyPr/>
+          <a:lstStyle/>
+          <a:p>
+            <a:r>
+              <a:rPr lang="en-US" dirty="0" smtClean="0"/>
+              <a:t>another data type: dictionaries</a:t>
+            </a:r>
+            <a:endParaRPr lang="en-US" dirty="0"/>
+          </a:p>
+        </p:txBody>
+      </p:sp>
+      <p:sp>
+        <p:nvSpPr>
+          <p:cNvPr id="4" name="TextBox 3"/>
+          <p:cNvSpPr txBox="1"/>
+          <p:nvPr/>
+        </p:nvSpPr>
+        <p:spPr>
+          <a:xfrm>
+            <a:off x="457199" y="1817687"/>
+            <a:ext cx="8338444" cy="2862323"/>
+          </a:xfrm>
+          <a:prstGeom prst="rect">
+            <a:avLst/>
+          </a:prstGeom>
+          <a:noFill/>
+        </p:spPr>
+        <p:txBody>
+          <a:bodyPr wrap="square" rtlCol="0">
+            <a:spAutoFit/>
+          </a:bodyPr>
+          <a:lstStyle/>
+          <a:p>
+            <a:r>
+              <a:rPr lang="en-US" dirty="0">
+                <a:latin typeface="Monaco"/>
+                <a:cs typeface="Monaco"/>
+              </a:rPr>
+              <a:t>names = {"Stephanie": "Spielman", "</a:t>
+            </a:r>
+            <a:r>
+              <a:rPr lang="en-US" dirty="0" err="1">
+                <a:latin typeface="Monaco"/>
+                <a:cs typeface="Monaco"/>
+              </a:rPr>
+              <a:t>Eleisha</a:t>
+            </a:r>
+            <a:r>
+              <a:rPr lang="en-US" dirty="0">
+                <a:latin typeface="Monaco"/>
+                <a:cs typeface="Monaco"/>
+              </a:rPr>
+              <a:t>": "Jackson", "Claus": </a:t>
+            </a:r>
+            <a:r>
+              <a:rPr lang="en-US" dirty="0" smtClean="0">
+                <a:latin typeface="Monaco"/>
+                <a:cs typeface="Monaco"/>
+              </a:rPr>
+              <a:t>"</a:t>
+            </a:r>
+            <a:r>
+              <a:rPr lang="en-US" dirty="0" err="1" smtClean="0">
+                <a:latin typeface="Monaco"/>
+                <a:cs typeface="Monaco"/>
+              </a:rPr>
+              <a:t>Wilke</a:t>
+            </a:r>
+            <a:r>
+              <a:rPr lang="en-US" dirty="0">
+                <a:latin typeface="Monaco"/>
+                <a:cs typeface="Monaco"/>
+              </a:rPr>
+              <a:t>"}</a:t>
+            </a:r>
+          </a:p>
+          <a:p>
+            <a:endParaRPr lang="en-US" dirty="0" smtClean="0">
+              <a:latin typeface="Monaco"/>
+              <a:cs typeface="Monaco"/>
+            </a:endParaRPr>
+          </a:p>
+          <a:p>
+            <a:r>
+              <a:rPr lang="en-US" dirty="0" smtClean="0">
+                <a:latin typeface="Monaco"/>
+                <a:cs typeface="Monaco"/>
+              </a:rPr>
+              <a:t># Add a </a:t>
+            </a:r>
+            <a:r>
+              <a:rPr lang="en-US" dirty="0" err="1" smtClean="0">
+                <a:latin typeface="Monaco"/>
+                <a:cs typeface="Monaco"/>
+              </a:rPr>
+              <a:t>key:value</a:t>
+            </a:r>
+            <a:r>
+              <a:rPr lang="en-US" dirty="0" smtClean="0">
+                <a:latin typeface="Monaco"/>
+                <a:cs typeface="Monaco"/>
+              </a:rPr>
+              <a:t> pair to a dictionary and print to confirm</a:t>
+            </a:r>
+          </a:p>
+          <a:p>
+            <a:r>
+              <a:rPr lang="en-US" dirty="0" smtClean="0">
+                <a:latin typeface="Monaco"/>
+                <a:cs typeface="Monaco"/>
+              </a:rPr>
+              <a:t>names["Bob"] = "Smith"</a:t>
+            </a:r>
+          </a:p>
+          <a:p>
+            <a:endParaRPr lang="en-US" dirty="0" smtClean="0">
+              <a:latin typeface="Monaco"/>
+              <a:cs typeface="Monaco"/>
+            </a:endParaRPr>
+          </a:p>
+          <a:p>
+            <a:r>
+              <a:rPr lang="en-US" dirty="0" smtClean="0">
+                <a:latin typeface="Monaco"/>
+                <a:cs typeface="Monaco"/>
+              </a:rPr>
+              <a:t>print names</a:t>
+            </a:r>
+          </a:p>
+          <a:p>
+            <a:r>
+              <a:rPr lang="en-US" dirty="0" smtClean="0">
+                <a:latin typeface="Monaco"/>
+                <a:cs typeface="Monaco"/>
+              </a:rPr>
+              <a:t>	</a:t>
+            </a:r>
+            <a:r>
+              <a:rPr lang="en-US" dirty="0" smtClean="0">
+                <a:solidFill>
+                  <a:schemeClr val="bg1">
+                    <a:lumMod val="65000"/>
+                  </a:schemeClr>
+                </a:solidFill>
+                <a:latin typeface="Monaco"/>
+                <a:cs typeface="Monaco"/>
+              </a:rPr>
+              <a:t>{'</a:t>
+            </a:r>
+            <a:r>
+              <a:rPr lang="en-US" dirty="0" err="1" smtClean="0">
+                <a:solidFill>
+                  <a:schemeClr val="bg1">
+                    <a:lumMod val="65000"/>
+                  </a:schemeClr>
+                </a:solidFill>
+                <a:latin typeface="Monaco"/>
+                <a:cs typeface="Monaco"/>
+              </a:rPr>
+              <a:t>Eleisha</a:t>
+            </a:r>
+            <a:r>
+              <a:rPr lang="en-US" dirty="0" smtClean="0">
+                <a:solidFill>
+                  <a:schemeClr val="bg1">
+                    <a:lumMod val="65000"/>
+                  </a:schemeClr>
+                </a:solidFill>
+                <a:latin typeface="Monaco"/>
+                <a:cs typeface="Monaco"/>
+              </a:rPr>
+              <a:t>': 'Jackson', 'Claus': '</a:t>
+            </a:r>
+            <a:r>
+              <a:rPr lang="en-US" dirty="0" err="1" smtClean="0">
+                <a:solidFill>
+                  <a:schemeClr val="bg1">
+                    <a:lumMod val="65000"/>
+                  </a:schemeClr>
+                </a:solidFill>
+                <a:latin typeface="Monaco"/>
+                <a:cs typeface="Monaco"/>
+              </a:rPr>
+              <a:t>Wilke</a:t>
+            </a:r>
+            <a:r>
+              <a:rPr lang="en-US" dirty="0" smtClean="0">
+                <a:solidFill>
+                  <a:schemeClr val="bg1">
+                    <a:lumMod val="65000"/>
+                  </a:schemeClr>
+                </a:solidFill>
+                <a:latin typeface="Monaco"/>
+                <a:cs typeface="Monaco"/>
+              </a:rPr>
+              <a:t>', 'Stephanie': 	'Spielman', 'Bob': 'Smith'}</a:t>
+            </a:r>
+          </a:p>
+          <a:p>
+            <a:endParaRPr lang="en-US" dirty="0" smtClean="0">
+              <a:latin typeface="Monaco"/>
+              <a:cs typeface="Monaco"/>
+            </a:endParaRPr>
+          </a:p>
+        </p:txBody>
+      </p:sp>
+      <p:sp>
+        <p:nvSpPr>
+          <p:cNvPr id="5" name="TextBox 4"/>
+          <p:cNvSpPr txBox="1"/>
+          <p:nvPr/>
+        </p:nvSpPr>
+        <p:spPr>
+          <a:xfrm>
+            <a:off x="2437694" y="4513888"/>
+            <a:ext cx="3657529" cy="430887"/>
+          </a:xfrm>
+          <a:prstGeom prst="rect">
+            <a:avLst/>
+          </a:prstGeom>
+          <a:noFill/>
+        </p:spPr>
+        <p:txBody>
+          <a:bodyPr wrap="square" rtlCol="0">
+            <a:spAutoFit/>
+          </a:bodyPr>
+          <a:lstStyle/>
+          <a:p>
+            <a:r>
+              <a:rPr lang="en-US" sz="2200" dirty="0" smtClean="0">
+                <a:solidFill>
+                  <a:srgbClr val="DC5924"/>
+                </a:solidFill>
+              </a:rPr>
+              <a:t>Did you expect this output?</a:t>
+            </a:r>
+            <a:endParaRPr lang="en-US" sz="2200" dirty="0">
+              <a:solidFill>
+                <a:srgbClr val="DC5924"/>
+              </a:solidFill>
+            </a:endParaRPr>
+          </a:p>
+        </p:txBody>
+      </p:sp>
+    </p:spTree>
+    <p:extLst>
+      <p:ext uri="{BB962C8B-B14F-4D97-AF65-F5344CB8AC3E}">
+        <p14:creationId xmlns:p14="http://schemas.microsoft.com/office/powerpoint/2010/main" val="3210468286"/>
+      </p:ext>
+    </p:extLst>
+  </p:cSld>
+  <p:clrMapOvr>
+    <a:masterClrMapping/>
+  </p:clrMapOvr>
+</p:sld>
+</file>
+
+<file path=ppt/slides/slide30.xml><?xml version="1.0" encoding="utf-8"?>
 <p:sld xmlns:a="http://schemas.openxmlformats.org/drawingml/2006/main" xmlns:r="http://schemas.openxmlformats.org/officeDocument/2006/relationships" xmlns:p="http://schemas.openxmlformats.org/presentationml/2006/main">
   <p:cSld>
     <p:spTree>
@@ -9434,7 +10067,7 @@
 </p:sld>
 </file>
 
-<file path=ppt/slides/slide29.xml><?xml version="1.0" encoding="utf-8"?>
+<file path=ppt/slides/slide31.xml><?xml version="1.0" encoding="utf-8"?>
 <p:sld xmlns:a="http://schemas.openxmlformats.org/drawingml/2006/main" xmlns:r="http://schemas.openxmlformats.org/officeDocument/2006/relationships" xmlns:p="http://schemas.openxmlformats.org/presentationml/2006/main">
   <p:cSld>
     <p:spTree>
@@ -10005,293 +10638,7 @@
 </p:sld>
 </file>
 
-<file path=ppt/slides/slide3.xml><?xml version="1.0" encoding="utf-8"?>
-<p:sld xmlns:a="http://schemas.openxmlformats.org/drawingml/2006/main" xmlns:r="http://schemas.openxmlformats.org/officeDocument/2006/relationships" xmlns:p="http://schemas.openxmlformats.org/presentationml/2006/main">
-  <p:cSld>
-    <p:spTree>
-      <p:nvGrpSpPr>
-        <p:cNvPr id="1" name=""/>
-        <p:cNvGrpSpPr/>
-        <p:nvPr/>
-      </p:nvGrpSpPr>
-      <p:grpSpPr>
-        <a:xfrm>
-          <a:off x="0" y="0"/>
-          <a:ext cx="0" cy="0"/>
-          <a:chOff x="0" y="0"/>
-          <a:chExt cx="0" cy="0"/>
-        </a:xfrm>
-      </p:grpSpPr>
-      <p:sp>
-        <p:nvSpPr>
-          <p:cNvPr id="2" name="Title 1"/>
-          <p:cNvSpPr>
-            <a:spLocks noGrp="1"/>
-          </p:cNvSpPr>
-          <p:nvPr>
-            <p:ph type="title"/>
-          </p:nvPr>
-        </p:nvSpPr>
-        <p:spPr/>
-        <p:txBody>
-          <a:bodyPr/>
-          <a:lstStyle/>
-          <a:p>
-            <a:r>
-              <a:rPr lang="en-US" dirty="0" smtClean="0"/>
-              <a:t>another data type: dictionaries</a:t>
-            </a:r>
-            <a:endParaRPr lang="en-US" dirty="0"/>
-          </a:p>
-        </p:txBody>
-      </p:sp>
-      <p:sp>
-        <p:nvSpPr>
-          <p:cNvPr id="4" name="TextBox 3"/>
-          <p:cNvSpPr txBox="1"/>
-          <p:nvPr/>
-        </p:nvSpPr>
-        <p:spPr>
-          <a:xfrm>
-            <a:off x="457199" y="1817687"/>
-            <a:ext cx="8338444" cy="2862323"/>
-          </a:xfrm>
-          <a:prstGeom prst="rect">
-            <a:avLst/>
-          </a:prstGeom>
-          <a:noFill/>
-        </p:spPr>
-        <p:txBody>
-          <a:bodyPr wrap="square" rtlCol="0">
-            <a:spAutoFit/>
-          </a:bodyPr>
-          <a:lstStyle/>
-          <a:p>
-            <a:r>
-              <a:rPr lang="en-US" dirty="0">
-                <a:latin typeface="Monaco"/>
-                <a:cs typeface="Monaco"/>
-              </a:rPr>
-              <a:t>names = {"Stephanie": "Spielman", "</a:t>
-            </a:r>
-            <a:r>
-              <a:rPr lang="en-US" dirty="0" err="1">
-                <a:latin typeface="Monaco"/>
-                <a:cs typeface="Monaco"/>
-              </a:rPr>
-              <a:t>Eleisha</a:t>
-            </a:r>
-            <a:r>
-              <a:rPr lang="en-US" dirty="0">
-                <a:latin typeface="Monaco"/>
-                <a:cs typeface="Monaco"/>
-              </a:rPr>
-              <a:t>": "Jackson", "Claus": </a:t>
-            </a:r>
-            <a:r>
-              <a:rPr lang="en-US" dirty="0" smtClean="0">
-                <a:latin typeface="Monaco"/>
-                <a:cs typeface="Monaco"/>
-              </a:rPr>
-              <a:t>"</a:t>
-            </a:r>
-            <a:r>
-              <a:rPr lang="en-US" dirty="0" err="1" smtClean="0">
-                <a:latin typeface="Monaco"/>
-                <a:cs typeface="Monaco"/>
-              </a:rPr>
-              <a:t>Wilke</a:t>
-            </a:r>
-            <a:r>
-              <a:rPr lang="en-US" dirty="0">
-                <a:latin typeface="Monaco"/>
-                <a:cs typeface="Monaco"/>
-              </a:rPr>
-              <a:t>"}</a:t>
-            </a:r>
-          </a:p>
-          <a:p>
-            <a:endParaRPr lang="en-US" dirty="0" smtClean="0">
-              <a:latin typeface="Monaco"/>
-              <a:cs typeface="Monaco"/>
-            </a:endParaRPr>
-          </a:p>
-          <a:p>
-            <a:r>
-              <a:rPr lang="en-US" dirty="0" smtClean="0">
-                <a:latin typeface="Monaco"/>
-                <a:cs typeface="Monaco"/>
-              </a:rPr>
-              <a:t># Add a </a:t>
-            </a:r>
-            <a:r>
-              <a:rPr lang="en-US" dirty="0" err="1" smtClean="0">
-                <a:latin typeface="Monaco"/>
-                <a:cs typeface="Monaco"/>
-              </a:rPr>
-              <a:t>key:value</a:t>
-            </a:r>
-            <a:r>
-              <a:rPr lang="en-US" dirty="0" smtClean="0">
-                <a:latin typeface="Monaco"/>
-                <a:cs typeface="Monaco"/>
-              </a:rPr>
-              <a:t> pair to a dictionary and print to confirm</a:t>
-            </a:r>
-          </a:p>
-          <a:p>
-            <a:r>
-              <a:rPr lang="en-US" dirty="0" smtClean="0">
-                <a:latin typeface="Monaco"/>
-                <a:cs typeface="Monaco"/>
-              </a:rPr>
-              <a:t>names["Bob"] = "Smith"</a:t>
-            </a:r>
-          </a:p>
-          <a:p>
-            <a:endParaRPr lang="en-US" dirty="0" smtClean="0">
-              <a:latin typeface="Monaco"/>
-              <a:cs typeface="Monaco"/>
-            </a:endParaRPr>
-          </a:p>
-          <a:p>
-            <a:r>
-              <a:rPr lang="en-US" dirty="0" smtClean="0">
-                <a:latin typeface="Monaco"/>
-                <a:cs typeface="Monaco"/>
-              </a:rPr>
-              <a:t>print names</a:t>
-            </a:r>
-          </a:p>
-          <a:p>
-            <a:r>
-              <a:rPr lang="en-US" dirty="0" smtClean="0">
-                <a:latin typeface="Monaco"/>
-                <a:cs typeface="Monaco"/>
-              </a:rPr>
-              <a:t>	</a:t>
-            </a:r>
-            <a:r>
-              <a:rPr lang="en-US" dirty="0" smtClean="0">
-                <a:solidFill>
-                  <a:schemeClr val="bg1">
-                    <a:lumMod val="65000"/>
-                  </a:schemeClr>
-                </a:solidFill>
-                <a:latin typeface="Monaco"/>
-                <a:cs typeface="Monaco"/>
-              </a:rPr>
-              <a:t>{'</a:t>
-            </a:r>
-            <a:r>
-              <a:rPr lang="en-US" dirty="0" err="1" smtClean="0">
-                <a:solidFill>
-                  <a:schemeClr val="bg1">
-                    <a:lumMod val="65000"/>
-                  </a:schemeClr>
-                </a:solidFill>
-                <a:latin typeface="Monaco"/>
-                <a:cs typeface="Monaco"/>
-              </a:rPr>
-              <a:t>Eleisha</a:t>
-            </a:r>
-            <a:r>
-              <a:rPr lang="en-US" dirty="0" smtClean="0">
-                <a:solidFill>
-                  <a:schemeClr val="bg1">
-                    <a:lumMod val="65000"/>
-                  </a:schemeClr>
-                </a:solidFill>
-                <a:latin typeface="Monaco"/>
-                <a:cs typeface="Monaco"/>
-              </a:rPr>
-              <a:t>': 'Jackson', 'Claus': '</a:t>
-            </a:r>
-            <a:r>
-              <a:rPr lang="en-US" dirty="0" err="1" smtClean="0">
-                <a:solidFill>
-                  <a:schemeClr val="bg1">
-                    <a:lumMod val="65000"/>
-                  </a:schemeClr>
-                </a:solidFill>
-                <a:latin typeface="Monaco"/>
-                <a:cs typeface="Monaco"/>
-              </a:rPr>
-              <a:t>Wilke</a:t>
-            </a:r>
-            <a:r>
-              <a:rPr lang="en-US" dirty="0" smtClean="0">
-                <a:solidFill>
-                  <a:schemeClr val="bg1">
-                    <a:lumMod val="65000"/>
-                  </a:schemeClr>
-                </a:solidFill>
-                <a:latin typeface="Monaco"/>
-                <a:cs typeface="Monaco"/>
-              </a:rPr>
-              <a:t>', 'Stephanie': 	'Spielman', 'Bob': 'Smith'}</a:t>
-            </a:r>
-          </a:p>
-          <a:p>
-            <a:endParaRPr lang="en-US" dirty="0" smtClean="0">
-              <a:latin typeface="Monaco"/>
-              <a:cs typeface="Monaco"/>
-            </a:endParaRPr>
-          </a:p>
-        </p:txBody>
-      </p:sp>
-      <p:sp>
-        <p:nvSpPr>
-          <p:cNvPr id="5" name="TextBox 4"/>
-          <p:cNvSpPr txBox="1"/>
-          <p:nvPr/>
-        </p:nvSpPr>
-        <p:spPr>
-          <a:xfrm>
-            <a:off x="2437694" y="4513888"/>
-            <a:ext cx="3657529" cy="430887"/>
-          </a:xfrm>
-          <a:prstGeom prst="rect">
-            <a:avLst/>
-          </a:prstGeom>
-          <a:noFill/>
-        </p:spPr>
-        <p:txBody>
-          <a:bodyPr wrap="square" rtlCol="0">
-            <a:spAutoFit/>
-          </a:bodyPr>
-          <a:lstStyle/>
-          <a:p>
-            <a:r>
-              <a:rPr lang="en-US" sz="2200" dirty="0" smtClean="0">
-                <a:solidFill>
-                  <a:srgbClr val="DC5924"/>
-                </a:solidFill>
-              </a:rPr>
-              <a:t>Did you expect this output?</a:t>
-            </a:r>
-            <a:endParaRPr lang="en-US" sz="2200" dirty="0">
-              <a:solidFill>
-                <a:srgbClr val="DC5924"/>
-              </a:solidFill>
-            </a:endParaRPr>
-          </a:p>
-        </p:txBody>
-      </p:sp>
-    </p:spTree>
-    <p:extLst>
-      <p:ext uri="{BB962C8B-B14F-4D97-AF65-F5344CB8AC3E}">
-        <p14:creationId xmlns:p14="http://schemas.microsoft.com/office/powerpoint/2010/main" val="3210468286"/>
-      </p:ext>
-    </p:extLst>
-  </p:cSld>
-  <p:clrMapOvr>
-    <a:masterClrMapping/>
-  </p:clrMapOvr>
-</p:sld>
-</file>
-
-<file path=ppt/slides/slide30.xml><?xml version="1.0" encoding="utf-8"?>
+<file path=ppt/slides/slide32.xml><?xml version="1.0" encoding="utf-8"?>
 <p:sld xmlns:a="http://schemas.openxmlformats.org/drawingml/2006/main" xmlns:r="http://schemas.openxmlformats.org/officeDocument/2006/relationships" xmlns:p="http://schemas.openxmlformats.org/presentationml/2006/main">
   <p:cSld>
     <p:spTree>
@@ -10692,7 +11039,7 @@
 </p:sld>
 </file>
 
-<file path=ppt/slides/slide31.xml><?xml version="1.0" encoding="utf-8"?>
+<file path=ppt/slides/slide33.xml><?xml version="1.0" encoding="utf-8"?>
 <p:sld xmlns:a="http://schemas.openxmlformats.org/drawingml/2006/main" xmlns:r="http://schemas.openxmlformats.org/officeDocument/2006/relationships" xmlns:p="http://schemas.openxmlformats.org/presentationml/2006/main">
   <p:cSld>
     <p:spTree>
@@ -11083,7 +11430,7 @@
 </p:sld>
 </file>
 
-<file path=ppt/slides/slide32.xml><?xml version="1.0" encoding="utf-8"?>
+<file path=ppt/slides/slide34.xml><?xml version="1.0" encoding="utf-8"?>
 <p:sld xmlns:a="http://schemas.openxmlformats.org/drawingml/2006/main" xmlns:r="http://schemas.openxmlformats.org/officeDocument/2006/relationships" xmlns:p="http://schemas.openxmlformats.org/presentationml/2006/main">
   <p:cSld>
     <p:spTree>
@@ -11403,7 +11750,7 @@
 </p:sld>
 </file>
 
-<file path=ppt/slides/slide33.xml><?xml version="1.0" encoding="utf-8"?>
+<file path=ppt/slides/slide35.xml><?xml version="1.0" encoding="utf-8"?>
 <p:sld xmlns:a="http://schemas.openxmlformats.org/drawingml/2006/main" xmlns:r="http://schemas.openxmlformats.org/officeDocument/2006/relationships" xmlns:p="http://schemas.openxmlformats.org/presentationml/2006/main">
   <p:cSld>
     <p:spTree>
@@ -11715,7 +12062,7 @@
 </p:sld>
 </file>
 
-<file path=ppt/slides/slide34.xml><?xml version="1.0" encoding="utf-8"?>
+<file path=ppt/slides/slide36.xml><?xml version="1.0" encoding="utf-8"?>
 <p:sld xmlns:a="http://schemas.openxmlformats.org/drawingml/2006/main" xmlns:r="http://schemas.openxmlformats.org/officeDocument/2006/relationships" xmlns:p="http://schemas.openxmlformats.org/presentationml/2006/main">
   <p:cSld>
     <p:spTree>
@@ -12072,936 +12419,6 @@
 </p:sld>
 </file>
 
-<file path=ppt/slides/slide35.xml><?xml version="1.0" encoding="utf-8"?>
-<p:sld xmlns:a="http://schemas.openxmlformats.org/drawingml/2006/main" xmlns:r="http://schemas.openxmlformats.org/officeDocument/2006/relationships" xmlns:p="http://schemas.openxmlformats.org/presentationml/2006/main">
-  <p:cSld>
-    <p:spTree>
-      <p:nvGrpSpPr>
-        <p:cNvPr id="1" name=""/>
-        <p:cNvGrpSpPr/>
-        <p:nvPr/>
-      </p:nvGrpSpPr>
-      <p:grpSpPr>
-        <a:xfrm>
-          <a:off x="0" y="0"/>
-          <a:ext cx="0" cy="0"/>
-          <a:chOff x="0" y="0"/>
-          <a:chExt cx="0" cy="0"/>
-        </a:xfrm>
-      </p:grpSpPr>
-      <p:sp>
-        <p:nvSpPr>
-          <p:cNvPr id="2" name="Title 1"/>
-          <p:cNvSpPr>
-            <a:spLocks noGrp="1"/>
-          </p:cNvSpPr>
-          <p:nvPr>
-            <p:ph type="title"/>
-          </p:nvPr>
-        </p:nvSpPr>
-        <p:spPr/>
-        <p:txBody>
-          <a:bodyPr/>
-          <a:lstStyle/>
-          <a:p>
-            <a:r>
-              <a:rPr lang="en-US" dirty="0" smtClean="0"/>
-              <a:t>but no hard-coding!!!</a:t>
-            </a:r>
-            <a:endParaRPr lang="en-US" dirty="0"/>
-          </a:p>
-        </p:txBody>
-      </p:sp>
-      <p:sp>
-        <p:nvSpPr>
-          <p:cNvPr id="5" name="TextBox 4"/>
-          <p:cNvSpPr txBox="1"/>
-          <p:nvPr/>
-        </p:nvSpPr>
-        <p:spPr>
-          <a:xfrm>
-            <a:off x="1684602" y="1786320"/>
-            <a:ext cx="6542176" cy="5078314"/>
-          </a:xfrm>
-          <a:prstGeom prst="rect">
-            <a:avLst/>
-          </a:prstGeom>
-          <a:noFill/>
-        </p:spPr>
-        <p:txBody>
-          <a:bodyPr wrap="square" rtlCol="0">
-            <a:spAutoFit/>
-          </a:bodyPr>
-          <a:lstStyle/>
-          <a:p>
-            <a:r>
-              <a:rPr lang="en-US" dirty="0" smtClean="0">
-                <a:latin typeface="Monaco"/>
-                <a:cs typeface="Monaco"/>
-              </a:rPr>
-              <a:t># List of grades</a:t>
-            </a:r>
-          </a:p>
-          <a:p>
-            <a:r>
-              <a:rPr lang="en-US" dirty="0" smtClean="0">
-                <a:latin typeface="Monaco"/>
-                <a:cs typeface="Monaco"/>
-              </a:rPr>
-              <a:t>grades = [88, 71, 74, 83, 57, 79, 66]</a:t>
-            </a:r>
-          </a:p>
-          <a:p>
-            <a:endParaRPr lang="en-US" dirty="0">
-              <a:latin typeface="Monaco"/>
-              <a:cs typeface="Monaco"/>
-            </a:endParaRPr>
-          </a:p>
-          <a:p>
-            <a:r>
-              <a:rPr lang="en-US" dirty="0" smtClean="0">
-                <a:latin typeface="Monaco"/>
-                <a:cs typeface="Monaco"/>
-              </a:rPr>
-              <a:t># Empty list of new grades to populate</a:t>
-            </a:r>
-          </a:p>
-          <a:p>
-            <a:r>
-              <a:rPr lang="en-US" dirty="0" smtClean="0">
-                <a:latin typeface="Monaco"/>
-                <a:cs typeface="Monaco"/>
-              </a:rPr>
-              <a:t>new_grades</a:t>
-            </a:r>
-            <a:r>
-              <a:rPr lang="en-US" dirty="0">
-                <a:latin typeface="Monaco"/>
-                <a:cs typeface="Monaco"/>
-              </a:rPr>
-              <a:t> </a:t>
-            </a:r>
-            <a:r>
-              <a:rPr lang="en-US" dirty="0" smtClean="0">
-                <a:latin typeface="Monaco"/>
-                <a:cs typeface="Monaco"/>
-              </a:rPr>
-              <a:t>= []</a:t>
-            </a:r>
-          </a:p>
-          <a:p>
-            <a:endParaRPr lang="en-US" dirty="0">
-              <a:latin typeface="Monaco"/>
-              <a:cs typeface="Monaco"/>
-            </a:endParaRPr>
-          </a:p>
-          <a:p>
-            <a:r>
-              <a:rPr lang="en-US" dirty="0" smtClean="0">
-                <a:latin typeface="Monaco"/>
-                <a:cs typeface="Monaco"/>
-              </a:rPr>
-              <a:t># Curving value</a:t>
-            </a:r>
-          </a:p>
-          <a:p>
-            <a:r>
-              <a:rPr lang="en-US" dirty="0" smtClean="0">
-                <a:latin typeface="Monaco"/>
-                <a:cs typeface="Monaco"/>
-              </a:rPr>
-              <a:t>curve = 1.1</a:t>
-            </a:r>
-          </a:p>
-          <a:p>
-            <a:endParaRPr lang="en-US" dirty="0" smtClean="0">
-              <a:latin typeface="Monaco"/>
-              <a:cs typeface="Monaco"/>
-            </a:endParaRPr>
-          </a:p>
-          <a:p>
-            <a:r>
-              <a:rPr lang="en-US" dirty="0" smtClean="0">
-                <a:latin typeface="Monaco"/>
-                <a:cs typeface="Monaco"/>
-              </a:rPr>
-              <a:t># Loop over the grades and save curved grade</a:t>
-            </a:r>
-          </a:p>
-          <a:p>
-            <a:r>
-              <a:rPr lang="en-US" dirty="0" smtClean="0">
-                <a:latin typeface="Monaco"/>
-                <a:cs typeface="Monaco"/>
-              </a:rPr>
-              <a:t>for grade in grades:</a:t>
-            </a:r>
-          </a:p>
-          <a:p>
-            <a:r>
-              <a:rPr lang="en-US" dirty="0" smtClean="0">
-                <a:latin typeface="Monaco"/>
-                <a:cs typeface="Monaco"/>
-              </a:rPr>
-              <a:t>	new = grade * </a:t>
-            </a:r>
-            <a:r>
-              <a:rPr lang="en-US" dirty="0" smtClean="0">
-                <a:solidFill>
-                  <a:schemeClr val="accent5"/>
-                </a:solidFill>
-                <a:latin typeface="Monaco"/>
-                <a:cs typeface="Monaco"/>
-              </a:rPr>
-              <a:t>curve</a:t>
-            </a:r>
-          </a:p>
-          <a:p>
-            <a:r>
-              <a:rPr lang="en-US" dirty="0" smtClean="0">
-                <a:latin typeface="Monaco"/>
-                <a:cs typeface="Monaco"/>
-              </a:rPr>
-              <a:t>	new_grades</a:t>
-            </a:r>
-            <a:r>
-              <a:rPr lang="en-US" dirty="0" smtClean="0">
-                <a:solidFill>
-                  <a:schemeClr val="accent5"/>
-                </a:solidFill>
-                <a:latin typeface="Monaco"/>
-                <a:cs typeface="Monaco"/>
-              </a:rPr>
-              <a:t>.append(new)</a:t>
-            </a:r>
-          </a:p>
-          <a:p>
-            <a:endParaRPr lang="en-US" dirty="0">
-              <a:latin typeface="Monaco"/>
-              <a:cs typeface="Monaco"/>
-            </a:endParaRPr>
-          </a:p>
-          <a:p>
-            <a:r>
-              <a:rPr lang="en-US" dirty="0" smtClean="0">
-                <a:latin typeface="Monaco"/>
-                <a:cs typeface="Monaco"/>
-              </a:rPr>
-              <a:t>print new_grades</a:t>
-            </a:r>
-            <a:endParaRPr lang="en-US" dirty="0">
-              <a:latin typeface="Monaco"/>
-              <a:cs typeface="Monaco"/>
-            </a:endParaRPr>
-          </a:p>
-          <a:p>
-            <a:r>
-              <a:rPr lang="en-US" dirty="0" smtClean="0">
-                <a:latin typeface="Monaco"/>
-                <a:cs typeface="Monaco"/>
-              </a:rPr>
-              <a:t>	</a:t>
-            </a:r>
-            <a:r>
-              <a:rPr lang="en-US" dirty="0">
-                <a:solidFill>
-                  <a:schemeClr val="bg1">
-                    <a:lumMod val="65000"/>
-                  </a:schemeClr>
-                </a:solidFill>
-                <a:latin typeface="Monaco"/>
-                <a:cs typeface="Monaco"/>
-              </a:rPr>
-              <a:t>[</a:t>
-            </a:r>
-            <a:r>
-              <a:rPr lang="en-US" dirty="0" smtClean="0">
-                <a:solidFill>
-                  <a:schemeClr val="bg1">
-                    <a:lumMod val="65000"/>
-                  </a:schemeClr>
-                </a:solidFill>
-                <a:latin typeface="Monaco"/>
-                <a:cs typeface="Monaco"/>
-              </a:rPr>
-              <a:t>96.8, 78.1, </a:t>
-            </a:r>
-            <a:r>
-              <a:rPr lang="en-US" dirty="0">
-                <a:solidFill>
-                  <a:schemeClr val="bg1">
-                    <a:lumMod val="65000"/>
-                  </a:schemeClr>
-                </a:solidFill>
-                <a:latin typeface="Monaco"/>
-                <a:cs typeface="Monaco"/>
-              </a:rPr>
-              <a:t>81.4, </a:t>
-            </a:r>
-            <a:r>
-              <a:rPr lang="en-US" dirty="0" smtClean="0">
-                <a:solidFill>
-                  <a:schemeClr val="bg1">
-                    <a:lumMod val="65000"/>
-                  </a:schemeClr>
-                </a:solidFill>
-                <a:latin typeface="Monaco"/>
-                <a:cs typeface="Monaco"/>
-              </a:rPr>
-              <a:t>91.3, </a:t>
-            </a:r>
-            <a:r>
-              <a:rPr lang="en-US" dirty="0">
-                <a:solidFill>
-                  <a:schemeClr val="bg1">
-                    <a:lumMod val="65000"/>
-                  </a:schemeClr>
-                </a:solidFill>
-                <a:latin typeface="Monaco"/>
-                <a:cs typeface="Monaco"/>
-              </a:rPr>
-              <a:t>62.7, 86.9, </a:t>
-            </a:r>
-            <a:r>
-              <a:rPr lang="en-US" dirty="0" smtClean="0">
-                <a:solidFill>
-                  <a:schemeClr val="bg1">
-                    <a:lumMod val="65000"/>
-                  </a:schemeClr>
-                </a:solidFill>
-                <a:latin typeface="Monaco"/>
-                <a:cs typeface="Monaco"/>
-              </a:rPr>
-              <a:t>72.6]</a:t>
-            </a:r>
-            <a:endParaRPr lang="en-US" dirty="0">
-              <a:solidFill>
-                <a:schemeClr val="bg1">
-                  <a:lumMod val="65000"/>
-                </a:schemeClr>
-              </a:solidFill>
-              <a:latin typeface="Monaco"/>
-              <a:cs typeface="Monaco"/>
-            </a:endParaRPr>
-          </a:p>
-          <a:p>
-            <a:endParaRPr lang="en-US" dirty="0" smtClean="0">
-              <a:latin typeface="Monaco"/>
-              <a:cs typeface="Monaco"/>
-            </a:endParaRPr>
-          </a:p>
-          <a:p>
-            <a:r>
-              <a:rPr lang="en-US" dirty="0">
-                <a:latin typeface="Monaco"/>
-                <a:cs typeface="Monaco"/>
-              </a:rPr>
-              <a:t>	</a:t>
-            </a:r>
-            <a:endParaRPr lang="en-US" dirty="0" smtClean="0">
-              <a:latin typeface="Monaco"/>
-              <a:cs typeface="Monaco"/>
-            </a:endParaRPr>
-          </a:p>
-        </p:txBody>
-      </p:sp>
-    </p:spTree>
-    <p:extLst>
-      <p:ext uri="{BB962C8B-B14F-4D97-AF65-F5344CB8AC3E}">
-        <p14:creationId xmlns:p14="http://schemas.microsoft.com/office/powerpoint/2010/main" val="2641733091"/>
-      </p:ext>
-    </p:extLst>
-  </p:cSld>
-  <p:clrMapOvr>
-    <a:masterClrMapping/>
-  </p:clrMapOvr>
-</p:sld>
-</file>
-
-<file path=ppt/slides/slide36.xml><?xml version="1.0" encoding="utf-8"?>
-<p:sld xmlns:a="http://schemas.openxmlformats.org/drawingml/2006/main" xmlns:r="http://schemas.openxmlformats.org/officeDocument/2006/relationships" xmlns:p="http://schemas.openxmlformats.org/presentationml/2006/main">
-  <p:cSld>
-    <p:spTree>
-      <p:nvGrpSpPr>
-        <p:cNvPr id="1" name=""/>
-        <p:cNvGrpSpPr/>
-        <p:nvPr/>
-      </p:nvGrpSpPr>
-      <p:grpSpPr>
-        <a:xfrm>
-          <a:off x="0" y="0"/>
-          <a:ext cx="0" cy="0"/>
-          <a:chOff x="0" y="0"/>
-          <a:chExt cx="0" cy="0"/>
-        </a:xfrm>
-      </p:grpSpPr>
-      <p:sp>
-        <p:nvSpPr>
-          <p:cNvPr id="2" name="Title 1"/>
-          <p:cNvSpPr>
-            <a:spLocks noGrp="1"/>
-          </p:cNvSpPr>
-          <p:nvPr>
-            <p:ph type="title"/>
-          </p:nvPr>
-        </p:nvSpPr>
-        <p:spPr/>
-        <p:txBody>
-          <a:bodyPr/>
-          <a:lstStyle/>
-          <a:p>
-            <a:r>
-              <a:rPr lang="en-US" dirty="0" smtClean="0"/>
-              <a:t>use a counter variable to keep track of loop</a:t>
-            </a:r>
-            <a:endParaRPr lang="en-US" dirty="0"/>
-          </a:p>
-        </p:txBody>
-      </p:sp>
-      <p:sp>
-        <p:nvSpPr>
-          <p:cNvPr id="4" name="TextBox 3"/>
-          <p:cNvSpPr txBox="1"/>
-          <p:nvPr/>
-        </p:nvSpPr>
-        <p:spPr>
-          <a:xfrm>
-            <a:off x="457199" y="1996025"/>
-            <a:ext cx="3221201" cy="2862323"/>
-          </a:xfrm>
-          <a:prstGeom prst="rect">
-            <a:avLst/>
-          </a:prstGeom>
-          <a:noFill/>
-        </p:spPr>
-        <p:txBody>
-          <a:bodyPr wrap="square" rtlCol="0">
-            <a:spAutoFit/>
-          </a:bodyPr>
-          <a:lstStyle/>
-          <a:p>
-            <a:r>
-              <a:rPr lang="en-US" dirty="0" smtClean="0">
-                <a:latin typeface="Monaco"/>
-                <a:cs typeface="Monaco"/>
-              </a:rPr>
-              <a:t>for grade in grades:</a:t>
-            </a:r>
-          </a:p>
-          <a:p>
-            <a:r>
-              <a:rPr lang="en-US" dirty="0" smtClean="0">
-                <a:latin typeface="Monaco"/>
-                <a:cs typeface="Monaco"/>
-              </a:rPr>
-              <a:t>	print grade * 1.1</a:t>
-            </a:r>
-          </a:p>
-          <a:p>
-            <a:endParaRPr lang="en-US" dirty="0">
-              <a:latin typeface="Monaco"/>
-              <a:cs typeface="Monaco"/>
-            </a:endParaRPr>
-          </a:p>
-          <a:p>
-            <a:r>
-              <a:rPr lang="en-US" dirty="0" smtClean="0">
-                <a:solidFill>
-                  <a:schemeClr val="bg1">
-                    <a:lumMod val="65000"/>
-                  </a:schemeClr>
-                </a:solidFill>
-                <a:latin typeface="Monaco"/>
-                <a:cs typeface="Monaco"/>
-              </a:rPr>
-              <a:t>	</a:t>
-            </a:r>
-            <a:r>
-              <a:rPr lang="en-US" dirty="0">
-                <a:solidFill>
-                  <a:schemeClr val="bg1">
-                    <a:lumMod val="65000"/>
-                  </a:schemeClr>
-                </a:solidFill>
-                <a:latin typeface="Monaco"/>
-                <a:cs typeface="Monaco"/>
-              </a:rPr>
-              <a:t>96.8</a:t>
-            </a:r>
-          </a:p>
-          <a:p>
-            <a:pPr lvl="1"/>
-            <a:r>
-              <a:rPr lang="en-US" dirty="0">
-                <a:solidFill>
-                  <a:schemeClr val="bg1">
-                    <a:lumMod val="65000"/>
-                  </a:schemeClr>
-                </a:solidFill>
-                <a:latin typeface="Monaco"/>
-                <a:cs typeface="Monaco"/>
-              </a:rPr>
-              <a:t>78.1</a:t>
-            </a:r>
-          </a:p>
-          <a:p>
-            <a:pPr lvl="1"/>
-            <a:r>
-              <a:rPr lang="en-US" dirty="0">
-                <a:solidFill>
-                  <a:schemeClr val="bg1">
-                    <a:lumMod val="65000"/>
-                  </a:schemeClr>
-                </a:solidFill>
-                <a:latin typeface="Monaco"/>
-                <a:cs typeface="Monaco"/>
-              </a:rPr>
-              <a:t>81.4</a:t>
-            </a:r>
-          </a:p>
-          <a:p>
-            <a:pPr lvl="1"/>
-            <a:r>
-              <a:rPr lang="en-US" dirty="0">
-                <a:solidFill>
-                  <a:schemeClr val="bg1">
-                    <a:lumMod val="65000"/>
-                  </a:schemeClr>
-                </a:solidFill>
-                <a:latin typeface="Monaco"/>
-                <a:cs typeface="Monaco"/>
-              </a:rPr>
-              <a:t>91.3</a:t>
-            </a:r>
-          </a:p>
-          <a:p>
-            <a:pPr lvl="1"/>
-            <a:r>
-              <a:rPr lang="en-US" dirty="0">
-                <a:solidFill>
-                  <a:schemeClr val="bg1">
-                    <a:lumMod val="65000"/>
-                  </a:schemeClr>
-                </a:solidFill>
-                <a:latin typeface="Monaco"/>
-                <a:cs typeface="Monaco"/>
-              </a:rPr>
-              <a:t>62.7</a:t>
-            </a:r>
-          </a:p>
-          <a:p>
-            <a:pPr lvl="1"/>
-            <a:r>
-              <a:rPr lang="en-US" dirty="0">
-                <a:solidFill>
-                  <a:schemeClr val="bg1">
-                    <a:lumMod val="65000"/>
-                  </a:schemeClr>
-                </a:solidFill>
-                <a:latin typeface="Monaco"/>
-                <a:cs typeface="Monaco"/>
-              </a:rPr>
-              <a:t>86.9</a:t>
-            </a:r>
-          </a:p>
-          <a:p>
-            <a:pPr lvl="1"/>
-            <a:r>
-              <a:rPr lang="en-US" dirty="0" smtClean="0">
-                <a:solidFill>
-                  <a:schemeClr val="bg1">
-                    <a:lumMod val="65000"/>
-                  </a:schemeClr>
-                </a:solidFill>
-                <a:latin typeface="Monaco"/>
-                <a:cs typeface="Monaco"/>
-              </a:rPr>
-              <a:t>72.6</a:t>
-            </a:r>
-            <a:endParaRPr lang="en-US" dirty="0" smtClean="0">
-              <a:latin typeface="Monaco"/>
-              <a:cs typeface="Monaco"/>
-            </a:endParaRPr>
-          </a:p>
-        </p:txBody>
-      </p:sp>
-      <p:sp>
-        <p:nvSpPr>
-          <p:cNvPr id="5" name="TextBox 4"/>
-          <p:cNvSpPr txBox="1"/>
-          <p:nvPr/>
-        </p:nvSpPr>
-        <p:spPr>
-          <a:xfrm>
-            <a:off x="4411026" y="1755154"/>
-            <a:ext cx="4237595" cy="4801315"/>
-          </a:xfrm>
-          <a:prstGeom prst="rect">
-            <a:avLst/>
-          </a:prstGeom>
-          <a:noFill/>
-        </p:spPr>
-        <p:txBody>
-          <a:bodyPr wrap="square" rtlCol="0">
-            <a:spAutoFit/>
-          </a:bodyPr>
-          <a:lstStyle/>
-          <a:p>
-            <a:r>
-              <a:rPr lang="en-US" dirty="0" err="1" smtClean="0">
-                <a:solidFill>
-                  <a:srgbClr val="DC5924"/>
-                </a:solidFill>
-                <a:latin typeface="Monaco"/>
-                <a:cs typeface="Monaco"/>
-              </a:rPr>
-              <a:t>i</a:t>
-            </a:r>
-            <a:r>
-              <a:rPr lang="en-US" dirty="0" smtClean="0">
-                <a:solidFill>
-                  <a:srgbClr val="DC5924"/>
-                </a:solidFill>
-                <a:latin typeface="Monaco"/>
-                <a:cs typeface="Monaco"/>
-              </a:rPr>
-              <a:t> = 0 </a:t>
-            </a:r>
-          </a:p>
-          <a:p>
-            <a:r>
-              <a:rPr lang="en-US" dirty="0" smtClean="0">
-                <a:latin typeface="Monaco"/>
-                <a:cs typeface="Monaco"/>
-              </a:rPr>
-              <a:t>for grade in grades:</a:t>
-            </a:r>
-          </a:p>
-          <a:p>
-            <a:r>
-              <a:rPr lang="en-US" dirty="0">
-                <a:latin typeface="Monaco"/>
-                <a:cs typeface="Monaco"/>
-              </a:rPr>
-              <a:t>	</a:t>
-            </a:r>
-            <a:r>
-              <a:rPr lang="en-US" dirty="0" smtClean="0">
-                <a:latin typeface="Monaco"/>
-                <a:cs typeface="Monaco"/>
-              </a:rPr>
-              <a:t>print "Iteration " + </a:t>
-            </a:r>
-            <a:r>
-              <a:rPr lang="en-US" dirty="0" err="1" smtClean="0">
-                <a:latin typeface="Monaco"/>
-                <a:cs typeface="Monaco"/>
-              </a:rPr>
-              <a:t>str</a:t>
-            </a:r>
-            <a:r>
-              <a:rPr lang="en-US" dirty="0" smtClean="0">
-                <a:latin typeface="Monaco"/>
-                <a:cs typeface="Monaco"/>
-              </a:rPr>
-              <a:t>(</a:t>
-            </a:r>
-            <a:r>
-              <a:rPr lang="en-US" dirty="0" err="1" smtClean="0">
-                <a:latin typeface="Monaco"/>
-                <a:cs typeface="Monaco"/>
-              </a:rPr>
-              <a:t>i</a:t>
-            </a:r>
-            <a:r>
-              <a:rPr lang="en-US" dirty="0" smtClean="0">
-                <a:latin typeface="Monaco"/>
-                <a:cs typeface="Monaco"/>
-              </a:rPr>
-              <a:t>)</a:t>
-            </a:r>
-          </a:p>
-          <a:p>
-            <a:r>
-              <a:rPr lang="en-US" dirty="0" smtClean="0">
-                <a:latin typeface="Monaco"/>
-                <a:cs typeface="Monaco"/>
-              </a:rPr>
-              <a:t>	print grade * 1.1</a:t>
-            </a:r>
-          </a:p>
-          <a:p>
-            <a:r>
-              <a:rPr lang="en-US" dirty="0">
-                <a:solidFill>
-                  <a:srgbClr val="DC5924"/>
-                </a:solidFill>
-                <a:latin typeface="Monaco"/>
-                <a:cs typeface="Monaco"/>
-              </a:rPr>
-              <a:t>	</a:t>
-            </a:r>
-            <a:r>
-              <a:rPr lang="en-US" dirty="0" err="1" smtClean="0">
-                <a:solidFill>
-                  <a:srgbClr val="DC5924"/>
-                </a:solidFill>
-                <a:latin typeface="Monaco"/>
-                <a:cs typeface="Monaco"/>
-              </a:rPr>
-              <a:t>i</a:t>
-            </a:r>
-            <a:r>
-              <a:rPr lang="en-US" dirty="0" smtClean="0">
-                <a:solidFill>
-                  <a:srgbClr val="DC5924"/>
-                </a:solidFill>
-                <a:latin typeface="Monaco"/>
-                <a:cs typeface="Monaco"/>
-              </a:rPr>
-              <a:t> += 1</a:t>
-            </a:r>
-          </a:p>
-          <a:p>
-            <a:endParaRPr lang="en-US" dirty="0">
-              <a:latin typeface="Monaco"/>
-              <a:cs typeface="Monaco"/>
-            </a:endParaRPr>
-          </a:p>
-          <a:p>
-            <a:pPr marL="0" lvl="1"/>
-            <a:r>
-              <a:rPr lang="en-US" dirty="0" smtClean="0">
-                <a:solidFill>
-                  <a:schemeClr val="bg1">
-                    <a:lumMod val="65000"/>
-                  </a:schemeClr>
-                </a:solidFill>
-                <a:latin typeface="Monaco"/>
-                <a:cs typeface="Monaco"/>
-              </a:rPr>
-              <a:t>	</a:t>
-            </a:r>
-            <a:r>
-              <a:rPr lang="en-US" dirty="0">
-                <a:solidFill>
-                  <a:schemeClr val="bg1">
-                    <a:lumMod val="65000"/>
-                  </a:schemeClr>
-                </a:solidFill>
-                <a:latin typeface="Monaco"/>
-                <a:cs typeface="Monaco"/>
-              </a:rPr>
-              <a:t>Iteration </a:t>
-            </a:r>
-            <a:r>
-              <a:rPr lang="en-US" dirty="0" smtClean="0">
-                <a:solidFill>
-                  <a:schemeClr val="bg1">
-                    <a:lumMod val="65000"/>
-                  </a:schemeClr>
-                </a:solidFill>
-                <a:latin typeface="Monaco"/>
-                <a:cs typeface="Monaco"/>
-              </a:rPr>
-              <a:t>0</a:t>
-            </a:r>
-            <a:endParaRPr lang="en-US" dirty="0">
-              <a:solidFill>
-                <a:schemeClr val="bg1">
-                  <a:lumMod val="65000"/>
-                </a:schemeClr>
-              </a:solidFill>
-              <a:latin typeface="Monaco"/>
-              <a:cs typeface="Monaco"/>
-            </a:endParaRPr>
-          </a:p>
-          <a:p>
-            <a:r>
-              <a:rPr lang="en-US" dirty="0" smtClean="0">
-                <a:solidFill>
-                  <a:schemeClr val="bg1">
-                    <a:lumMod val="65000"/>
-                  </a:schemeClr>
-                </a:solidFill>
-                <a:latin typeface="Monaco"/>
-                <a:cs typeface="Monaco"/>
-              </a:rPr>
-              <a:t>	96.8</a:t>
-            </a:r>
-            <a:endParaRPr lang="en-US" dirty="0">
-              <a:solidFill>
-                <a:schemeClr val="bg1">
-                  <a:lumMod val="65000"/>
-                </a:schemeClr>
-              </a:solidFill>
-              <a:latin typeface="Monaco"/>
-              <a:cs typeface="Monaco"/>
-            </a:endParaRPr>
-          </a:p>
-          <a:p>
-            <a:pPr lvl="1"/>
-            <a:r>
-              <a:rPr lang="en-US" dirty="0" smtClean="0">
-                <a:solidFill>
-                  <a:schemeClr val="bg1">
-                    <a:lumMod val="65000"/>
-                  </a:schemeClr>
-                </a:solidFill>
-                <a:latin typeface="Monaco"/>
-                <a:cs typeface="Monaco"/>
-              </a:rPr>
-              <a:t>Iteration 1</a:t>
-            </a:r>
-          </a:p>
-          <a:p>
-            <a:pPr lvl="1"/>
-            <a:r>
-              <a:rPr lang="en-US" dirty="0" smtClean="0">
-                <a:solidFill>
-                  <a:schemeClr val="bg1">
-                    <a:lumMod val="65000"/>
-                  </a:schemeClr>
-                </a:solidFill>
-                <a:latin typeface="Monaco"/>
-                <a:cs typeface="Monaco"/>
-              </a:rPr>
-              <a:t>78.1</a:t>
-            </a:r>
-          </a:p>
-          <a:p>
-            <a:pPr lvl="1"/>
-            <a:r>
-              <a:rPr lang="en-US" dirty="0" smtClean="0">
-                <a:solidFill>
-                  <a:schemeClr val="bg1">
-                    <a:lumMod val="65000"/>
-                  </a:schemeClr>
-                </a:solidFill>
-                <a:latin typeface="Monaco"/>
-                <a:cs typeface="Monaco"/>
-              </a:rPr>
-              <a:t>Iteration 2</a:t>
-            </a:r>
-            <a:endParaRPr lang="en-US" dirty="0">
-              <a:solidFill>
-                <a:schemeClr val="bg1">
-                  <a:lumMod val="65000"/>
-                </a:schemeClr>
-              </a:solidFill>
-              <a:latin typeface="Monaco"/>
-              <a:cs typeface="Monaco"/>
-            </a:endParaRPr>
-          </a:p>
-          <a:p>
-            <a:pPr lvl="1"/>
-            <a:r>
-              <a:rPr lang="en-US" dirty="0" smtClean="0">
-                <a:solidFill>
-                  <a:schemeClr val="bg1">
-                    <a:lumMod val="65000"/>
-                  </a:schemeClr>
-                </a:solidFill>
-                <a:latin typeface="Monaco"/>
-                <a:cs typeface="Monaco"/>
-              </a:rPr>
-              <a:t>81.4</a:t>
-            </a:r>
-          </a:p>
-          <a:p>
-            <a:pPr lvl="1"/>
-            <a:r>
-              <a:rPr lang="en-US" dirty="0" smtClean="0">
-                <a:solidFill>
-                  <a:schemeClr val="bg1">
-                    <a:lumMod val="65000"/>
-                  </a:schemeClr>
-                </a:solidFill>
-                <a:latin typeface="Monaco"/>
-                <a:cs typeface="Monaco"/>
-              </a:rPr>
-              <a:t>Iteration 3</a:t>
-            </a:r>
-          </a:p>
-          <a:p>
-            <a:pPr lvl="1"/>
-            <a:r>
-              <a:rPr lang="en-US" dirty="0" smtClean="0">
-                <a:solidFill>
-                  <a:schemeClr val="bg1">
-                    <a:lumMod val="65000"/>
-                  </a:schemeClr>
-                </a:solidFill>
-                <a:latin typeface="Monaco"/>
-                <a:cs typeface="Monaco"/>
-              </a:rPr>
-              <a:t>91.3</a:t>
-            </a:r>
-          </a:p>
-          <a:p>
-            <a:pPr lvl="1"/>
-            <a:r>
-              <a:rPr lang="en-US" dirty="0" smtClean="0">
-                <a:solidFill>
-                  <a:schemeClr val="bg1">
-                    <a:lumMod val="65000"/>
-                  </a:schemeClr>
-                </a:solidFill>
-                <a:latin typeface="Monaco"/>
-                <a:cs typeface="Monaco"/>
-              </a:rPr>
-              <a:t>Iteration 4</a:t>
-            </a:r>
-          </a:p>
-          <a:p>
-            <a:pPr lvl="1"/>
-            <a:r>
-              <a:rPr lang="en-US" dirty="0" smtClean="0">
-                <a:solidFill>
-                  <a:schemeClr val="bg1">
-                    <a:lumMod val="65000"/>
-                  </a:schemeClr>
-                </a:solidFill>
-                <a:latin typeface="Monaco"/>
-                <a:cs typeface="Monaco"/>
-              </a:rPr>
-              <a:t>62.7</a:t>
-            </a:r>
-          </a:p>
-          <a:p>
-            <a:pPr lvl="1"/>
-            <a:r>
-              <a:rPr lang="en-US" dirty="0" smtClean="0">
-                <a:solidFill>
-                  <a:schemeClr val="bg1">
-                    <a:lumMod val="65000"/>
-                  </a:schemeClr>
-                </a:solidFill>
-                <a:latin typeface="Monaco"/>
-                <a:cs typeface="Monaco"/>
-              </a:rPr>
-              <a:t>...</a:t>
-            </a:r>
-            <a:endParaRPr lang="en-US" dirty="0" smtClean="0">
-              <a:latin typeface="Monaco"/>
-              <a:cs typeface="Monaco"/>
-            </a:endParaRPr>
-          </a:p>
-        </p:txBody>
-      </p:sp>
-    </p:spTree>
-    <p:extLst>
-      <p:ext uri="{BB962C8B-B14F-4D97-AF65-F5344CB8AC3E}">
-        <p14:creationId xmlns:p14="http://schemas.microsoft.com/office/powerpoint/2010/main" val="1644715840"/>
-      </p:ext>
-    </p:extLst>
-  </p:cSld>
-  <p:clrMapOvr>
-    <a:masterClrMapping/>
-  </p:clrMapOvr>
-</p:sld>
-</file>
-
 <file path=ppt/slides/slide37.xml><?xml version="1.0" encoding="utf-8"?>
 <p:sld xmlns:a="http://schemas.openxmlformats.org/drawingml/2006/main" xmlns:r="http://schemas.openxmlformats.org/officeDocument/2006/relationships" xmlns:p="http://schemas.openxmlformats.org/presentationml/2006/main">
   <p:cSld>
@@ -13036,6 +12453,902 @@
           <a:p>
             <a:r>
               <a:rPr lang="en-US" dirty="0" smtClean="0"/>
+              <a:t>but no hard-coding!!!</a:t>
+            </a:r>
+            <a:endParaRPr lang="en-US" dirty="0"/>
+          </a:p>
+        </p:txBody>
+      </p:sp>
+      <p:sp>
+        <p:nvSpPr>
+          <p:cNvPr id="5" name="TextBox 4"/>
+          <p:cNvSpPr txBox="1"/>
+          <p:nvPr/>
+        </p:nvSpPr>
+        <p:spPr>
+          <a:xfrm>
+            <a:off x="1684602" y="1786320"/>
+            <a:ext cx="6542176" cy="5078314"/>
+          </a:xfrm>
+          <a:prstGeom prst="rect">
+            <a:avLst/>
+          </a:prstGeom>
+          <a:noFill/>
+        </p:spPr>
+        <p:txBody>
+          <a:bodyPr wrap="square" rtlCol="0">
+            <a:spAutoFit/>
+          </a:bodyPr>
+          <a:lstStyle/>
+          <a:p>
+            <a:r>
+              <a:rPr lang="en-US" dirty="0" smtClean="0">
+                <a:latin typeface="Monaco"/>
+                <a:cs typeface="Monaco"/>
+              </a:rPr>
+              <a:t># List of grades</a:t>
+            </a:r>
+          </a:p>
+          <a:p>
+            <a:r>
+              <a:rPr lang="en-US" dirty="0" smtClean="0">
+                <a:latin typeface="Monaco"/>
+                <a:cs typeface="Monaco"/>
+              </a:rPr>
+              <a:t>grades = [88, 71, 74, 83, 57, 79, 66]</a:t>
+            </a:r>
+          </a:p>
+          <a:p>
+            <a:endParaRPr lang="en-US" dirty="0">
+              <a:latin typeface="Monaco"/>
+              <a:cs typeface="Monaco"/>
+            </a:endParaRPr>
+          </a:p>
+          <a:p>
+            <a:r>
+              <a:rPr lang="en-US" dirty="0" smtClean="0">
+                <a:latin typeface="Monaco"/>
+                <a:cs typeface="Monaco"/>
+              </a:rPr>
+              <a:t># Empty list of new grades to populate</a:t>
+            </a:r>
+          </a:p>
+          <a:p>
+            <a:r>
+              <a:rPr lang="en-US" dirty="0" smtClean="0">
+                <a:latin typeface="Monaco"/>
+                <a:cs typeface="Monaco"/>
+              </a:rPr>
+              <a:t>new_grades</a:t>
+            </a:r>
+            <a:r>
+              <a:rPr lang="en-US" dirty="0">
+                <a:latin typeface="Monaco"/>
+                <a:cs typeface="Monaco"/>
+              </a:rPr>
+              <a:t> </a:t>
+            </a:r>
+            <a:r>
+              <a:rPr lang="en-US" dirty="0" smtClean="0">
+                <a:latin typeface="Monaco"/>
+                <a:cs typeface="Monaco"/>
+              </a:rPr>
+              <a:t>= []</a:t>
+            </a:r>
+          </a:p>
+          <a:p>
+            <a:endParaRPr lang="en-US" dirty="0">
+              <a:latin typeface="Monaco"/>
+              <a:cs typeface="Monaco"/>
+            </a:endParaRPr>
+          </a:p>
+          <a:p>
+            <a:r>
+              <a:rPr lang="en-US" dirty="0" smtClean="0">
+                <a:latin typeface="Monaco"/>
+                <a:cs typeface="Monaco"/>
+              </a:rPr>
+              <a:t># Curving value</a:t>
+            </a:r>
+          </a:p>
+          <a:p>
+            <a:r>
+              <a:rPr lang="en-US" dirty="0" smtClean="0">
+                <a:latin typeface="Monaco"/>
+                <a:cs typeface="Monaco"/>
+              </a:rPr>
+              <a:t>curve = 1.1</a:t>
+            </a:r>
+          </a:p>
+          <a:p>
+            <a:endParaRPr lang="en-US" dirty="0" smtClean="0">
+              <a:latin typeface="Monaco"/>
+              <a:cs typeface="Monaco"/>
+            </a:endParaRPr>
+          </a:p>
+          <a:p>
+            <a:r>
+              <a:rPr lang="en-US" dirty="0" smtClean="0">
+                <a:latin typeface="Monaco"/>
+                <a:cs typeface="Monaco"/>
+              </a:rPr>
+              <a:t># Loop over the grades and save curved grade</a:t>
+            </a:r>
+          </a:p>
+          <a:p>
+            <a:r>
+              <a:rPr lang="en-US" dirty="0" smtClean="0">
+                <a:latin typeface="Monaco"/>
+                <a:cs typeface="Monaco"/>
+              </a:rPr>
+              <a:t>for grade in grades:</a:t>
+            </a:r>
+          </a:p>
+          <a:p>
+            <a:r>
+              <a:rPr lang="en-US" dirty="0" smtClean="0">
+                <a:latin typeface="Monaco"/>
+                <a:cs typeface="Monaco"/>
+              </a:rPr>
+              <a:t>	new = grade * </a:t>
+            </a:r>
+            <a:r>
+              <a:rPr lang="en-US" dirty="0" smtClean="0">
+                <a:solidFill>
+                  <a:schemeClr val="accent5"/>
+                </a:solidFill>
+                <a:latin typeface="Monaco"/>
+                <a:cs typeface="Monaco"/>
+              </a:rPr>
+              <a:t>curve</a:t>
+            </a:r>
+          </a:p>
+          <a:p>
+            <a:r>
+              <a:rPr lang="en-US" dirty="0" smtClean="0">
+                <a:latin typeface="Monaco"/>
+                <a:cs typeface="Monaco"/>
+              </a:rPr>
+              <a:t>	new_grades</a:t>
+            </a:r>
+            <a:r>
+              <a:rPr lang="en-US" dirty="0" smtClean="0">
+                <a:solidFill>
+                  <a:schemeClr val="accent5"/>
+                </a:solidFill>
+                <a:latin typeface="Monaco"/>
+                <a:cs typeface="Monaco"/>
+              </a:rPr>
+              <a:t>.append(new)</a:t>
+            </a:r>
+          </a:p>
+          <a:p>
+            <a:endParaRPr lang="en-US" dirty="0">
+              <a:latin typeface="Monaco"/>
+              <a:cs typeface="Monaco"/>
+            </a:endParaRPr>
+          </a:p>
+          <a:p>
+            <a:r>
+              <a:rPr lang="en-US" dirty="0" smtClean="0">
+                <a:latin typeface="Monaco"/>
+                <a:cs typeface="Monaco"/>
+              </a:rPr>
+              <a:t>print new_grades</a:t>
+            </a:r>
+            <a:endParaRPr lang="en-US" dirty="0">
+              <a:latin typeface="Monaco"/>
+              <a:cs typeface="Monaco"/>
+            </a:endParaRPr>
+          </a:p>
+          <a:p>
+            <a:r>
+              <a:rPr lang="en-US" dirty="0" smtClean="0">
+                <a:latin typeface="Monaco"/>
+                <a:cs typeface="Monaco"/>
+              </a:rPr>
+              <a:t>	</a:t>
+            </a:r>
+            <a:r>
+              <a:rPr lang="en-US" dirty="0">
+                <a:solidFill>
+                  <a:schemeClr val="bg1">
+                    <a:lumMod val="65000"/>
+                  </a:schemeClr>
+                </a:solidFill>
+                <a:latin typeface="Monaco"/>
+                <a:cs typeface="Monaco"/>
+              </a:rPr>
+              <a:t>[</a:t>
+            </a:r>
+            <a:r>
+              <a:rPr lang="en-US" dirty="0" smtClean="0">
+                <a:solidFill>
+                  <a:schemeClr val="bg1">
+                    <a:lumMod val="65000"/>
+                  </a:schemeClr>
+                </a:solidFill>
+                <a:latin typeface="Monaco"/>
+                <a:cs typeface="Monaco"/>
+              </a:rPr>
+              <a:t>96.8, 78.1, </a:t>
+            </a:r>
+            <a:r>
+              <a:rPr lang="en-US" dirty="0">
+                <a:solidFill>
+                  <a:schemeClr val="bg1">
+                    <a:lumMod val="65000"/>
+                  </a:schemeClr>
+                </a:solidFill>
+                <a:latin typeface="Monaco"/>
+                <a:cs typeface="Monaco"/>
+              </a:rPr>
+              <a:t>81.4, </a:t>
+            </a:r>
+            <a:r>
+              <a:rPr lang="en-US" dirty="0" smtClean="0">
+                <a:solidFill>
+                  <a:schemeClr val="bg1">
+                    <a:lumMod val="65000"/>
+                  </a:schemeClr>
+                </a:solidFill>
+                <a:latin typeface="Monaco"/>
+                <a:cs typeface="Monaco"/>
+              </a:rPr>
+              <a:t>91.3, </a:t>
+            </a:r>
+            <a:r>
+              <a:rPr lang="en-US" dirty="0">
+                <a:solidFill>
+                  <a:schemeClr val="bg1">
+                    <a:lumMod val="65000"/>
+                  </a:schemeClr>
+                </a:solidFill>
+                <a:latin typeface="Monaco"/>
+                <a:cs typeface="Monaco"/>
+              </a:rPr>
+              <a:t>62.7, 86.9, </a:t>
+            </a:r>
+            <a:r>
+              <a:rPr lang="en-US" dirty="0" smtClean="0">
+                <a:solidFill>
+                  <a:schemeClr val="bg1">
+                    <a:lumMod val="65000"/>
+                  </a:schemeClr>
+                </a:solidFill>
+                <a:latin typeface="Monaco"/>
+                <a:cs typeface="Monaco"/>
+              </a:rPr>
+              <a:t>72.6]</a:t>
+            </a:r>
+            <a:endParaRPr lang="en-US" dirty="0">
+              <a:solidFill>
+                <a:schemeClr val="bg1">
+                  <a:lumMod val="65000"/>
+                </a:schemeClr>
+              </a:solidFill>
+              <a:latin typeface="Monaco"/>
+              <a:cs typeface="Monaco"/>
+            </a:endParaRPr>
+          </a:p>
+          <a:p>
+            <a:endParaRPr lang="en-US" dirty="0" smtClean="0">
+              <a:latin typeface="Monaco"/>
+              <a:cs typeface="Monaco"/>
+            </a:endParaRPr>
+          </a:p>
+          <a:p>
+            <a:r>
+              <a:rPr lang="en-US" dirty="0">
+                <a:latin typeface="Monaco"/>
+                <a:cs typeface="Monaco"/>
+              </a:rPr>
+              <a:t>	</a:t>
+            </a:r>
+            <a:endParaRPr lang="en-US" dirty="0" smtClean="0">
+              <a:latin typeface="Monaco"/>
+              <a:cs typeface="Monaco"/>
+            </a:endParaRPr>
+          </a:p>
+        </p:txBody>
+      </p:sp>
+    </p:spTree>
+    <p:extLst>
+      <p:ext uri="{BB962C8B-B14F-4D97-AF65-F5344CB8AC3E}">
+        <p14:creationId xmlns:p14="http://schemas.microsoft.com/office/powerpoint/2010/main" val="2641733091"/>
+      </p:ext>
+    </p:extLst>
+  </p:cSld>
+  <p:clrMapOvr>
+    <a:masterClrMapping/>
+  </p:clrMapOvr>
+</p:sld>
+</file>
+
+<file path=ppt/slides/slide38.xml><?xml version="1.0" encoding="utf-8"?>
+<p:sld xmlns:a="http://schemas.openxmlformats.org/drawingml/2006/main" xmlns:r="http://schemas.openxmlformats.org/officeDocument/2006/relationships" xmlns:p="http://schemas.openxmlformats.org/presentationml/2006/main">
+  <p:cSld>
+    <p:spTree>
+      <p:nvGrpSpPr>
+        <p:cNvPr id="1" name=""/>
+        <p:cNvGrpSpPr/>
+        <p:nvPr/>
+      </p:nvGrpSpPr>
+      <p:grpSpPr>
+        <a:xfrm>
+          <a:off x="0" y="0"/>
+          <a:ext cx="0" cy="0"/>
+          <a:chOff x="0" y="0"/>
+          <a:chExt cx="0" cy="0"/>
+        </a:xfrm>
+      </p:grpSpPr>
+      <p:sp>
+        <p:nvSpPr>
+          <p:cNvPr id="2" name="Title 1"/>
+          <p:cNvSpPr>
+            <a:spLocks noGrp="1"/>
+          </p:cNvSpPr>
+          <p:nvPr>
+            <p:ph type="title"/>
+          </p:nvPr>
+        </p:nvSpPr>
+        <p:spPr/>
+        <p:txBody>
+          <a:bodyPr/>
+          <a:lstStyle/>
+          <a:p>
+            <a:r>
+              <a:rPr lang="en-US" dirty="0" smtClean="0"/>
+              <a:t>use a counter variable to keep track of loop</a:t>
+            </a:r>
+            <a:endParaRPr lang="en-US" dirty="0"/>
+          </a:p>
+        </p:txBody>
+      </p:sp>
+      <p:sp>
+        <p:nvSpPr>
+          <p:cNvPr id="4" name="TextBox 3"/>
+          <p:cNvSpPr txBox="1"/>
+          <p:nvPr/>
+        </p:nvSpPr>
+        <p:spPr>
+          <a:xfrm>
+            <a:off x="457199" y="1996025"/>
+            <a:ext cx="3221201" cy="2862323"/>
+          </a:xfrm>
+          <a:prstGeom prst="rect">
+            <a:avLst/>
+          </a:prstGeom>
+          <a:noFill/>
+        </p:spPr>
+        <p:txBody>
+          <a:bodyPr wrap="square" rtlCol="0">
+            <a:spAutoFit/>
+          </a:bodyPr>
+          <a:lstStyle/>
+          <a:p>
+            <a:r>
+              <a:rPr lang="en-US" dirty="0" smtClean="0">
+                <a:latin typeface="Monaco"/>
+                <a:cs typeface="Monaco"/>
+              </a:rPr>
+              <a:t>for grade in grades:</a:t>
+            </a:r>
+          </a:p>
+          <a:p>
+            <a:r>
+              <a:rPr lang="en-US" dirty="0" smtClean="0">
+                <a:latin typeface="Monaco"/>
+                <a:cs typeface="Monaco"/>
+              </a:rPr>
+              <a:t>	print grade * 1.1</a:t>
+            </a:r>
+          </a:p>
+          <a:p>
+            <a:endParaRPr lang="en-US" dirty="0">
+              <a:latin typeface="Monaco"/>
+              <a:cs typeface="Monaco"/>
+            </a:endParaRPr>
+          </a:p>
+          <a:p>
+            <a:r>
+              <a:rPr lang="en-US" dirty="0" smtClean="0">
+                <a:solidFill>
+                  <a:schemeClr val="bg1">
+                    <a:lumMod val="65000"/>
+                  </a:schemeClr>
+                </a:solidFill>
+                <a:latin typeface="Monaco"/>
+                <a:cs typeface="Monaco"/>
+              </a:rPr>
+              <a:t>	</a:t>
+            </a:r>
+            <a:r>
+              <a:rPr lang="en-US" dirty="0">
+                <a:solidFill>
+                  <a:schemeClr val="bg1">
+                    <a:lumMod val="65000"/>
+                  </a:schemeClr>
+                </a:solidFill>
+                <a:latin typeface="Monaco"/>
+                <a:cs typeface="Monaco"/>
+              </a:rPr>
+              <a:t>96.8</a:t>
+            </a:r>
+          </a:p>
+          <a:p>
+            <a:pPr lvl="1"/>
+            <a:r>
+              <a:rPr lang="en-US" dirty="0">
+                <a:solidFill>
+                  <a:schemeClr val="bg1">
+                    <a:lumMod val="65000"/>
+                  </a:schemeClr>
+                </a:solidFill>
+                <a:latin typeface="Monaco"/>
+                <a:cs typeface="Monaco"/>
+              </a:rPr>
+              <a:t>78.1</a:t>
+            </a:r>
+          </a:p>
+          <a:p>
+            <a:pPr lvl="1"/>
+            <a:r>
+              <a:rPr lang="en-US" dirty="0">
+                <a:solidFill>
+                  <a:schemeClr val="bg1">
+                    <a:lumMod val="65000"/>
+                  </a:schemeClr>
+                </a:solidFill>
+                <a:latin typeface="Monaco"/>
+                <a:cs typeface="Monaco"/>
+              </a:rPr>
+              <a:t>81.4</a:t>
+            </a:r>
+          </a:p>
+          <a:p>
+            <a:pPr lvl="1"/>
+            <a:r>
+              <a:rPr lang="en-US" dirty="0">
+                <a:solidFill>
+                  <a:schemeClr val="bg1">
+                    <a:lumMod val="65000"/>
+                  </a:schemeClr>
+                </a:solidFill>
+                <a:latin typeface="Monaco"/>
+                <a:cs typeface="Monaco"/>
+              </a:rPr>
+              <a:t>91.3</a:t>
+            </a:r>
+          </a:p>
+          <a:p>
+            <a:pPr lvl="1"/>
+            <a:r>
+              <a:rPr lang="en-US" dirty="0">
+                <a:solidFill>
+                  <a:schemeClr val="bg1">
+                    <a:lumMod val="65000"/>
+                  </a:schemeClr>
+                </a:solidFill>
+                <a:latin typeface="Monaco"/>
+                <a:cs typeface="Monaco"/>
+              </a:rPr>
+              <a:t>62.7</a:t>
+            </a:r>
+          </a:p>
+          <a:p>
+            <a:pPr lvl="1"/>
+            <a:r>
+              <a:rPr lang="en-US" dirty="0">
+                <a:solidFill>
+                  <a:schemeClr val="bg1">
+                    <a:lumMod val="65000"/>
+                  </a:schemeClr>
+                </a:solidFill>
+                <a:latin typeface="Monaco"/>
+                <a:cs typeface="Monaco"/>
+              </a:rPr>
+              <a:t>86.9</a:t>
+            </a:r>
+          </a:p>
+          <a:p>
+            <a:pPr lvl="1"/>
+            <a:r>
+              <a:rPr lang="en-US" dirty="0" smtClean="0">
+                <a:solidFill>
+                  <a:schemeClr val="bg1">
+                    <a:lumMod val="65000"/>
+                  </a:schemeClr>
+                </a:solidFill>
+                <a:latin typeface="Monaco"/>
+                <a:cs typeface="Monaco"/>
+              </a:rPr>
+              <a:t>72.6</a:t>
+            </a:r>
+            <a:endParaRPr lang="en-US" dirty="0" smtClean="0">
+              <a:latin typeface="Monaco"/>
+              <a:cs typeface="Monaco"/>
+            </a:endParaRPr>
+          </a:p>
+        </p:txBody>
+      </p:sp>
+      <p:sp>
+        <p:nvSpPr>
+          <p:cNvPr id="5" name="TextBox 4"/>
+          <p:cNvSpPr txBox="1"/>
+          <p:nvPr/>
+        </p:nvSpPr>
+        <p:spPr>
+          <a:xfrm>
+            <a:off x="4411026" y="1755154"/>
+            <a:ext cx="4237595" cy="4801315"/>
+          </a:xfrm>
+          <a:prstGeom prst="rect">
+            <a:avLst/>
+          </a:prstGeom>
+          <a:noFill/>
+        </p:spPr>
+        <p:txBody>
+          <a:bodyPr wrap="square" rtlCol="0">
+            <a:spAutoFit/>
+          </a:bodyPr>
+          <a:lstStyle/>
+          <a:p>
+            <a:r>
+              <a:rPr lang="en-US" dirty="0" smtClean="0">
+                <a:solidFill>
+                  <a:srgbClr val="DC5924"/>
+                </a:solidFill>
+                <a:latin typeface="Monaco"/>
+                <a:cs typeface="Monaco"/>
+              </a:rPr>
+              <a:t>i = 0 </a:t>
+            </a:r>
+          </a:p>
+          <a:p>
+            <a:r>
+              <a:rPr lang="en-US" dirty="0" smtClean="0">
+                <a:latin typeface="Monaco"/>
+                <a:cs typeface="Monaco"/>
+              </a:rPr>
+              <a:t>for grade in grades:</a:t>
+            </a:r>
+          </a:p>
+          <a:p>
+            <a:r>
+              <a:rPr lang="en-US" dirty="0">
+                <a:latin typeface="Monaco"/>
+                <a:cs typeface="Monaco"/>
+              </a:rPr>
+              <a:t>	</a:t>
+            </a:r>
+            <a:r>
+              <a:rPr lang="en-US" dirty="0" smtClean="0">
+                <a:latin typeface="Monaco"/>
+                <a:cs typeface="Monaco"/>
+              </a:rPr>
+              <a:t>print "Iteration " + </a:t>
+            </a:r>
+            <a:r>
+              <a:rPr lang="en-US" dirty="0" err="1" smtClean="0">
+                <a:latin typeface="Monaco"/>
+                <a:cs typeface="Monaco"/>
+              </a:rPr>
+              <a:t>str</a:t>
+            </a:r>
+            <a:r>
+              <a:rPr lang="en-US" dirty="0" smtClean="0">
+                <a:latin typeface="Monaco"/>
+                <a:cs typeface="Monaco"/>
+              </a:rPr>
+              <a:t>(i)</a:t>
+            </a:r>
+          </a:p>
+          <a:p>
+            <a:r>
+              <a:rPr lang="en-US" dirty="0" smtClean="0">
+                <a:latin typeface="Monaco"/>
+                <a:cs typeface="Monaco"/>
+              </a:rPr>
+              <a:t>	print grade * 1.1</a:t>
+            </a:r>
+          </a:p>
+          <a:p>
+            <a:r>
+              <a:rPr lang="en-US" dirty="0">
+                <a:solidFill>
+                  <a:srgbClr val="DC5924"/>
+                </a:solidFill>
+                <a:latin typeface="Monaco"/>
+                <a:cs typeface="Monaco"/>
+              </a:rPr>
+              <a:t>	</a:t>
+            </a:r>
+            <a:r>
+              <a:rPr lang="en-US" dirty="0" smtClean="0">
+                <a:solidFill>
+                  <a:srgbClr val="DC5924"/>
+                </a:solidFill>
+                <a:latin typeface="Monaco"/>
+                <a:cs typeface="Monaco"/>
+              </a:rPr>
+              <a:t>i += 1</a:t>
+            </a:r>
+          </a:p>
+          <a:p>
+            <a:endParaRPr lang="en-US" dirty="0">
+              <a:latin typeface="Monaco"/>
+              <a:cs typeface="Monaco"/>
+            </a:endParaRPr>
+          </a:p>
+          <a:p>
+            <a:pPr marL="0" lvl="1"/>
+            <a:r>
+              <a:rPr lang="en-US" dirty="0" smtClean="0">
+                <a:solidFill>
+                  <a:schemeClr val="bg1">
+                    <a:lumMod val="65000"/>
+                  </a:schemeClr>
+                </a:solidFill>
+                <a:latin typeface="Monaco"/>
+                <a:cs typeface="Monaco"/>
+              </a:rPr>
+              <a:t>	</a:t>
+            </a:r>
+            <a:r>
+              <a:rPr lang="en-US" dirty="0">
+                <a:solidFill>
+                  <a:schemeClr val="bg1">
+                    <a:lumMod val="65000"/>
+                  </a:schemeClr>
+                </a:solidFill>
+                <a:latin typeface="Monaco"/>
+                <a:cs typeface="Monaco"/>
+              </a:rPr>
+              <a:t>Iteration </a:t>
+            </a:r>
+            <a:r>
+              <a:rPr lang="en-US" dirty="0" smtClean="0">
+                <a:solidFill>
+                  <a:schemeClr val="bg1">
+                    <a:lumMod val="65000"/>
+                  </a:schemeClr>
+                </a:solidFill>
+                <a:latin typeface="Monaco"/>
+                <a:cs typeface="Monaco"/>
+              </a:rPr>
+              <a:t>0</a:t>
+            </a:r>
+            <a:endParaRPr lang="en-US" dirty="0">
+              <a:solidFill>
+                <a:schemeClr val="bg1">
+                  <a:lumMod val="65000"/>
+                </a:schemeClr>
+              </a:solidFill>
+              <a:latin typeface="Monaco"/>
+              <a:cs typeface="Monaco"/>
+            </a:endParaRPr>
+          </a:p>
+          <a:p>
+            <a:r>
+              <a:rPr lang="en-US" dirty="0" smtClean="0">
+                <a:solidFill>
+                  <a:schemeClr val="bg1">
+                    <a:lumMod val="65000"/>
+                  </a:schemeClr>
+                </a:solidFill>
+                <a:latin typeface="Monaco"/>
+                <a:cs typeface="Monaco"/>
+              </a:rPr>
+              <a:t>	96.8</a:t>
+            </a:r>
+            <a:endParaRPr lang="en-US" dirty="0">
+              <a:solidFill>
+                <a:schemeClr val="bg1">
+                  <a:lumMod val="65000"/>
+                </a:schemeClr>
+              </a:solidFill>
+              <a:latin typeface="Monaco"/>
+              <a:cs typeface="Monaco"/>
+            </a:endParaRPr>
+          </a:p>
+          <a:p>
+            <a:pPr lvl="1"/>
+            <a:r>
+              <a:rPr lang="en-US" dirty="0" smtClean="0">
+                <a:solidFill>
+                  <a:schemeClr val="bg1">
+                    <a:lumMod val="65000"/>
+                  </a:schemeClr>
+                </a:solidFill>
+                <a:latin typeface="Monaco"/>
+                <a:cs typeface="Monaco"/>
+              </a:rPr>
+              <a:t>Iteration 1</a:t>
+            </a:r>
+          </a:p>
+          <a:p>
+            <a:pPr lvl="1"/>
+            <a:r>
+              <a:rPr lang="en-US" dirty="0" smtClean="0">
+                <a:solidFill>
+                  <a:schemeClr val="bg1">
+                    <a:lumMod val="65000"/>
+                  </a:schemeClr>
+                </a:solidFill>
+                <a:latin typeface="Monaco"/>
+                <a:cs typeface="Monaco"/>
+              </a:rPr>
+              <a:t>78.1</a:t>
+            </a:r>
+          </a:p>
+          <a:p>
+            <a:pPr lvl="1"/>
+            <a:r>
+              <a:rPr lang="en-US" dirty="0" smtClean="0">
+                <a:solidFill>
+                  <a:schemeClr val="bg1">
+                    <a:lumMod val="65000"/>
+                  </a:schemeClr>
+                </a:solidFill>
+                <a:latin typeface="Monaco"/>
+                <a:cs typeface="Monaco"/>
+              </a:rPr>
+              <a:t>Iteration 2</a:t>
+            </a:r>
+            <a:endParaRPr lang="en-US" dirty="0">
+              <a:solidFill>
+                <a:schemeClr val="bg1">
+                  <a:lumMod val="65000"/>
+                </a:schemeClr>
+              </a:solidFill>
+              <a:latin typeface="Monaco"/>
+              <a:cs typeface="Monaco"/>
+            </a:endParaRPr>
+          </a:p>
+          <a:p>
+            <a:pPr lvl="1"/>
+            <a:r>
+              <a:rPr lang="en-US" dirty="0" smtClean="0">
+                <a:solidFill>
+                  <a:schemeClr val="bg1">
+                    <a:lumMod val="65000"/>
+                  </a:schemeClr>
+                </a:solidFill>
+                <a:latin typeface="Monaco"/>
+                <a:cs typeface="Monaco"/>
+              </a:rPr>
+              <a:t>81.4</a:t>
+            </a:r>
+          </a:p>
+          <a:p>
+            <a:pPr lvl="1"/>
+            <a:r>
+              <a:rPr lang="en-US" dirty="0" smtClean="0">
+                <a:solidFill>
+                  <a:schemeClr val="bg1">
+                    <a:lumMod val="65000"/>
+                  </a:schemeClr>
+                </a:solidFill>
+                <a:latin typeface="Monaco"/>
+                <a:cs typeface="Monaco"/>
+              </a:rPr>
+              <a:t>Iteration 3</a:t>
+            </a:r>
+          </a:p>
+          <a:p>
+            <a:pPr lvl="1"/>
+            <a:r>
+              <a:rPr lang="en-US" dirty="0" smtClean="0">
+                <a:solidFill>
+                  <a:schemeClr val="bg1">
+                    <a:lumMod val="65000"/>
+                  </a:schemeClr>
+                </a:solidFill>
+                <a:latin typeface="Monaco"/>
+                <a:cs typeface="Monaco"/>
+              </a:rPr>
+              <a:t>91.3</a:t>
+            </a:r>
+          </a:p>
+          <a:p>
+            <a:pPr lvl="1"/>
+            <a:r>
+              <a:rPr lang="en-US" dirty="0" smtClean="0">
+                <a:solidFill>
+                  <a:schemeClr val="bg1">
+                    <a:lumMod val="65000"/>
+                  </a:schemeClr>
+                </a:solidFill>
+                <a:latin typeface="Monaco"/>
+                <a:cs typeface="Monaco"/>
+              </a:rPr>
+              <a:t>Iteration 4</a:t>
+            </a:r>
+          </a:p>
+          <a:p>
+            <a:pPr lvl="1"/>
+            <a:r>
+              <a:rPr lang="en-US" dirty="0" smtClean="0">
+                <a:solidFill>
+                  <a:schemeClr val="bg1">
+                    <a:lumMod val="65000"/>
+                  </a:schemeClr>
+                </a:solidFill>
+                <a:latin typeface="Monaco"/>
+                <a:cs typeface="Monaco"/>
+              </a:rPr>
+              <a:t>62.7</a:t>
+            </a:r>
+          </a:p>
+          <a:p>
+            <a:pPr lvl="1"/>
+            <a:r>
+              <a:rPr lang="en-US" dirty="0" smtClean="0">
+                <a:solidFill>
+                  <a:schemeClr val="bg1">
+                    <a:lumMod val="65000"/>
+                  </a:schemeClr>
+                </a:solidFill>
+                <a:latin typeface="Monaco"/>
+                <a:cs typeface="Monaco"/>
+              </a:rPr>
+              <a:t>...</a:t>
+            </a:r>
+            <a:endParaRPr lang="en-US" dirty="0" smtClean="0">
+              <a:latin typeface="Monaco"/>
+              <a:cs typeface="Monaco"/>
+            </a:endParaRPr>
+          </a:p>
+        </p:txBody>
+      </p:sp>
+    </p:spTree>
+    <p:extLst>
+      <p:ext uri="{BB962C8B-B14F-4D97-AF65-F5344CB8AC3E}">
+        <p14:creationId xmlns:p14="http://schemas.microsoft.com/office/powerpoint/2010/main" val="1644715840"/>
+      </p:ext>
+    </p:extLst>
+  </p:cSld>
+  <p:clrMapOvr>
+    <a:masterClrMapping/>
+  </p:clrMapOvr>
+</p:sld>
+</file>
+
+<file path=ppt/slides/slide39.xml><?xml version="1.0" encoding="utf-8"?>
+<p:sld xmlns:a="http://schemas.openxmlformats.org/drawingml/2006/main" xmlns:r="http://schemas.openxmlformats.org/officeDocument/2006/relationships" xmlns:p="http://schemas.openxmlformats.org/presentationml/2006/main">
+  <p:cSld>
+    <p:spTree>
+      <p:nvGrpSpPr>
+        <p:cNvPr id="1" name=""/>
+        <p:cNvGrpSpPr/>
+        <p:nvPr/>
+      </p:nvGrpSpPr>
+      <p:grpSpPr>
+        <a:xfrm>
+          <a:off x="0" y="0"/>
+          <a:ext cx="0" cy="0"/>
+          <a:chOff x="0" y="0"/>
+          <a:chExt cx="0" cy="0"/>
+        </a:xfrm>
+      </p:grpSpPr>
+      <p:sp>
+        <p:nvSpPr>
+          <p:cNvPr id="2" name="Title 1"/>
+          <p:cNvSpPr>
+            <a:spLocks noGrp="1"/>
+          </p:cNvSpPr>
+          <p:nvPr>
+            <p:ph type="title"/>
+          </p:nvPr>
+        </p:nvSpPr>
+        <p:spPr/>
+        <p:txBody>
+          <a:bodyPr/>
+          <a:lstStyle/>
+          <a:p>
+            <a:r>
+              <a:rPr lang="en-US" dirty="0" smtClean="0"/>
               <a:t>iterating a certain number of times</a:t>
             </a:r>
             <a:endParaRPr lang="en-US" dirty="0"/>
@@ -13268,7 +13581,104 @@
 </p:sld>
 </file>
 
-<file path=ppt/slides/slide38.xml><?xml version="1.0" encoding="utf-8"?>
+<file path=ppt/slides/slide4.xml><?xml version="1.0" encoding="utf-8"?>
+<p:sld xmlns:a="http://schemas.openxmlformats.org/drawingml/2006/main" xmlns:r="http://schemas.openxmlformats.org/officeDocument/2006/relationships" xmlns:p="http://schemas.openxmlformats.org/presentationml/2006/main">
+  <p:cSld>
+    <p:spTree>
+      <p:nvGrpSpPr>
+        <p:cNvPr id="1" name=""/>
+        <p:cNvGrpSpPr/>
+        <p:nvPr/>
+      </p:nvGrpSpPr>
+      <p:grpSpPr>
+        <a:xfrm>
+          <a:off x="0" y="0"/>
+          <a:ext cx="0" cy="0"/>
+          <a:chOff x="0" y="0"/>
+          <a:chExt cx="0" cy="0"/>
+        </a:xfrm>
+      </p:grpSpPr>
+      <p:sp>
+        <p:nvSpPr>
+          <p:cNvPr id="2" name="Title 1"/>
+          <p:cNvSpPr>
+            <a:spLocks noGrp="1"/>
+          </p:cNvSpPr>
+          <p:nvPr>
+            <p:ph type="title"/>
+          </p:nvPr>
+        </p:nvSpPr>
+        <p:spPr/>
+        <p:txBody>
+          <a:bodyPr/>
+          <a:lstStyle/>
+          <a:p>
+            <a:r>
+              <a:rPr lang="en-US" dirty="0" smtClean="0"/>
+              <a:t>dictionaries are unordered</a:t>
+            </a:r>
+            <a:endParaRPr lang="en-US" dirty="0"/>
+          </a:p>
+        </p:txBody>
+      </p:sp>
+      <p:sp>
+        <p:nvSpPr>
+          <p:cNvPr id="3" name="Content Placeholder 2"/>
+          <p:cNvSpPr>
+            <a:spLocks noGrp="1"/>
+          </p:cNvSpPr>
+          <p:nvPr>
+            <p:ph idx="1"/>
+          </p:nvPr>
+        </p:nvSpPr>
+        <p:spPr/>
+        <p:txBody>
+          <a:bodyPr/>
+          <a:lstStyle/>
+          <a:p>
+            <a:pPr marL="457200" indent="-457200">
+              <a:buFont typeface="Arial"/>
+              <a:buChar char="•"/>
+            </a:pPr>
+            <a:r>
+              <a:rPr lang="en-US" dirty="0" smtClean="0"/>
+              <a:t>Unique </a:t>
+            </a:r>
+            <a:r>
+              <a:rPr lang="en-US" dirty="0" err="1" smtClean="0"/>
+              <a:t>key:value</a:t>
+            </a:r>
+            <a:r>
+              <a:rPr lang="en-US" dirty="0" smtClean="0"/>
+              <a:t> pairs are *always* preserved, but their order is not</a:t>
+            </a:r>
+          </a:p>
+          <a:p>
+            <a:pPr marL="914400" lvl="1" indent="-457200">
+              <a:buFont typeface="Arial"/>
+              <a:buChar char="•"/>
+            </a:pPr>
+            <a:r>
+              <a:rPr lang="en-US" dirty="0" smtClean="0"/>
+              <a:t>One of many reasons why we index with keys, not positions</a:t>
+            </a:r>
+          </a:p>
+        </p:txBody>
+      </p:sp>
+    </p:spTree>
+    <p:extLst>
+      <p:ext uri="{BB962C8B-B14F-4D97-AF65-F5344CB8AC3E}">
+        <p14:creationId xmlns:p14="http://schemas.microsoft.com/office/powerpoint/2010/main" val="4066469446"/>
+      </p:ext>
+    </p:extLst>
+  </p:cSld>
+  <p:clrMapOvr>
+    <a:masterClrMapping/>
+  </p:clrMapOvr>
+</p:sld>
+</file>
+
+<file path=ppt/slides/slide40.xml><?xml version="1.0" encoding="utf-8"?>
 <p:sld xmlns:a="http://schemas.openxmlformats.org/drawingml/2006/main" xmlns:r="http://schemas.openxmlformats.org/officeDocument/2006/relationships" xmlns:p="http://schemas.openxmlformats.org/presentationml/2006/main">
   <p:cSld>
     <p:spTree>
@@ -13617,988 +14027,6 @@
 </p:sld>
 </file>
 
-<file path=ppt/slides/slide39.xml><?xml version="1.0" encoding="utf-8"?>
-<p:sld xmlns:a="http://schemas.openxmlformats.org/drawingml/2006/main" xmlns:r="http://schemas.openxmlformats.org/officeDocument/2006/relationships" xmlns:p="http://schemas.openxmlformats.org/presentationml/2006/main">
-  <p:cSld>
-    <p:spTree>
-      <p:nvGrpSpPr>
-        <p:cNvPr id="1" name=""/>
-        <p:cNvGrpSpPr/>
-        <p:nvPr/>
-      </p:nvGrpSpPr>
-      <p:grpSpPr>
-        <a:xfrm>
-          <a:off x="0" y="0"/>
-          <a:ext cx="0" cy="0"/>
-          <a:chOff x="0" y="0"/>
-          <a:chExt cx="0" cy="0"/>
-        </a:xfrm>
-      </p:grpSpPr>
-      <p:sp>
-        <p:nvSpPr>
-          <p:cNvPr id="2" name="Title 1"/>
-          <p:cNvSpPr>
-            <a:spLocks noGrp="1"/>
-          </p:cNvSpPr>
-          <p:nvPr>
-            <p:ph type="title"/>
-          </p:nvPr>
-        </p:nvSpPr>
-        <p:spPr/>
-        <p:txBody>
-          <a:bodyPr/>
-          <a:lstStyle/>
-          <a:p>
-            <a:r>
-              <a:rPr lang="en-US" dirty="0" smtClean="0"/>
-              <a:t>iterating a certain number of times</a:t>
-            </a:r>
-            <a:endParaRPr lang="en-US" dirty="0"/>
-          </a:p>
-        </p:txBody>
-      </p:sp>
-      <p:sp>
-        <p:nvSpPr>
-          <p:cNvPr id="5" name="TextBox 4"/>
-          <p:cNvSpPr txBox="1"/>
-          <p:nvPr/>
-        </p:nvSpPr>
-        <p:spPr>
-          <a:xfrm>
-            <a:off x="558329" y="2806230"/>
-            <a:ext cx="3221201" cy="2862323"/>
-          </a:xfrm>
-          <a:prstGeom prst="rect">
-            <a:avLst/>
-          </a:prstGeom>
-          <a:noFill/>
-        </p:spPr>
-        <p:txBody>
-          <a:bodyPr wrap="square" rtlCol="0">
-            <a:spAutoFit/>
-          </a:bodyPr>
-          <a:lstStyle/>
-          <a:p>
-            <a:r>
-              <a:rPr lang="en-US" dirty="0" smtClean="0">
-                <a:latin typeface="Monaco"/>
-                <a:cs typeface="Monaco"/>
-              </a:rPr>
-              <a:t>for grade in grades:</a:t>
-            </a:r>
-          </a:p>
-          <a:p>
-            <a:r>
-              <a:rPr lang="en-US" dirty="0" smtClean="0">
-                <a:latin typeface="Monaco"/>
-                <a:cs typeface="Monaco"/>
-              </a:rPr>
-              <a:t>	print grade * 1.1</a:t>
-            </a:r>
-          </a:p>
-          <a:p>
-            <a:endParaRPr lang="en-US" dirty="0">
-              <a:latin typeface="Monaco"/>
-              <a:cs typeface="Monaco"/>
-            </a:endParaRPr>
-          </a:p>
-          <a:p>
-            <a:r>
-              <a:rPr lang="en-US" dirty="0" smtClean="0">
-                <a:solidFill>
-                  <a:schemeClr val="bg1">
-                    <a:lumMod val="65000"/>
-                  </a:schemeClr>
-                </a:solidFill>
-                <a:latin typeface="Monaco"/>
-                <a:cs typeface="Monaco"/>
-              </a:rPr>
-              <a:t>	</a:t>
-            </a:r>
-            <a:r>
-              <a:rPr lang="en-US" dirty="0">
-                <a:solidFill>
-                  <a:schemeClr val="bg1">
-                    <a:lumMod val="65000"/>
-                  </a:schemeClr>
-                </a:solidFill>
-                <a:latin typeface="Monaco"/>
-                <a:cs typeface="Monaco"/>
-              </a:rPr>
-              <a:t>96.8</a:t>
-            </a:r>
-          </a:p>
-          <a:p>
-            <a:pPr lvl="1"/>
-            <a:r>
-              <a:rPr lang="en-US" dirty="0">
-                <a:solidFill>
-                  <a:schemeClr val="bg1">
-                    <a:lumMod val="65000"/>
-                  </a:schemeClr>
-                </a:solidFill>
-                <a:latin typeface="Monaco"/>
-                <a:cs typeface="Monaco"/>
-              </a:rPr>
-              <a:t>78.1</a:t>
-            </a:r>
-          </a:p>
-          <a:p>
-            <a:pPr lvl="1"/>
-            <a:r>
-              <a:rPr lang="en-US" dirty="0">
-                <a:solidFill>
-                  <a:schemeClr val="bg1">
-                    <a:lumMod val="65000"/>
-                  </a:schemeClr>
-                </a:solidFill>
-                <a:latin typeface="Monaco"/>
-                <a:cs typeface="Monaco"/>
-              </a:rPr>
-              <a:t>81.4</a:t>
-            </a:r>
-          </a:p>
-          <a:p>
-            <a:pPr lvl="1"/>
-            <a:r>
-              <a:rPr lang="en-US" dirty="0">
-                <a:solidFill>
-                  <a:schemeClr val="bg1">
-                    <a:lumMod val="65000"/>
-                  </a:schemeClr>
-                </a:solidFill>
-                <a:latin typeface="Monaco"/>
-                <a:cs typeface="Monaco"/>
-              </a:rPr>
-              <a:t>91.3</a:t>
-            </a:r>
-          </a:p>
-          <a:p>
-            <a:pPr lvl="1"/>
-            <a:r>
-              <a:rPr lang="en-US" dirty="0">
-                <a:solidFill>
-                  <a:schemeClr val="bg1">
-                    <a:lumMod val="65000"/>
-                  </a:schemeClr>
-                </a:solidFill>
-                <a:latin typeface="Monaco"/>
-                <a:cs typeface="Monaco"/>
-              </a:rPr>
-              <a:t>62.7</a:t>
-            </a:r>
-          </a:p>
-          <a:p>
-            <a:pPr lvl="1"/>
-            <a:r>
-              <a:rPr lang="en-US" dirty="0">
-                <a:solidFill>
-                  <a:schemeClr val="bg1">
-                    <a:lumMod val="65000"/>
-                  </a:schemeClr>
-                </a:solidFill>
-                <a:latin typeface="Monaco"/>
-                <a:cs typeface="Monaco"/>
-              </a:rPr>
-              <a:t>86.9</a:t>
-            </a:r>
-          </a:p>
-          <a:p>
-            <a:pPr lvl="1"/>
-            <a:r>
-              <a:rPr lang="en-US" dirty="0" smtClean="0">
-                <a:solidFill>
-                  <a:schemeClr val="bg1">
-                    <a:lumMod val="65000"/>
-                  </a:schemeClr>
-                </a:solidFill>
-                <a:latin typeface="Monaco"/>
-                <a:cs typeface="Monaco"/>
-              </a:rPr>
-              <a:t>72.6</a:t>
-            </a:r>
-            <a:endParaRPr lang="en-US" dirty="0" smtClean="0">
-              <a:latin typeface="Monaco"/>
-              <a:cs typeface="Monaco"/>
-            </a:endParaRPr>
-          </a:p>
-        </p:txBody>
-      </p:sp>
-      <p:sp>
-        <p:nvSpPr>
-          <p:cNvPr id="6" name="TextBox 5"/>
-          <p:cNvSpPr txBox="1"/>
-          <p:nvPr/>
-        </p:nvSpPr>
-        <p:spPr>
-          <a:xfrm>
-            <a:off x="1718776" y="1798949"/>
-            <a:ext cx="5736553" cy="923330"/>
-          </a:xfrm>
-          <a:prstGeom prst="rect">
-            <a:avLst/>
-          </a:prstGeom>
-          <a:noFill/>
-        </p:spPr>
-        <p:txBody>
-          <a:bodyPr wrap="square" rtlCol="0">
-            <a:spAutoFit/>
-          </a:bodyPr>
-          <a:lstStyle/>
-          <a:p>
-            <a:r>
-              <a:rPr lang="en-US" dirty="0">
-                <a:latin typeface="Monaco"/>
-                <a:cs typeface="Monaco"/>
-              </a:rPr>
-              <a:t># List of grades</a:t>
-            </a:r>
-          </a:p>
-          <a:p>
-            <a:r>
-              <a:rPr lang="en-US" dirty="0">
-                <a:latin typeface="Monaco"/>
-                <a:cs typeface="Monaco"/>
-              </a:rPr>
-              <a:t>grades = [88, 71, 74, 83, 57, 79, 66]</a:t>
-            </a:r>
-          </a:p>
-          <a:p>
-            <a:endParaRPr lang="en-US" dirty="0"/>
-          </a:p>
-        </p:txBody>
-      </p:sp>
-      <p:sp>
-        <p:nvSpPr>
-          <p:cNvPr id="7" name="TextBox 6"/>
-          <p:cNvSpPr txBox="1"/>
-          <p:nvPr/>
-        </p:nvSpPr>
-        <p:spPr>
-          <a:xfrm>
-            <a:off x="4315964" y="2806230"/>
-            <a:ext cx="4219579" cy="2862323"/>
-          </a:xfrm>
-          <a:prstGeom prst="rect">
-            <a:avLst/>
-          </a:prstGeom>
-          <a:noFill/>
-        </p:spPr>
-        <p:txBody>
-          <a:bodyPr wrap="square" rtlCol="0">
-            <a:spAutoFit/>
-          </a:bodyPr>
-          <a:lstStyle/>
-          <a:p>
-            <a:r>
-              <a:rPr lang="en-US" dirty="0" smtClean="0">
-                <a:latin typeface="Monaco"/>
-                <a:cs typeface="Monaco"/>
-              </a:rPr>
-              <a:t>for </a:t>
-            </a:r>
-            <a:r>
-              <a:rPr lang="en-US" dirty="0" err="1" smtClean="0">
-                <a:latin typeface="Monaco"/>
-                <a:cs typeface="Monaco"/>
-              </a:rPr>
-              <a:t>i</a:t>
-            </a:r>
-            <a:r>
-              <a:rPr lang="en-US" dirty="0" smtClean="0">
-                <a:latin typeface="Monaco"/>
-                <a:cs typeface="Monaco"/>
-              </a:rPr>
-              <a:t> in </a:t>
-            </a:r>
-            <a:r>
-              <a:rPr lang="en-US" dirty="0" smtClean="0">
-                <a:solidFill>
-                  <a:schemeClr val="accent5"/>
-                </a:solidFill>
-                <a:latin typeface="Monaco"/>
-                <a:cs typeface="Monaco"/>
-              </a:rPr>
-              <a:t>range(</a:t>
-            </a:r>
-            <a:r>
-              <a:rPr lang="en-US" dirty="0" err="1" smtClean="0">
-                <a:solidFill>
-                  <a:schemeClr val="accent5"/>
-                </a:solidFill>
-                <a:latin typeface="Monaco"/>
-                <a:cs typeface="Monaco"/>
-              </a:rPr>
-              <a:t>len</a:t>
-            </a:r>
-            <a:r>
-              <a:rPr lang="en-US" dirty="0" smtClean="0">
-                <a:solidFill>
-                  <a:schemeClr val="accent5"/>
-                </a:solidFill>
-                <a:latin typeface="Monaco"/>
-                <a:cs typeface="Monaco"/>
-              </a:rPr>
-              <a:t>(grades))</a:t>
-            </a:r>
-            <a:r>
-              <a:rPr lang="en-US" dirty="0" smtClean="0">
-                <a:latin typeface="Monaco"/>
-                <a:cs typeface="Monaco"/>
-              </a:rPr>
-              <a:t>:</a:t>
-            </a:r>
-          </a:p>
-          <a:p>
-            <a:r>
-              <a:rPr lang="en-US" dirty="0" smtClean="0">
-                <a:latin typeface="Monaco"/>
-                <a:cs typeface="Monaco"/>
-              </a:rPr>
-              <a:t>	print grades[</a:t>
-            </a:r>
-            <a:r>
-              <a:rPr lang="en-US" dirty="0" err="1" smtClean="0">
-                <a:latin typeface="Monaco"/>
-                <a:cs typeface="Monaco"/>
-              </a:rPr>
-              <a:t>i</a:t>
-            </a:r>
-            <a:r>
-              <a:rPr lang="en-US" dirty="0">
-                <a:latin typeface="Monaco"/>
-                <a:cs typeface="Monaco"/>
-              </a:rPr>
-              <a:t>]</a:t>
-            </a:r>
-            <a:r>
-              <a:rPr lang="en-US" dirty="0" smtClean="0">
-                <a:latin typeface="Monaco"/>
-                <a:cs typeface="Monaco"/>
-              </a:rPr>
-              <a:t> * 1.1</a:t>
-            </a:r>
-            <a:br>
-              <a:rPr lang="en-US" dirty="0" smtClean="0">
-                <a:latin typeface="Monaco"/>
-                <a:cs typeface="Monaco"/>
-              </a:rPr>
-            </a:br>
-            <a:endParaRPr lang="en-US" dirty="0">
-              <a:latin typeface="Monaco"/>
-              <a:cs typeface="Monaco"/>
-            </a:endParaRPr>
-          </a:p>
-          <a:p>
-            <a:r>
-              <a:rPr lang="en-US" dirty="0">
-                <a:solidFill>
-                  <a:schemeClr val="bg1">
-                    <a:lumMod val="65000"/>
-                  </a:schemeClr>
-                </a:solidFill>
-                <a:latin typeface="Monaco"/>
-                <a:cs typeface="Monaco"/>
-              </a:rPr>
-              <a:t>	96.8</a:t>
-            </a:r>
-          </a:p>
-          <a:p>
-            <a:pPr lvl="1"/>
-            <a:r>
-              <a:rPr lang="en-US" dirty="0">
-                <a:solidFill>
-                  <a:schemeClr val="bg1">
-                    <a:lumMod val="65000"/>
-                  </a:schemeClr>
-                </a:solidFill>
-                <a:latin typeface="Monaco"/>
-                <a:cs typeface="Monaco"/>
-              </a:rPr>
-              <a:t>78.1</a:t>
-            </a:r>
-          </a:p>
-          <a:p>
-            <a:pPr lvl="1"/>
-            <a:r>
-              <a:rPr lang="en-US" dirty="0">
-                <a:solidFill>
-                  <a:schemeClr val="bg1">
-                    <a:lumMod val="65000"/>
-                  </a:schemeClr>
-                </a:solidFill>
-                <a:latin typeface="Monaco"/>
-                <a:cs typeface="Monaco"/>
-              </a:rPr>
-              <a:t>81.4</a:t>
-            </a:r>
-          </a:p>
-          <a:p>
-            <a:pPr lvl="1"/>
-            <a:r>
-              <a:rPr lang="en-US" dirty="0">
-                <a:solidFill>
-                  <a:schemeClr val="bg1">
-                    <a:lumMod val="65000"/>
-                  </a:schemeClr>
-                </a:solidFill>
-                <a:latin typeface="Monaco"/>
-                <a:cs typeface="Monaco"/>
-              </a:rPr>
-              <a:t>91.3</a:t>
-            </a:r>
-          </a:p>
-          <a:p>
-            <a:pPr lvl="1"/>
-            <a:r>
-              <a:rPr lang="en-US" dirty="0">
-                <a:solidFill>
-                  <a:schemeClr val="bg1">
-                    <a:lumMod val="65000"/>
-                  </a:schemeClr>
-                </a:solidFill>
-                <a:latin typeface="Monaco"/>
-                <a:cs typeface="Monaco"/>
-              </a:rPr>
-              <a:t>62.7</a:t>
-            </a:r>
-          </a:p>
-          <a:p>
-            <a:pPr lvl="1"/>
-            <a:r>
-              <a:rPr lang="en-US" dirty="0">
-                <a:solidFill>
-                  <a:schemeClr val="bg1">
-                    <a:lumMod val="65000"/>
-                  </a:schemeClr>
-                </a:solidFill>
-                <a:latin typeface="Monaco"/>
-                <a:cs typeface="Monaco"/>
-              </a:rPr>
-              <a:t>86.9</a:t>
-            </a:r>
-          </a:p>
-          <a:p>
-            <a:pPr lvl="1"/>
-            <a:r>
-              <a:rPr lang="en-US" dirty="0" smtClean="0">
-                <a:solidFill>
-                  <a:schemeClr val="bg1">
-                    <a:lumMod val="65000"/>
-                  </a:schemeClr>
-                </a:solidFill>
-                <a:latin typeface="Monaco"/>
-                <a:cs typeface="Monaco"/>
-              </a:rPr>
-              <a:t>72.6</a:t>
-            </a:r>
-            <a:r>
-              <a:rPr lang="en-US" dirty="0" smtClean="0">
-                <a:latin typeface="Monaco"/>
-                <a:cs typeface="Monaco"/>
-              </a:rPr>
-              <a:t>	</a:t>
-            </a:r>
-          </a:p>
-        </p:txBody>
-      </p:sp>
-    </p:spTree>
-    <p:extLst>
-      <p:ext uri="{BB962C8B-B14F-4D97-AF65-F5344CB8AC3E}">
-        <p14:creationId xmlns:p14="http://schemas.microsoft.com/office/powerpoint/2010/main" val="3675497712"/>
-      </p:ext>
-    </p:extLst>
-  </p:cSld>
-  <p:clrMapOvr>
-    <a:masterClrMapping/>
-  </p:clrMapOvr>
-</p:sld>
-</file>
-
-<file path=ppt/slides/slide4.xml><?xml version="1.0" encoding="utf-8"?>
-<p:sld xmlns:a="http://schemas.openxmlformats.org/drawingml/2006/main" xmlns:r="http://schemas.openxmlformats.org/officeDocument/2006/relationships" xmlns:p="http://schemas.openxmlformats.org/presentationml/2006/main">
-  <p:cSld>
-    <p:spTree>
-      <p:nvGrpSpPr>
-        <p:cNvPr id="1" name=""/>
-        <p:cNvGrpSpPr/>
-        <p:nvPr/>
-      </p:nvGrpSpPr>
-      <p:grpSpPr>
-        <a:xfrm>
-          <a:off x="0" y="0"/>
-          <a:ext cx="0" cy="0"/>
-          <a:chOff x="0" y="0"/>
-          <a:chExt cx="0" cy="0"/>
-        </a:xfrm>
-      </p:grpSpPr>
-      <p:sp>
-        <p:nvSpPr>
-          <p:cNvPr id="2" name="Title 1"/>
-          <p:cNvSpPr>
-            <a:spLocks noGrp="1"/>
-          </p:cNvSpPr>
-          <p:nvPr>
-            <p:ph type="title"/>
-          </p:nvPr>
-        </p:nvSpPr>
-        <p:spPr/>
-        <p:txBody>
-          <a:bodyPr/>
-          <a:lstStyle/>
-          <a:p>
-            <a:r>
-              <a:rPr lang="en-US" dirty="0" smtClean="0"/>
-              <a:t>dictionaries are unordered</a:t>
-            </a:r>
-            <a:endParaRPr lang="en-US" dirty="0"/>
-          </a:p>
-        </p:txBody>
-      </p:sp>
-      <p:sp>
-        <p:nvSpPr>
-          <p:cNvPr id="3" name="Content Placeholder 2"/>
-          <p:cNvSpPr>
-            <a:spLocks noGrp="1"/>
-          </p:cNvSpPr>
-          <p:nvPr>
-            <p:ph idx="1"/>
-          </p:nvPr>
-        </p:nvSpPr>
-        <p:spPr/>
-        <p:txBody>
-          <a:bodyPr/>
-          <a:lstStyle/>
-          <a:p>
-            <a:pPr marL="457200" indent="-457200">
-              <a:buFont typeface="Arial"/>
-              <a:buChar char="•"/>
-            </a:pPr>
-            <a:r>
-              <a:rPr lang="en-US" dirty="0" smtClean="0"/>
-              <a:t>Unique </a:t>
-            </a:r>
-            <a:r>
-              <a:rPr lang="en-US" dirty="0" err="1" smtClean="0"/>
-              <a:t>key:value</a:t>
-            </a:r>
-            <a:r>
-              <a:rPr lang="en-US" dirty="0" smtClean="0"/>
-              <a:t> pairs are *always* preserved, but their order is not</a:t>
-            </a:r>
-          </a:p>
-          <a:p>
-            <a:pPr marL="914400" lvl="1" indent="-457200">
-              <a:buFont typeface="Arial"/>
-              <a:buChar char="•"/>
-            </a:pPr>
-            <a:r>
-              <a:rPr lang="en-US" dirty="0" smtClean="0"/>
-              <a:t>One of many reasons why we index with keys, not positions</a:t>
-            </a:r>
-          </a:p>
-        </p:txBody>
-      </p:sp>
-    </p:spTree>
-    <p:extLst>
-      <p:ext uri="{BB962C8B-B14F-4D97-AF65-F5344CB8AC3E}">
-        <p14:creationId xmlns:p14="http://schemas.microsoft.com/office/powerpoint/2010/main" val="4066469446"/>
-      </p:ext>
-    </p:extLst>
-  </p:cSld>
-  <p:clrMapOvr>
-    <a:masterClrMapping/>
-  </p:clrMapOvr>
-</p:sld>
-</file>
-
-<file path=ppt/slides/slide40.xml><?xml version="1.0" encoding="utf-8"?>
-<p:sld xmlns:a="http://schemas.openxmlformats.org/drawingml/2006/main" xmlns:r="http://schemas.openxmlformats.org/officeDocument/2006/relationships" xmlns:p="http://schemas.openxmlformats.org/presentationml/2006/main">
-  <p:cSld>
-    <p:spTree>
-      <p:nvGrpSpPr>
-        <p:cNvPr id="1" name=""/>
-        <p:cNvGrpSpPr/>
-        <p:nvPr/>
-      </p:nvGrpSpPr>
-      <p:grpSpPr>
-        <a:xfrm>
-          <a:off x="0" y="0"/>
-          <a:ext cx="0" cy="0"/>
-          <a:chOff x="0" y="0"/>
-          <a:chExt cx="0" cy="0"/>
-        </a:xfrm>
-      </p:grpSpPr>
-      <p:sp>
-        <p:nvSpPr>
-          <p:cNvPr id="2" name="Title 1"/>
-          <p:cNvSpPr>
-            <a:spLocks noGrp="1"/>
-          </p:cNvSpPr>
-          <p:nvPr>
-            <p:ph type="title"/>
-          </p:nvPr>
-        </p:nvSpPr>
-        <p:spPr/>
-        <p:txBody>
-          <a:bodyPr/>
-          <a:lstStyle/>
-          <a:p>
-            <a:r>
-              <a:rPr lang="en-US" dirty="0" smtClean="0"/>
-              <a:t>using if and for together</a:t>
-            </a:r>
-            <a:endParaRPr lang="en-US" dirty="0"/>
-          </a:p>
-        </p:txBody>
-      </p:sp>
-      <p:sp>
-        <p:nvSpPr>
-          <p:cNvPr id="4" name="TextBox 3"/>
-          <p:cNvSpPr txBox="1"/>
-          <p:nvPr/>
-        </p:nvSpPr>
-        <p:spPr>
-          <a:xfrm>
-            <a:off x="294255" y="1517496"/>
-            <a:ext cx="7476412" cy="6001644"/>
-          </a:xfrm>
-          <a:prstGeom prst="rect">
-            <a:avLst/>
-          </a:prstGeom>
-          <a:noFill/>
-        </p:spPr>
-        <p:txBody>
-          <a:bodyPr wrap="square" rtlCol="0">
-            <a:spAutoFit/>
-          </a:bodyPr>
-          <a:lstStyle/>
-          <a:p>
-            <a:r>
-              <a:rPr lang="en-US" sz="1600" dirty="0" smtClean="0">
-                <a:latin typeface="Monaco"/>
-                <a:cs typeface="Monaco"/>
-              </a:rPr>
-              <a:t># List of grades</a:t>
-            </a:r>
-          </a:p>
-          <a:p>
-            <a:r>
-              <a:rPr lang="en-US" sz="1600" dirty="0" smtClean="0">
-                <a:latin typeface="Monaco"/>
-                <a:cs typeface="Monaco"/>
-              </a:rPr>
-              <a:t>grades = [88, 71, 74, 83, 57, 79, 66]</a:t>
-            </a:r>
-          </a:p>
-          <a:p>
-            <a:endParaRPr lang="en-US" sz="1600" dirty="0">
-              <a:latin typeface="Monaco"/>
-              <a:cs typeface="Monaco"/>
-            </a:endParaRPr>
-          </a:p>
-          <a:p>
-            <a:r>
-              <a:rPr lang="en-US" sz="1600" dirty="0" smtClean="0">
-                <a:latin typeface="Monaco"/>
-                <a:cs typeface="Monaco"/>
-              </a:rPr>
-              <a:t># Empty list of letter</a:t>
-            </a:r>
-          </a:p>
-          <a:p>
-            <a:r>
-              <a:rPr lang="en-US" sz="1600" dirty="0" smtClean="0">
-                <a:latin typeface="Monaco"/>
-                <a:cs typeface="Monaco"/>
-              </a:rPr>
-              <a:t>letter_grades = []</a:t>
-            </a:r>
-          </a:p>
-          <a:p>
-            <a:endParaRPr lang="en-US" sz="1600" dirty="0" smtClean="0">
-              <a:latin typeface="Monaco"/>
-              <a:cs typeface="Monaco"/>
-            </a:endParaRPr>
-          </a:p>
-          <a:p>
-            <a:r>
-              <a:rPr lang="en-US" sz="1600" dirty="0" smtClean="0">
-                <a:latin typeface="Monaco"/>
-                <a:cs typeface="Monaco"/>
-              </a:rPr>
-              <a:t># Determine the letter grade</a:t>
-            </a:r>
-          </a:p>
-          <a:p>
-            <a:r>
-              <a:rPr lang="en-US" sz="1600" dirty="0" smtClean="0">
-                <a:latin typeface="Monaco"/>
-                <a:cs typeface="Monaco"/>
-              </a:rPr>
-              <a:t>for grade in grades:</a:t>
-            </a:r>
-          </a:p>
-          <a:p>
-            <a:r>
-              <a:rPr lang="en-US" sz="1600" dirty="0">
-                <a:latin typeface="Monaco"/>
-                <a:cs typeface="Monaco"/>
-              </a:rPr>
-              <a:t>	</a:t>
-            </a:r>
-            <a:r>
-              <a:rPr lang="en-US" sz="1600" dirty="0" smtClean="0">
-                <a:latin typeface="Monaco"/>
-                <a:cs typeface="Monaco"/>
-              </a:rPr>
-              <a:t>if grade &gt;= 90:</a:t>
-            </a:r>
-          </a:p>
-          <a:p>
-            <a:r>
-              <a:rPr lang="en-US" sz="1600" dirty="0">
-                <a:latin typeface="Monaco"/>
-                <a:cs typeface="Monaco"/>
-              </a:rPr>
-              <a:t>	</a:t>
-            </a:r>
-            <a:r>
-              <a:rPr lang="en-US" sz="1600" dirty="0" smtClean="0">
-                <a:latin typeface="Monaco"/>
-                <a:cs typeface="Monaco"/>
-              </a:rPr>
-              <a:t>	letter_grades.append("A")</a:t>
-            </a:r>
-          </a:p>
-          <a:p>
-            <a:r>
-              <a:rPr lang="en-US" sz="1600" dirty="0">
-                <a:latin typeface="Monaco"/>
-                <a:cs typeface="Monaco"/>
-              </a:rPr>
-              <a:t>	</a:t>
-            </a:r>
-            <a:r>
-              <a:rPr lang="en-US" sz="1600" dirty="0" smtClean="0">
-                <a:latin typeface="Monaco"/>
-                <a:cs typeface="Monaco"/>
-              </a:rPr>
-              <a:t>elif grade &gt;= 80:</a:t>
-            </a:r>
-          </a:p>
-          <a:p>
-            <a:r>
-              <a:rPr lang="en-US" sz="1600" dirty="0">
-                <a:latin typeface="Monaco"/>
-                <a:cs typeface="Monaco"/>
-              </a:rPr>
-              <a:t>		</a:t>
-            </a:r>
-            <a:r>
-              <a:rPr lang="en-US" sz="1600" dirty="0" smtClean="0">
-                <a:latin typeface="Monaco"/>
-                <a:cs typeface="Monaco"/>
-              </a:rPr>
-              <a:t>letter_grades.append("B")</a:t>
-            </a:r>
-          </a:p>
-          <a:p>
-            <a:r>
-              <a:rPr lang="en-US" sz="1600" dirty="0">
-                <a:latin typeface="Monaco"/>
-                <a:cs typeface="Monaco"/>
-              </a:rPr>
-              <a:t>	</a:t>
-            </a:r>
-            <a:r>
-              <a:rPr lang="en-US" sz="1600" dirty="0" smtClean="0">
-                <a:latin typeface="Monaco"/>
-                <a:cs typeface="Monaco"/>
-              </a:rPr>
-              <a:t>elif grade &gt;= 70:</a:t>
-            </a:r>
-          </a:p>
-          <a:p>
-            <a:r>
-              <a:rPr lang="en-US" sz="1600" dirty="0">
-                <a:latin typeface="Monaco"/>
-                <a:cs typeface="Monaco"/>
-              </a:rPr>
-              <a:t>		</a:t>
-            </a:r>
-            <a:r>
-              <a:rPr lang="en-US" sz="1600" dirty="0" smtClean="0">
-                <a:latin typeface="Monaco"/>
-                <a:cs typeface="Monaco"/>
-              </a:rPr>
-              <a:t>letter_grades.append("C")</a:t>
-            </a:r>
-          </a:p>
-          <a:p>
-            <a:r>
-              <a:rPr lang="en-US" sz="1600" dirty="0">
-                <a:latin typeface="Monaco"/>
-                <a:cs typeface="Monaco"/>
-              </a:rPr>
-              <a:t>	</a:t>
-            </a:r>
-            <a:r>
-              <a:rPr lang="en-US" sz="1600" dirty="0" smtClean="0">
-                <a:latin typeface="Monaco"/>
-                <a:cs typeface="Monaco"/>
-              </a:rPr>
-              <a:t>elif grade &gt;= 60:</a:t>
-            </a:r>
-          </a:p>
-          <a:p>
-            <a:r>
-              <a:rPr lang="en-US" sz="1600" dirty="0">
-                <a:latin typeface="Monaco"/>
-                <a:cs typeface="Monaco"/>
-              </a:rPr>
-              <a:t>		</a:t>
-            </a:r>
-            <a:r>
-              <a:rPr lang="en-US" sz="1600" dirty="0" smtClean="0">
-                <a:latin typeface="Monaco"/>
-                <a:cs typeface="Monaco"/>
-              </a:rPr>
-              <a:t>letter_grades.append("D")</a:t>
-            </a:r>
-          </a:p>
-          <a:p>
-            <a:r>
-              <a:rPr lang="en-US" sz="1600" dirty="0">
-                <a:latin typeface="Monaco"/>
-                <a:cs typeface="Monaco"/>
-              </a:rPr>
-              <a:t>	</a:t>
-            </a:r>
-            <a:r>
-              <a:rPr lang="en-US" sz="1600" dirty="0" smtClean="0">
-                <a:latin typeface="Monaco"/>
-                <a:cs typeface="Monaco"/>
-              </a:rPr>
-              <a:t>else:</a:t>
-            </a:r>
-          </a:p>
-          <a:p>
-            <a:r>
-              <a:rPr lang="en-US" sz="1600" dirty="0">
-                <a:latin typeface="Monaco"/>
-                <a:cs typeface="Monaco"/>
-              </a:rPr>
-              <a:t>		</a:t>
-            </a:r>
-            <a:r>
-              <a:rPr lang="en-US" sz="1600" dirty="0" smtClean="0">
-                <a:latin typeface="Monaco"/>
-                <a:cs typeface="Monaco"/>
-              </a:rPr>
-              <a:t>letter_grades.append("F")</a:t>
-            </a:r>
-          </a:p>
-          <a:p>
-            <a:endParaRPr lang="en-US" sz="1600" dirty="0" smtClean="0">
-              <a:latin typeface="Monaco"/>
-              <a:cs typeface="Monaco"/>
-            </a:endParaRPr>
-          </a:p>
-          <a:p>
-            <a:r>
-              <a:rPr lang="en-US" sz="1600" dirty="0" smtClean="0">
-                <a:latin typeface="Monaco"/>
-                <a:cs typeface="Monaco"/>
-              </a:rPr>
-              <a:t>print letter_grades</a:t>
-            </a:r>
-          </a:p>
-          <a:p>
-            <a:r>
-              <a:rPr lang="en-US" sz="1600" dirty="0">
-                <a:solidFill>
-                  <a:schemeClr val="bg1">
-                    <a:lumMod val="65000"/>
-                  </a:schemeClr>
-                </a:solidFill>
-                <a:latin typeface="Monaco"/>
-                <a:cs typeface="Monaco"/>
-              </a:rPr>
-              <a:t>	</a:t>
-            </a:r>
-            <a:r>
-              <a:rPr lang="fr-FR" sz="1600" dirty="0">
-                <a:solidFill>
-                  <a:schemeClr val="bg1">
-                    <a:lumMod val="65000"/>
-                  </a:schemeClr>
-                </a:solidFill>
-                <a:latin typeface="Monaco"/>
-                <a:cs typeface="Monaco"/>
-              </a:rPr>
-              <a:t>['B', 'C', 'C', 'B', 'F', 'C', 'D']</a:t>
-            </a:r>
-            <a:endParaRPr lang="en-US" sz="1600" dirty="0" smtClean="0">
-              <a:solidFill>
-                <a:schemeClr val="bg1">
-                  <a:lumMod val="65000"/>
-                </a:schemeClr>
-              </a:solidFill>
-              <a:latin typeface="Monaco"/>
-              <a:cs typeface="Monaco"/>
-            </a:endParaRPr>
-          </a:p>
-          <a:p>
-            <a:r>
-              <a:rPr lang="en-US" sz="1600" dirty="0">
-                <a:latin typeface="Monaco"/>
-                <a:cs typeface="Monaco"/>
-              </a:rPr>
-              <a:t>	</a:t>
-            </a:r>
-            <a:endParaRPr lang="en-US" sz="1600" dirty="0" smtClean="0">
-              <a:latin typeface="Monaco"/>
-              <a:cs typeface="Monaco"/>
-            </a:endParaRPr>
-          </a:p>
-          <a:p>
-            <a:r>
-              <a:rPr lang="en-US" sz="1600" dirty="0" smtClean="0">
-                <a:latin typeface="Monaco"/>
-                <a:cs typeface="Monaco"/>
-              </a:rPr>
-              <a:t>	</a:t>
-            </a:r>
-          </a:p>
-          <a:p>
-            <a:r>
-              <a:rPr lang="en-US" sz="1600" dirty="0">
-                <a:latin typeface="Monaco"/>
-                <a:cs typeface="Monaco"/>
-              </a:rPr>
-              <a:t>	</a:t>
-            </a:r>
-            <a:endParaRPr lang="en-US" sz="1600" dirty="0" smtClean="0">
-              <a:latin typeface="Monaco"/>
-              <a:cs typeface="Monaco"/>
-            </a:endParaRPr>
-          </a:p>
-        </p:txBody>
-      </p:sp>
-    </p:spTree>
-    <p:extLst>
-      <p:ext uri="{BB962C8B-B14F-4D97-AF65-F5344CB8AC3E}">
-        <p14:creationId xmlns:p14="http://schemas.microsoft.com/office/powerpoint/2010/main" val="691097623"/>
-      </p:ext>
-    </p:extLst>
-  </p:cSld>
-  <p:clrMapOvr>
-    <a:masterClrMapping/>
-  </p:clrMapOvr>
-</p:sld>
-</file>
-
 <file path=ppt/slides/slide41.xml><?xml version="1.0" encoding="utf-8"?>
 <p:sld xmlns:a="http://schemas.openxmlformats.org/drawingml/2006/main" xmlns:r="http://schemas.openxmlformats.org/officeDocument/2006/relationships" xmlns:p="http://schemas.openxmlformats.org/presentationml/2006/main">
   <p:cSld>
@@ -14633,6 +14061,483 @@
           <a:p>
             <a:r>
               <a:rPr lang="en-US" dirty="0" smtClean="0"/>
+              <a:t>iterating a certain number of times</a:t>
+            </a:r>
+            <a:endParaRPr lang="en-US" dirty="0"/>
+          </a:p>
+        </p:txBody>
+      </p:sp>
+      <p:sp>
+        <p:nvSpPr>
+          <p:cNvPr id="5" name="TextBox 4"/>
+          <p:cNvSpPr txBox="1"/>
+          <p:nvPr/>
+        </p:nvSpPr>
+        <p:spPr>
+          <a:xfrm>
+            <a:off x="558329" y="2806230"/>
+            <a:ext cx="3221201" cy="2862323"/>
+          </a:xfrm>
+          <a:prstGeom prst="rect">
+            <a:avLst/>
+          </a:prstGeom>
+          <a:noFill/>
+        </p:spPr>
+        <p:txBody>
+          <a:bodyPr wrap="square" rtlCol="0">
+            <a:spAutoFit/>
+          </a:bodyPr>
+          <a:lstStyle/>
+          <a:p>
+            <a:r>
+              <a:rPr lang="en-US" dirty="0" smtClean="0">
+                <a:latin typeface="Monaco"/>
+                <a:cs typeface="Monaco"/>
+              </a:rPr>
+              <a:t>for grade in grades:</a:t>
+            </a:r>
+          </a:p>
+          <a:p>
+            <a:r>
+              <a:rPr lang="en-US" dirty="0" smtClean="0">
+                <a:latin typeface="Monaco"/>
+                <a:cs typeface="Monaco"/>
+              </a:rPr>
+              <a:t>	print grade * 1.1</a:t>
+            </a:r>
+          </a:p>
+          <a:p>
+            <a:endParaRPr lang="en-US" dirty="0">
+              <a:latin typeface="Monaco"/>
+              <a:cs typeface="Monaco"/>
+            </a:endParaRPr>
+          </a:p>
+          <a:p>
+            <a:r>
+              <a:rPr lang="en-US" dirty="0" smtClean="0">
+                <a:solidFill>
+                  <a:schemeClr val="bg1">
+                    <a:lumMod val="65000"/>
+                  </a:schemeClr>
+                </a:solidFill>
+                <a:latin typeface="Monaco"/>
+                <a:cs typeface="Monaco"/>
+              </a:rPr>
+              <a:t>	</a:t>
+            </a:r>
+            <a:r>
+              <a:rPr lang="en-US" dirty="0">
+                <a:solidFill>
+                  <a:schemeClr val="bg1">
+                    <a:lumMod val="65000"/>
+                  </a:schemeClr>
+                </a:solidFill>
+                <a:latin typeface="Monaco"/>
+                <a:cs typeface="Monaco"/>
+              </a:rPr>
+              <a:t>96.8</a:t>
+            </a:r>
+          </a:p>
+          <a:p>
+            <a:pPr lvl="1"/>
+            <a:r>
+              <a:rPr lang="en-US" dirty="0">
+                <a:solidFill>
+                  <a:schemeClr val="bg1">
+                    <a:lumMod val="65000"/>
+                  </a:schemeClr>
+                </a:solidFill>
+                <a:latin typeface="Monaco"/>
+                <a:cs typeface="Monaco"/>
+              </a:rPr>
+              <a:t>78.1</a:t>
+            </a:r>
+          </a:p>
+          <a:p>
+            <a:pPr lvl="1"/>
+            <a:r>
+              <a:rPr lang="en-US" dirty="0">
+                <a:solidFill>
+                  <a:schemeClr val="bg1">
+                    <a:lumMod val="65000"/>
+                  </a:schemeClr>
+                </a:solidFill>
+                <a:latin typeface="Monaco"/>
+                <a:cs typeface="Monaco"/>
+              </a:rPr>
+              <a:t>81.4</a:t>
+            </a:r>
+          </a:p>
+          <a:p>
+            <a:pPr lvl="1"/>
+            <a:r>
+              <a:rPr lang="en-US" dirty="0">
+                <a:solidFill>
+                  <a:schemeClr val="bg1">
+                    <a:lumMod val="65000"/>
+                  </a:schemeClr>
+                </a:solidFill>
+                <a:latin typeface="Monaco"/>
+                <a:cs typeface="Monaco"/>
+              </a:rPr>
+              <a:t>91.3</a:t>
+            </a:r>
+          </a:p>
+          <a:p>
+            <a:pPr lvl="1"/>
+            <a:r>
+              <a:rPr lang="en-US" dirty="0">
+                <a:solidFill>
+                  <a:schemeClr val="bg1">
+                    <a:lumMod val="65000"/>
+                  </a:schemeClr>
+                </a:solidFill>
+                <a:latin typeface="Monaco"/>
+                <a:cs typeface="Monaco"/>
+              </a:rPr>
+              <a:t>62.7</a:t>
+            </a:r>
+          </a:p>
+          <a:p>
+            <a:pPr lvl="1"/>
+            <a:r>
+              <a:rPr lang="en-US" dirty="0">
+                <a:solidFill>
+                  <a:schemeClr val="bg1">
+                    <a:lumMod val="65000"/>
+                  </a:schemeClr>
+                </a:solidFill>
+                <a:latin typeface="Monaco"/>
+                <a:cs typeface="Monaco"/>
+              </a:rPr>
+              <a:t>86.9</a:t>
+            </a:r>
+          </a:p>
+          <a:p>
+            <a:pPr lvl="1"/>
+            <a:r>
+              <a:rPr lang="en-US" dirty="0" smtClean="0">
+                <a:solidFill>
+                  <a:schemeClr val="bg1">
+                    <a:lumMod val="65000"/>
+                  </a:schemeClr>
+                </a:solidFill>
+                <a:latin typeface="Monaco"/>
+                <a:cs typeface="Monaco"/>
+              </a:rPr>
+              <a:t>72.6</a:t>
+            </a:r>
+            <a:endParaRPr lang="en-US" dirty="0" smtClean="0">
+              <a:latin typeface="Monaco"/>
+              <a:cs typeface="Monaco"/>
+            </a:endParaRPr>
+          </a:p>
+        </p:txBody>
+      </p:sp>
+      <p:sp>
+        <p:nvSpPr>
+          <p:cNvPr id="6" name="TextBox 5"/>
+          <p:cNvSpPr txBox="1"/>
+          <p:nvPr/>
+        </p:nvSpPr>
+        <p:spPr>
+          <a:xfrm>
+            <a:off x="1718776" y="1798949"/>
+            <a:ext cx="5736553" cy="923330"/>
+          </a:xfrm>
+          <a:prstGeom prst="rect">
+            <a:avLst/>
+          </a:prstGeom>
+          <a:noFill/>
+        </p:spPr>
+        <p:txBody>
+          <a:bodyPr wrap="square" rtlCol="0">
+            <a:spAutoFit/>
+          </a:bodyPr>
+          <a:lstStyle/>
+          <a:p>
+            <a:r>
+              <a:rPr lang="en-US" dirty="0">
+                <a:latin typeface="Monaco"/>
+                <a:cs typeface="Monaco"/>
+              </a:rPr>
+              <a:t># List of grades</a:t>
+            </a:r>
+          </a:p>
+          <a:p>
+            <a:r>
+              <a:rPr lang="en-US" dirty="0">
+                <a:latin typeface="Monaco"/>
+                <a:cs typeface="Monaco"/>
+              </a:rPr>
+              <a:t>grades = [88, 71, 74, 83, 57, 79, 66]</a:t>
+            </a:r>
+          </a:p>
+          <a:p>
+            <a:endParaRPr lang="en-US" dirty="0"/>
+          </a:p>
+        </p:txBody>
+      </p:sp>
+      <p:sp>
+        <p:nvSpPr>
+          <p:cNvPr id="7" name="TextBox 6"/>
+          <p:cNvSpPr txBox="1"/>
+          <p:nvPr/>
+        </p:nvSpPr>
+        <p:spPr>
+          <a:xfrm>
+            <a:off x="4315964" y="2806230"/>
+            <a:ext cx="4219579" cy="2862323"/>
+          </a:xfrm>
+          <a:prstGeom prst="rect">
+            <a:avLst/>
+          </a:prstGeom>
+          <a:noFill/>
+        </p:spPr>
+        <p:txBody>
+          <a:bodyPr wrap="square" rtlCol="0">
+            <a:spAutoFit/>
+          </a:bodyPr>
+          <a:lstStyle/>
+          <a:p>
+            <a:r>
+              <a:rPr lang="en-US" dirty="0" smtClean="0">
+                <a:latin typeface="Monaco"/>
+                <a:cs typeface="Monaco"/>
+              </a:rPr>
+              <a:t>for i in </a:t>
+            </a:r>
+            <a:r>
+              <a:rPr lang="en-US" dirty="0" smtClean="0">
+                <a:solidFill>
+                  <a:schemeClr val="accent5"/>
+                </a:solidFill>
+                <a:latin typeface="Monaco"/>
+                <a:cs typeface="Monaco"/>
+              </a:rPr>
+              <a:t>range(</a:t>
+            </a:r>
+            <a:r>
+              <a:rPr lang="en-US" dirty="0" err="1" smtClean="0">
+                <a:solidFill>
+                  <a:schemeClr val="accent5"/>
+                </a:solidFill>
+                <a:latin typeface="Monaco"/>
+                <a:cs typeface="Monaco"/>
+              </a:rPr>
+              <a:t>len</a:t>
+            </a:r>
+            <a:r>
+              <a:rPr lang="en-US" dirty="0" smtClean="0">
+                <a:solidFill>
+                  <a:schemeClr val="accent5"/>
+                </a:solidFill>
+                <a:latin typeface="Monaco"/>
+                <a:cs typeface="Monaco"/>
+              </a:rPr>
+              <a:t>(grades))</a:t>
+            </a:r>
+            <a:r>
+              <a:rPr lang="en-US" dirty="0" smtClean="0">
+                <a:latin typeface="Monaco"/>
+                <a:cs typeface="Monaco"/>
+              </a:rPr>
+              <a:t>:</a:t>
+            </a:r>
+          </a:p>
+          <a:p>
+            <a:r>
+              <a:rPr lang="en-US" dirty="0" smtClean="0">
+                <a:latin typeface="Monaco"/>
+                <a:cs typeface="Monaco"/>
+              </a:rPr>
+              <a:t>	print grades[i</a:t>
+            </a:r>
+            <a:r>
+              <a:rPr lang="en-US" dirty="0">
+                <a:latin typeface="Monaco"/>
+                <a:cs typeface="Monaco"/>
+              </a:rPr>
+              <a:t>]</a:t>
+            </a:r>
+            <a:r>
+              <a:rPr lang="en-US" dirty="0" smtClean="0">
+                <a:latin typeface="Monaco"/>
+                <a:cs typeface="Monaco"/>
+              </a:rPr>
+              <a:t> * 1.1</a:t>
+            </a:r>
+            <a:br>
+              <a:rPr lang="en-US" dirty="0" smtClean="0">
+                <a:latin typeface="Monaco"/>
+                <a:cs typeface="Monaco"/>
+              </a:rPr>
+            </a:br>
+            <a:endParaRPr lang="en-US" dirty="0">
+              <a:latin typeface="Monaco"/>
+              <a:cs typeface="Monaco"/>
+            </a:endParaRPr>
+          </a:p>
+          <a:p>
+            <a:r>
+              <a:rPr lang="en-US" dirty="0">
+                <a:solidFill>
+                  <a:schemeClr val="bg1">
+                    <a:lumMod val="65000"/>
+                  </a:schemeClr>
+                </a:solidFill>
+                <a:latin typeface="Monaco"/>
+                <a:cs typeface="Monaco"/>
+              </a:rPr>
+              <a:t>	96.8</a:t>
+            </a:r>
+          </a:p>
+          <a:p>
+            <a:pPr lvl="1"/>
+            <a:r>
+              <a:rPr lang="en-US" dirty="0">
+                <a:solidFill>
+                  <a:schemeClr val="bg1">
+                    <a:lumMod val="65000"/>
+                  </a:schemeClr>
+                </a:solidFill>
+                <a:latin typeface="Monaco"/>
+                <a:cs typeface="Monaco"/>
+              </a:rPr>
+              <a:t>78.1</a:t>
+            </a:r>
+          </a:p>
+          <a:p>
+            <a:pPr lvl="1"/>
+            <a:r>
+              <a:rPr lang="en-US" dirty="0">
+                <a:solidFill>
+                  <a:schemeClr val="bg1">
+                    <a:lumMod val="65000"/>
+                  </a:schemeClr>
+                </a:solidFill>
+                <a:latin typeface="Monaco"/>
+                <a:cs typeface="Monaco"/>
+              </a:rPr>
+              <a:t>81.4</a:t>
+            </a:r>
+          </a:p>
+          <a:p>
+            <a:pPr lvl="1"/>
+            <a:r>
+              <a:rPr lang="en-US" dirty="0">
+                <a:solidFill>
+                  <a:schemeClr val="bg1">
+                    <a:lumMod val="65000"/>
+                  </a:schemeClr>
+                </a:solidFill>
+                <a:latin typeface="Monaco"/>
+                <a:cs typeface="Monaco"/>
+              </a:rPr>
+              <a:t>91.3</a:t>
+            </a:r>
+          </a:p>
+          <a:p>
+            <a:pPr lvl="1"/>
+            <a:r>
+              <a:rPr lang="en-US" dirty="0">
+                <a:solidFill>
+                  <a:schemeClr val="bg1">
+                    <a:lumMod val="65000"/>
+                  </a:schemeClr>
+                </a:solidFill>
+                <a:latin typeface="Monaco"/>
+                <a:cs typeface="Monaco"/>
+              </a:rPr>
+              <a:t>62.7</a:t>
+            </a:r>
+          </a:p>
+          <a:p>
+            <a:pPr lvl="1"/>
+            <a:r>
+              <a:rPr lang="en-US" dirty="0">
+                <a:solidFill>
+                  <a:schemeClr val="bg1">
+                    <a:lumMod val="65000"/>
+                  </a:schemeClr>
+                </a:solidFill>
+                <a:latin typeface="Monaco"/>
+                <a:cs typeface="Monaco"/>
+              </a:rPr>
+              <a:t>86.9</a:t>
+            </a:r>
+          </a:p>
+          <a:p>
+            <a:pPr lvl="1"/>
+            <a:r>
+              <a:rPr lang="en-US" dirty="0" smtClean="0">
+                <a:solidFill>
+                  <a:schemeClr val="bg1">
+                    <a:lumMod val="65000"/>
+                  </a:schemeClr>
+                </a:solidFill>
+                <a:latin typeface="Monaco"/>
+                <a:cs typeface="Monaco"/>
+              </a:rPr>
+              <a:t>72.6</a:t>
+            </a:r>
+            <a:r>
+              <a:rPr lang="en-US" dirty="0" smtClean="0">
+                <a:latin typeface="Monaco"/>
+                <a:cs typeface="Monaco"/>
+              </a:rPr>
+              <a:t>	</a:t>
+            </a:r>
+          </a:p>
+        </p:txBody>
+      </p:sp>
+    </p:spTree>
+    <p:extLst>
+      <p:ext uri="{BB962C8B-B14F-4D97-AF65-F5344CB8AC3E}">
+        <p14:creationId xmlns:p14="http://schemas.microsoft.com/office/powerpoint/2010/main" val="3675497712"/>
+      </p:ext>
+    </p:extLst>
+  </p:cSld>
+  <p:clrMapOvr>
+    <a:masterClrMapping/>
+  </p:clrMapOvr>
+</p:sld>
+</file>
+
+<file path=ppt/slides/slide42.xml><?xml version="1.0" encoding="utf-8"?>
+<p:sld xmlns:a="http://schemas.openxmlformats.org/drawingml/2006/main" xmlns:r="http://schemas.openxmlformats.org/officeDocument/2006/relationships" xmlns:p="http://schemas.openxmlformats.org/presentationml/2006/main">
+  <p:cSld>
+    <p:spTree>
+      <p:nvGrpSpPr>
+        <p:cNvPr id="1" name=""/>
+        <p:cNvGrpSpPr/>
+        <p:nvPr/>
+      </p:nvGrpSpPr>
+      <p:grpSpPr>
+        <a:xfrm>
+          <a:off x="0" y="0"/>
+          <a:ext cx="0" cy="0"/>
+          <a:chOff x="0" y="0"/>
+          <a:chExt cx="0" cy="0"/>
+        </a:xfrm>
+      </p:grpSpPr>
+      <p:sp>
+        <p:nvSpPr>
+          <p:cNvPr id="2" name="Title 1"/>
+          <p:cNvSpPr>
+            <a:spLocks noGrp="1"/>
+          </p:cNvSpPr>
+          <p:nvPr>
+            <p:ph type="title"/>
+          </p:nvPr>
+        </p:nvSpPr>
+        <p:spPr/>
+        <p:txBody>
+          <a:bodyPr/>
+          <a:lstStyle/>
+          <a:p>
+            <a:r>
+              <a:rPr lang="en-US" dirty="0" smtClean="0"/>
               <a:t>using if and for together</a:t>
             </a:r>
             <a:endParaRPr lang="en-US" dirty="0"/>
@@ -14976,7 +14881,1763 @@
     </p:spTree>
     <p:extLst>
       <p:ext uri="{BB962C8B-B14F-4D97-AF65-F5344CB8AC3E}">
+        <p14:creationId xmlns:p14="http://schemas.microsoft.com/office/powerpoint/2010/main" val="691097623"/>
+      </p:ext>
+    </p:extLst>
+  </p:cSld>
+  <p:clrMapOvr>
+    <a:masterClrMapping/>
+  </p:clrMapOvr>
+</p:sld>
+</file>
+
+<file path=ppt/slides/slide43.xml><?xml version="1.0" encoding="utf-8"?>
+<p:sld xmlns:a="http://schemas.openxmlformats.org/drawingml/2006/main" xmlns:r="http://schemas.openxmlformats.org/officeDocument/2006/relationships" xmlns:p="http://schemas.openxmlformats.org/presentationml/2006/main">
+  <p:cSld>
+    <p:spTree>
+      <p:nvGrpSpPr>
+        <p:cNvPr id="1" name=""/>
+        <p:cNvGrpSpPr/>
+        <p:nvPr/>
+      </p:nvGrpSpPr>
+      <p:grpSpPr>
+        <a:xfrm>
+          <a:off x="0" y="0"/>
+          <a:ext cx="0" cy="0"/>
+          <a:chOff x="0" y="0"/>
+          <a:chExt cx="0" cy="0"/>
+        </a:xfrm>
+      </p:grpSpPr>
+      <p:sp>
+        <p:nvSpPr>
+          <p:cNvPr id="2" name="Title 1"/>
+          <p:cNvSpPr>
+            <a:spLocks noGrp="1"/>
+          </p:cNvSpPr>
+          <p:nvPr>
+            <p:ph type="title"/>
+          </p:nvPr>
+        </p:nvSpPr>
+        <p:spPr/>
+        <p:txBody>
+          <a:bodyPr/>
+          <a:lstStyle/>
+          <a:p>
+            <a:r>
+              <a:rPr lang="en-US" dirty="0" smtClean="0"/>
+              <a:t>using if and for together</a:t>
+            </a:r>
+            <a:endParaRPr lang="en-US" dirty="0"/>
+          </a:p>
+        </p:txBody>
+      </p:sp>
+      <p:sp>
+        <p:nvSpPr>
+          <p:cNvPr id="4" name="TextBox 3"/>
+          <p:cNvSpPr txBox="1"/>
+          <p:nvPr/>
+        </p:nvSpPr>
+        <p:spPr>
+          <a:xfrm>
+            <a:off x="294255" y="1517496"/>
+            <a:ext cx="7476412" cy="6001644"/>
+          </a:xfrm>
+          <a:prstGeom prst="rect">
+            <a:avLst/>
+          </a:prstGeom>
+          <a:noFill/>
+        </p:spPr>
+        <p:txBody>
+          <a:bodyPr wrap="square" rtlCol="0">
+            <a:spAutoFit/>
+          </a:bodyPr>
+          <a:lstStyle/>
+          <a:p>
+            <a:r>
+              <a:rPr lang="en-US" sz="1600" dirty="0" smtClean="0">
+                <a:latin typeface="Monaco"/>
+                <a:cs typeface="Monaco"/>
+              </a:rPr>
+              <a:t># List of grades</a:t>
+            </a:r>
+          </a:p>
+          <a:p>
+            <a:r>
+              <a:rPr lang="en-US" sz="1600" dirty="0" smtClean="0">
+                <a:latin typeface="Monaco"/>
+                <a:cs typeface="Monaco"/>
+              </a:rPr>
+              <a:t>grades = [88, 71, 74, 83, 57, 79, 66]</a:t>
+            </a:r>
+          </a:p>
+          <a:p>
+            <a:endParaRPr lang="en-US" sz="1600" dirty="0">
+              <a:latin typeface="Monaco"/>
+              <a:cs typeface="Monaco"/>
+            </a:endParaRPr>
+          </a:p>
+          <a:p>
+            <a:r>
+              <a:rPr lang="en-US" sz="1600" dirty="0" smtClean="0">
+                <a:latin typeface="Monaco"/>
+                <a:cs typeface="Monaco"/>
+              </a:rPr>
+              <a:t># Empty list of letter</a:t>
+            </a:r>
+          </a:p>
+          <a:p>
+            <a:r>
+              <a:rPr lang="en-US" sz="1600" dirty="0" smtClean="0">
+                <a:latin typeface="Monaco"/>
+                <a:cs typeface="Monaco"/>
+              </a:rPr>
+              <a:t>letter_grades = []</a:t>
+            </a:r>
+          </a:p>
+          <a:p>
+            <a:endParaRPr lang="en-US" sz="1600" dirty="0" smtClean="0">
+              <a:latin typeface="Monaco"/>
+              <a:cs typeface="Monaco"/>
+            </a:endParaRPr>
+          </a:p>
+          <a:p>
+            <a:r>
+              <a:rPr lang="en-US" sz="1600" dirty="0" smtClean="0">
+                <a:latin typeface="Monaco"/>
+                <a:cs typeface="Monaco"/>
+              </a:rPr>
+              <a:t># Determine the letter grade</a:t>
+            </a:r>
+          </a:p>
+          <a:p>
+            <a:r>
+              <a:rPr lang="en-US" sz="1600" dirty="0" smtClean="0">
+                <a:latin typeface="Monaco"/>
+                <a:cs typeface="Monaco"/>
+              </a:rPr>
+              <a:t>for grade in grades:</a:t>
+            </a:r>
+          </a:p>
+          <a:p>
+            <a:r>
+              <a:rPr lang="en-US" sz="1600" dirty="0">
+                <a:latin typeface="Monaco"/>
+                <a:cs typeface="Monaco"/>
+              </a:rPr>
+              <a:t>	</a:t>
+            </a:r>
+            <a:r>
+              <a:rPr lang="en-US" sz="1600" dirty="0" smtClean="0">
+                <a:latin typeface="Monaco"/>
+                <a:cs typeface="Monaco"/>
+              </a:rPr>
+              <a:t>if grade &gt;= 90:</a:t>
+            </a:r>
+          </a:p>
+          <a:p>
+            <a:r>
+              <a:rPr lang="en-US" sz="1600" dirty="0">
+                <a:latin typeface="Monaco"/>
+                <a:cs typeface="Monaco"/>
+              </a:rPr>
+              <a:t>	</a:t>
+            </a:r>
+            <a:r>
+              <a:rPr lang="en-US" sz="1600" dirty="0" smtClean="0">
+                <a:latin typeface="Monaco"/>
+                <a:cs typeface="Monaco"/>
+              </a:rPr>
+              <a:t>	letter_grades.append("A")</a:t>
+            </a:r>
+          </a:p>
+          <a:p>
+            <a:r>
+              <a:rPr lang="en-US" sz="1600" dirty="0">
+                <a:latin typeface="Monaco"/>
+                <a:cs typeface="Monaco"/>
+              </a:rPr>
+              <a:t>	</a:t>
+            </a:r>
+            <a:r>
+              <a:rPr lang="en-US" sz="1600" dirty="0" smtClean="0">
+                <a:latin typeface="Monaco"/>
+                <a:cs typeface="Monaco"/>
+              </a:rPr>
+              <a:t>elif grade &gt;= 80:</a:t>
+            </a:r>
+          </a:p>
+          <a:p>
+            <a:r>
+              <a:rPr lang="en-US" sz="1600" dirty="0">
+                <a:latin typeface="Monaco"/>
+                <a:cs typeface="Monaco"/>
+              </a:rPr>
+              <a:t>		</a:t>
+            </a:r>
+            <a:r>
+              <a:rPr lang="en-US" sz="1600" dirty="0" smtClean="0">
+                <a:latin typeface="Monaco"/>
+                <a:cs typeface="Monaco"/>
+              </a:rPr>
+              <a:t>letter_grades.append("B")</a:t>
+            </a:r>
+          </a:p>
+          <a:p>
+            <a:r>
+              <a:rPr lang="en-US" sz="1600" dirty="0">
+                <a:latin typeface="Monaco"/>
+                <a:cs typeface="Monaco"/>
+              </a:rPr>
+              <a:t>	</a:t>
+            </a:r>
+            <a:r>
+              <a:rPr lang="en-US" sz="1600" dirty="0" smtClean="0">
+                <a:latin typeface="Monaco"/>
+                <a:cs typeface="Monaco"/>
+              </a:rPr>
+              <a:t>elif grade &gt;= 70:</a:t>
+            </a:r>
+          </a:p>
+          <a:p>
+            <a:r>
+              <a:rPr lang="en-US" sz="1600" dirty="0">
+                <a:latin typeface="Monaco"/>
+                <a:cs typeface="Monaco"/>
+              </a:rPr>
+              <a:t>		</a:t>
+            </a:r>
+            <a:r>
+              <a:rPr lang="en-US" sz="1600" dirty="0" smtClean="0">
+                <a:latin typeface="Monaco"/>
+                <a:cs typeface="Monaco"/>
+              </a:rPr>
+              <a:t>letter_grades.append("C")</a:t>
+            </a:r>
+          </a:p>
+          <a:p>
+            <a:r>
+              <a:rPr lang="en-US" sz="1600" dirty="0">
+                <a:latin typeface="Monaco"/>
+                <a:cs typeface="Monaco"/>
+              </a:rPr>
+              <a:t>	</a:t>
+            </a:r>
+            <a:r>
+              <a:rPr lang="en-US" sz="1600" dirty="0" smtClean="0">
+                <a:latin typeface="Monaco"/>
+                <a:cs typeface="Monaco"/>
+              </a:rPr>
+              <a:t>elif grade &gt;= 60:</a:t>
+            </a:r>
+          </a:p>
+          <a:p>
+            <a:r>
+              <a:rPr lang="en-US" sz="1600" dirty="0">
+                <a:latin typeface="Monaco"/>
+                <a:cs typeface="Monaco"/>
+              </a:rPr>
+              <a:t>		</a:t>
+            </a:r>
+            <a:r>
+              <a:rPr lang="en-US" sz="1600" dirty="0" smtClean="0">
+                <a:latin typeface="Monaco"/>
+                <a:cs typeface="Monaco"/>
+              </a:rPr>
+              <a:t>letter_grades.append("D")</a:t>
+            </a:r>
+          </a:p>
+          <a:p>
+            <a:r>
+              <a:rPr lang="en-US" sz="1600" dirty="0">
+                <a:latin typeface="Monaco"/>
+                <a:cs typeface="Monaco"/>
+              </a:rPr>
+              <a:t>	</a:t>
+            </a:r>
+            <a:r>
+              <a:rPr lang="en-US" sz="1600" dirty="0" smtClean="0">
+                <a:latin typeface="Monaco"/>
+                <a:cs typeface="Monaco"/>
+              </a:rPr>
+              <a:t>else:</a:t>
+            </a:r>
+          </a:p>
+          <a:p>
+            <a:r>
+              <a:rPr lang="en-US" sz="1600" dirty="0">
+                <a:latin typeface="Monaco"/>
+                <a:cs typeface="Monaco"/>
+              </a:rPr>
+              <a:t>		</a:t>
+            </a:r>
+            <a:r>
+              <a:rPr lang="en-US" sz="1600" dirty="0" smtClean="0">
+                <a:latin typeface="Monaco"/>
+                <a:cs typeface="Monaco"/>
+              </a:rPr>
+              <a:t>letter_grades.append("F")</a:t>
+            </a:r>
+          </a:p>
+          <a:p>
+            <a:endParaRPr lang="en-US" sz="1600" dirty="0" smtClean="0">
+              <a:latin typeface="Monaco"/>
+              <a:cs typeface="Monaco"/>
+            </a:endParaRPr>
+          </a:p>
+          <a:p>
+            <a:r>
+              <a:rPr lang="en-US" sz="1600" dirty="0" smtClean="0">
+                <a:latin typeface="Monaco"/>
+                <a:cs typeface="Monaco"/>
+              </a:rPr>
+              <a:t>print letter_grades</a:t>
+            </a:r>
+          </a:p>
+          <a:p>
+            <a:r>
+              <a:rPr lang="en-US" sz="1600" dirty="0">
+                <a:solidFill>
+                  <a:schemeClr val="bg1">
+                    <a:lumMod val="65000"/>
+                  </a:schemeClr>
+                </a:solidFill>
+                <a:latin typeface="Monaco"/>
+                <a:cs typeface="Monaco"/>
+              </a:rPr>
+              <a:t>	</a:t>
+            </a:r>
+            <a:r>
+              <a:rPr lang="fr-FR" sz="1600" dirty="0">
+                <a:solidFill>
+                  <a:schemeClr val="bg1">
+                    <a:lumMod val="65000"/>
+                  </a:schemeClr>
+                </a:solidFill>
+                <a:latin typeface="Monaco"/>
+                <a:cs typeface="Monaco"/>
+              </a:rPr>
+              <a:t>['B', 'C', 'C', 'B', 'F', 'C', 'D']</a:t>
+            </a:r>
+            <a:endParaRPr lang="en-US" sz="1600" dirty="0" smtClean="0">
+              <a:solidFill>
+                <a:schemeClr val="bg1">
+                  <a:lumMod val="65000"/>
+                </a:schemeClr>
+              </a:solidFill>
+              <a:latin typeface="Monaco"/>
+              <a:cs typeface="Monaco"/>
+            </a:endParaRPr>
+          </a:p>
+          <a:p>
+            <a:r>
+              <a:rPr lang="en-US" sz="1600" dirty="0">
+                <a:latin typeface="Monaco"/>
+                <a:cs typeface="Monaco"/>
+              </a:rPr>
+              <a:t>	</a:t>
+            </a:r>
+            <a:endParaRPr lang="en-US" sz="1600" dirty="0" smtClean="0">
+              <a:latin typeface="Monaco"/>
+              <a:cs typeface="Monaco"/>
+            </a:endParaRPr>
+          </a:p>
+          <a:p>
+            <a:r>
+              <a:rPr lang="en-US" sz="1600" dirty="0" smtClean="0">
+                <a:latin typeface="Monaco"/>
+                <a:cs typeface="Monaco"/>
+              </a:rPr>
+              <a:t>	</a:t>
+            </a:r>
+          </a:p>
+          <a:p>
+            <a:r>
+              <a:rPr lang="en-US" sz="1600" dirty="0">
+                <a:latin typeface="Monaco"/>
+                <a:cs typeface="Monaco"/>
+              </a:rPr>
+              <a:t>	</a:t>
+            </a:r>
+            <a:endParaRPr lang="en-US" sz="1600" dirty="0" smtClean="0">
+              <a:latin typeface="Monaco"/>
+              <a:cs typeface="Monaco"/>
+            </a:endParaRPr>
+          </a:p>
+        </p:txBody>
+      </p:sp>
+    </p:spTree>
+    <p:extLst>
+      <p:ext uri="{BB962C8B-B14F-4D97-AF65-F5344CB8AC3E}">
         <p14:creationId xmlns:p14="http://schemas.microsoft.com/office/powerpoint/2010/main" val="246246496"/>
+      </p:ext>
+    </p:extLst>
+  </p:cSld>
+  <p:clrMapOvr>
+    <a:masterClrMapping/>
+  </p:clrMapOvr>
+</p:sld>
+</file>
+
+<file path=ppt/slides/slide44.xml><?xml version="1.0" encoding="utf-8"?>
+<p:sld xmlns:a="http://schemas.openxmlformats.org/drawingml/2006/main" xmlns:r="http://schemas.openxmlformats.org/officeDocument/2006/relationships" xmlns:p="http://schemas.openxmlformats.org/presentationml/2006/main">
+  <p:cSld>
+    <p:spTree>
+      <p:nvGrpSpPr>
+        <p:cNvPr id="1" name=""/>
+        <p:cNvGrpSpPr/>
+        <p:nvPr/>
+      </p:nvGrpSpPr>
+      <p:grpSpPr>
+        <a:xfrm>
+          <a:off x="0" y="0"/>
+          <a:ext cx="0" cy="0"/>
+          <a:chOff x="0" y="0"/>
+          <a:chExt cx="0" cy="0"/>
+        </a:xfrm>
+      </p:grpSpPr>
+      <p:sp>
+        <p:nvSpPr>
+          <p:cNvPr id="2" name="Title 1"/>
+          <p:cNvSpPr>
+            <a:spLocks noGrp="1"/>
+          </p:cNvSpPr>
+          <p:nvPr>
+            <p:ph type="title"/>
+          </p:nvPr>
+        </p:nvSpPr>
+        <p:spPr>
+          <a:xfrm>
+            <a:off x="2230714" y="3087537"/>
+            <a:ext cx="4688183" cy="692215"/>
+          </a:xfrm>
+        </p:spPr>
+        <p:txBody>
+          <a:bodyPr/>
+          <a:lstStyle/>
+          <a:p>
+            <a:r>
+              <a:rPr lang="en-US" dirty="0" smtClean="0"/>
+              <a:t>exercise break</a:t>
+            </a:r>
+            <a:endParaRPr lang="en-US" dirty="0"/>
+          </a:p>
+        </p:txBody>
+      </p:sp>
+    </p:spTree>
+    <p:extLst>
+      <p:ext uri="{BB962C8B-B14F-4D97-AF65-F5344CB8AC3E}">
+        <p14:creationId xmlns:p14="http://schemas.microsoft.com/office/powerpoint/2010/main" val="4207585177"/>
+      </p:ext>
+    </p:extLst>
+  </p:cSld>
+  <p:clrMapOvr>
+    <a:masterClrMapping/>
+  </p:clrMapOvr>
+</p:sld>
+</file>
+
+<file path=ppt/slides/slide45.xml><?xml version="1.0" encoding="utf-8"?>
+<p:sld xmlns:a="http://schemas.openxmlformats.org/drawingml/2006/main" xmlns:r="http://schemas.openxmlformats.org/officeDocument/2006/relationships" xmlns:p="http://schemas.openxmlformats.org/presentationml/2006/main">
+  <p:cSld>
+    <p:spTree>
+      <p:nvGrpSpPr>
+        <p:cNvPr id="1" name=""/>
+        <p:cNvGrpSpPr/>
+        <p:nvPr/>
+      </p:nvGrpSpPr>
+      <p:grpSpPr>
+        <a:xfrm>
+          <a:off x="0" y="0"/>
+          <a:ext cx="0" cy="0"/>
+          <a:chOff x="0" y="0"/>
+          <a:chExt cx="0" cy="0"/>
+        </a:xfrm>
+      </p:grpSpPr>
+      <p:sp>
+        <p:nvSpPr>
+          <p:cNvPr id="2" name="Title 1"/>
+          <p:cNvSpPr>
+            <a:spLocks noGrp="1"/>
+          </p:cNvSpPr>
+          <p:nvPr>
+            <p:ph type="title"/>
+          </p:nvPr>
+        </p:nvSpPr>
+        <p:spPr/>
+        <p:txBody>
+          <a:bodyPr/>
+          <a:lstStyle/>
+          <a:p>
+            <a:r>
+              <a:rPr lang="en-US" dirty="0" smtClean="0"/>
+              <a:t>controlling the loops even more</a:t>
+            </a:r>
+            <a:endParaRPr lang="en-US" dirty="0"/>
+          </a:p>
+        </p:txBody>
+      </p:sp>
+      <p:sp>
+        <p:nvSpPr>
+          <p:cNvPr id="3" name="Content Placeholder 2"/>
+          <p:cNvSpPr>
+            <a:spLocks noGrp="1"/>
+          </p:cNvSpPr>
+          <p:nvPr>
+            <p:ph idx="1"/>
+          </p:nvPr>
+        </p:nvSpPr>
+        <p:spPr/>
+        <p:txBody>
+          <a:bodyPr/>
+          <a:lstStyle/>
+          <a:p>
+            <a:pPr marL="457200" indent="-457200">
+              <a:buFont typeface="Arial"/>
+              <a:buChar char="•"/>
+            </a:pPr>
+            <a:r>
+              <a:rPr lang="en-US" dirty="0" smtClean="0"/>
+              <a:t>Two statements change loop flow:</a:t>
+            </a:r>
+          </a:p>
+          <a:p>
+            <a:pPr marL="914400" lvl="1" indent="-457200">
+              <a:buFont typeface="Arial"/>
+              <a:buChar char="•"/>
+            </a:pPr>
+            <a:r>
+              <a:rPr lang="en-US" dirty="0" smtClean="0">
+                <a:latin typeface="Monaco"/>
+                <a:cs typeface="Monaco"/>
+              </a:rPr>
+              <a:t>continue </a:t>
+            </a:r>
+          </a:p>
+          <a:p>
+            <a:pPr marL="1600200" lvl="2" indent="-457200">
+              <a:buFont typeface="Arial"/>
+              <a:buChar char="•"/>
+            </a:pPr>
+            <a:r>
+              <a:rPr lang="en-US" dirty="0" smtClean="0"/>
+              <a:t>immediately start </a:t>
+            </a:r>
+            <a:r>
+              <a:rPr lang="en-US" dirty="0"/>
+              <a:t>the next </a:t>
+            </a:r>
+            <a:r>
+              <a:rPr lang="en-US" dirty="0" smtClean="0"/>
+              <a:t>iteration and skip </a:t>
+            </a:r>
+            <a:r>
+              <a:rPr lang="en-US" dirty="0"/>
+              <a:t>remaining loop </a:t>
+            </a:r>
+            <a:r>
+              <a:rPr lang="en-US" dirty="0" smtClean="0"/>
+              <a:t>statements</a:t>
+            </a:r>
+            <a:endParaRPr lang="en-US" dirty="0" smtClean="0">
+              <a:latin typeface="Monaco"/>
+              <a:cs typeface="Monaco"/>
+            </a:endParaRPr>
+          </a:p>
+          <a:p>
+            <a:pPr marL="914400" lvl="1" indent="-457200">
+              <a:buFont typeface="Arial"/>
+              <a:buChar char="•"/>
+            </a:pPr>
+            <a:r>
+              <a:rPr lang="en-US" dirty="0" smtClean="0">
+                <a:latin typeface="Monaco"/>
+                <a:cs typeface="Monaco"/>
+              </a:rPr>
+              <a:t>break</a:t>
+            </a:r>
+          </a:p>
+          <a:p>
+            <a:pPr marL="1600200" lvl="2" indent="-457200">
+              <a:buFont typeface="Arial"/>
+              <a:buChar char="•"/>
+            </a:pPr>
+            <a:r>
+              <a:rPr lang="en-US" dirty="0" smtClean="0">
+                <a:latin typeface="Arial"/>
+                <a:cs typeface="Arial"/>
+              </a:rPr>
+              <a:t>immediately exit out of loop entirely</a:t>
+            </a:r>
+            <a:endParaRPr lang="en-US" dirty="0">
+              <a:latin typeface="Arial"/>
+              <a:cs typeface="Arial"/>
+            </a:endParaRPr>
+          </a:p>
+        </p:txBody>
+      </p:sp>
+    </p:spTree>
+    <p:extLst>
+      <p:ext uri="{BB962C8B-B14F-4D97-AF65-F5344CB8AC3E}">
+        <p14:creationId xmlns:p14="http://schemas.microsoft.com/office/powerpoint/2010/main" val="2862105171"/>
+      </p:ext>
+    </p:extLst>
+  </p:cSld>
+  <p:clrMapOvr>
+    <a:masterClrMapping/>
+  </p:clrMapOvr>
+</p:sld>
+</file>
+
+<file path=ppt/slides/slide46.xml><?xml version="1.0" encoding="utf-8"?>
+<p:sld xmlns:a="http://schemas.openxmlformats.org/drawingml/2006/main" xmlns:r="http://schemas.openxmlformats.org/officeDocument/2006/relationships" xmlns:p="http://schemas.openxmlformats.org/presentationml/2006/main">
+  <p:cSld>
+    <p:spTree>
+      <p:nvGrpSpPr>
+        <p:cNvPr id="1" name=""/>
+        <p:cNvGrpSpPr/>
+        <p:nvPr/>
+      </p:nvGrpSpPr>
+      <p:grpSpPr>
+        <a:xfrm>
+          <a:off x="0" y="0"/>
+          <a:ext cx="0" cy="0"/>
+          <a:chOff x="0" y="0"/>
+          <a:chExt cx="0" cy="0"/>
+        </a:xfrm>
+      </p:grpSpPr>
+      <p:sp>
+        <p:nvSpPr>
+          <p:cNvPr id="2" name="Title 1"/>
+          <p:cNvSpPr>
+            <a:spLocks noGrp="1"/>
+          </p:cNvSpPr>
+          <p:nvPr>
+            <p:ph type="title"/>
+          </p:nvPr>
+        </p:nvSpPr>
+        <p:spPr/>
+        <p:txBody>
+          <a:bodyPr/>
+          <a:lstStyle/>
+          <a:p>
+            <a:r>
+              <a:rPr lang="en-US" dirty="0" smtClean="0"/>
+              <a:t>the continue statement</a:t>
+            </a:r>
+            <a:br>
+              <a:rPr lang="en-US" dirty="0" smtClean="0"/>
+            </a:br>
+            <a:endParaRPr lang="en-US" dirty="0"/>
+          </a:p>
+        </p:txBody>
+      </p:sp>
+      <p:sp>
+        <p:nvSpPr>
+          <p:cNvPr id="6" name="Rectangle 5"/>
+          <p:cNvSpPr/>
+          <p:nvPr/>
+        </p:nvSpPr>
+        <p:spPr>
+          <a:xfrm>
+            <a:off x="156004" y="1156348"/>
+            <a:ext cx="8987996" cy="5078314"/>
+          </a:xfrm>
+          <a:prstGeom prst="rect">
+            <a:avLst/>
+          </a:prstGeom>
+        </p:spPr>
+        <p:txBody>
+          <a:bodyPr wrap="square">
+            <a:spAutoFit/>
+          </a:bodyPr>
+          <a:lstStyle/>
+          <a:p>
+            <a:r>
+              <a:rPr lang="en-US" dirty="0" smtClean="0">
+                <a:latin typeface="Monaco"/>
+                <a:cs typeface="Monaco"/>
+              </a:rPr>
+              <a:t>codons </a:t>
+            </a:r>
+            <a:r>
+              <a:rPr lang="en-US" dirty="0">
+                <a:latin typeface="Monaco"/>
+                <a:cs typeface="Monaco"/>
+              </a:rPr>
+              <a:t>= ["</a:t>
+            </a:r>
+            <a:r>
+              <a:rPr lang="en-US" dirty="0" smtClean="0">
+                <a:latin typeface="Monaco"/>
+                <a:cs typeface="Monaco"/>
+              </a:rPr>
+              <a:t>ATT"</a:t>
+            </a:r>
+            <a:r>
+              <a:rPr lang="en-US" dirty="0">
+                <a:latin typeface="Monaco"/>
+                <a:cs typeface="Monaco"/>
+              </a:rPr>
+              <a:t>, "</a:t>
+            </a:r>
+            <a:r>
+              <a:rPr lang="en-US" dirty="0" smtClean="0">
+                <a:latin typeface="Monaco"/>
+                <a:cs typeface="Monaco"/>
+              </a:rPr>
+              <a:t>GAT"</a:t>
+            </a:r>
+            <a:r>
+              <a:rPr lang="en-US" dirty="0">
+                <a:latin typeface="Monaco"/>
+                <a:cs typeface="Monaco"/>
+              </a:rPr>
+              <a:t>, "</a:t>
+            </a:r>
+            <a:r>
+              <a:rPr lang="en-US" dirty="0" smtClean="0">
+                <a:latin typeface="Monaco"/>
+                <a:cs typeface="Monaco"/>
+              </a:rPr>
+              <a:t>NNA", </a:t>
+            </a:r>
+            <a:r>
+              <a:rPr lang="en-US" dirty="0">
+                <a:latin typeface="Monaco"/>
+                <a:cs typeface="Monaco"/>
+              </a:rPr>
+              <a:t>"</a:t>
+            </a:r>
+            <a:r>
+              <a:rPr lang="en-US" dirty="0" smtClean="0">
+                <a:latin typeface="Monaco"/>
+                <a:cs typeface="Monaco"/>
+              </a:rPr>
+              <a:t>ANG"</a:t>
+            </a:r>
+            <a:r>
+              <a:rPr lang="en-US" dirty="0">
+                <a:latin typeface="Monaco"/>
+                <a:cs typeface="Monaco"/>
+              </a:rPr>
+              <a:t>, </a:t>
+            </a:r>
+            <a:r>
+              <a:rPr lang="en-US" dirty="0" smtClean="0">
+                <a:latin typeface="Monaco"/>
+                <a:cs typeface="Monaco"/>
+              </a:rPr>
+              <a:t>"NTT", "ATG"]</a:t>
+            </a:r>
+            <a:endParaRPr lang="en-US" dirty="0">
+              <a:latin typeface="Monaco"/>
+              <a:cs typeface="Monaco"/>
+            </a:endParaRPr>
+          </a:p>
+          <a:p>
+            <a:endParaRPr lang="en-US" dirty="0" smtClean="0">
+              <a:latin typeface="Monaco"/>
+              <a:cs typeface="Monaco"/>
+            </a:endParaRPr>
+          </a:p>
+          <a:p>
+            <a:r>
+              <a:rPr lang="en-US" dirty="0" smtClean="0">
+                <a:latin typeface="Monaco"/>
+                <a:cs typeface="Monaco"/>
+              </a:rPr>
+              <a:t># Print unambiguous codons only</a:t>
+            </a:r>
+          </a:p>
+          <a:p>
+            <a:r>
+              <a:rPr lang="en-US" dirty="0" smtClean="0">
+                <a:latin typeface="Monaco"/>
+                <a:cs typeface="Monaco"/>
+              </a:rPr>
+              <a:t>i </a:t>
+            </a:r>
+            <a:r>
+              <a:rPr lang="en-US" dirty="0">
+                <a:latin typeface="Monaco"/>
+                <a:cs typeface="Monaco"/>
+              </a:rPr>
+              <a:t>= 0</a:t>
+            </a:r>
+          </a:p>
+          <a:p>
+            <a:r>
+              <a:rPr lang="en-US" dirty="0" smtClean="0">
+                <a:latin typeface="Monaco"/>
+                <a:cs typeface="Monaco"/>
+              </a:rPr>
+              <a:t>for seq </a:t>
+            </a:r>
+            <a:r>
+              <a:rPr lang="en-US" dirty="0">
+                <a:latin typeface="Monaco"/>
+                <a:cs typeface="Monaco"/>
+              </a:rPr>
+              <a:t>in </a:t>
+            </a:r>
+            <a:r>
+              <a:rPr lang="en-US" dirty="0" smtClean="0">
+                <a:latin typeface="Monaco"/>
+                <a:cs typeface="Monaco"/>
+              </a:rPr>
+              <a:t>codons:</a:t>
+            </a:r>
+            <a:endParaRPr lang="en-US" dirty="0">
+              <a:latin typeface="Monaco"/>
+              <a:cs typeface="Monaco"/>
+            </a:endParaRPr>
+          </a:p>
+          <a:p>
+            <a:r>
+              <a:rPr lang="en-US" dirty="0">
+                <a:latin typeface="Monaco"/>
+                <a:cs typeface="Monaco"/>
+              </a:rPr>
+              <a:t>	</a:t>
+            </a:r>
+            <a:r>
+              <a:rPr lang="en-US" dirty="0" smtClean="0">
+                <a:latin typeface="Monaco"/>
+                <a:cs typeface="Monaco"/>
+              </a:rPr>
+              <a:t>i </a:t>
+            </a:r>
+            <a:r>
+              <a:rPr lang="en-US" dirty="0">
+                <a:latin typeface="Monaco"/>
+                <a:cs typeface="Monaco"/>
+              </a:rPr>
+              <a:t>+= 1</a:t>
+            </a:r>
+          </a:p>
+          <a:p>
+            <a:r>
+              <a:rPr lang="en-US" dirty="0">
+                <a:latin typeface="Monaco"/>
+                <a:cs typeface="Monaco"/>
+              </a:rPr>
+              <a:t>	</a:t>
+            </a:r>
+            <a:r>
+              <a:rPr lang="en-US" dirty="0" smtClean="0">
+                <a:latin typeface="Monaco"/>
+                <a:cs typeface="Monaco"/>
+              </a:rPr>
+              <a:t>if </a:t>
+            </a:r>
+            <a:r>
+              <a:rPr lang="en-US" dirty="0">
+                <a:latin typeface="Monaco"/>
+                <a:cs typeface="Monaco"/>
+              </a:rPr>
+              <a:t>"N" in seq:</a:t>
+            </a:r>
+          </a:p>
+          <a:p>
+            <a:r>
+              <a:rPr lang="en-US" dirty="0">
+                <a:latin typeface="Monaco"/>
+                <a:cs typeface="Monaco"/>
+              </a:rPr>
+              <a:t>	</a:t>
+            </a:r>
+            <a:r>
+              <a:rPr lang="en-US" dirty="0" smtClean="0">
+                <a:latin typeface="Monaco"/>
+                <a:cs typeface="Monaco"/>
+              </a:rPr>
+              <a:t>	continue     # Immediately start next iteration</a:t>
+            </a:r>
+            <a:endParaRPr lang="en-US" dirty="0">
+              <a:latin typeface="Monaco"/>
+              <a:cs typeface="Monaco"/>
+            </a:endParaRPr>
+          </a:p>
+          <a:p>
+            <a:r>
+              <a:rPr lang="en-US" dirty="0">
+                <a:latin typeface="Monaco"/>
+                <a:cs typeface="Monaco"/>
+              </a:rPr>
+              <a:t>	</a:t>
+            </a:r>
+            <a:r>
+              <a:rPr lang="en-US" dirty="0" smtClean="0">
+                <a:latin typeface="Monaco"/>
+                <a:cs typeface="Monaco"/>
+              </a:rPr>
+              <a:t>print "The sequence is " + seq</a:t>
+            </a:r>
+            <a:endParaRPr lang="en-US" dirty="0">
+              <a:latin typeface="Monaco"/>
+              <a:cs typeface="Monaco"/>
+            </a:endParaRPr>
+          </a:p>
+          <a:p>
+            <a:r>
+              <a:rPr lang="en-US" dirty="0">
+                <a:latin typeface="Monaco"/>
+                <a:cs typeface="Monaco"/>
+              </a:rPr>
+              <a:t>	</a:t>
+            </a:r>
+            <a:r>
+              <a:rPr lang="en-US" dirty="0" smtClean="0">
+                <a:latin typeface="Monaco"/>
+                <a:cs typeface="Monaco"/>
+              </a:rPr>
+              <a:t>print </a:t>
+            </a:r>
+            <a:r>
+              <a:rPr lang="en-US" dirty="0">
+                <a:latin typeface="Monaco"/>
+                <a:cs typeface="Monaco"/>
+              </a:rPr>
+              <a:t>"loop iteration count:", </a:t>
+            </a:r>
+            <a:r>
+              <a:rPr lang="en-US" dirty="0" smtClean="0">
+                <a:latin typeface="Monaco"/>
+                <a:cs typeface="Monaco"/>
+              </a:rPr>
+              <a:t>i</a:t>
+            </a:r>
+            <a:endParaRPr lang="en-US" dirty="0">
+              <a:latin typeface="Monaco"/>
+              <a:cs typeface="Monaco"/>
+            </a:endParaRPr>
+          </a:p>
+          <a:p>
+            <a:endParaRPr lang="en-US" dirty="0" smtClean="0">
+              <a:latin typeface="Monaco"/>
+              <a:cs typeface="Monaco"/>
+            </a:endParaRPr>
+          </a:p>
+          <a:p>
+            <a:endParaRPr lang="en-US" dirty="0">
+              <a:latin typeface="Monaco"/>
+              <a:cs typeface="Monaco"/>
+            </a:endParaRPr>
+          </a:p>
+          <a:p>
+            <a:pPr lvl="1"/>
+            <a:r>
+              <a:rPr lang="en-US" dirty="0">
+                <a:solidFill>
+                  <a:schemeClr val="bg1">
+                    <a:lumMod val="65000"/>
+                  </a:schemeClr>
+                </a:solidFill>
+                <a:latin typeface="Monaco"/>
+                <a:cs typeface="Monaco"/>
+              </a:rPr>
+              <a:t>The sequence is ATT</a:t>
+            </a:r>
+          </a:p>
+          <a:p>
+            <a:pPr lvl="1"/>
+            <a:r>
+              <a:rPr lang="en-US" dirty="0">
+                <a:solidFill>
+                  <a:schemeClr val="bg1">
+                    <a:lumMod val="65000"/>
+                  </a:schemeClr>
+                </a:solidFill>
+                <a:latin typeface="Monaco"/>
+                <a:cs typeface="Monaco"/>
+              </a:rPr>
+              <a:t>loop iteration count: 1</a:t>
+            </a:r>
+          </a:p>
+          <a:p>
+            <a:pPr lvl="1"/>
+            <a:r>
+              <a:rPr lang="en-US" dirty="0">
+                <a:solidFill>
+                  <a:schemeClr val="bg1">
+                    <a:lumMod val="65000"/>
+                  </a:schemeClr>
+                </a:solidFill>
+                <a:latin typeface="Monaco"/>
+                <a:cs typeface="Monaco"/>
+              </a:rPr>
+              <a:t>The sequence is GAT</a:t>
+            </a:r>
+          </a:p>
+          <a:p>
+            <a:pPr lvl="1"/>
+            <a:r>
+              <a:rPr lang="en-US" dirty="0">
+                <a:solidFill>
+                  <a:schemeClr val="bg1">
+                    <a:lumMod val="65000"/>
+                  </a:schemeClr>
+                </a:solidFill>
+                <a:latin typeface="Monaco"/>
+                <a:cs typeface="Monaco"/>
+              </a:rPr>
+              <a:t>loop iteration count: 2</a:t>
+            </a:r>
+          </a:p>
+          <a:p>
+            <a:pPr lvl="1"/>
+            <a:r>
+              <a:rPr lang="en-US" dirty="0">
+                <a:solidFill>
+                  <a:schemeClr val="bg1">
+                    <a:lumMod val="65000"/>
+                  </a:schemeClr>
+                </a:solidFill>
+                <a:latin typeface="Monaco"/>
+                <a:cs typeface="Monaco"/>
+              </a:rPr>
+              <a:t>The sequence is ATG</a:t>
+            </a:r>
+          </a:p>
+          <a:p>
+            <a:pPr lvl="1"/>
+            <a:r>
+              <a:rPr lang="en-US" dirty="0">
+                <a:solidFill>
+                  <a:schemeClr val="bg1">
+                    <a:lumMod val="65000"/>
+                  </a:schemeClr>
+                </a:solidFill>
+                <a:latin typeface="Monaco"/>
+                <a:cs typeface="Monaco"/>
+              </a:rPr>
+              <a:t>loop iteration count: 6</a:t>
+            </a:r>
+            <a:endParaRPr lang="en-US" dirty="0">
+              <a:solidFill>
+                <a:schemeClr val="bg1">
+                  <a:lumMod val="65000"/>
+                </a:schemeClr>
+              </a:solidFill>
+              <a:latin typeface="Monaco"/>
+              <a:cs typeface="Monaco"/>
+            </a:endParaRPr>
+          </a:p>
+        </p:txBody>
+      </p:sp>
+      <p:cxnSp>
+        <p:nvCxnSpPr>
+          <p:cNvPr id="8" name="Elbow Connector 7"/>
+          <p:cNvCxnSpPr/>
+          <p:nvPr/>
+        </p:nvCxnSpPr>
+        <p:spPr>
+          <a:xfrm rot="10800000">
+            <a:off x="2709423" y="2465215"/>
+            <a:ext cx="4920102" cy="853930"/>
+          </a:xfrm>
+          <a:prstGeom prst="bentConnector3">
+            <a:avLst>
+              <a:gd name="adj1" fmla="val -6078"/>
+            </a:avLst>
+          </a:prstGeom>
+          <a:ln>
+            <a:solidFill>
+              <a:schemeClr val="accent5"/>
+            </a:solidFill>
+            <a:tailEnd type="arrow"/>
+          </a:ln>
+        </p:spPr>
+        <p:style>
+          <a:lnRef idx="2">
+            <a:schemeClr val="accent1"/>
+          </a:lnRef>
+          <a:fillRef idx="0">
+            <a:schemeClr val="accent1"/>
+          </a:fillRef>
+          <a:effectRef idx="1">
+            <a:schemeClr val="accent1"/>
+          </a:effectRef>
+          <a:fontRef idx="minor">
+            <a:schemeClr val="tx1"/>
+          </a:fontRef>
+        </p:style>
+      </p:cxnSp>
+    </p:spTree>
+    <p:extLst>
+      <p:ext uri="{BB962C8B-B14F-4D97-AF65-F5344CB8AC3E}">
+        <p14:creationId xmlns:p14="http://schemas.microsoft.com/office/powerpoint/2010/main" val="431002285"/>
+      </p:ext>
+    </p:extLst>
+  </p:cSld>
+  <p:clrMapOvr>
+    <a:masterClrMapping/>
+  </p:clrMapOvr>
+</p:sld>
+</file>
+
+<file path=ppt/slides/slide47.xml><?xml version="1.0" encoding="utf-8"?>
+<p:sld xmlns:a="http://schemas.openxmlformats.org/drawingml/2006/main" xmlns:r="http://schemas.openxmlformats.org/officeDocument/2006/relationships" xmlns:p="http://schemas.openxmlformats.org/presentationml/2006/main">
+  <p:cSld>
+    <p:spTree>
+      <p:nvGrpSpPr>
+        <p:cNvPr id="1" name=""/>
+        <p:cNvGrpSpPr/>
+        <p:nvPr/>
+      </p:nvGrpSpPr>
+      <p:grpSpPr>
+        <a:xfrm>
+          <a:off x="0" y="0"/>
+          <a:ext cx="0" cy="0"/>
+          <a:chOff x="0" y="0"/>
+          <a:chExt cx="0" cy="0"/>
+        </a:xfrm>
+      </p:grpSpPr>
+      <p:sp>
+        <p:nvSpPr>
+          <p:cNvPr id="2" name="Title 1"/>
+          <p:cNvSpPr>
+            <a:spLocks noGrp="1"/>
+          </p:cNvSpPr>
+          <p:nvPr>
+            <p:ph type="title"/>
+          </p:nvPr>
+        </p:nvSpPr>
+        <p:spPr/>
+        <p:txBody>
+          <a:bodyPr/>
+          <a:lstStyle/>
+          <a:p>
+            <a:r>
+              <a:rPr lang="en-US" dirty="0" smtClean="0"/>
+              <a:t>the break statement</a:t>
+            </a:r>
+            <a:br>
+              <a:rPr lang="en-US" dirty="0" smtClean="0"/>
+            </a:br>
+            <a:endParaRPr lang="en-US" dirty="0"/>
+          </a:p>
+        </p:txBody>
+      </p:sp>
+      <p:sp>
+        <p:nvSpPr>
+          <p:cNvPr id="4" name="Rectangle 3"/>
+          <p:cNvSpPr/>
+          <p:nvPr/>
+        </p:nvSpPr>
+        <p:spPr>
+          <a:xfrm>
+            <a:off x="156004" y="1166508"/>
+            <a:ext cx="8987996" cy="5355313"/>
+          </a:xfrm>
+          <a:prstGeom prst="rect">
+            <a:avLst/>
+          </a:prstGeom>
+        </p:spPr>
+        <p:txBody>
+          <a:bodyPr wrap="square">
+            <a:spAutoFit/>
+          </a:bodyPr>
+          <a:lstStyle/>
+          <a:p>
+            <a:r>
+              <a:rPr lang="en-US" dirty="0" smtClean="0">
+                <a:latin typeface="Monaco"/>
+                <a:cs typeface="Monaco"/>
+              </a:rPr>
+              <a:t>codons </a:t>
+            </a:r>
+            <a:r>
+              <a:rPr lang="en-US" dirty="0">
+                <a:latin typeface="Monaco"/>
+                <a:cs typeface="Monaco"/>
+              </a:rPr>
+              <a:t>= ["</a:t>
+            </a:r>
+            <a:r>
+              <a:rPr lang="en-US" dirty="0" smtClean="0">
+                <a:latin typeface="Monaco"/>
+                <a:cs typeface="Monaco"/>
+              </a:rPr>
+              <a:t>ATT"</a:t>
+            </a:r>
+            <a:r>
+              <a:rPr lang="en-US" dirty="0">
+                <a:latin typeface="Monaco"/>
+                <a:cs typeface="Monaco"/>
+              </a:rPr>
+              <a:t>, "</a:t>
+            </a:r>
+            <a:r>
+              <a:rPr lang="en-US" dirty="0" smtClean="0">
+                <a:latin typeface="Monaco"/>
+                <a:cs typeface="Monaco"/>
+              </a:rPr>
+              <a:t>GAT"</a:t>
+            </a:r>
+            <a:r>
+              <a:rPr lang="en-US" dirty="0">
+                <a:latin typeface="Monaco"/>
+                <a:cs typeface="Monaco"/>
+              </a:rPr>
+              <a:t>, "</a:t>
+            </a:r>
+            <a:r>
+              <a:rPr lang="en-US" dirty="0" smtClean="0">
+                <a:latin typeface="Monaco"/>
+                <a:cs typeface="Monaco"/>
+              </a:rPr>
+              <a:t>NNA", </a:t>
+            </a:r>
+            <a:r>
+              <a:rPr lang="en-US" dirty="0">
+                <a:latin typeface="Monaco"/>
+                <a:cs typeface="Monaco"/>
+              </a:rPr>
+              <a:t>"</a:t>
+            </a:r>
+            <a:r>
+              <a:rPr lang="en-US" dirty="0" smtClean="0">
+                <a:latin typeface="Monaco"/>
+                <a:cs typeface="Monaco"/>
+              </a:rPr>
+              <a:t>ANG"</a:t>
+            </a:r>
+            <a:r>
+              <a:rPr lang="en-US" dirty="0">
+                <a:latin typeface="Monaco"/>
+                <a:cs typeface="Monaco"/>
+              </a:rPr>
+              <a:t>, </a:t>
+            </a:r>
+            <a:r>
+              <a:rPr lang="en-US" dirty="0" smtClean="0">
+                <a:latin typeface="Monaco"/>
+                <a:cs typeface="Monaco"/>
+              </a:rPr>
+              <a:t>"NTT", "ATG"]</a:t>
+            </a:r>
+            <a:endParaRPr lang="en-US" dirty="0">
+              <a:latin typeface="Monaco"/>
+              <a:cs typeface="Monaco"/>
+            </a:endParaRPr>
+          </a:p>
+          <a:p>
+            <a:endParaRPr lang="en-US" dirty="0" smtClean="0">
+              <a:latin typeface="Monaco"/>
+              <a:cs typeface="Monaco"/>
+            </a:endParaRPr>
+          </a:p>
+          <a:p>
+            <a:r>
+              <a:rPr lang="en-US" dirty="0" smtClean="0">
+                <a:latin typeface="Monaco"/>
+                <a:cs typeface="Monaco"/>
+              </a:rPr>
+              <a:t># Print unambiguous codons only</a:t>
+            </a:r>
+          </a:p>
+          <a:p>
+            <a:r>
+              <a:rPr lang="en-US" dirty="0" smtClean="0">
+                <a:latin typeface="Monaco"/>
+                <a:cs typeface="Monaco"/>
+              </a:rPr>
+              <a:t>i </a:t>
+            </a:r>
+            <a:r>
+              <a:rPr lang="en-US" dirty="0">
+                <a:latin typeface="Monaco"/>
+                <a:cs typeface="Monaco"/>
+              </a:rPr>
+              <a:t>= 0</a:t>
+            </a:r>
+          </a:p>
+          <a:p>
+            <a:r>
+              <a:rPr lang="en-US" dirty="0" smtClean="0">
+                <a:latin typeface="Monaco"/>
+                <a:cs typeface="Monaco"/>
+              </a:rPr>
+              <a:t>for seq </a:t>
+            </a:r>
+            <a:r>
+              <a:rPr lang="en-US" dirty="0">
+                <a:latin typeface="Monaco"/>
+                <a:cs typeface="Monaco"/>
+              </a:rPr>
+              <a:t>in </a:t>
+            </a:r>
+            <a:r>
+              <a:rPr lang="en-US" dirty="0" smtClean="0">
+                <a:latin typeface="Monaco"/>
+                <a:cs typeface="Monaco"/>
+              </a:rPr>
+              <a:t>codons:</a:t>
+            </a:r>
+            <a:endParaRPr lang="en-US" dirty="0">
+              <a:latin typeface="Monaco"/>
+              <a:cs typeface="Monaco"/>
+            </a:endParaRPr>
+          </a:p>
+          <a:p>
+            <a:r>
+              <a:rPr lang="en-US" dirty="0">
+                <a:latin typeface="Monaco"/>
+                <a:cs typeface="Monaco"/>
+              </a:rPr>
+              <a:t>	</a:t>
+            </a:r>
+            <a:r>
+              <a:rPr lang="en-US" dirty="0" smtClean="0">
+                <a:latin typeface="Monaco"/>
+                <a:cs typeface="Monaco"/>
+              </a:rPr>
+              <a:t>i </a:t>
+            </a:r>
+            <a:r>
+              <a:rPr lang="en-US" dirty="0">
+                <a:latin typeface="Monaco"/>
+                <a:cs typeface="Monaco"/>
+              </a:rPr>
+              <a:t>+= 1</a:t>
+            </a:r>
+          </a:p>
+          <a:p>
+            <a:r>
+              <a:rPr lang="en-US" dirty="0">
+                <a:latin typeface="Monaco"/>
+                <a:cs typeface="Monaco"/>
+              </a:rPr>
+              <a:t>	</a:t>
+            </a:r>
+            <a:r>
+              <a:rPr lang="en-US" dirty="0" smtClean="0">
+                <a:latin typeface="Monaco"/>
+                <a:cs typeface="Monaco"/>
+              </a:rPr>
+              <a:t>if </a:t>
+            </a:r>
+            <a:r>
+              <a:rPr lang="en-US" dirty="0">
+                <a:latin typeface="Monaco"/>
+                <a:cs typeface="Monaco"/>
+              </a:rPr>
+              <a:t>"N" in seq:</a:t>
+            </a:r>
+          </a:p>
+          <a:p>
+            <a:r>
+              <a:rPr lang="en-US" dirty="0" smtClean="0">
+                <a:latin typeface="Monaco"/>
+                <a:cs typeface="Monaco"/>
+              </a:rPr>
+              <a:t>		print "Oh no, ambiguities! I'm gonna stop."</a:t>
+            </a:r>
+            <a:r>
+              <a:rPr lang="en-US" dirty="0">
+                <a:latin typeface="Monaco"/>
+                <a:cs typeface="Monaco"/>
+              </a:rPr>
+              <a:t>	</a:t>
+            </a:r>
+            <a:r>
+              <a:rPr lang="en-US" dirty="0" smtClean="0">
+                <a:latin typeface="Monaco"/>
+                <a:cs typeface="Monaco"/>
+              </a:rPr>
+              <a:t>	</a:t>
+            </a:r>
+          </a:p>
+          <a:p>
+            <a:r>
+              <a:rPr lang="en-US" dirty="0" smtClean="0">
+                <a:latin typeface="Monaco"/>
+                <a:cs typeface="Monaco"/>
+              </a:rPr>
+              <a:t>		break  # Immediately exit</a:t>
+            </a:r>
+            <a:endParaRPr lang="en-US" dirty="0">
+              <a:latin typeface="Monaco"/>
+              <a:cs typeface="Monaco"/>
+            </a:endParaRPr>
+          </a:p>
+          <a:p>
+            <a:r>
+              <a:rPr lang="en-US" dirty="0">
+                <a:latin typeface="Monaco"/>
+                <a:cs typeface="Monaco"/>
+              </a:rPr>
+              <a:t>	</a:t>
+            </a:r>
+            <a:r>
+              <a:rPr lang="en-US" dirty="0" smtClean="0">
+                <a:latin typeface="Monaco"/>
+                <a:cs typeface="Monaco"/>
+              </a:rPr>
+              <a:t>print "The sequence is " + seq</a:t>
+            </a:r>
+            <a:endParaRPr lang="en-US" dirty="0">
+              <a:latin typeface="Monaco"/>
+              <a:cs typeface="Monaco"/>
+            </a:endParaRPr>
+          </a:p>
+          <a:p>
+            <a:r>
+              <a:rPr lang="en-US" dirty="0">
+                <a:latin typeface="Monaco"/>
+                <a:cs typeface="Monaco"/>
+              </a:rPr>
+              <a:t>	</a:t>
+            </a:r>
+            <a:r>
+              <a:rPr lang="en-US" dirty="0" smtClean="0">
+                <a:latin typeface="Monaco"/>
+                <a:cs typeface="Monaco"/>
+              </a:rPr>
+              <a:t>print </a:t>
+            </a:r>
+            <a:r>
+              <a:rPr lang="en-US" dirty="0">
+                <a:latin typeface="Monaco"/>
+                <a:cs typeface="Monaco"/>
+              </a:rPr>
+              <a:t>"loop iteration count:", i</a:t>
+            </a:r>
+            <a:endParaRPr lang="en-US" dirty="0" smtClean="0">
+              <a:latin typeface="Monaco"/>
+              <a:cs typeface="Monaco"/>
+            </a:endParaRPr>
+          </a:p>
+          <a:p>
+            <a:endParaRPr lang="en-US" dirty="0">
+              <a:latin typeface="Monaco"/>
+              <a:cs typeface="Monaco"/>
+            </a:endParaRPr>
+          </a:p>
+          <a:p>
+            <a:r>
+              <a:rPr lang="en-US" dirty="0" smtClean="0">
+                <a:latin typeface="Monaco"/>
+                <a:cs typeface="Monaco"/>
+              </a:rPr>
+              <a:t>print "Outside of the loop now."</a:t>
+            </a:r>
+          </a:p>
+          <a:p>
+            <a:endParaRPr lang="en-US" dirty="0">
+              <a:latin typeface="Monaco"/>
+              <a:cs typeface="Monaco"/>
+            </a:endParaRPr>
+          </a:p>
+          <a:p>
+            <a:pPr lvl="1"/>
+            <a:r>
+              <a:rPr lang="en-US" dirty="0">
+                <a:solidFill>
+                  <a:schemeClr val="bg1">
+                    <a:lumMod val="65000"/>
+                  </a:schemeClr>
+                </a:solidFill>
+                <a:latin typeface="Monaco"/>
+                <a:cs typeface="Monaco"/>
+              </a:rPr>
+              <a:t>The sequence is ATT</a:t>
+            </a:r>
+          </a:p>
+          <a:p>
+            <a:pPr lvl="1"/>
+            <a:r>
+              <a:rPr lang="en-US" dirty="0">
+                <a:solidFill>
+                  <a:schemeClr val="bg1">
+                    <a:lumMod val="65000"/>
+                  </a:schemeClr>
+                </a:solidFill>
+                <a:latin typeface="Monaco"/>
+                <a:cs typeface="Monaco"/>
+              </a:rPr>
+              <a:t>loop iteration count: 1</a:t>
+            </a:r>
+          </a:p>
+          <a:p>
+            <a:pPr lvl="1"/>
+            <a:r>
+              <a:rPr lang="en-US" dirty="0">
+                <a:solidFill>
+                  <a:schemeClr val="bg1">
+                    <a:lumMod val="65000"/>
+                  </a:schemeClr>
+                </a:solidFill>
+                <a:latin typeface="Monaco"/>
+                <a:cs typeface="Monaco"/>
+              </a:rPr>
+              <a:t>The sequence is GAT</a:t>
+            </a:r>
+          </a:p>
+          <a:p>
+            <a:pPr lvl="1"/>
+            <a:r>
+              <a:rPr lang="en-US" dirty="0">
+                <a:solidFill>
+                  <a:schemeClr val="bg1">
+                    <a:lumMod val="65000"/>
+                  </a:schemeClr>
+                </a:solidFill>
+                <a:latin typeface="Monaco"/>
+                <a:cs typeface="Monaco"/>
+              </a:rPr>
+              <a:t>loop iteration count: 2</a:t>
+            </a:r>
+          </a:p>
+          <a:p>
+            <a:pPr lvl="1"/>
+            <a:r>
+              <a:rPr lang="en-US" dirty="0" smtClean="0">
+                <a:solidFill>
+                  <a:schemeClr val="bg1">
+                    <a:lumMod val="65000"/>
+                  </a:schemeClr>
+                </a:solidFill>
+                <a:latin typeface="Monaco"/>
+                <a:cs typeface="Monaco"/>
+              </a:rPr>
+              <a:t>Outside of the loop no.</a:t>
+            </a:r>
+            <a:endParaRPr lang="en-US" dirty="0">
+              <a:solidFill>
+                <a:schemeClr val="bg1">
+                  <a:lumMod val="65000"/>
+                </a:schemeClr>
+              </a:solidFill>
+              <a:latin typeface="Monaco"/>
+              <a:cs typeface="Monaco"/>
+            </a:endParaRPr>
+          </a:p>
+        </p:txBody>
+      </p:sp>
+      <p:cxnSp>
+        <p:nvCxnSpPr>
+          <p:cNvPr id="5" name="Elbow Connector 4"/>
+          <p:cNvCxnSpPr/>
+          <p:nvPr/>
+        </p:nvCxnSpPr>
+        <p:spPr>
+          <a:xfrm rot="10800000" flipV="1">
+            <a:off x="4612640" y="3556000"/>
+            <a:ext cx="1483360" cy="1117600"/>
+          </a:xfrm>
+          <a:prstGeom prst="bentConnector3">
+            <a:avLst>
+              <a:gd name="adj1" fmla="val -300"/>
+            </a:avLst>
+          </a:prstGeom>
+          <a:ln>
+            <a:solidFill>
+              <a:schemeClr val="accent5"/>
+            </a:solidFill>
+            <a:tailEnd type="arrow"/>
+          </a:ln>
+        </p:spPr>
+        <p:style>
+          <a:lnRef idx="2">
+            <a:schemeClr val="accent1"/>
+          </a:lnRef>
+          <a:fillRef idx="0">
+            <a:schemeClr val="accent1"/>
+          </a:fillRef>
+          <a:effectRef idx="1">
+            <a:schemeClr val="accent1"/>
+          </a:effectRef>
+          <a:fontRef idx="minor">
+            <a:schemeClr val="tx1"/>
+          </a:fontRef>
+        </p:style>
+      </p:cxnSp>
+      <p:cxnSp>
+        <p:nvCxnSpPr>
+          <p:cNvPr id="32" name="Straight Connector 31"/>
+          <p:cNvCxnSpPr/>
+          <p:nvPr/>
+        </p:nvCxnSpPr>
+        <p:spPr>
+          <a:xfrm>
+            <a:off x="4648200" y="3556000"/>
+            <a:ext cx="1447800" cy="0"/>
+          </a:xfrm>
+          <a:prstGeom prst="line">
+            <a:avLst/>
+          </a:prstGeom>
+          <a:ln>
+            <a:solidFill>
+              <a:srgbClr val="DC5924"/>
+            </a:solidFill>
+          </a:ln>
+        </p:spPr>
+        <p:style>
+          <a:lnRef idx="2">
+            <a:schemeClr val="accent1"/>
+          </a:lnRef>
+          <a:fillRef idx="0">
+            <a:schemeClr val="accent1"/>
+          </a:fillRef>
+          <a:effectRef idx="1">
+            <a:schemeClr val="accent1"/>
+          </a:effectRef>
+          <a:fontRef idx="minor">
+            <a:schemeClr val="tx1"/>
+          </a:fontRef>
+        </p:style>
+      </p:cxnSp>
+    </p:spTree>
+    <p:extLst>
+      <p:ext uri="{BB962C8B-B14F-4D97-AF65-F5344CB8AC3E}">
+        <p14:creationId xmlns:p14="http://schemas.microsoft.com/office/powerpoint/2010/main" val="4030303648"/>
+      </p:ext>
+    </p:extLst>
+  </p:cSld>
+  <p:clrMapOvr>
+    <a:masterClrMapping/>
+  </p:clrMapOvr>
+</p:sld>
+</file>
+
+<file path=ppt/slides/slide48.xml><?xml version="1.0" encoding="utf-8"?>
+<p:sld xmlns:a="http://schemas.openxmlformats.org/drawingml/2006/main" xmlns:r="http://schemas.openxmlformats.org/officeDocument/2006/relationships" xmlns:p="http://schemas.openxmlformats.org/presentationml/2006/main">
+  <p:cSld>
+    <p:spTree>
+      <p:nvGrpSpPr>
+        <p:cNvPr id="1" name=""/>
+        <p:cNvGrpSpPr/>
+        <p:nvPr/>
+      </p:nvGrpSpPr>
+      <p:grpSpPr>
+        <a:xfrm>
+          <a:off x="0" y="0"/>
+          <a:ext cx="0" cy="0"/>
+          <a:chOff x="0" y="0"/>
+          <a:chExt cx="0" cy="0"/>
+        </a:xfrm>
+      </p:grpSpPr>
+      <p:sp>
+        <p:nvSpPr>
+          <p:cNvPr id="2" name="Title 1"/>
+          <p:cNvSpPr>
+            <a:spLocks noGrp="1"/>
+          </p:cNvSpPr>
+          <p:nvPr>
+            <p:ph type="title"/>
+          </p:nvPr>
+        </p:nvSpPr>
+        <p:spPr/>
+        <p:txBody>
+          <a:bodyPr/>
+          <a:lstStyle/>
+          <a:p>
+            <a:r>
+              <a:rPr lang="en-US" dirty="0" smtClean="0"/>
+              <a:t>the break statement</a:t>
+            </a:r>
+            <a:br>
+              <a:rPr lang="en-US" dirty="0" smtClean="0"/>
+            </a:br>
+            <a:endParaRPr lang="en-US" dirty="0"/>
+          </a:p>
+        </p:txBody>
+      </p:sp>
+      <p:sp>
+        <p:nvSpPr>
+          <p:cNvPr id="3" name="Content Placeholder 2"/>
+          <p:cNvSpPr>
+            <a:spLocks noGrp="1"/>
+          </p:cNvSpPr>
+          <p:nvPr>
+            <p:ph idx="1"/>
+          </p:nvPr>
+        </p:nvSpPr>
+        <p:spPr/>
+        <p:txBody>
+          <a:bodyPr/>
+          <a:lstStyle/>
+          <a:p>
+            <a:r>
+              <a:rPr lang="en-US" dirty="0" smtClean="0"/>
+              <a:t>NB: These commands are </a:t>
+            </a:r>
+            <a:r>
+              <a:rPr lang="en-US" smtClean="0"/>
+              <a:t>basically required for </a:t>
+            </a:r>
+            <a:r>
+              <a:rPr lang="en-US" dirty="0" smtClean="0"/>
+              <a:t>while-loops!</a:t>
+            </a:r>
+            <a:endParaRPr lang="en-US" dirty="0"/>
+          </a:p>
+        </p:txBody>
+      </p:sp>
+    </p:spTree>
+    <p:extLst>
+      <p:ext uri="{BB962C8B-B14F-4D97-AF65-F5344CB8AC3E}">
+        <p14:creationId xmlns:p14="http://schemas.microsoft.com/office/powerpoint/2010/main" val="2852896316"/>
+      </p:ext>
+    </p:extLst>
+  </p:cSld>
+  <p:clrMapOvr>
+    <a:masterClrMapping/>
+  </p:clrMapOvr>
+</p:sld>
+</file>
+
+<file path=ppt/slides/slide49.xml><?xml version="1.0" encoding="utf-8"?>
+<p:sld xmlns:a="http://schemas.openxmlformats.org/drawingml/2006/main" xmlns:r="http://schemas.openxmlformats.org/officeDocument/2006/relationships" xmlns:p="http://schemas.openxmlformats.org/presentationml/2006/main">
+  <p:cSld>
+    <p:spTree>
+      <p:nvGrpSpPr>
+        <p:cNvPr id="1" name=""/>
+        <p:cNvGrpSpPr/>
+        <p:nvPr/>
+      </p:nvGrpSpPr>
+      <p:grpSpPr>
+        <a:xfrm>
+          <a:off x="0" y="0"/>
+          <a:ext cx="0" cy="0"/>
+          <a:chOff x="0" y="0"/>
+          <a:chExt cx="0" cy="0"/>
+        </a:xfrm>
+      </p:grpSpPr>
+      <p:sp>
+        <p:nvSpPr>
+          <p:cNvPr id="2" name="Title 1"/>
+          <p:cNvSpPr>
+            <a:spLocks noGrp="1"/>
+          </p:cNvSpPr>
+          <p:nvPr>
+            <p:ph type="title"/>
+          </p:nvPr>
+        </p:nvSpPr>
+        <p:spPr>
+          <a:xfrm>
+            <a:off x="2230714" y="3087537"/>
+            <a:ext cx="4688183" cy="692215"/>
+          </a:xfrm>
+        </p:spPr>
+        <p:txBody>
+          <a:bodyPr/>
+          <a:lstStyle/>
+          <a:p>
+            <a:r>
+              <a:rPr lang="en-US" dirty="0" smtClean="0"/>
+              <a:t>exercise break</a:t>
+            </a:r>
+            <a:endParaRPr lang="en-US" dirty="0"/>
+          </a:p>
+        </p:txBody>
+      </p:sp>
+    </p:spTree>
+    <p:extLst>
+      <p:ext uri="{BB962C8B-B14F-4D97-AF65-F5344CB8AC3E}">
+        <p14:creationId xmlns:p14="http://schemas.microsoft.com/office/powerpoint/2010/main" val="1517537083"/>
       </p:ext>
     </p:extLst>
   </p:cSld>
@@ -15586,6 +17247,64 @@
             <p:ph type="title"/>
           </p:nvPr>
         </p:nvSpPr>
+        <p:spPr>
+          <a:xfrm>
+            <a:off x="2230714" y="3087537"/>
+            <a:ext cx="4688183" cy="692215"/>
+          </a:xfrm>
+        </p:spPr>
+        <p:txBody>
+          <a:bodyPr/>
+          <a:lstStyle/>
+          <a:p>
+            <a:r>
+              <a:rPr lang="en-US" dirty="0" smtClean="0"/>
+              <a:t>exercise break</a:t>
+            </a:r>
+            <a:endParaRPr lang="en-US" dirty="0"/>
+          </a:p>
+        </p:txBody>
+      </p:sp>
+    </p:spTree>
+    <p:extLst>
+      <p:ext uri="{BB962C8B-B14F-4D97-AF65-F5344CB8AC3E}">
+        <p14:creationId xmlns:p14="http://schemas.microsoft.com/office/powerpoint/2010/main" val="4207585177"/>
+      </p:ext>
+    </p:extLst>
+  </p:cSld>
+  <p:clrMapOvr>
+    <a:masterClrMapping/>
+  </p:clrMapOvr>
+</p:sld>
+</file>
+
+<file path=ppt/slides/slide8.xml><?xml version="1.0" encoding="utf-8"?>
+<p:sld xmlns:a="http://schemas.openxmlformats.org/drawingml/2006/main" xmlns:r="http://schemas.openxmlformats.org/officeDocument/2006/relationships" xmlns:p="http://schemas.openxmlformats.org/presentationml/2006/main">
+  <p:cSld>
+    <p:spTree>
+      <p:nvGrpSpPr>
+        <p:cNvPr id="1" name=""/>
+        <p:cNvGrpSpPr/>
+        <p:nvPr/>
+      </p:nvGrpSpPr>
+      <p:grpSpPr>
+        <a:xfrm>
+          <a:off x="0" y="0"/>
+          <a:ext cx="0" cy="0"/>
+          <a:chOff x="0" y="0"/>
+          <a:chExt cx="0" cy="0"/>
+        </a:xfrm>
+      </p:grpSpPr>
+      <p:sp>
+        <p:nvSpPr>
+          <p:cNvPr id="2" name="Title 1"/>
+          <p:cNvSpPr>
+            <a:spLocks noGrp="1"/>
+          </p:cNvSpPr>
+          <p:nvPr>
+            <p:ph type="title"/>
+          </p:nvPr>
+        </p:nvSpPr>
         <p:spPr/>
         <p:txBody>
           <a:bodyPr/>
@@ -15612,7 +17331,7 @@
 </p:sld>
 </file>
 
-<file path=ppt/slides/slide8.xml><?xml version="1.0" encoding="utf-8"?>
+<file path=ppt/slides/slide9.xml><?xml version="1.0" encoding="utf-8"?>
 <p:sld xmlns:a="http://schemas.openxmlformats.org/drawingml/2006/main" xmlns:r="http://schemas.openxmlformats.org/officeDocument/2006/relationships" xmlns:p="http://schemas.openxmlformats.org/presentationml/2006/main">
   <p:cSld>
     <p:spTree>
@@ -15940,287 +17659,6 @@
     <p:extLst>
       <p:ext uri="{BB962C8B-B14F-4D97-AF65-F5344CB8AC3E}">
         <p14:creationId xmlns:p14="http://schemas.microsoft.com/office/powerpoint/2010/main" val="3896768929"/>
-      </p:ext>
-    </p:extLst>
-  </p:cSld>
-  <p:clrMapOvr>
-    <a:masterClrMapping/>
-  </p:clrMapOvr>
-</p:sld>
-</file>
-
-<file path=ppt/slides/slide9.xml><?xml version="1.0" encoding="utf-8"?>
-<p:sld xmlns:a="http://schemas.openxmlformats.org/drawingml/2006/main" xmlns:r="http://schemas.openxmlformats.org/officeDocument/2006/relationships" xmlns:p="http://schemas.openxmlformats.org/presentationml/2006/main">
-  <p:cSld>
-    <p:spTree>
-      <p:nvGrpSpPr>
-        <p:cNvPr id="1" name=""/>
-        <p:cNvGrpSpPr/>
-        <p:nvPr/>
-      </p:nvGrpSpPr>
-      <p:grpSpPr>
-        <a:xfrm>
-          <a:off x="0" y="0"/>
-          <a:ext cx="0" cy="0"/>
-          <a:chOff x="0" y="0"/>
-          <a:chExt cx="0" cy="0"/>
-        </a:xfrm>
-      </p:grpSpPr>
-      <p:sp>
-        <p:nvSpPr>
-          <p:cNvPr id="2" name="Title 1"/>
-          <p:cNvSpPr>
-            <a:spLocks noGrp="1"/>
-          </p:cNvSpPr>
-          <p:nvPr>
-            <p:ph type="title"/>
-          </p:nvPr>
-        </p:nvSpPr>
-        <p:spPr/>
-        <p:txBody>
-          <a:bodyPr/>
-          <a:lstStyle/>
-          <a:p>
-            <a:r>
-              <a:rPr lang="en-US" dirty="0" smtClean="0"/>
-              <a:t>performing logical operations</a:t>
-            </a:r>
-            <a:endParaRPr lang="en-US" dirty="0"/>
-          </a:p>
-        </p:txBody>
-      </p:sp>
-      <p:sp>
-        <p:nvSpPr>
-          <p:cNvPr id="4" name="TextBox 3"/>
-          <p:cNvSpPr txBox="1"/>
-          <p:nvPr/>
-        </p:nvSpPr>
-        <p:spPr>
-          <a:xfrm>
-            <a:off x="265716" y="1632754"/>
-            <a:ext cx="8158734" cy="4524316"/>
-          </a:xfrm>
-          <a:prstGeom prst="rect">
-            <a:avLst/>
-          </a:prstGeom>
-          <a:noFill/>
-        </p:spPr>
-        <p:txBody>
-          <a:bodyPr wrap="square" rtlCol="0">
-            <a:spAutoFit/>
-          </a:bodyPr>
-          <a:lstStyle/>
-          <a:p>
-            <a:r>
-              <a:rPr lang="en-US" dirty="0" smtClean="0">
-                <a:latin typeface="Monaco"/>
-                <a:cs typeface="Monaco"/>
-              </a:rPr>
-              <a:t>a = 6</a:t>
-            </a:r>
-          </a:p>
-          <a:p>
-            <a:r>
-              <a:rPr lang="en-US" dirty="0" smtClean="0">
-                <a:latin typeface="Monaco"/>
-                <a:cs typeface="Monaco"/>
-              </a:rPr>
-              <a:t>b = 120</a:t>
-            </a:r>
-          </a:p>
-          <a:p>
-            <a:r>
-              <a:rPr lang="en-US" dirty="0" smtClean="0">
-                <a:latin typeface="Monaco"/>
-                <a:cs typeface="Monaco"/>
-              </a:rPr>
-              <a:t>print b &gt; a</a:t>
-            </a:r>
-          </a:p>
-          <a:p>
-            <a:r>
-              <a:rPr lang="en-US" dirty="0">
-                <a:solidFill>
-                  <a:srgbClr val="A6A6A6"/>
-                </a:solidFill>
-                <a:latin typeface="Monaco"/>
-                <a:cs typeface="Monaco"/>
-              </a:rPr>
-              <a:t>	</a:t>
-            </a:r>
-            <a:r>
-              <a:rPr lang="en-US" dirty="0" smtClean="0">
-                <a:solidFill>
-                  <a:srgbClr val="A6A6A6"/>
-                </a:solidFill>
-                <a:latin typeface="Monaco"/>
-                <a:cs typeface="Monaco"/>
-              </a:rPr>
-              <a:t>True</a:t>
-            </a:r>
-          </a:p>
-          <a:p>
-            <a:endParaRPr lang="en-US" dirty="0" smtClean="0">
-              <a:latin typeface="Monaco"/>
-              <a:cs typeface="Monaco"/>
-            </a:endParaRPr>
-          </a:p>
-          <a:p>
-            <a:r>
-              <a:rPr lang="en-US" dirty="0" smtClean="0">
-                <a:latin typeface="Monaco"/>
-                <a:cs typeface="Monaco"/>
-              </a:rPr>
-              <a:t>print 6 == 6</a:t>
-            </a:r>
-          </a:p>
-          <a:p>
-            <a:r>
-              <a:rPr lang="en-US" dirty="0">
-                <a:solidFill>
-                  <a:srgbClr val="A6A6A6"/>
-                </a:solidFill>
-                <a:latin typeface="Monaco"/>
-                <a:cs typeface="Monaco"/>
-              </a:rPr>
-              <a:t>	</a:t>
-            </a:r>
-            <a:r>
-              <a:rPr lang="en-US" dirty="0" smtClean="0">
-                <a:solidFill>
-                  <a:srgbClr val="A6A6A6"/>
-                </a:solidFill>
-                <a:latin typeface="Monaco"/>
-                <a:cs typeface="Monaco"/>
-              </a:rPr>
-              <a:t>True</a:t>
-            </a:r>
-          </a:p>
-          <a:p>
-            <a:endParaRPr lang="en-US" dirty="0" smtClean="0">
-              <a:latin typeface="Monaco"/>
-              <a:cs typeface="Monaco"/>
-            </a:endParaRPr>
-          </a:p>
-          <a:p>
-            <a:r>
-              <a:rPr lang="en-US" dirty="0" smtClean="0">
-                <a:latin typeface="Monaco"/>
-                <a:cs typeface="Monaco"/>
-              </a:rPr>
-              <a:t>print 7 != "this isn't even a number"</a:t>
-            </a:r>
-          </a:p>
-          <a:p>
-            <a:r>
-              <a:rPr lang="en-US" dirty="0">
-                <a:solidFill>
-                  <a:srgbClr val="A6A6A6"/>
-                </a:solidFill>
-                <a:latin typeface="Monaco"/>
-                <a:cs typeface="Monaco"/>
-              </a:rPr>
-              <a:t>	</a:t>
-            </a:r>
-            <a:r>
-              <a:rPr lang="en-US" dirty="0" smtClean="0">
-                <a:solidFill>
-                  <a:srgbClr val="A6A6A6"/>
-                </a:solidFill>
-                <a:latin typeface="Monaco"/>
-                <a:cs typeface="Monaco"/>
-              </a:rPr>
-              <a:t>True</a:t>
-            </a:r>
-            <a:endParaRPr lang="en-US" dirty="0">
-              <a:solidFill>
-                <a:srgbClr val="A6A6A6"/>
-              </a:solidFill>
-              <a:latin typeface="Monaco"/>
-              <a:cs typeface="Monaco"/>
-            </a:endParaRPr>
-          </a:p>
-          <a:p>
-            <a:endParaRPr lang="en-US" dirty="0" smtClean="0">
-              <a:latin typeface="Monaco"/>
-              <a:cs typeface="Monaco"/>
-            </a:endParaRPr>
-          </a:p>
-          <a:p>
-            <a:r>
-              <a:rPr lang="en-US" dirty="0" smtClean="0">
-                <a:latin typeface="Monaco"/>
-                <a:cs typeface="Monaco"/>
-              </a:rPr>
-              <a:t>c = 1.2345</a:t>
-            </a:r>
-            <a:endParaRPr lang="en-US" dirty="0">
-              <a:latin typeface="Monaco"/>
-              <a:cs typeface="Monaco"/>
-            </a:endParaRPr>
-          </a:p>
-          <a:p>
-            <a:r>
-              <a:rPr lang="en-US" dirty="0" smtClean="0">
-                <a:latin typeface="Monaco"/>
-                <a:cs typeface="Monaco"/>
-              </a:rPr>
-              <a:t>print -99 &gt;= c</a:t>
-            </a:r>
-          </a:p>
-          <a:p>
-            <a:r>
-              <a:rPr lang="en-US" dirty="0">
-                <a:latin typeface="Monaco"/>
-                <a:cs typeface="Monaco"/>
-              </a:rPr>
-              <a:t>	</a:t>
-            </a:r>
-            <a:r>
-              <a:rPr lang="en-US" dirty="0" smtClean="0">
-                <a:solidFill>
-                  <a:srgbClr val="A6A6A6"/>
-                </a:solidFill>
-                <a:latin typeface="Monaco"/>
-                <a:cs typeface="Monaco"/>
-              </a:rPr>
-              <a:t>False</a:t>
-            </a:r>
-          </a:p>
-          <a:p>
-            <a:r>
-              <a:rPr lang="en-US" dirty="0">
-                <a:solidFill>
-                  <a:srgbClr val="A6A6A6"/>
-                </a:solidFill>
-                <a:latin typeface="Monaco"/>
-                <a:cs typeface="Monaco"/>
-              </a:rPr>
-              <a:t>	</a:t>
-            </a:r>
-            <a:endParaRPr lang="en-US" dirty="0" smtClean="0">
-              <a:solidFill>
-                <a:srgbClr val="A6A6A6"/>
-              </a:solidFill>
-              <a:latin typeface="Monaco"/>
-              <a:cs typeface="Monaco"/>
-            </a:endParaRPr>
-          </a:p>
-          <a:p>
-            <a:endParaRPr lang="en-US" dirty="0">
-              <a:solidFill>
-                <a:srgbClr val="A6A6A6"/>
-              </a:solidFill>
-              <a:latin typeface="Monaco"/>
-              <a:cs typeface="Monaco"/>
-            </a:endParaRPr>
-          </a:p>
-        </p:txBody>
-      </p:sp>
-    </p:spTree>
-    <p:extLst>
-      <p:ext uri="{BB962C8B-B14F-4D97-AF65-F5344CB8AC3E}">
-        <p14:creationId xmlns:p14="http://schemas.microsoft.com/office/powerpoint/2010/main" val="2935389993"/>
       </p:ext>
     </p:extLst>
   </p:cSld>

--- a/slides/day2_slides.pptx
+++ b/slides/day2_slides.pptx
@@ -5,7 +5,7 @@
     <p:sldMasterId id="2147483660" r:id="rId1"/>
   </p:sldMasterIdLst>
   <p:notesMasterIdLst>
-    <p:notesMasterId r:id="rId51"/>
+    <p:notesMasterId r:id="rId53"/>
   </p:notesMasterIdLst>
   <p:sldIdLst>
     <p:sldId id="256" r:id="rId2"/>
@@ -49,14 +49,16 @@
     <p:sldId id="376" r:id="rId40"/>
     <p:sldId id="377" r:id="rId41"/>
     <p:sldId id="378" r:id="rId42"/>
-    <p:sldId id="380" r:id="rId43"/>
-    <p:sldId id="381" r:id="rId44"/>
-    <p:sldId id="383" r:id="rId45"/>
-    <p:sldId id="386" r:id="rId46"/>
-    <p:sldId id="387" r:id="rId47"/>
-    <p:sldId id="388" r:id="rId48"/>
-    <p:sldId id="390" r:id="rId49"/>
-    <p:sldId id="389" r:id="rId50"/>
+    <p:sldId id="391" r:id="rId43"/>
+    <p:sldId id="395" r:id="rId44"/>
+    <p:sldId id="392" r:id="rId45"/>
+    <p:sldId id="398" r:id="rId46"/>
+    <p:sldId id="381" r:id="rId47"/>
+    <p:sldId id="383" r:id="rId48"/>
+    <p:sldId id="386" r:id="rId49"/>
+    <p:sldId id="387" r:id="rId50"/>
+    <p:sldId id="388" r:id="rId51"/>
+    <p:sldId id="399" r:id="rId52"/>
   </p:sldIdLst>
   <p:sldSz cx="9144000" cy="6858000" type="screen4x3"/>
   <p:notesSz cx="6858000" cy="9144000"/>
@@ -13471,19 +13473,7 @@
                 <a:latin typeface="Monaco"/>
                 <a:cs typeface="Monaco"/>
               </a:rPr>
-              <a:t>	</a:t>
-            </a:r>
-            <a:r>
-              <a:rPr lang="en-US" dirty="0">
-                <a:solidFill>
-                  <a:schemeClr val="bg1">
-                    <a:lumMod val="65000"/>
-                  </a:schemeClr>
-                </a:solidFill>
-                <a:latin typeface="Monaco"/>
-                <a:cs typeface="Monaco"/>
-              </a:rPr>
-              <a:t>[0, 1, 2, 3, 4, 5, 6, 7, 8, 9]</a:t>
+              <a:t>	[0, 1, 2, 3, 4, 5, 6, 7, 8, 9]</a:t>
             </a:r>
           </a:p>
           <a:p>
@@ -13642,15 +13632,7 @@
             </a:pPr>
             <a:r>
               <a:rPr lang="en-US" dirty="0" smtClean="0"/>
-              <a:t>Unique </a:t>
-            </a:r>
-            <a:r>
-              <a:rPr lang="en-US" dirty="0" err="1" smtClean="0"/>
-              <a:t>key:value</a:t>
-            </a:r>
-            <a:r>
-              <a:rPr lang="en-US" dirty="0" smtClean="0"/>
-              <a:t> pairs are *always* preserved, but their order is not</a:t>
+              <a:t>Unique key:value pairs are *always* preserved, but their order is not</a:t>
             </a:r>
           </a:p>
           <a:p>
@@ -13834,19 +13816,7 @@
                 <a:latin typeface="Monaco"/>
                 <a:cs typeface="Monaco"/>
               </a:rPr>
-              <a:t>	</a:t>
-            </a:r>
-            <a:r>
-              <a:rPr lang="en-US" dirty="0">
-                <a:solidFill>
-                  <a:schemeClr val="bg1">
-                    <a:lumMod val="65000"/>
-                  </a:schemeClr>
-                </a:solidFill>
-                <a:latin typeface="Monaco"/>
-                <a:cs typeface="Monaco"/>
-              </a:rPr>
-              <a:t>[0, 1, 2, 3, 4, 5, 6, 7, 8, 9]</a:t>
+              <a:t>	[0, 1, 2, 3, 4, 5, 6, 7, 8, 9]</a:t>
             </a:r>
           </a:p>
           <a:p>
@@ -14538,7 +14508,7 @@
           <a:p>
             <a:r>
               <a:rPr lang="en-US" dirty="0" smtClean="0"/>
-              <a:t>using if and for together</a:t>
+              <a:t>looping over strings</a:t>
             </a:r>
             <a:endParaRPr lang="en-US" dirty="0"/>
           </a:p>
@@ -14552,8 +14522,8 @@
         </p:nvSpPr>
         <p:spPr>
           <a:xfrm>
-            <a:off x="294255" y="1517496"/>
-            <a:ext cx="7476412" cy="6001644"/>
+            <a:off x="2342661" y="2036922"/>
+            <a:ext cx="3221201" cy="2585323"/>
           </a:xfrm>
           <a:prstGeom prst="rect">
             <a:avLst/>
@@ -14567,248 +14537,60 @@
           <a:lstStyle/>
           <a:p>
             <a:r>
-              <a:rPr lang="en-US" sz="1600" dirty="0" smtClean="0">
-                <a:latin typeface="Monaco"/>
-                <a:cs typeface="Monaco"/>
-              </a:rPr>
-              <a:t># List of grades</a:t>
-            </a:r>
-          </a:p>
-          <a:p>
-            <a:r>
-              <a:rPr lang="en-US" sz="1600" dirty="0" smtClean="0">
-                <a:latin typeface="Monaco"/>
-                <a:cs typeface="Monaco"/>
-              </a:rPr>
-              <a:t>grades = [88, 71, 74, 83, 57, 79, 66]</a:t>
-            </a:r>
-          </a:p>
-          <a:p>
-            <a:endParaRPr lang="en-US" sz="1600" dirty="0">
+              <a:rPr lang="en-US" dirty="0" smtClean="0">
+                <a:latin typeface="Monaco"/>
+                <a:cs typeface="Monaco"/>
+              </a:rPr>
+              <a:t>for </a:t>
+            </a:r>
+            <a:r>
+              <a:rPr lang="en-US" dirty="0" smtClean="0">
+                <a:latin typeface="Monaco"/>
+                <a:cs typeface="Monaco"/>
+              </a:rPr>
+              <a:t>s </a:t>
+            </a:r>
+            <a:r>
+              <a:rPr lang="en-US" dirty="0" smtClean="0">
+                <a:latin typeface="Monaco"/>
+                <a:cs typeface="Monaco"/>
+              </a:rPr>
+              <a:t>in "python":</a:t>
+            </a:r>
+            <a:endParaRPr lang="en-US" dirty="0" smtClean="0">
               <a:latin typeface="Monaco"/>
               <a:cs typeface="Monaco"/>
             </a:endParaRPr>
           </a:p>
           <a:p>
             <a:r>
-              <a:rPr lang="en-US" sz="1600" dirty="0" smtClean="0">
-                <a:latin typeface="Monaco"/>
-                <a:cs typeface="Monaco"/>
-              </a:rPr>
-              <a:t># Empty list of letter</a:t>
-            </a:r>
-          </a:p>
-          <a:p>
-            <a:r>
-              <a:rPr lang="en-US" sz="1600" dirty="0" smtClean="0">
-                <a:latin typeface="Monaco"/>
-                <a:cs typeface="Monaco"/>
-              </a:rPr>
-              <a:t>letter_grades = []</a:t>
-            </a:r>
-          </a:p>
-          <a:p>
-            <a:endParaRPr lang="en-US" sz="1600" dirty="0" smtClean="0">
+              <a:rPr lang="en-US" dirty="0" smtClean="0">
+                <a:latin typeface="Monaco"/>
+                <a:cs typeface="Monaco"/>
+              </a:rPr>
+              <a:t>	print </a:t>
+            </a:r>
+            <a:r>
+              <a:rPr lang="en-US" dirty="0">
+                <a:latin typeface="Monaco"/>
+                <a:cs typeface="Monaco"/>
+              </a:rPr>
+              <a:t>s</a:t>
+            </a:r>
+            <a:endParaRPr lang="en-US" dirty="0" smtClean="0">
               <a:latin typeface="Monaco"/>
               <a:cs typeface="Monaco"/>
             </a:endParaRPr>
           </a:p>
           <a:p>
-            <a:r>
-              <a:rPr lang="en-US" sz="1600" dirty="0" smtClean="0">
-                <a:latin typeface="Monaco"/>
-                <a:cs typeface="Monaco"/>
-              </a:rPr>
-              <a:t># Determine the letter grade</a:t>
-            </a:r>
-          </a:p>
-          <a:p>
-            <a:r>
-              <a:rPr lang="en-US" sz="1600" dirty="0" smtClean="0">
-                <a:latin typeface="Monaco"/>
-                <a:cs typeface="Monaco"/>
-              </a:rPr>
-              <a:t>for grade in grades:</a:t>
-            </a:r>
-          </a:p>
-          <a:p>
-            <a:r>
-              <a:rPr lang="en-US" sz="1600" dirty="0">
-                <a:latin typeface="Monaco"/>
-                <a:cs typeface="Monaco"/>
-              </a:rPr>
-              <a:t>	</a:t>
-            </a:r>
-            <a:r>
-              <a:rPr lang="en-US" sz="1600" dirty="0" smtClean="0">
-                <a:latin typeface="Monaco"/>
-                <a:cs typeface="Monaco"/>
-              </a:rPr>
-              <a:t>if grade &gt;= 90:</a:t>
-            </a:r>
-          </a:p>
-          <a:p>
-            <a:r>
-              <a:rPr lang="en-US" sz="1600" dirty="0">
-                <a:latin typeface="Monaco"/>
-                <a:cs typeface="Monaco"/>
-              </a:rPr>
-              <a:t>	</a:t>
-            </a:r>
-            <a:r>
-              <a:rPr lang="en-US" sz="1600" dirty="0" smtClean="0">
-                <a:latin typeface="Monaco"/>
-                <a:cs typeface="Monaco"/>
-              </a:rPr>
-              <a:t>	letter_grades.append("A")</a:t>
-            </a:r>
-          </a:p>
-          <a:p>
-            <a:r>
-              <a:rPr lang="en-US" sz="1600" dirty="0">
-                <a:latin typeface="Monaco"/>
-                <a:cs typeface="Monaco"/>
-              </a:rPr>
-              <a:t>	</a:t>
-            </a:r>
-            <a:r>
-              <a:rPr lang="en-US" sz="1600" dirty="0" smtClean="0">
-                <a:latin typeface="Monaco"/>
-                <a:cs typeface="Monaco"/>
-              </a:rPr>
-              <a:t>elif grade &gt;= 80:</a:t>
-            </a:r>
-          </a:p>
-          <a:p>
-            <a:r>
-              <a:rPr lang="en-US" sz="1600" dirty="0">
-                <a:latin typeface="Monaco"/>
-                <a:cs typeface="Monaco"/>
-              </a:rPr>
-              <a:t>		</a:t>
-            </a:r>
-            <a:r>
-              <a:rPr lang="en-US" sz="1600" dirty="0" smtClean="0">
-                <a:latin typeface="Monaco"/>
-                <a:cs typeface="Monaco"/>
-              </a:rPr>
-              <a:t>letter_grades.append("B")</a:t>
-            </a:r>
-          </a:p>
-          <a:p>
-            <a:r>
-              <a:rPr lang="en-US" sz="1600" dirty="0">
-                <a:latin typeface="Monaco"/>
-                <a:cs typeface="Monaco"/>
-              </a:rPr>
-              <a:t>	</a:t>
-            </a:r>
-            <a:r>
-              <a:rPr lang="en-US" sz="1600" dirty="0" smtClean="0">
-                <a:latin typeface="Monaco"/>
-                <a:cs typeface="Monaco"/>
-              </a:rPr>
-              <a:t>elif grade &gt;= 70:</a:t>
-            </a:r>
-          </a:p>
-          <a:p>
-            <a:r>
-              <a:rPr lang="en-US" sz="1600" dirty="0">
-                <a:latin typeface="Monaco"/>
-                <a:cs typeface="Monaco"/>
-              </a:rPr>
-              <a:t>		</a:t>
-            </a:r>
-            <a:r>
-              <a:rPr lang="en-US" sz="1600" dirty="0" smtClean="0">
-                <a:latin typeface="Monaco"/>
-                <a:cs typeface="Monaco"/>
-              </a:rPr>
-              <a:t>letter_grades.append("C")</a:t>
-            </a:r>
-          </a:p>
-          <a:p>
-            <a:r>
-              <a:rPr lang="en-US" sz="1600" dirty="0">
-                <a:latin typeface="Monaco"/>
-                <a:cs typeface="Monaco"/>
-              </a:rPr>
-              <a:t>	</a:t>
-            </a:r>
-            <a:r>
-              <a:rPr lang="en-US" sz="1600" dirty="0" smtClean="0">
-                <a:latin typeface="Monaco"/>
-                <a:cs typeface="Monaco"/>
-              </a:rPr>
-              <a:t>elif grade &gt;= 60:</a:t>
-            </a:r>
-          </a:p>
-          <a:p>
-            <a:r>
-              <a:rPr lang="en-US" sz="1600" dirty="0">
-                <a:latin typeface="Monaco"/>
-                <a:cs typeface="Monaco"/>
-              </a:rPr>
-              <a:t>		</a:t>
-            </a:r>
-            <a:r>
-              <a:rPr lang="en-US" sz="1600" dirty="0" smtClean="0">
-                <a:latin typeface="Monaco"/>
-                <a:cs typeface="Monaco"/>
-              </a:rPr>
-              <a:t>letter_grades.append("D")</a:t>
-            </a:r>
-          </a:p>
-          <a:p>
-            <a:r>
-              <a:rPr lang="en-US" sz="1600" dirty="0">
-                <a:latin typeface="Monaco"/>
-                <a:cs typeface="Monaco"/>
-              </a:rPr>
-              <a:t>	</a:t>
-            </a:r>
-            <a:r>
-              <a:rPr lang="en-US" sz="1600" dirty="0" smtClean="0">
-                <a:latin typeface="Monaco"/>
-                <a:cs typeface="Monaco"/>
-              </a:rPr>
-              <a:t>else:</a:t>
-            </a:r>
-          </a:p>
-          <a:p>
-            <a:r>
-              <a:rPr lang="en-US" sz="1600" dirty="0">
-                <a:latin typeface="Monaco"/>
-                <a:cs typeface="Monaco"/>
-              </a:rPr>
-              <a:t>		</a:t>
-            </a:r>
-            <a:r>
-              <a:rPr lang="en-US" sz="1600" dirty="0" smtClean="0">
-                <a:latin typeface="Monaco"/>
-                <a:cs typeface="Monaco"/>
-              </a:rPr>
-              <a:t>letter_grades.append("F")</a:t>
-            </a:r>
-          </a:p>
-          <a:p>
-            <a:endParaRPr lang="en-US" sz="1600" dirty="0" smtClean="0">
+            <a:endParaRPr lang="en-US" dirty="0">
               <a:latin typeface="Monaco"/>
               <a:cs typeface="Monaco"/>
             </a:endParaRPr>
           </a:p>
           <a:p>
             <a:r>
-              <a:rPr lang="en-US" sz="1600" dirty="0" smtClean="0">
-                <a:latin typeface="Monaco"/>
-                <a:cs typeface="Monaco"/>
-              </a:rPr>
-              <a:t>print letter_grades</a:t>
-            </a:r>
-          </a:p>
-          <a:p>
-            <a:r>
-              <a:rPr lang="en-US" sz="1600" dirty="0">
+              <a:rPr lang="en-US" dirty="0" smtClean="0">
                 <a:solidFill>
                   <a:schemeClr val="bg1">
                     <a:lumMod val="65000"/>
@@ -14820,7 +14602,7 @@
               <a:t>	</a:t>
             </a:r>
             <a:r>
-              <a:rPr lang="fr-FR" sz="1600" dirty="0">
+              <a:rPr lang="en-US" dirty="0" smtClean="0">
                 <a:solidFill>
                   <a:schemeClr val="bg1">
                     <a:lumMod val="65000"/>
@@ -14829,9 +14611,9 @@
                 <a:latin typeface="Monaco"/>
                 <a:cs typeface="Monaco"/>
               </a:rPr>
-              <a:t>['B', 'C', 'C', 'B', 'F', 'C', 'D']</a:t>
-            </a:r>
-            <a:endParaRPr lang="en-US" sz="1600" dirty="0" smtClean="0">
+              <a:t>p</a:t>
+            </a:r>
+            <a:endParaRPr lang="en-US" dirty="0">
               <a:solidFill>
                 <a:schemeClr val="bg1">
                   <a:lumMod val="65000"/>
@@ -14842,46 +14624,126 @@
             </a:endParaRPr>
           </a:p>
           <a:p>
-            <a:r>
-              <a:rPr lang="en-US" sz="1600" dirty="0">
-                <a:latin typeface="Monaco"/>
-                <a:cs typeface="Monaco"/>
-              </a:rPr>
-              <a:t>	</a:t>
-            </a:r>
-            <a:endParaRPr lang="en-US" sz="1600" dirty="0" smtClean="0">
+            <a:pPr lvl="1"/>
+            <a:r>
+              <a:rPr lang="en-US" dirty="0">
+                <a:solidFill>
+                  <a:schemeClr val="bg1">
+                    <a:lumMod val="65000"/>
+                  </a:schemeClr>
+                </a:solidFill>
+                <a:latin typeface="Monaco"/>
+                <a:cs typeface="Monaco"/>
+              </a:rPr>
+              <a:t>y</a:t>
+            </a:r>
+            <a:endParaRPr lang="en-US" dirty="0">
+              <a:solidFill>
+                <a:schemeClr val="bg1">
+                  <a:lumMod val="65000"/>
+                </a:schemeClr>
+              </a:solidFill>
               <a:latin typeface="Monaco"/>
               <a:cs typeface="Monaco"/>
             </a:endParaRPr>
           </a:p>
           <a:p>
-            <a:r>
-              <a:rPr lang="en-US" sz="1600" dirty="0" smtClean="0">
-                <a:latin typeface="Monaco"/>
-                <a:cs typeface="Monaco"/>
-              </a:rPr>
-              <a:t>	</a:t>
-            </a:r>
-          </a:p>
-          <a:p>
-            <a:r>
-              <a:rPr lang="en-US" sz="1600" dirty="0">
-                <a:latin typeface="Monaco"/>
-                <a:cs typeface="Monaco"/>
-              </a:rPr>
-              <a:t>	</a:t>
-            </a:r>
-            <a:endParaRPr lang="en-US" sz="1600" dirty="0" smtClean="0">
+            <a:pPr lvl="1"/>
+            <a:r>
+              <a:rPr lang="en-US" dirty="0" smtClean="0">
+                <a:solidFill>
+                  <a:schemeClr val="bg1">
+                    <a:lumMod val="65000"/>
+                  </a:schemeClr>
+                </a:solidFill>
+                <a:latin typeface="Monaco"/>
+                <a:cs typeface="Monaco"/>
+              </a:rPr>
+              <a:t>t</a:t>
+            </a:r>
+            <a:endParaRPr lang="en-US" dirty="0">
+              <a:solidFill>
+                <a:schemeClr val="bg1">
+                  <a:lumMod val="65000"/>
+                </a:schemeClr>
+              </a:solidFill>
               <a:latin typeface="Monaco"/>
               <a:cs typeface="Monaco"/>
             </a:endParaRPr>
           </a:p>
+          <a:p>
+            <a:pPr lvl="1"/>
+            <a:r>
+              <a:rPr lang="en-US" dirty="0">
+                <a:solidFill>
+                  <a:schemeClr val="bg1">
+                    <a:lumMod val="65000"/>
+                  </a:schemeClr>
+                </a:solidFill>
+                <a:latin typeface="Monaco"/>
+                <a:cs typeface="Monaco"/>
+              </a:rPr>
+              <a:t>h</a:t>
+            </a:r>
+            <a:endParaRPr lang="en-US" dirty="0">
+              <a:solidFill>
+                <a:schemeClr val="bg1">
+                  <a:lumMod val="65000"/>
+                </a:schemeClr>
+              </a:solidFill>
+              <a:latin typeface="Monaco"/>
+              <a:cs typeface="Monaco"/>
+            </a:endParaRPr>
+          </a:p>
+          <a:p>
+            <a:pPr lvl="1"/>
+            <a:r>
+              <a:rPr lang="en-US" dirty="0">
+                <a:solidFill>
+                  <a:schemeClr val="bg1">
+                    <a:lumMod val="65000"/>
+                  </a:schemeClr>
+                </a:solidFill>
+                <a:latin typeface="Monaco"/>
+                <a:cs typeface="Monaco"/>
+              </a:rPr>
+              <a:t>o</a:t>
+            </a:r>
+            <a:endParaRPr lang="en-US" dirty="0">
+              <a:solidFill>
+                <a:schemeClr val="bg1">
+                  <a:lumMod val="65000"/>
+                </a:schemeClr>
+              </a:solidFill>
+              <a:latin typeface="Monaco"/>
+              <a:cs typeface="Monaco"/>
+            </a:endParaRPr>
+          </a:p>
+          <a:p>
+            <a:pPr lvl="1"/>
+            <a:r>
+              <a:rPr lang="en-US" dirty="0" smtClean="0">
+                <a:solidFill>
+                  <a:schemeClr val="bg1">
+                    <a:lumMod val="65000"/>
+                  </a:schemeClr>
+                </a:solidFill>
+                <a:latin typeface="Monaco"/>
+                <a:cs typeface="Monaco"/>
+              </a:rPr>
+              <a:t>n</a:t>
+            </a:r>
+            <a:endParaRPr lang="en-US" dirty="0" smtClean="0">
+              <a:latin typeface="Monaco"/>
+              <a:cs typeface="Monaco"/>
+            </a:endParaRPr>
+          </a:p>
         </p:txBody>
       </p:sp>
     </p:spTree>
     <p:extLst>
       <p:ext uri="{BB962C8B-B14F-4D97-AF65-F5344CB8AC3E}">
-        <p14:creationId xmlns:p14="http://schemas.microsoft.com/office/powerpoint/2010/main" val="691097623"/>
+        <p14:creationId xmlns:p14="http://schemas.microsoft.com/office/powerpoint/2010/main" val="2782538499"/>
       </p:ext>
     </p:extLst>
   </p:cSld>
@@ -14925,7 +14787,7 @@
           <a:p>
             <a:r>
               <a:rPr lang="en-US" dirty="0" smtClean="0"/>
-              <a:t>using if and for together</a:t>
+              <a:t>looping over dictionaries</a:t>
             </a:r>
             <a:endParaRPr lang="en-US" dirty="0"/>
           </a:p>
@@ -14939,8 +14801,8 @@
         </p:nvSpPr>
         <p:spPr>
           <a:xfrm>
-            <a:off x="294255" y="1517496"/>
-            <a:ext cx="7476412" cy="6001644"/>
+            <a:off x="205154" y="2036922"/>
+            <a:ext cx="8733691" cy="2031325"/>
           </a:xfrm>
           <a:prstGeom prst="rect">
             <a:avLst/>
@@ -14954,248 +14816,76 @@
           <a:lstStyle/>
           <a:p>
             <a:r>
-              <a:rPr lang="en-US" sz="1600" dirty="0" smtClean="0">
-                <a:latin typeface="Monaco"/>
-                <a:cs typeface="Monaco"/>
-              </a:rPr>
-              <a:t># List of grades</a:t>
-            </a:r>
-          </a:p>
-          <a:p>
-            <a:r>
-              <a:rPr lang="en-US" sz="1600" dirty="0" smtClean="0">
-                <a:latin typeface="Monaco"/>
-                <a:cs typeface="Monaco"/>
-              </a:rPr>
-              <a:t>grades = [88, 71, 74, 83, 57, 79, 66]</a:t>
-            </a:r>
-          </a:p>
-          <a:p>
-            <a:endParaRPr lang="en-US" sz="1600" dirty="0">
+              <a:rPr lang="en-US" dirty="0" smtClean="0">
+                <a:latin typeface="Monaco"/>
+                <a:cs typeface="Monaco"/>
+              </a:rPr>
+              <a:t>price = {</a:t>
+            </a:r>
+            <a:r>
+              <a:rPr lang="en-US" dirty="0" smtClean="0">
+                <a:latin typeface="Monaco"/>
+                <a:cs typeface="Monaco"/>
+              </a:rPr>
+              <a:t>"banana" : 0.79, "apple": 1.02, "bell pepper": 2.39}</a:t>
+            </a:r>
+          </a:p>
+          <a:p>
+            <a:r>
+              <a:rPr lang="en-US" dirty="0" smtClean="0">
+                <a:latin typeface="Monaco"/>
+                <a:cs typeface="Monaco"/>
+              </a:rPr>
+              <a:t>for </a:t>
+            </a:r>
+            <a:r>
+              <a:rPr lang="en-US" dirty="0" smtClean="0">
+                <a:latin typeface="Monaco"/>
+                <a:cs typeface="Monaco"/>
+              </a:rPr>
+              <a:t>item </a:t>
+            </a:r>
+            <a:r>
+              <a:rPr lang="en-US" dirty="0" smtClean="0">
+                <a:latin typeface="Monaco"/>
+                <a:cs typeface="Monaco"/>
+              </a:rPr>
+              <a:t>in price:</a:t>
+            </a:r>
+            <a:endParaRPr lang="en-US" dirty="0" smtClean="0">
               <a:latin typeface="Monaco"/>
               <a:cs typeface="Monaco"/>
             </a:endParaRPr>
           </a:p>
           <a:p>
             <a:r>
-              <a:rPr lang="en-US" sz="1600" dirty="0" smtClean="0">
-                <a:latin typeface="Monaco"/>
-                <a:cs typeface="Monaco"/>
-              </a:rPr>
-              <a:t># Empty list of letter</a:t>
-            </a:r>
-          </a:p>
-          <a:p>
-            <a:r>
-              <a:rPr lang="en-US" sz="1600" dirty="0" smtClean="0">
-                <a:latin typeface="Monaco"/>
-                <a:cs typeface="Monaco"/>
-              </a:rPr>
-              <a:t>letter_grades = []</a:t>
-            </a:r>
-          </a:p>
-          <a:p>
-            <a:endParaRPr lang="en-US" sz="1600" dirty="0" smtClean="0">
+              <a:rPr lang="en-US" dirty="0" smtClean="0">
+                <a:latin typeface="Monaco"/>
+                <a:cs typeface="Monaco"/>
+              </a:rPr>
+              <a:t>	print </a:t>
+            </a:r>
+            <a:r>
+              <a:rPr lang="en-US" dirty="0" smtClean="0">
+                <a:latin typeface="Monaco"/>
+                <a:cs typeface="Monaco"/>
+              </a:rPr>
+              <a:t>item</a:t>
+            </a:r>
+            <a:endParaRPr lang="en-US" dirty="0" smtClean="0">
               <a:latin typeface="Monaco"/>
               <a:cs typeface="Monaco"/>
             </a:endParaRPr>
           </a:p>
           <a:p>
-            <a:r>
-              <a:rPr lang="en-US" sz="1600" dirty="0" smtClean="0">
-                <a:latin typeface="Monaco"/>
-                <a:cs typeface="Monaco"/>
-              </a:rPr>
-              <a:t># Determine the letter grade</a:t>
-            </a:r>
-          </a:p>
-          <a:p>
-            <a:r>
-              <a:rPr lang="en-US" sz="1600" dirty="0" smtClean="0">
-                <a:latin typeface="Monaco"/>
-                <a:cs typeface="Monaco"/>
-              </a:rPr>
-              <a:t>for grade in grades:</a:t>
-            </a:r>
-          </a:p>
-          <a:p>
-            <a:r>
-              <a:rPr lang="en-US" sz="1600" dirty="0">
-                <a:latin typeface="Monaco"/>
-                <a:cs typeface="Monaco"/>
-              </a:rPr>
-              <a:t>	</a:t>
-            </a:r>
-            <a:r>
-              <a:rPr lang="en-US" sz="1600" dirty="0" smtClean="0">
-                <a:latin typeface="Monaco"/>
-                <a:cs typeface="Monaco"/>
-              </a:rPr>
-              <a:t>if grade &gt;= 90:</a:t>
-            </a:r>
-          </a:p>
-          <a:p>
-            <a:r>
-              <a:rPr lang="en-US" sz="1600" dirty="0">
-                <a:latin typeface="Monaco"/>
-                <a:cs typeface="Monaco"/>
-              </a:rPr>
-              <a:t>	</a:t>
-            </a:r>
-            <a:r>
-              <a:rPr lang="en-US" sz="1600" dirty="0" smtClean="0">
-                <a:latin typeface="Monaco"/>
-                <a:cs typeface="Monaco"/>
-              </a:rPr>
-              <a:t>	letter_grades.append("A")</a:t>
-            </a:r>
-          </a:p>
-          <a:p>
-            <a:r>
-              <a:rPr lang="en-US" sz="1600" dirty="0">
-                <a:latin typeface="Monaco"/>
-                <a:cs typeface="Monaco"/>
-              </a:rPr>
-              <a:t>	</a:t>
-            </a:r>
-            <a:r>
-              <a:rPr lang="en-US" sz="1600" dirty="0" smtClean="0">
-                <a:latin typeface="Monaco"/>
-                <a:cs typeface="Monaco"/>
-              </a:rPr>
-              <a:t>elif grade &gt;= 80:</a:t>
-            </a:r>
-          </a:p>
-          <a:p>
-            <a:r>
-              <a:rPr lang="en-US" sz="1600" dirty="0">
-                <a:latin typeface="Monaco"/>
-                <a:cs typeface="Monaco"/>
-              </a:rPr>
-              <a:t>		</a:t>
-            </a:r>
-            <a:r>
-              <a:rPr lang="en-US" sz="1600" dirty="0" smtClean="0">
-                <a:latin typeface="Monaco"/>
-                <a:cs typeface="Monaco"/>
-              </a:rPr>
-              <a:t>letter_grades.append("B")</a:t>
-            </a:r>
-          </a:p>
-          <a:p>
-            <a:r>
-              <a:rPr lang="en-US" sz="1600" dirty="0">
-                <a:latin typeface="Monaco"/>
-                <a:cs typeface="Monaco"/>
-              </a:rPr>
-              <a:t>	</a:t>
-            </a:r>
-            <a:r>
-              <a:rPr lang="en-US" sz="1600" dirty="0" smtClean="0">
-                <a:latin typeface="Monaco"/>
-                <a:cs typeface="Monaco"/>
-              </a:rPr>
-              <a:t>elif grade &gt;= 70:</a:t>
-            </a:r>
-          </a:p>
-          <a:p>
-            <a:r>
-              <a:rPr lang="en-US" sz="1600" dirty="0">
-                <a:latin typeface="Monaco"/>
-                <a:cs typeface="Monaco"/>
-              </a:rPr>
-              <a:t>		</a:t>
-            </a:r>
-            <a:r>
-              <a:rPr lang="en-US" sz="1600" dirty="0" smtClean="0">
-                <a:latin typeface="Monaco"/>
-                <a:cs typeface="Monaco"/>
-              </a:rPr>
-              <a:t>letter_grades.append("C")</a:t>
-            </a:r>
-          </a:p>
-          <a:p>
-            <a:r>
-              <a:rPr lang="en-US" sz="1600" dirty="0">
-                <a:latin typeface="Monaco"/>
-                <a:cs typeface="Monaco"/>
-              </a:rPr>
-              <a:t>	</a:t>
-            </a:r>
-            <a:r>
-              <a:rPr lang="en-US" sz="1600" dirty="0" smtClean="0">
-                <a:latin typeface="Monaco"/>
-                <a:cs typeface="Monaco"/>
-              </a:rPr>
-              <a:t>elif grade &gt;= 60:</a:t>
-            </a:r>
-          </a:p>
-          <a:p>
-            <a:r>
-              <a:rPr lang="en-US" sz="1600" dirty="0">
-                <a:latin typeface="Monaco"/>
-                <a:cs typeface="Monaco"/>
-              </a:rPr>
-              <a:t>		</a:t>
-            </a:r>
-            <a:r>
-              <a:rPr lang="en-US" sz="1600" dirty="0" smtClean="0">
-                <a:latin typeface="Monaco"/>
-                <a:cs typeface="Monaco"/>
-              </a:rPr>
-              <a:t>letter_grades.append("D")</a:t>
-            </a:r>
-          </a:p>
-          <a:p>
-            <a:r>
-              <a:rPr lang="en-US" sz="1600" dirty="0">
-                <a:latin typeface="Monaco"/>
-                <a:cs typeface="Monaco"/>
-              </a:rPr>
-              <a:t>	</a:t>
-            </a:r>
-            <a:r>
-              <a:rPr lang="en-US" sz="1600" dirty="0" smtClean="0">
-                <a:latin typeface="Monaco"/>
-                <a:cs typeface="Monaco"/>
-              </a:rPr>
-              <a:t>else:</a:t>
-            </a:r>
-          </a:p>
-          <a:p>
-            <a:r>
-              <a:rPr lang="en-US" sz="1600" dirty="0">
-                <a:latin typeface="Monaco"/>
-                <a:cs typeface="Monaco"/>
-              </a:rPr>
-              <a:t>		</a:t>
-            </a:r>
-            <a:r>
-              <a:rPr lang="en-US" sz="1600" dirty="0" smtClean="0">
-                <a:latin typeface="Monaco"/>
-                <a:cs typeface="Monaco"/>
-              </a:rPr>
-              <a:t>letter_grades.append("F")</a:t>
-            </a:r>
-          </a:p>
-          <a:p>
-            <a:endParaRPr lang="en-US" sz="1600" dirty="0" smtClean="0">
+            <a:endParaRPr lang="en-US" dirty="0">
               <a:latin typeface="Monaco"/>
               <a:cs typeface="Monaco"/>
             </a:endParaRPr>
           </a:p>
           <a:p>
             <a:r>
-              <a:rPr lang="en-US" sz="1600" dirty="0" smtClean="0">
-                <a:latin typeface="Monaco"/>
-                <a:cs typeface="Monaco"/>
-              </a:rPr>
-              <a:t>print letter_grades</a:t>
-            </a:r>
-          </a:p>
-          <a:p>
-            <a:r>
-              <a:rPr lang="en-US" sz="1600" dirty="0">
+              <a:rPr lang="en-US" dirty="0" smtClean="0">
                 <a:solidFill>
                   <a:schemeClr val="bg1">
                     <a:lumMod val="65000"/>
@@ -15207,7 +14897,7 @@
               <a:t>	</a:t>
             </a:r>
             <a:r>
-              <a:rPr lang="fr-FR" sz="1600" dirty="0">
+              <a:rPr lang="en-US" dirty="0" smtClean="0">
                 <a:solidFill>
                   <a:schemeClr val="bg1">
                     <a:lumMod val="65000"/>
@@ -15216,9 +14906,9 @@
                 <a:latin typeface="Monaco"/>
                 <a:cs typeface="Monaco"/>
               </a:rPr>
-              <a:t>['B', 'C', 'C', 'B', 'F', 'C', 'D']</a:t>
-            </a:r>
-            <a:endParaRPr lang="en-US" sz="1600" dirty="0" smtClean="0">
+              <a:t>bell pepper</a:t>
+            </a:r>
+            <a:endParaRPr lang="en-US" dirty="0">
               <a:solidFill>
                 <a:schemeClr val="bg1">
                   <a:lumMod val="65000"/>
@@ -15229,36 +14919,44 @@
             </a:endParaRPr>
           </a:p>
           <a:p>
-            <a:r>
-              <a:rPr lang="en-US" sz="1600" dirty="0">
-                <a:latin typeface="Monaco"/>
-                <a:cs typeface="Monaco"/>
-              </a:rPr>
-              <a:t>	</a:t>
-            </a:r>
-            <a:endParaRPr lang="en-US" sz="1600" dirty="0" smtClean="0">
+            <a:pPr lvl="1"/>
+            <a:r>
+              <a:rPr lang="en-US" dirty="0" smtClean="0">
+                <a:solidFill>
+                  <a:schemeClr val="bg1">
+                    <a:lumMod val="65000"/>
+                  </a:schemeClr>
+                </a:solidFill>
+                <a:latin typeface="Monaco"/>
+                <a:cs typeface="Monaco"/>
+              </a:rPr>
+              <a:t>banana</a:t>
+            </a:r>
+            <a:endParaRPr lang="en-US" dirty="0">
+              <a:solidFill>
+                <a:schemeClr val="bg1">
+                  <a:lumMod val="65000"/>
+                </a:schemeClr>
+              </a:solidFill>
               <a:latin typeface="Monaco"/>
               <a:cs typeface="Monaco"/>
             </a:endParaRPr>
           </a:p>
           <a:p>
-            <a:r>
-              <a:rPr lang="en-US" sz="1600" dirty="0" smtClean="0">
-                <a:latin typeface="Monaco"/>
-                <a:cs typeface="Monaco"/>
-              </a:rPr>
-              <a:t>	</a:t>
-            </a:r>
-          </a:p>
-          <a:p>
-            <a:r>
-              <a:rPr lang="en-US" sz="1600" dirty="0">
-                <a:latin typeface="Monaco"/>
-                <a:cs typeface="Monaco"/>
-              </a:rPr>
-              <a:t>	</a:t>
-            </a:r>
-            <a:endParaRPr lang="en-US" sz="1600" dirty="0" smtClean="0">
+            <a:pPr lvl="1"/>
+            <a:r>
+              <a:rPr lang="en-US" dirty="0" smtClean="0">
+                <a:solidFill>
+                  <a:schemeClr val="bg1">
+                    <a:lumMod val="65000"/>
+                  </a:schemeClr>
+                </a:solidFill>
+                <a:latin typeface="Monaco"/>
+                <a:cs typeface="Monaco"/>
+              </a:rPr>
+              <a:t>apple</a:t>
+            </a:r>
+            <a:endParaRPr lang="en-US" dirty="0" smtClean="0">
               <a:latin typeface="Monaco"/>
               <a:cs typeface="Monaco"/>
             </a:endParaRPr>
@@ -15268,7 +14966,7 @@
     </p:spTree>
     <p:extLst>
       <p:ext uri="{BB962C8B-B14F-4D97-AF65-F5344CB8AC3E}">
-        <p14:creationId xmlns:p14="http://schemas.microsoft.com/office/powerpoint/2010/main" val="246246496"/>
+        <p14:creationId xmlns:p14="http://schemas.microsoft.com/office/powerpoint/2010/main" val="3288283213"/>
       </p:ext>
     </p:extLst>
   </p:cSld>
@@ -15305,28 +15003,231 @@
             <p:ph type="title"/>
           </p:nvPr>
         </p:nvSpPr>
+        <p:spPr/>
+        <p:txBody>
+          <a:bodyPr/>
+          <a:lstStyle/>
+          <a:p>
+            <a:r>
+              <a:rPr lang="en-US" dirty="0" smtClean="0"/>
+              <a:t>looping over dictionaries</a:t>
+            </a:r>
+            <a:endParaRPr lang="en-US" dirty="0"/>
+          </a:p>
+        </p:txBody>
+      </p:sp>
+      <p:sp>
+        <p:nvSpPr>
+          <p:cNvPr id="4" name="TextBox 3"/>
+          <p:cNvSpPr txBox="1"/>
+          <p:nvPr/>
+        </p:nvSpPr>
         <p:spPr>
           <a:xfrm>
-            <a:off x="2230714" y="3087537"/>
-            <a:ext cx="4688183" cy="692215"/>
+            <a:off x="205154" y="2036922"/>
+            <a:ext cx="8733691" cy="2031325"/>
           </a:xfrm>
+          <a:prstGeom prst="rect">
+            <a:avLst/>
+          </a:prstGeom>
+          <a:noFill/>
         </p:spPr>
         <p:txBody>
-          <a:bodyPr/>
+          <a:bodyPr wrap="square" rtlCol="0">
+            <a:spAutoFit/>
+          </a:bodyPr>
           <a:lstStyle/>
           <a:p>
             <a:r>
-              <a:rPr lang="en-US" dirty="0" smtClean="0"/>
-              <a:t>exercise break</a:t>
-            </a:r>
-            <a:endParaRPr lang="en-US" dirty="0"/>
+              <a:rPr lang="en-US" dirty="0" smtClean="0">
+                <a:latin typeface="Monaco"/>
+                <a:cs typeface="Monaco"/>
+              </a:rPr>
+              <a:t>price = {</a:t>
+            </a:r>
+            <a:r>
+              <a:rPr lang="en-US" dirty="0" smtClean="0">
+                <a:latin typeface="Monaco"/>
+                <a:cs typeface="Monaco"/>
+              </a:rPr>
+              <a:t>"banana" : 0.79, "apple": 1.02, "bell pepper": 2.39}</a:t>
+            </a:r>
+          </a:p>
+          <a:p>
+            <a:r>
+              <a:rPr lang="en-US" dirty="0" smtClean="0">
+                <a:latin typeface="Monaco"/>
+                <a:cs typeface="Monaco"/>
+              </a:rPr>
+              <a:t>for </a:t>
+            </a:r>
+            <a:r>
+              <a:rPr lang="en-US" dirty="0" smtClean="0">
+                <a:latin typeface="Monaco"/>
+                <a:cs typeface="Monaco"/>
+              </a:rPr>
+              <a:t>item </a:t>
+            </a:r>
+            <a:r>
+              <a:rPr lang="en-US" dirty="0" smtClean="0">
+                <a:latin typeface="Monaco"/>
+                <a:cs typeface="Monaco"/>
+              </a:rPr>
+              <a:t>in price:</a:t>
+            </a:r>
+            <a:endParaRPr lang="en-US" dirty="0" smtClean="0">
+              <a:latin typeface="Monaco"/>
+              <a:cs typeface="Monaco"/>
+            </a:endParaRPr>
+          </a:p>
+          <a:p>
+            <a:r>
+              <a:rPr lang="en-US" dirty="0" smtClean="0">
+                <a:latin typeface="Monaco"/>
+                <a:cs typeface="Monaco"/>
+              </a:rPr>
+              <a:t>	print </a:t>
+            </a:r>
+            <a:r>
+              <a:rPr lang="en-US" dirty="0" smtClean="0">
+                <a:latin typeface="Monaco"/>
+                <a:cs typeface="Monaco"/>
+              </a:rPr>
+              <a:t>item</a:t>
+            </a:r>
+            <a:endParaRPr lang="en-US" dirty="0" smtClean="0">
+              <a:latin typeface="Monaco"/>
+              <a:cs typeface="Monaco"/>
+            </a:endParaRPr>
+          </a:p>
+          <a:p>
+            <a:endParaRPr lang="en-US" dirty="0">
+              <a:latin typeface="Monaco"/>
+              <a:cs typeface="Monaco"/>
+            </a:endParaRPr>
+          </a:p>
+          <a:p>
+            <a:r>
+              <a:rPr lang="en-US" dirty="0" smtClean="0">
+                <a:solidFill>
+                  <a:schemeClr val="bg1">
+                    <a:lumMod val="65000"/>
+                  </a:schemeClr>
+                </a:solidFill>
+                <a:latin typeface="Monaco"/>
+                <a:cs typeface="Monaco"/>
+              </a:rPr>
+              <a:t>	</a:t>
+            </a:r>
+            <a:r>
+              <a:rPr lang="en-US" dirty="0" smtClean="0">
+                <a:solidFill>
+                  <a:schemeClr val="bg1">
+                    <a:lumMod val="65000"/>
+                  </a:schemeClr>
+                </a:solidFill>
+                <a:latin typeface="Monaco"/>
+                <a:cs typeface="Monaco"/>
+              </a:rPr>
+              <a:t>bell pepper</a:t>
+            </a:r>
+            <a:endParaRPr lang="en-US" dirty="0">
+              <a:solidFill>
+                <a:schemeClr val="bg1">
+                  <a:lumMod val="65000"/>
+                </a:schemeClr>
+              </a:solidFill>
+              <a:latin typeface="Monaco"/>
+              <a:cs typeface="Monaco"/>
+            </a:endParaRPr>
+          </a:p>
+          <a:p>
+            <a:pPr lvl="1"/>
+            <a:r>
+              <a:rPr lang="en-US" dirty="0" smtClean="0">
+                <a:solidFill>
+                  <a:schemeClr val="bg1">
+                    <a:lumMod val="65000"/>
+                  </a:schemeClr>
+                </a:solidFill>
+                <a:latin typeface="Monaco"/>
+                <a:cs typeface="Monaco"/>
+              </a:rPr>
+              <a:t>banana</a:t>
+            </a:r>
+            <a:endParaRPr lang="en-US" dirty="0">
+              <a:solidFill>
+                <a:schemeClr val="bg1">
+                  <a:lumMod val="65000"/>
+                </a:schemeClr>
+              </a:solidFill>
+              <a:latin typeface="Monaco"/>
+              <a:cs typeface="Monaco"/>
+            </a:endParaRPr>
+          </a:p>
+          <a:p>
+            <a:pPr lvl="1"/>
+            <a:r>
+              <a:rPr lang="en-US" dirty="0" smtClean="0">
+                <a:solidFill>
+                  <a:schemeClr val="bg1">
+                    <a:lumMod val="65000"/>
+                  </a:schemeClr>
+                </a:solidFill>
+                <a:latin typeface="Monaco"/>
+                <a:cs typeface="Monaco"/>
+              </a:rPr>
+              <a:t>apple</a:t>
+            </a:r>
+            <a:endParaRPr lang="en-US" dirty="0" smtClean="0">
+              <a:latin typeface="Monaco"/>
+              <a:cs typeface="Monaco"/>
+            </a:endParaRPr>
+          </a:p>
+        </p:txBody>
+      </p:sp>
+      <p:sp>
+        <p:nvSpPr>
+          <p:cNvPr id="3" name="TextBox 2"/>
+          <p:cNvSpPr txBox="1"/>
+          <p:nvPr/>
+        </p:nvSpPr>
+        <p:spPr>
+          <a:xfrm>
+            <a:off x="2481385" y="3482093"/>
+            <a:ext cx="3751385" cy="369332"/>
+          </a:xfrm>
+          <a:prstGeom prst="rect">
+            <a:avLst/>
+          </a:prstGeom>
+          <a:noFill/>
+        </p:spPr>
+        <p:txBody>
+          <a:bodyPr wrap="square" rtlCol="0">
+            <a:spAutoFit/>
+          </a:bodyPr>
+          <a:lstStyle/>
+          <a:p>
+            <a:r>
+              <a:rPr lang="en-US" dirty="0" smtClean="0">
+                <a:solidFill>
+                  <a:schemeClr val="accent5"/>
+                </a:solidFill>
+              </a:rPr>
+              <a:t>The loop variable is the key</a:t>
+            </a:r>
+            <a:endParaRPr lang="en-US" dirty="0">
+              <a:solidFill>
+                <a:schemeClr val="accent5"/>
+              </a:solidFill>
+            </a:endParaRPr>
           </a:p>
         </p:txBody>
       </p:sp>
     </p:spTree>
     <p:extLst>
       <p:ext uri="{BB962C8B-B14F-4D97-AF65-F5344CB8AC3E}">
-        <p14:creationId xmlns:p14="http://schemas.microsoft.com/office/powerpoint/2010/main" val="4207585177"/>
+        <p14:creationId xmlns:p14="http://schemas.microsoft.com/office/powerpoint/2010/main" val="2360658973"/>
       </p:ext>
     </p:extLst>
   </p:cSld>
@@ -15370,7 +15271,7 @@
           <a:p>
             <a:r>
               <a:rPr lang="en-US" dirty="0" smtClean="0"/>
-              <a:t>controlling the loops even more</a:t>
+              <a:t>looping over dictionaries</a:t>
             </a:r>
             <a:endParaRPr lang="en-US" dirty="0"/>
           </a:p>
@@ -15378,65 +15279,62 @@
       </p:sp>
       <p:sp>
         <p:nvSpPr>
-          <p:cNvPr id="3" name="Content Placeholder 2"/>
-          <p:cNvSpPr>
-            <a:spLocks noGrp="1"/>
-          </p:cNvSpPr>
-          <p:nvPr>
-            <p:ph idx="1"/>
-          </p:nvPr>
-        </p:nvSpPr>
-        <p:spPr/>
-        <p:txBody>
-          <a:bodyPr/>
+          <p:cNvPr id="4" name="TextBox 3"/>
+          <p:cNvSpPr txBox="1"/>
+          <p:nvPr/>
+        </p:nvSpPr>
+        <p:spPr>
+          <a:xfrm>
+            <a:off x="205154" y="2036922"/>
+            <a:ext cx="8733691" cy="2308324"/>
+          </a:xfrm>
+          <a:prstGeom prst="rect">
+            <a:avLst/>
+          </a:prstGeom>
+          <a:noFill/>
+        </p:spPr>
+        <p:txBody>
+          <a:bodyPr wrap="square" rtlCol="0">
+            <a:spAutoFit/>
+          </a:bodyPr>
           <a:lstStyle/>
           <a:p>
-            <a:pPr marL="457200" indent="-457200">
-              <a:buFont typeface="Arial"/>
-              <a:buChar char="•"/>
-            </a:pPr>
-            <a:r>
-              <a:rPr lang="en-US" dirty="0" smtClean="0"/>
-              <a:t>Two statements change loop flow:</a:t>
-            </a:r>
-          </a:p>
-          <a:p>
-            <a:pPr marL="914400" lvl="1" indent="-457200">
-              <a:buFont typeface="Arial"/>
-              <a:buChar char="•"/>
-            </a:pPr>
-            <a:r>
-              <a:rPr lang="en-US" dirty="0" smtClean="0">
-                <a:latin typeface="Monaco"/>
-                <a:cs typeface="Monaco"/>
-              </a:rPr>
-              <a:t>continue </a:t>
-            </a:r>
-          </a:p>
-          <a:p>
-            <a:pPr marL="1600200" lvl="2" indent="-457200">
-              <a:buFont typeface="Arial"/>
-              <a:buChar char="•"/>
-            </a:pPr>
-            <a:r>
-              <a:rPr lang="en-US" dirty="0" smtClean="0"/>
-              <a:t>immediately start </a:t>
-            </a:r>
-            <a:r>
-              <a:rPr lang="en-US" dirty="0"/>
-              <a:t>the next </a:t>
-            </a:r>
-            <a:r>
-              <a:rPr lang="en-US" dirty="0" smtClean="0"/>
-              <a:t>iteration and skip </a:t>
-            </a:r>
-            <a:r>
-              <a:rPr lang="en-US" dirty="0"/>
-              <a:t>remaining loop </a:t>
-            </a:r>
-            <a:r>
-              <a:rPr lang="en-US" dirty="0" smtClean="0"/>
-              <a:t>statements</a:t>
+            <a:r>
+              <a:rPr lang="en-US" dirty="0" smtClean="0">
+                <a:latin typeface="Monaco"/>
+                <a:cs typeface="Monaco"/>
+              </a:rPr>
+              <a:t>price = {</a:t>
+            </a:r>
+            <a:r>
+              <a:rPr lang="en-US" dirty="0" smtClean="0">
+                <a:latin typeface="Monaco"/>
+                <a:cs typeface="Monaco"/>
+              </a:rPr>
+              <a:t>"banana" : 0.79, "apple": 1.02, "bell pepper": 2.39}</a:t>
+            </a:r>
+          </a:p>
+          <a:p>
+            <a:r>
+              <a:rPr lang="en-US" dirty="0" smtClean="0">
+                <a:latin typeface="Monaco"/>
+                <a:cs typeface="Monaco"/>
+              </a:rPr>
+              <a:t>for </a:t>
+            </a:r>
+            <a:r>
+              <a:rPr lang="en-US" dirty="0" smtClean="0">
+                <a:latin typeface="Monaco"/>
+                <a:cs typeface="Monaco"/>
+              </a:rPr>
+              <a:t>item </a:t>
+            </a:r>
+            <a:r>
+              <a:rPr lang="en-US" dirty="0" smtClean="0">
+                <a:latin typeface="Monaco"/>
+                <a:cs typeface="Monaco"/>
+              </a:rPr>
+              <a:t>in price:</a:t>
             </a:r>
             <a:endParaRPr lang="en-US" dirty="0" smtClean="0">
               <a:latin typeface="Monaco"/>
@@ -15444,33 +15342,116 @@
             </a:endParaRPr>
           </a:p>
           <a:p>
-            <a:pPr marL="914400" lvl="1" indent="-457200">
-              <a:buFont typeface="Arial"/>
-              <a:buChar char="•"/>
-            </a:pPr>
-            <a:r>
-              <a:rPr lang="en-US" dirty="0" smtClean="0">
-                <a:latin typeface="Monaco"/>
-                <a:cs typeface="Monaco"/>
-              </a:rPr>
-              <a:t>break</a:t>
-            </a:r>
-          </a:p>
-          <a:p>
-            <a:pPr marL="1600200" lvl="2" indent="-457200">
-              <a:buFont typeface="Arial"/>
-              <a:buChar char="•"/>
-            </a:pPr>
-            <a:r>
-              <a:rPr lang="en-US" dirty="0" smtClean="0">
-                <a:latin typeface="Arial"/>
-                <a:cs typeface="Arial"/>
-              </a:rPr>
-              <a:t>immediately exit out of loop entirely</a:t>
-            </a:r>
+            <a:r>
+              <a:rPr lang="en-US" dirty="0" smtClean="0">
+                <a:latin typeface="Monaco"/>
+                <a:cs typeface="Monaco"/>
+              </a:rPr>
+              <a:t>	# Print the key *and* value</a:t>
+            </a:r>
+          </a:p>
+          <a:p>
+            <a:r>
+              <a:rPr lang="en-US" dirty="0">
+                <a:latin typeface="Monaco"/>
+                <a:cs typeface="Monaco"/>
+              </a:rPr>
+              <a:t>	</a:t>
+            </a:r>
+            <a:r>
+              <a:rPr lang="en-US" dirty="0" smtClean="0">
+                <a:latin typeface="Monaco"/>
+                <a:cs typeface="Monaco"/>
+              </a:rPr>
+              <a:t>print item, price[item]</a:t>
+            </a:r>
+            <a:endParaRPr lang="en-US" dirty="0" smtClean="0">
+              <a:latin typeface="Monaco"/>
+              <a:cs typeface="Monaco"/>
+            </a:endParaRPr>
+          </a:p>
+          <a:p>
             <a:endParaRPr lang="en-US" dirty="0">
-              <a:latin typeface="Arial"/>
-              <a:cs typeface="Arial"/>
+              <a:latin typeface="Monaco"/>
+              <a:cs typeface="Monaco"/>
+            </a:endParaRPr>
+          </a:p>
+          <a:p>
+            <a:r>
+              <a:rPr lang="en-US" dirty="0" smtClean="0">
+                <a:solidFill>
+                  <a:schemeClr val="bg1">
+                    <a:lumMod val="65000"/>
+                  </a:schemeClr>
+                </a:solidFill>
+                <a:latin typeface="Monaco"/>
+                <a:cs typeface="Monaco"/>
+              </a:rPr>
+              <a:t>	</a:t>
+            </a:r>
+            <a:r>
+              <a:rPr lang="en-US" dirty="0" smtClean="0">
+                <a:solidFill>
+                  <a:schemeClr val="bg1">
+                    <a:lumMod val="65000"/>
+                  </a:schemeClr>
+                </a:solidFill>
+                <a:latin typeface="Monaco"/>
+                <a:cs typeface="Monaco"/>
+              </a:rPr>
+              <a:t>bell pepper, 2.39</a:t>
+            </a:r>
+            <a:endParaRPr lang="en-US" dirty="0">
+              <a:solidFill>
+                <a:schemeClr val="bg1">
+                  <a:lumMod val="65000"/>
+                </a:schemeClr>
+              </a:solidFill>
+              <a:latin typeface="Monaco"/>
+              <a:cs typeface="Monaco"/>
+            </a:endParaRPr>
+          </a:p>
+          <a:p>
+            <a:pPr lvl="1"/>
+            <a:r>
+              <a:rPr lang="en-US" dirty="0" smtClean="0">
+                <a:solidFill>
+                  <a:schemeClr val="bg1">
+                    <a:lumMod val="65000"/>
+                  </a:schemeClr>
+                </a:solidFill>
+                <a:latin typeface="Monaco"/>
+                <a:cs typeface="Monaco"/>
+              </a:rPr>
+              <a:t>banana, 0.79</a:t>
+            </a:r>
+            <a:endParaRPr lang="en-US" dirty="0">
+              <a:solidFill>
+                <a:schemeClr val="bg1">
+                  <a:lumMod val="65000"/>
+                </a:schemeClr>
+              </a:solidFill>
+              <a:latin typeface="Monaco"/>
+              <a:cs typeface="Monaco"/>
+            </a:endParaRPr>
+          </a:p>
+          <a:p>
+            <a:pPr lvl="1"/>
+            <a:r>
+              <a:rPr lang="en-US" dirty="0" smtClean="0">
+                <a:solidFill>
+                  <a:schemeClr val="bg1">
+                    <a:lumMod val="65000"/>
+                  </a:schemeClr>
+                </a:solidFill>
+                <a:latin typeface="Monaco"/>
+                <a:cs typeface="Monaco"/>
+              </a:rPr>
+              <a:t>apple, 1.02</a:t>
+            </a:r>
+            <a:endParaRPr lang="en-US" dirty="0" smtClean="0">
+              <a:latin typeface="Monaco"/>
+              <a:cs typeface="Monaco"/>
             </a:endParaRPr>
           </a:p>
         </p:txBody>
@@ -15478,7 +15459,7 @@
     </p:spTree>
     <p:extLst>
       <p:ext uri="{BB962C8B-B14F-4D97-AF65-F5344CB8AC3E}">
-        <p14:creationId xmlns:p14="http://schemas.microsoft.com/office/powerpoint/2010/main" val="2862105171"/>
+        <p14:creationId xmlns:p14="http://schemas.microsoft.com/office/powerpoint/2010/main" val="1259606957"/>
       </p:ext>
     </p:extLst>
   </p:cSld>
@@ -15522,6 +15503,603 @@
           <a:p>
             <a:r>
               <a:rPr lang="en-US" dirty="0" smtClean="0"/>
+              <a:t>using if and for together</a:t>
+            </a:r>
+            <a:endParaRPr lang="en-US" dirty="0"/>
+          </a:p>
+        </p:txBody>
+      </p:sp>
+      <p:sp>
+        <p:nvSpPr>
+          <p:cNvPr id="4" name="TextBox 3"/>
+          <p:cNvSpPr txBox="1"/>
+          <p:nvPr/>
+        </p:nvSpPr>
+        <p:spPr>
+          <a:xfrm>
+            <a:off x="294255" y="1517496"/>
+            <a:ext cx="7476412" cy="6001644"/>
+          </a:xfrm>
+          <a:prstGeom prst="rect">
+            <a:avLst/>
+          </a:prstGeom>
+          <a:noFill/>
+        </p:spPr>
+        <p:txBody>
+          <a:bodyPr wrap="square" rtlCol="0">
+            <a:spAutoFit/>
+          </a:bodyPr>
+          <a:lstStyle/>
+          <a:p>
+            <a:r>
+              <a:rPr lang="en-US" sz="1600" dirty="0" smtClean="0">
+                <a:latin typeface="Monaco"/>
+                <a:cs typeface="Monaco"/>
+              </a:rPr>
+              <a:t># List of grades</a:t>
+            </a:r>
+          </a:p>
+          <a:p>
+            <a:r>
+              <a:rPr lang="en-US" sz="1600" dirty="0" smtClean="0">
+                <a:latin typeface="Monaco"/>
+                <a:cs typeface="Monaco"/>
+              </a:rPr>
+              <a:t>grades = [88, 71, 74, 83, 57, 79, 66]</a:t>
+            </a:r>
+          </a:p>
+          <a:p>
+            <a:endParaRPr lang="en-US" sz="1600" dirty="0">
+              <a:latin typeface="Monaco"/>
+              <a:cs typeface="Monaco"/>
+            </a:endParaRPr>
+          </a:p>
+          <a:p>
+            <a:r>
+              <a:rPr lang="en-US" sz="1600" dirty="0" smtClean="0">
+                <a:latin typeface="Monaco"/>
+                <a:cs typeface="Monaco"/>
+              </a:rPr>
+              <a:t># Empty list of letter</a:t>
+            </a:r>
+          </a:p>
+          <a:p>
+            <a:r>
+              <a:rPr lang="en-US" sz="1600" dirty="0" smtClean="0">
+                <a:latin typeface="Monaco"/>
+                <a:cs typeface="Monaco"/>
+              </a:rPr>
+              <a:t>letter_grades = []</a:t>
+            </a:r>
+          </a:p>
+          <a:p>
+            <a:endParaRPr lang="en-US" sz="1600" dirty="0" smtClean="0">
+              <a:latin typeface="Monaco"/>
+              <a:cs typeface="Monaco"/>
+            </a:endParaRPr>
+          </a:p>
+          <a:p>
+            <a:r>
+              <a:rPr lang="en-US" sz="1600" dirty="0" smtClean="0">
+                <a:latin typeface="Monaco"/>
+                <a:cs typeface="Monaco"/>
+              </a:rPr>
+              <a:t># Determine the letter grade</a:t>
+            </a:r>
+          </a:p>
+          <a:p>
+            <a:r>
+              <a:rPr lang="en-US" sz="1600" dirty="0" smtClean="0">
+                <a:latin typeface="Monaco"/>
+                <a:cs typeface="Monaco"/>
+              </a:rPr>
+              <a:t>for grade in grades:</a:t>
+            </a:r>
+          </a:p>
+          <a:p>
+            <a:r>
+              <a:rPr lang="en-US" sz="1600" dirty="0">
+                <a:latin typeface="Monaco"/>
+                <a:cs typeface="Monaco"/>
+              </a:rPr>
+              <a:t>	</a:t>
+            </a:r>
+            <a:r>
+              <a:rPr lang="en-US" sz="1600" dirty="0" smtClean="0">
+                <a:latin typeface="Monaco"/>
+                <a:cs typeface="Monaco"/>
+              </a:rPr>
+              <a:t>if grade &gt;= 90:</a:t>
+            </a:r>
+          </a:p>
+          <a:p>
+            <a:r>
+              <a:rPr lang="en-US" sz="1600" dirty="0">
+                <a:latin typeface="Monaco"/>
+                <a:cs typeface="Monaco"/>
+              </a:rPr>
+              <a:t>	</a:t>
+            </a:r>
+            <a:r>
+              <a:rPr lang="en-US" sz="1600" dirty="0" smtClean="0">
+                <a:latin typeface="Monaco"/>
+                <a:cs typeface="Monaco"/>
+              </a:rPr>
+              <a:t>	letter_grades.append("A")</a:t>
+            </a:r>
+          </a:p>
+          <a:p>
+            <a:r>
+              <a:rPr lang="en-US" sz="1600" dirty="0">
+                <a:latin typeface="Monaco"/>
+                <a:cs typeface="Monaco"/>
+              </a:rPr>
+              <a:t>	</a:t>
+            </a:r>
+            <a:r>
+              <a:rPr lang="en-US" sz="1600" dirty="0" smtClean="0">
+                <a:latin typeface="Monaco"/>
+                <a:cs typeface="Monaco"/>
+              </a:rPr>
+              <a:t>elif grade &gt;= 80:</a:t>
+            </a:r>
+          </a:p>
+          <a:p>
+            <a:r>
+              <a:rPr lang="en-US" sz="1600" dirty="0">
+                <a:latin typeface="Monaco"/>
+                <a:cs typeface="Monaco"/>
+              </a:rPr>
+              <a:t>		</a:t>
+            </a:r>
+            <a:r>
+              <a:rPr lang="en-US" sz="1600" dirty="0" smtClean="0">
+                <a:latin typeface="Monaco"/>
+                <a:cs typeface="Monaco"/>
+              </a:rPr>
+              <a:t>letter_grades.append("B")</a:t>
+            </a:r>
+          </a:p>
+          <a:p>
+            <a:r>
+              <a:rPr lang="en-US" sz="1600" dirty="0">
+                <a:latin typeface="Monaco"/>
+                <a:cs typeface="Monaco"/>
+              </a:rPr>
+              <a:t>	</a:t>
+            </a:r>
+            <a:r>
+              <a:rPr lang="en-US" sz="1600" dirty="0" smtClean="0">
+                <a:latin typeface="Monaco"/>
+                <a:cs typeface="Monaco"/>
+              </a:rPr>
+              <a:t>elif grade &gt;= 70:</a:t>
+            </a:r>
+          </a:p>
+          <a:p>
+            <a:r>
+              <a:rPr lang="en-US" sz="1600" dirty="0">
+                <a:latin typeface="Monaco"/>
+                <a:cs typeface="Monaco"/>
+              </a:rPr>
+              <a:t>		</a:t>
+            </a:r>
+            <a:r>
+              <a:rPr lang="en-US" sz="1600" dirty="0" smtClean="0">
+                <a:latin typeface="Monaco"/>
+                <a:cs typeface="Monaco"/>
+              </a:rPr>
+              <a:t>letter_grades.append("C")</a:t>
+            </a:r>
+          </a:p>
+          <a:p>
+            <a:r>
+              <a:rPr lang="en-US" sz="1600" dirty="0">
+                <a:latin typeface="Monaco"/>
+                <a:cs typeface="Monaco"/>
+              </a:rPr>
+              <a:t>	</a:t>
+            </a:r>
+            <a:r>
+              <a:rPr lang="en-US" sz="1600" dirty="0" smtClean="0">
+                <a:latin typeface="Monaco"/>
+                <a:cs typeface="Monaco"/>
+              </a:rPr>
+              <a:t>elif grade &gt;= 60:</a:t>
+            </a:r>
+          </a:p>
+          <a:p>
+            <a:r>
+              <a:rPr lang="en-US" sz="1600" dirty="0">
+                <a:latin typeface="Monaco"/>
+                <a:cs typeface="Monaco"/>
+              </a:rPr>
+              <a:t>		</a:t>
+            </a:r>
+            <a:r>
+              <a:rPr lang="en-US" sz="1600" dirty="0" smtClean="0">
+                <a:latin typeface="Monaco"/>
+                <a:cs typeface="Monaco"/>
+              </a:rPr>
+              <a:t>letter_grades.append("D")</a:t>
+            </a:r>
+          </a:p>
+          <a:p>
+            <a:r>
+              <a:rPr lang="en-US" sz="1600" dirty="0">
+                <a:latin typeface="Monaco"/>
+                <a:cs typeface="Monaco"/>
+              </a:rPr>
+              <a:t>	</a:t>
+            </a:r>
+            <a:r>
+              <a:rPr lang="en-US" sz="1600" dirty="0" smtClean="0">
+                <a:latin typeface="Monaco"/>
+                <a:cs typeface="Monaco"/>
+              </a:rPr>
+              <a:t>else:</a:t>
+            </a:r>
+          </a:p>
+          <a:p>
+            <a:r>
+              <a:rPr lang="en-US" sz="1600" dirty="0">
+                <a:latin typeface="Monaco"/>
+                <a:cs typeface="Monaco"/>
+              </a:rPr>
+              <a:t>		</a:t>
+            </a:r>
+            <a:r>
+              <a:rPr lang="en-US" sz="1600" dirty="0" smtClean="0">
+                <a:latin typeface="Monaco"/>
+                <a:cs typeface="Monaco"/>
+              </a:rPr>
+              <a:t>letter_grades.append("F")</a:t>
+            </a:r>
+          </a:p>
+          <a:p>
+            <a:endParaRPr lang="en-US" sz="1600" dirty="0" smtClean="0">
+              <a:latin typeface="Monaco"/>
+              <a:cs typeface="Monaco"/>
+            </a:endParaRPr>
+          </a:p>
+          <a:p>
+            <a:r>
+              <a:rPr lang="en-US" sz="1600" dirty="0" smtClean="0">
+                <a:latin typeface="Monaco"/>
+                <a:cs typeface="Monaco"/>
+              </a:rPr>
+              <a:t>print letter_grades</a:t>
+            </a:r>
+          </a:p>
+          <a:p>
+            <a:r>
+              <a:rPr lang="en-US" sz="1600" dirty="0">
+                <a:solidFill>
+                  <a:schemeClr val="bg1">
+                    <a:lumMod val="65000"/>
+                  </a:schemeClr>
+                </a:solidFill>
+                <a:latin typeface="Monaco"/>
+                <a:cs typeface="Monaco"/>
+              </a:rPr>
+              <a:t>	</a:t>
+            </a:r>
+            <a:r>
+              <a:rPr lang="fr-FR" sz="1600" dirty="0">
+                <a:solidFill>
+                  <a:schemeClr val="bg1">
+                    <a:lumMod val="65000"/>
+                  </a:schemeClr>
+                </a:solidFill>
+                <a:latin typeface="Monaco"/>
+                <a:cs typeface="Monaco"/>
+              </a:rPr>
+              <a:t>['B', 'C', 'C', 'B', 'F', 'C', 'D']</a:t>
+            </a:r>
+            <a:endParaRPr lang="en-US" sz="1600" dirty="0" smtClean="0">
+              <a:solidFill>
+                <a:schemeClr val="bg1">
+                  <a:lumMod val="65000"/>
+                </a:schemeClr>
+              </a:solidFill>
+              <a:latin typeface="Monaco"/>
+              <a:cs typeface="Monaco"/>
+            </a:endParaRPr>
+          </a:p>
+          <a:p>
+            <a:r>
+              <a:rPr lang="en-US" sz="1600" dirty="0">
+                <a:latin typeface="Monaco"/>
+                <a:cs typeface="Monaco"/>
+              </a:rPr>
+              <a:t>	</a:t>
+            </a:r>
+            <a:endParaRPr lang="en-US" sz="1600" dirty="0" smtClean="0">
+              <a:latin typeface="Monaco"/>
+              <a:cs typeface="Monaco"/>
+            </a:endParaRPr>
+          </a:p>
+          <a:p>
+            <a:r>
+              <a:rPr lang="en-US" sz="1600" dirty="0" smtClean="0">
+                <a:latin typeface="Monaco"/>
+                <a:cs typeface="Monaco"/>
+              </a:rPr>
+              <a:t>	</a:t>
+            </a:r>
+          </a:p>
+          <a:p>
+            <a:r>
+              <a:rPr lang="en-US" sz="1600" dirty="0">
+                <a:latin typeface="Monaco"/>
+                <a:cs typeface="Monaco"/>
+              </a:rPr>
+              <a:t>	</a:t>
+            </a:r>
+            <a:endParaRPr lang="en-US" sz="1600" dirty="0" smtClean="0">
+              <a:latin typeface="Monaco"/>
+              <a:cs typeface="Monaco"/>
+            </a:endParaRPr>
+          </a:p>
+        </p:txBody>
+      </p:sp>
+    </p:spTree>
+    <p:extLst>
+      <p:ext uri="{BB962C8B-B14F-4D97-AF65-F5344CB8AC3E}">
+        <p14:creationId xmlns:p14="http://schemas.microsoft.com/office/powerpoint/2010/main" val="246246496"/>
+      </p:ext>
+    </p:extLst>
+  </p:cSld>
+  <p:clrMapOvr>
+    <a:masterClrMapping/>
+  </p:clrMapOvr>
+</p:sld>
+</file>
+
+<file path=ppt/slides/slide47.xml><?xml version="1.0" encoding="utf-8"?>
+<p:sld xmlns:a="http://schemas.openxmlformats.org/drawingml/2006/main" xmlns:r="http://schemas.openxmlformats.org/officeDocument/2006/relationships" xmlns:p="http://schemas.openxmlformats.org/presentationml/2006/main">
+  <p:cSld>
+    <p:spTree>
+      <p:nvGrpSpPr>
+        <p:cNvPr id="1" name=""/>
+        <p:cNvGrpSpPr/>
+        <p:nvPr/>
+      </p:nvGrpSpPr>
+      <p:grpSpPr>
+        <a:xfrm>
+          <a:off x="0" y="0"/>
+          <a:ext cx="0" cy="0"/>
+          <a:chOff x="0" y="0"/>
+          <a:chExt cx="0" cy="0"/>
+        </a:xfrm>
+      </p:grpSpPr>
+      <p:sp>
+        <p:nvSpPr>
+          <p:cNvPr id="2" name="Title 1"/>
+          <p:cNvSpPr>
+            <a:spLocks noGrp="1"/>
+          </p:cNvSpPr>
+          <p:nvPr>
+            <p:ph type="title"/>
+          </p:nvPr>
+        </p:nvSpPr>
+        <p:spPr>
+          <a:xfrm>
+            <a:off x="2230714" y="3087537"/>
+            <a:ext cx="4688183" cy="692215"/>
+          </a:xfrm>
+        </p:spPr>
+        <p:txBody>
+          <a:bodyPr/>
+          <a:lstStyle/>
+          <a:p>
+            <a:r>
+              <a:rPr lang="en-US" dirty="0" smtClean="0"/>
+              <a:t>exercise break</a:t>
+            </a:r>
+            <a:endParaRPr lang="en-US" dirty="0"/>
+          </a:p>
+        </p:txBody>
+      </p:sp>
+    </p:spTree>
+    <p:extLst>
+      <p:ext uri="{BB962C8B-B14F-4D97-AF65-F5344CB8AC3E}">
+        <p14:creationId xmlns:p14="http://schemas.microsoft.com/office/powerpoint/2010/main" val="4207585177"/>
+      </p:ext>
+    </p:extLst>
+  </p:cSld>
+  <p:clrMapOvr>
+    <a:masterClrMapping/>
+  </p:clrMapOvr>
+</p:sld>
+</file>
+
+<file path=ppt/slides/slide48.xml><?xml version="1.0" encoding="utf-8"?>
+<p:sld xmlns:a="http://schemas.openxmlformats.org/drawingml/2006/main" xmlns:r="http://schemas.openxmlformats.org/officeDocument/2006/relationships" xmlns:p="http://schemas.openxmlformats.org/presentationml/2006/main">
+  <p:cSld>
+    <p:spTree>
+      <p:nvGrpSpPr>
+        <p:cNvPr id="1" name=""/>
+        <p:cNvGrpSpPr/>
+        <p:nvPr/>
+      </p:nvGrpSpPr>
+      <p:grpSpPr>
+        <a:xfrm>
+          <a:off x="0" y="0"/>
+          <a:ext cx="0" cy="0"/>
+          <a:chOff x="0" y="0"/>
+          <a:chExt cx="0" cy="0"/>
+        </a:xfrm>
+      </p:grpSpPr>
+      <p:sp>
+        <p:nvSpPr>
+          <p:cNvPr id="2" name="Title 1"/>
+          <p:cNvSpPr>
+            <a:spLocks noGrp="1"/>
+          </p:cNvSpPr>
+          <p:nvPr>
+            <p:ph type="title"/>
+          </p:nvPr>
+        </p:nvSpPr>
+        <p:spPr/>
+        <p:txBody>
+          <a:bodyPr/>
+          <a:lstStyle/>
+          <a:p>
+            <a:r>
+              <a:rPr lang="en-US" dirty="0" smtClean="0"/>
+              <a:t>controlling the loops even more</a:t>
+            </a:r>
+            <a:endParaRPr lang="en-US" dirty="0"/>
+          </a:p>
+        </p:txBody>
+      </p:sp>
+      <p:sp>
+        <p:nvSpPr>
+          <p:cNvPr id="3" name="Content Placeholder 2"/>
+          <p:cNvSpPr>
+            <a:spLocks noGrp="1"/>
+          </p:cNvSpPr>
+          <p:nvPr>
+            <p:ph idx="1"/>
+          </p:nvPr>
+        </p:nvSpPr>
+        <p:spPr/>
+        <p:txBody>
+          <a:bodyPr/>
+          <a:lstStyle/>
+          <a:p>
+            <a:pPr marL="457200" indent="-457200">
+              <a:buFont typeface="Arial"/>
+              <a:buChar char="•"/>
+            </a:pPr>
+            <a:r>
+              <a:rPr lang="en-US" dirty="0" smtClean="0"/>
+              <a:t>Two statements change loop flow:</a:t>
+            </a:r>
+          </a:p>
+          <a:p>
+            <a:pPr marL="914400" lvl="1" indent="-457200">
+              <a:buFont typeface="Arial"/>
+              <a:buChar char="•"/>
+            </a:pPr>
+            <a:r>
+              <a:rPr lang="en-US" dirty="0" smtClean="0">
+                <a:latin typeface="Monaco"/>
+                <a:cs typeface="Monaco"/>
+              </a:rPr>
+              <a:t>continue </a:t>
+            </a:r>
+          </a:p>
+          <a:p>
+            <a:pPr marL="1600200" lvl="2" indent="-457200">
+              <a:buFont typeface="Arial"/>
+              <a:buChar char="•"/>
+            </a:pPr>
+            <a:r>
+              <a:rPr lang="en-US" dirty="0" smtClean="0"/>
+              <a:t>immediately start </a:t>
+            </a:r>
+            <a:r>
+              <a:rPr lang="en-US" dirty="0"/>
+              <a:t>the next </a:t>
+            </a:r>
+            <a:r>
+              <a:rPr lang="en-US" dirty="0" smtClean="0"/>
+              <a:t>iteration and skip </a:t>
+            </a:r>
+            <a:r>
+              <a:rPr lang="en-US" dirty="0"/>
+              <a:t>remaining loop </a:t>
+            </a:r>
+            <a:r>
+              <a:rPr lang="en-US" dirty="0" smtClean="0"/>
+              <a:t>statements</a:t>
+            </a:r>
+            <a:endParaRPr lang="en-US" dirty="0" smtClean="0">
+              <a:latin typeface="Monaco"/>
+              <a:cs typeface="Monaco"/>
+            </a:endParaRPr>
+          </a:p>
+          <a:p>
+            <a:pPr marL="914400" lvl="1" indent="-457200">
+              <a:buFont typeface="Arial"/>
+              <a:buChar char="•"/>
+            </a:pPr>
+            <a:r>
+              <a:rPr lang="en-US" dirty="0" smtClean="0">
+                <a:latin typeface="Monaco"/>
+                <a:cs typeface="Monaco"/>
+              </a:rPr>
+              <a:t>break</a:t>
+            </a:r>
+          </a:p>
+          <a:p>
+            <a:pPr marL="1600200" lvl="2" indent="-457200">
+              <a:buFont typeface="Arial"/>
+              <a:buChar char="•"/>
+            </a:pPr>
+            <a:r>
+              <a:rPr lang="en-US" dirty="0" smtClean="0">
+                <a:latin typeface="Arial"/>
+                <a:cs typeface="Arial"/>
+              </a:rPr>
+              <a:t>immediately exit out of loop entirely</a:t>
+            </a:r>
+            <a:endParaRPr lang="en-US" dirty="0">
+              <a:latin typeface="Arial"/>
+              <a:cs typeface="Arial"/>
+            </a:endParaRPr>
+          </a:p>
+        </p:txBody>
+      </p:sp>
+    </p:spTree>
+    <p:extLst>
+      <p:ext uri="{BB962C8B-B14F-4D97-AF65-F5344CB8AC3E}">
+        <p14:creationId xmlns:p14="http://schemas.microsoft.com/office/powerpoint/2010/main" val="2862105171"/>
+      </p:ext>
+    </p:extLst>
+  </p:cSld>
+  <p:clrMapOvr>
+    <a:masterClrMapping/>
+  </p:clrMapOvr>
+</p:sld>
+</file>
+
+<file path=ppt/slides/slide49.xml><?xml version="1.0" encoding="utf-8"?>
+<p:sld xmlns:a="http://schemas.openxmlformats.org/drawingml/2006/main" xmlns:r="http://schemas.openxmlformats.org/officeDocument/2006/relationships" xmlns:p="http://schemas.openxmlformats.org/presentationml/2006/main">
+  <p:cSld>
+    <p:spTree>
+      <p:nvGrpSpPr>
+        <p:cNvPr id="1" name=""/>
+        <p:cNvGrpSpPr/>
+        <p:nvPr/>
+      </p:nvGrpSpPr>
+      <p:grpSpPr>
+        <a:xfrm>
+          <a:off x="0" y="0"/>
+          <a:ext cx="0" cy="0"/>
+          <a:chOff x="0" y="0"/>
+          <a:chExt cx="0" cy="0"/>
+        </a:xfrm>
+      </p:grpSpPr>
+      <p:sp>
+        <p:nvSpPr>
+          <p:cNvPr id="2" name="Title 1"/>
+          <p:cNvSpPr>
+            <a:spLocks noGrp="1"/>
+          </p:cNvSpPr>
+          <p:nvPr>
+            <p:ph type="title"/>
+          </p:nvPr>
+        </p:nvSpPr>
+        <p:spPr/>
+        <p:txBody>
+          <a:bodyPr/>
+          <a:lstStyle/>
+          <a:p>
+            <a:r>
+              <a:rPr lang="en-US" dirty="0" smtClean="0"/>
               <a:t>the continue statement</a:t>
             </a:r>
             <a:br>
@@ -15913,15 +16491,6 @@
               </a:rPr>
               <a:t>loop iteration count: 6</a:t>
             </a:r>
-            <a:endParaRPr lang="en-US" dirty="0">
-              <a:solidFill>
-                <a:schemeClr val="bg1">
-                  <a:lumMod val="65000"/>
-                </a:schemeClr>
-              </a:solidFill>
-              <a:latin typeface="Monaco"/>
-              <a:cs typeface="Monaco"/>
-            </a:endParaRPr>
           </a:p>
         </p:txBody>
       </p:sp>
@@ -15976,7 +16545,249 @@
 </p:sld>
 </file>
 
-<file path=ppt/slides/slide47.xml><?xml version="1.0" encoding="utf-8"?>
+<file path=ppt/slides/slide5.xml><?xml version="1.0" encoding="utf-8"?>
+<p:sld xmlns:a="http://schemas.openxmlformats.org/drawingml/2006/main" xmlns:r="http://schemas.openxmlformats.org/officeDocument/2006/relationships" xmlns:p="http://schemas.openxmlformats.org/presentationml/2006/main">
+  <p:cSld>
+    <p:spTree>
+      <p:nvGrpSpPr>
+        <p:cNvPr id="1" name=""/>
+        <p:cNvGrpSpPr/>
+        <p:nvPr/>
+      </p:nvGrpSpPr>
+      <p:grpSpPr>
+        <a:xfrm>
+          <a:off x="0" y="0"/>
+          <a:ext cx="0" cy="0"/>
+          <a:chOff x="0" y="0"/>
+          <a:chExt cx="0" cy="0"/>
+        </a:xfrm>
+      </p:grpSpPr>
+      <p:sp>
+        <p:nvSpPr>
+          <p:cNvPr id="2" name="Title 1"/>
+          <p:cNvSpPr>
+            <a:spLocks noGrp="1"/>
+          </p:cNvSpPr>
+          <p:nvPr>
+            <p:ph type="title"/>
+          </p:nvPr>
+        </p:nvSpPr>
+        <p:spPr/>
+        <p:txBody>
+          <a:bodyPr/>
+          <a:lstStyle/>
+          <a:p>
+            <a:r>
+              <a:rPr lang="en-US" dirty="0" smtClean="0"/>
+              <a:t>dictionary Keys must be unique</a:t>
+            </a:r>
+            <a:endParaRPr lang="en-US" dirty="0"/>
+          </a:p>
+        </p:txBody>
+      </p:sp>
+      <p:sp>
+        <p:nvSpPr>
+          <p:cNvPr id="3" name="Content Placeholder 2"/>
+          <p:cNvSpPr>
+            <a:spLocks noGrp="1"/>
+          </p:cNvSpPr>
+          <p:nvPr>
+            <p:ph idx="1"/>
+          </p:nvPr>
+        </p:nvSpPr>
+        <p:spPr/>
+        <p:txBody>
+          <a:bodyPr/>
+          <a:lstStyle/>
+          <a:p>
+            <a:pPr marL="457200" indent="-457200">
+              <a:buFont typeface="Arial"/>
+              <a:buChar char="•"/>
+            </a:pPr>
+            <a:r>
+              <a:rPr lang="en-US" dirty="0"/>
+              <a:t>Keys must be unique, but values may be repeated:</a:t>
+            </a:r>
+          </a:p>
+          <a:p>
+            <a:pPr marL="457200" indent="-457200">
+              <a:buFont typeface="Arial"/>
+              <a:buChar char="•"/>
+            </a:pPr>
+            <a:endParaRPr lang="en-US" dirty="0" smtClean="0"/>
+          </a:p>
+          <a:p>
+            <a:pPr marL="457200" indent="-457200">
+              <a:buFont typeface="Arial"/>
+              <a:buChar char="•"/>
+            </a:pPr>
+            <a:endParaRPr lang="en-US" dirty="0"/>
+          </a:p>
+          <a:p>
+            <a:pPr marL="457200" indent="-457200">
+              <a:buFont typeface="Arial"/>
+              <a:buChar char="•"/>
+            </a:pPr>
+            <a:r>
+              <a:rPr lang="en-US" dirty="0"/>
+              <a:t>Adding an existing key will </a:t>
+            </a:r>
+            <a:r>
+              <a:rPr lang="en-US" i="1" dirty="0"/>
+              <a:t>overwrite </a:t>
+            </a:r>
+            <a:r>
+              <a:rPr lang="en-US" dirty="0"/>
+              <a:t>the original:</a:t>
+            </a:r>
+          </a:p>
+          <a:p>
+            <a:endParaRPr lang="en-US" dirty="0"/>
+          </a:p>
+        </p:txBody>
+      </p:sp>
+      <p:sp>
+        <p:nvSpPr>
+          <p:cNvPr id="4" name="TextBox 3"/>
+          <p:cNvSpPr txBox="1"/>
+          <p:nvPr/>
+        </p:nvSpPr>
+        <p:spPr>
+          <a:xfrm>
+            <a:off x="1515498" y="2802628"/>
+            <a:ext cx="6033703" cy="369332"/>
+          </a:xfrm>
+          <a:prstGeom prst="rect">
+            <a:avLst/>
+          </a:prstGeom>
+          <a:noFill/>
+        </p:spPr>
+        <p:txBody>
+          <a:bodyPr wrap="square" rtlCol="0">
+            <a:spAutoFit/>
+          </a:bodyPr>
+          <a:lstStyle/>
+          <a:p>
+            <a:r>
+              <a:rPr lang="en-US" dirty="0" smtClean="0">
+                <a:latin typeface="Monaco"/>
+                <a:cs typeface="Monaco"/>
+              </a:rPr>
+              <a:t>acceptable_dict = {"a": 5, "b": 3, "c": 5}</a:t>
+            </a:r>
+          </a:p>
+        </p:txBody>
+      </p:sp>
+      <p:sp>
+        <p:nvSpPr>
+          <p:cNvPr id="5" name="TextBox 4"/>
+          <p:cNvSpPr txBox="1"/>
+          <p:nvPr/>
+        </p:nvSpPr>
+        <p:spPr>
+          <a:xfrm>
+            <a:off x="1515498" y="5177830"/>
+            <a:ext cx="6033703" cy="1200329"/>
+          </a:xfrm>
+          <a:prstGeom prst="rect">
+            <a:avLst/>
+          </a:prstGeom>
+          <a:noFill/>
+        </p:spPr>
+        <p:txBody>
+          <a:bodyPr wrap="square" rtlCol="0">
+            <a:spAutoFit/>
+          </a:bodyPr>
+          <a:lstStyle/>
+          <a:p>
+            <a:r>
+              <a:rPr lang="en-US" dirty="0" smtClean="0">
+                <a:latin typeface="Monaco"/>
+                <a:cs typeface="Monaco"/>
+              </a:rPr>
+              <a:t>acceptable_dict["a"] = 7</a:t>
+            </a:r>
+          </a:p>
+          <a:p>
+            <a:r>
+              <a:rPr lang="en-US" dirty="0" smtClean="0">
+                <a:latin typeface="Monaco"/>
+                <a:cs typeface="Monaco"/>
+              </a:rPr>
+              <a:t>print acceptable_dict</a:t>
+            </a:r>
+          </a:p>
+          <a:p>
+            <a:r>
+              <a:rPr lang="en-US" dirty="0">
+                <a:solidFill>
+                  <a:srgbClr val="A6A6A6"/>
+                </a:solidFill>
+                <a:latin typeface="Monaco"/>
+                <a:cs typeface="Monaco"/>
+              </a:rPr>
+              <a:t>	{"a": </a:t>
+            </a:r>
+            <a:r>
+              <a:rPr lang="en-US" dirty="0" smtClean="0">
+                <a:solidFill>
+                  <a:srgbClr val="A6A6A6"/>
+                </a:solidFill>
+                <a:latin typeface="Monaco"/>
+                <a:cs typeface="Monaco"/>
+              </a:rPr>
+              <a:t>7, "</a:t>
+            </a:r>
+            <a:r>
+              <a:rPr lang="en-US" dirty="0">
+                <a:solidFill>
+                  <a:srgbClr val="A6A6A6"/>
+                </a:solidFill>
+                <a:latin typeface="Monaco"/>
+                <a:cs typeface="Monaco"/>
+              </a:rPr>
+              <a:t>c": </a:t>
+            </a:r>
+            <a:r>
+              <a:rPr lang="en-US" dirty="0" smtClean="0">
+                <a:solidFill>
+                  <a:srgbClr val="A6A6A6"/>
+                </a:solidFill>
+                <a:latin typeface="Monaco"/>
+                <a:cs typeface="Monaco"/>
+              </a:rPr>
+              <a:t>5, "b": 3}</a:t>
+            </a:r>
+            <a:endParaRPr lang="en-US" dirty="0">
+              <a:solidFill>
+                <a:srgbClr val="A6A6A6"/>
+              </a:solidFill>
+              <a:latin typeface="Monaco"/>
+              <a:cs typeface="Monaco"/>
+            </a:endParaRPr>
+          </a:p>
+          <a:p>
+            <a:endParaRPr lang="en-US" dirty="0" smtClean="0">
+              <a:latin typeface="Monaco"/>
+              <a:cs typeface="Monaco"/>
+            </a:endParaRPr>
+          </a:p>
+        </p:txBody>
+      </p:sp>
+    </p:spTree>
+    <p:extLst>
+      <p:ext uri="{BB962C8B-B14F-4D97-AF65-F5344CB8AC3E}">
+        <p14:creationId xmlns:p14="http://schemas.microsoft.com/office/powerpoint/2010/main" val="3149704189"/>
+      </p:ext>
+    </p:extLst>
+  </p:cSld>
+  <p:clrMapOvr>
+    <a:masterClrMapping/>
+  </p:clrMapOvr>
+</p:sld>
+</file>
+
+<file path=ppt/slides/slide50.xml><?xml version="1.0" encoding="utf-8"?>
 <p:sld xmlns:a="http://schemas.openxmlformats.org/drawingml/2006/main" xmlns:r="http://schemas.openxmlformats.org/officeDocument/2006/relationships" xmlns:p="http://schemas.openxmlformats.org/presentationml/2006/main">
   <p:cSld>
     <p:spTree>
@@ -16502,7 +17313,7 @@
 </p:sld>
 </file>
 
-<file path=ppt/slides/slide48.xml><?xml version="1.0" encoding="utf-8"?>
+<file path=ppt/slides/slide51.xml><?xml version="1.0" encoding="utf-8"?>
 <p:sld xmlns:a="http://schemas.openxmlformats.org/drawingml/2006/main" xmlns:r="http://schemas.openxmlformats.org/officeDocument/2006/relationships" xmlns:p="http://schemas.openxmlformats.org/presentationml/2006/main">
   <p:cSld>
     <p:spTree>
@@ -16547,217 +17358,484 @@
       </p:sp>
       <p:sp>
         <p:nvSpPr>
-          <p:cNvPr id="3" name="Content Placeholder 2"/>
-          <p:cNvSpPr>
-            <a:spLocks noGrp="1"/>
-          </p:cNvSpPr>
-          <p:nvPr>
-            <p:ph idx="1"/>
-          </p:nvPr>
-        </p:nvSpPr>
-        <p:spPr/>
-        <p:txBody>
-          <a:bodyPr/>
-          <a:lstStyle/>
-          <a:p>
-            <a:r>
-              <a:rPr lang="en-US" dirty="0" smtClean="0"/>
-              <a:t>NB: These commands are </a:t>
-            </a:r>
-            <a:r>
-              <a:rPr lang="en-US" smtClean="0"/>
-              <a:t>basically required for </a:t>
-            </a:r>
-            <a:r>
-              <a:rPr lang="en-US" dirty="0" smtClean="0"/>
-              <a:t>while-loops!</a:t>
-            </a:r>
-            <a:endParaRPr lang="en-US" dirty="0"/>
-          </a:p>
-        </p:txBody>
-      </p:sp>
-    </p:spTree>
-    <p:extLst>
-      <p:ext uri="{BB962C8B-B14F-4D97-AF65-F5344CB8AC3E}">
-        <p14:creationId xmlns:p14="http://schemas.microsoft.com/office/powerpoint/2010/main" val="2852896316"/>
-      </p:ext>
-    </p:extLst>
-  </p:cSld>
-  <p:clrMapOvr>
-    <a:masterClrMapping/>
-  </p:clrMapOvr>
-</p:sld>
-</file>
-
-<file path=ppt/slides/slide49.xml><?xml version="1.0" encoding="utf-8"?>
-<p:sld xmlns:a="http://schemas.openxmlformats.org/drawingml/2006/main" xmlns:r="http://schemas.openxmlformats.org/officeDocument/2006/relationships" xmlns:p="http://schemas.openxmlformats.org/presentationml/2006/main">
-  <p:cSld>
-    <p:spTree>
-      <p:nvGrpSpPr>
-        <p:cNvPr id="1" name=""/>
-        <p:cNvGrpSpPr/>
-        <p:nvPr/>
-      </p:nvGrpSpPr>
-      <p:grpSpPr>
-        <a:xfrm>
-          <a:off x="0" y="0"/>
-          <a:ext cx="0" cy="0"/>
-          <a:chOff x="0" y="0"/>
-          <a:chExt cx="0" cy="0"/>
-        </a:xfrm>
-      </p:grpSpPr>
-      <p:sp>
-        <p:nvSpPr>
-          <p:cNvPr id="2" name="Title 1"/>
-          <p:cNvSpPr>
-            <a:spLocks noGrp="1"/>
-          </p:cNvSpPr>
-          <p:nvPr>
-            <p:ph type="title"/>
-          </p:nvPr>
+          <p:cNvPr id="4" name="Rectangle 3"/>
+          <p:cNvSpPr/>
+          <p:nvPr/>
         </p:nvSpPr>
         <p:spPr>
           <a:xfrm>
-            <a:off x="2230714" y="3087537"/>
-            <a:ext cx="4688183" cy="692215"/>
+            <a:off x="156004" y="1166508"/>
+            <a:ext cx="8987996" cy="5355313"/>
           </a:xfrm>
+          <a:prstGeom prst="rect">
+            <a:avLst/>
+          </a:prstGeom>
         </p:spPr>
         <p:txBody>
-          <a:bodyPr/>
+          <a:bodyPr wrap="square">
+            <a:spAutoFit/>
+          </a:bodyPr>
           <a:lstStyle/>
           <a:p>
             <a:r>
-              <a:rPr lang="en-US" dirty="0" smtClean="0"/>
-              <a:t>exercise break</a:t>
-            </a:r>
-            <a:endParaRPr lang="en-US" dirty="0"/>
-          </a:p>
-        </p:txBody>
-      </p:sp>
-    </p:spTree>
-    <p:extLst>
-      <p:ext uri="{BB962C8B-B14F-4D97-AF65-F5344CB8AC3E}">
-        <p14:creationId xmlns:p14="http://schemas.microsoft.com/office/powerpoint/2010/main" val="1517537083"/>
-      </p:ext>
-    </p:extLst>
-  </p:cSld>
-  <p:clrMapOvr>
-    <a:masterClrMapping/>
-  </p:clrMapOvr>
-</p:sld>
-</file>
-
-<file path=ppt/slides/slide5.xml><?xml version="1.0" encoding="utf-8"?>
-<p:sld xmlns:a="http://schemas.openxmlformats.org/drawingml/2006/main" xmlns:r="http://schemas.openxmlformats.org/officeDocument/2006/relationships" xmlns:p="http://schemas.openxmlformats.org/presentationml/2006/main">
-  <p:cSld>
-    <p:spTree>
-      <p:nvGrpSpPr>
-        <p:cNvPr id="1" name=""/>
-        <p:cNvGrpSpPr/>
-        <p:nvPr/>
-      </p:nvGrpSpPr>
-      <p:grpSpPr>
-        <a:xfrm>
-          <a:off x="0" y="0"/>
-          <a:ext cx="0" cy="0"/>
-          <a:chOff x="0" y="0"/>
-          <a:chExt cx="0" cy="0"/>
-        </a:xfrm>
-      </p:grpSpPr>
-      <p:sp>
-        <p:nvSpPr>
-          <p:cNvPr id="2" name="Title 1"/>
-          <p:cNvSpPr>
-            <a:spLocks noGrp="1"/>
-          </p:cNvSpPr>
-          <p:nvPr>
-            <p:ph type="title"/>
-          </p:nvPr>
-        </p:nvSpPr>
-        <p:spPr/>
-        <p:txBody>
-          <a:bodyPr/>
-          <a:lstStyle/>
-          <a:p>
-            <a:r>
-              <a:rPr lang="en-US" dirty="0" smtClean="0"/>
-              <a:t>dictionary Keys must be unique</a:t>
-            </a:r>
-            <a:endParaRPr lang="en-US" dirty="0"/>
-          </a:p>
-        </p:txBody>
-      </p:sp>
-      <p:sp>
-        <p:nvSpPr>
-          <p:cNvPr id="3" name="Content Placeholder 2"/>
-          <p:cNvSpPr>
-            <a:spLocks noGrp="1"/>
-          </p:cNvSpPr>
-          <p:nvPr>
-            <p:ph idx="1"/>
-          </p:nvPr>
-        </p:nvSpPr>
-        <p:spPr/>
-        <p:txBody>
-          <a:bodyPr/>
-          <a:lstStyle/>
-          <a:p>
-            <a:pPr marL="457200" indent="-457200">
-              <a:buFont typeface="Arial"/>
-              <a:buChar char="•"/>
-            </a:pPr>
-            <a:r>
-              <a:rPr lang="en-US" dirty="0"/>
-              <a:t>Keys must be unique, but values may be repeated:</a:t>
-            </a:r>
-          </a:p>
-          <a:p>
-            <a:pPr marL="457200" indent="-457200">
-              <a:buFont typeface="Arial"/>
-              <a:buChar char="•"/>
-            </a:pPr>
-            <a:endParaRPr lang="en-US" dirty="0" smtClean="0"/>
-          </a:p>
-          <a:p>
-            <a:pPr marL="457200" indent="-457200">
-              <a:buFont typeface="Arial"/>
-              <a:buChar char="•"/>
-            </a:pPr>
-            <a:endParaRPr lang="en-US" dirty="0"/>
-          </a:p>
-          <a:p>
-            <a:pPr marL="457200" indent="-457200">
-              <a:buFont typeface="Arial"/>
-              <a:buChar char="•"/>
-            </a:pPr>
-            <a:r>
-              <a:rPr lang="en-US" dirty="0"/>
-              <a:t>Adding an existing key will </a:t>
-            </a:r>
-            <a:r>
-              <a:rPr lang="en-US" i="1" dirty="0"/>
-              <a:t>overwrite </a:t>
-            </a:r>
-            <a:r>
-              <a:rPr lang="en-US" dirty="0"/>
-              <a:t>the original:</a:t>
-            </a:r>
-          </a:p>
-          <a:p>
-            <a:endParaRPr lang="en-US" dirty="0"/>
-          </a:p>
-        </p:txBody>
-      </p:sp>
-      <p:sp>
-        <p:nvSpPr>
-          <p:cNvPr id="4" name="TextBox 3"/>
+              <a:rPr lang="en-US" dirty="0" smtClean="0">
+                <a:latin typeface="Monaco"/>
+                <a:cs typeface="Monaco"/>
+              </a:rPr>
+              <a:t>codons </a:t>
+            </a:r>
+            <a:r>
+              <a:rPr lang="en-US" dirty="0">
+                <a:latin typeface="Monaco"/>
+                <a:cs typeface="Monaco"/>
+              </a:rPr>
+              <a:t>= ["</a:t>
+            </a:r>
+            <a:r>
+              <a:rPr lang="en-US" dirty="0" smtClean="0">
+                <a:latin typeface="Monaco"/>
+                <a:cs typeface="Monaco"/>
+              </a:rPr>
+              <a:t>ATT"</a:t>
+            </a:r>
+            <a:r>
+              <a:rPr lang="en-US" dirty="0">
+                <a:latin typeface="Monaco"/>
+                <a:cs typeface="Monaco"/>
+              </a:rPr>
+              <a:t>, "</a:t>
+            </a:r>
+            <a:r>
+              <a:rPr lang="en-US" dirty="0" smtClean="0">
+                <a:latin typeface="Monaco"/>
+                <a:cs typeface="Monaco"/>
+              </a:rPr>
+              <a:t>GAT"</a:t>
+            </a:r>
+            <a:r>
+              <a:rPr lang="en-US" dirty="0">
+                <a:latin typeface="Monaco"/>
+                <a:cs typeface="Monaco"/>
+              </a:rPr>
+              <a:t>, "</a:t>
+            </a:r>
+            <a:r>
+              <a:rPr lang="en-US" dirty="0" smtClean="0">
+                <a:latin typeface="Monaco"/>
+                <a:cs typeface="Monaco"/>
+              </a:rPr>
+              <a:t>NNA", </a:t>
+            </a:r>
+            <a:r>
+              <a:rPr lang="en-US" dirty="0">
+                <a:latin typeface="Monaco"/>
+                <a:cs typeface="Monaco"/>
+              </a:rPr>
+              <a:t>"</a:t>
+            </a:r>
+            <a:r>
+              <a:rPr lang="en-US" dirty="0" smtClean="0">
+                <a:latin typeface="Monaco"/>
+                <a:cs typeface="Monaco"/>
+              </a:rPr>
+              <a:t>ANG"</a:t>
+            </a:r>
+            <a:r>
+              <a:rPr lang="en-US" dirty="0">
+                <a:latin typeface="Monaco"/>
+                <a:cs typeface="Monaco"/>
+              </a:rPr>
+              <a:t>, </a:t>
+            </a:r>
+            <a:r>
+              <a:rPr lang="en-US" dirty="0" smtClean="0">
+                <a:latin typeface="Monaco"/>
+                <a:cs typeface="Monaco"/>
+              </a:rPr>
+              <a:t>"NTT", "ATG"]</a:t>
+            </a:r>
+            <a:endParaRPr lang="en-US" dirty="0">
+              <a:latin typeface="Monaco"/>
+              <a:cs typeface="Monaco"/>
+            </a:endParaRPr>
+          </a:p>
+          <a:p>
+            <a:endParaRPr lang="en-US" dirty="0" smtClean="0">
+              <a:latin typeface="Monaco"/>
+              <a:cs typeface="Monaco"/>
+            </a:endParaRPr>
+          </a:p>
+          <a:p>
+            <a:r>
+              <a:rPr lang="en-US" dirty="0" smtClean="0">
+                <a:latin typeface="Monaco"/>
+                <a:cs typeface="Monaco"/>
+              </a:rPr>
+              <a:t># Print unambiguous codons only</a:t>
+            </a:r>
+          </a:p>
+          <a:p>
+            <a:r>
+              <a:rPr lang="en-US" dirty="0" smtClean="0">
+                <a:latin typeface="Monaco"/>
+                <a:cs typeface="Monaco"/>
+              </a:rPr>
+              <a:t>i </a:t>
+            </a:r>
+            <a:r>
+              <a:rPr lang="en-US" dirty="0">
+                <a:latin typeface="Monaco"/>
+                <a:cs typeface="Monaco"/>
+              </a:rPr>
+              <a:t>= 0</a:t>
+            </a:r>
+          </a:p>
+          <a:p>
+            <a:r>
+              <a:rPr lang="en-US" dirty="0" smtClean="0">
+                <a:latin typeface="Monaco"/>
+                <a:cs typeface="Monaco"/>
+              </a:rPr>
+              <a:t>for seq </a:t>
+            </a:r>
+            <a:r>
+              <a:rPr lang="en-US" dirty="0">
+                <a:latin typeface="Monaco"/>
+                <a:cs typeface="Monaco"/>
+              </a:rPr>
+              <a:t>in </a:t>
+            </a:r>
+            <a:r>
+              <a:rPr lang="en-US" dirty="0" smtClean="0">
+                <a:latin typeface="Monaco"/>
+                <a:cs typeface="Monaco"/>
+              </a:rPr>
+              <a:t>codons:</a:t>
+            </a:r>
+            <a:endParaRPr lang="en-US" dirty="0">
+              <a:latin typeface="Monaco"/>
+              <a:cs typeface="Monaco"/>
+            </a:endParaRPr>
+          </a:p>
+          <a:p>
+            <a:r>
+              <a:rPr lang="en-US" dirty="0">
+                <a:latin typeface="Monaco"/>
+                <a:cs typeface="Monaco"/>
+              </a:rPr>
+              <a:t>	</a:t>
+            </a:r>
+            <a:r>
+              <a:rPr lang="en-US" dirty="0" smtClean="0">
+                <a:latin typeface="Monaco"/>
+                <a:cs typeface="Monaco"/>
+              </a:rPr>
+              <a:t>i </a:t>
+            </a:r>
+            <a:r>
+              <a:rPr lang="en-US" dirty="0">
+                <a:latin typeface="Monaco"/>
+                <a:cs typeface="Monaco"/>
+              </a:rPr>
+              <a:t>+= 1</a:t>
+            </a:r>
+          </a:p>
+          <a:p>
+            <a:r>
+              <a:rPr lang="en-US" dirty="0">
+                <a:latin typeface="Monaco"/>
+                <a:cs typeface="Monaco"/>
+              </a:rPr>
+              <a:t>	</a:t>
+            </a:r>
+            <a:r>
+              <a:rPr lang="en-US" dirty="0" smtClean="0">
+                <a:latin typeface="Monaco"/>
+                <a:cs typeface="Monaco"/>
+              </a:rPr>
+              <a:t>if </a:t>
+            </a:r>
+            <a:r>
+              <a:rPr lang="en-US" dirty="0">
+                <a:latin typeface="Monaco"/>
+                <a:cs typeface="Monaco"/>
+              </a:rPr>
+              <a:t>"N" in seq:</a:t>
+            </a:r>
+          </a:p>
+          <a:p>
+            <a:r>
+              <a:rPr lang="en-US" dirty="0" smtClean="0">
+                <a:latin typeface="Monaco"/>
+                <a:cs typeface="Monaco"/>
+              </a:rPr>
+              <a:t>		print "Oh no, ambiguities! I'm gonna stop."</a:t>
+            </a:r>
+            <a:r>
+              <a:rPr lang="en-US" dirty="0">
+                <a:latin typeface="Monaco"/>
+                <a:cs typeface="Monaco"/>
+              </a:rPr>
+              <a:t>	</a:t>
+            </a:r>
+            <a:r>
+              <a:rPr lang="en-US" dirty="0" smtClean="0">
+                <a:latin typeface="Monaco"/>
+                <a:cs typeface="Monaco"/>
+              </a:rPr>
+              <a:t>	</a:t>
+            </a:r>
+          </a:p>
+          <a:p>
+            <a:r>
+              <a:rPr lang="en-US" dirty="0" smtClean="0">
+                <a:latin typeface="Monaco"/>
+                <a:cs typeface="Monaco"/>
+              </a:rPr>
+              <a:t>		break  # Immediately exit</a:t>
+            </a:r>
+            <a:endParaRPr lang="en-US" dirty="0">
+              <a:latin typeface="Monaco"/>
+              <a:cs typeface="Monaco"/>
+            </a:endParaRPr>
+          </a:p>
+          <a:p>
+            <a:r>
+              <a:rPr lang="en-US" dirty="0">
+                <a:latin typeface="Monaco"/>
+                <a:cs typeface="Monaco"/>
+              </a:rPr>
+              <a:t>	</a:t>
+            </a:r>
+            <a:r>
+              <a:rPr lang="en-US" dirty="0" smtClean="0">
+                <a:latin typeface="Monaco"/>
+                <a:cs typeface="Monaco"/>
+              </a:rPr>
+              <a:t>print "The sequence is " + seq</a:t>
+            </a:r>
+            <a:endParaRPr lang="en-US" dirty="0">
+              <a:latin typeface="Monaco"/>
+              <a:cs typeface="Monaco"/>
+            </a:endParaRPr>
+          </a:p>
+          <a:p>
+            <a:r>
+              <a:rPr lang="en-US" dirty="0">
+                <a:latin typeface="Monaco"/>
+                <a:cs typeface="Monaco"/>
+              </a:rPr>
+              <a:t>	</a:t>
+            </a:r>
+            <a:r>
+              <a:rPr lang="en-US" dirty="0" smtClean="0">
+                <a:latin typeface="Monaco"/>
+                <a:cs typeface="Monaco"/>
+              </a:rPr>
+              <a:t>print </a:t>
+            </a:r>
+            <a:r>
+              <a:rPr lang="en-US" dirty="0">
+                <a:latin typeface="Monaco"/>
+                <a:cs typeface="Monaco"/>
+              </a:rPr>
+              <a:t>"loop iteration count:", i</a:t>
+            </a:r>
+            <a:endParaRPr lang="en-US" dirty="0" smtClean="0">
+              <a:latin typeface="Monaco"/>
+              <a:cs typeface="Monaco"/>
+            </a:endParaRPr>
+          </a:p>
+          <a:p>
+            <a:endParaRPr lang="en-US" dirty="0">
+              <a:latin typeface="Monaco"/>
+              <a:cs typeface="Monaco"/>
+            </a:endParaRPr>
+          </a:p>
+          <a:p>
+            <a:r>
+              <a:rPr lang="en-US" dirty="0" smtClean="0">
+                <a:latin typeface="Monaco"/>
+                <a:cs typeface="Monaco"/>
+              </a:rPr>
+              <a:t>print "Outside of the loop now."</a:t>
+            </a:r>
+          </a:p>
+          <a:p>
+            <a:endParaRPr lang="en-US" dirty="0">
+              <a:latin typeface="Monaco"/>
+              <a:cs typeface="Monaco"/>
+            </a:endParaRPr>
+          </a:p>
+          <a:p>
+            <a:pPr lvl="1"/>
+            <a:r>
+              <a:rPr lang="en-US" dirty="0">
+                <a:solidFill>
+                  <a:schemeClr val="bg1">
+                    <a:lumMod val="65000"/>
+                  </a:schemeClr>
+                </a:solidFill>
+                <a:latin typeface="Monaco"/>
+                <a:cs typeface="Monaco"/>
+              </a:rPr>
+              <a:t>The sequence is ATT</a:t>
+            </a:r>
+          </a:p>
+          <a:p>
+            <a:pPr lvl="1"/>
+            <a:r>
+              <a:rPr lang="en-US" dirty="0">
+                <a:solidFill>
+                  <a:schemeClr val="bg1">
+                    <a:lumMod val="65000"/>
+                  </a:schemeClr>
+                </a:solidFill>
+                <a:latin typeface="Monaco"/>
+                <a:cs typeface="Monaco"/>
+              </a:rPr>
+              <a:t>loop iteration count: 1</a:t>
+            </a:r>
+          </a:p>
+          <a:p>
+            <a:pPr lvl="1"/>
+            <a:r>
+              <a:rPr lang="en-US" dirty="0">
+                <a:solidFill>
+                  <a:schemeClr val="bg1">
+                    <a:lumMod val="65000"/>
+                  </a:schemeClr>
+                </a:solidFill>
+                <a:latin typeface="Monaco"/>
+                <a:cs typeface="Monaco"/>
+              </a:rPr>
+              <a:t>The sequence is GAT</a:t>
+            </a:r>
+          </a:p>
+          <a:p>
+            <a:pPr lvl="1"/>
+            <a:r>
+              <a:rPr lang="en-US" dirty="0">
+                <a:solidFill>
+                  <a:schemeClr val="bg1">
+                    <a:lumMod val="65000"/>
+                  </a:schemeClr>
+                </a:solidFill>
+                <a:latin typeface="Monaco"/>
+                <a:cs typeface="Monaco"/>
+              </a:rPr>
+              <a:t>loop iteration count: 2</a:t>
+            </a:r>
+          </a:p>
+          <a:p>
+            <a:pPr lvl="1"/>
+            <a:r>
+              <a:rPr lang="en-US" dirty="0" smtClean="0">
+                <a:solidFill>
+                  <a:schemeClr val="bg1">
+                    <a:lumMod val="65000"/>
+                  </a:schemeClr>
+                </a:solidFill>
+                <a:latin typeface="Monaco"/>
+                <a:cs typeface="Monaco"/>
+              </a:rPr>
+              <a:t>Outside of the loop no.</a:t>
+            </a:r>
+            <a:endParaRPr lang="en-US" dirty="0">
+              <a:solidFill>
+                <a:schemeClr val="bg1">
+                  <a:lumMod val="65000"/>
+                </a:schemeClr>
+              </a:solidFill>
+              <a:latin typeface="Monaco"/>
+              <a:cs typeface="Monaco"/>
+            </a:endParaRPr>
+          </a:p>
+        </p:txBody>
+      </p:sp>
+      <p:cxnSp>
+        <p:nvCxnSpPr>
+          <p:cNvPr id="5" name="Elbow Connector 4"/>
+          <p:cNvCxnSpPr/>
+          <p:nvPr/>
+        </p:nvCxnSpPr>
+        <p:spPr>
+          <a:xfrm rot="10800000" flipV="1">
+            <a:off x="4612640" y="3556000"/>
+            <a:ext cx="1483360" cy="1117600"/>
+          </a:xfrm>
+          <a:prstGeom prst="bentConnector3">
+            <a:avLst>
+              <a:gd name="adj1" fmla="val -300"/>
+            </a:avLst>
+          </a:prstGeom>
+          <a:ln>
+            <a:solidFill>
+              <a:schemeClr val="accent5"/>
+            </a:solidFill>
+            <a:tailEnd type="arrow"/>
+          </a:ln>
+        </p:spPr>
+        <p:style>
+          <a:lnRef idx="2">
+            <a:schemeClr val="accent1"/>
+          </a:lnRef>
+          <a:fillRef idx="0">
+            <a:schemeClr val="accent1"/>
+          </a:fillRef>
+          <a:effectRef idx="1">
+            <a:schemeClr val="accent1"/>
+          </a:effectRef>
+          <a:fontRef idx="minor">
+            <a:schemeClr val="tx1"/>
+          </a:fontRef>
+        </p:style>
+      </p:cxnSp>
+      <p:cxnSp>
+        <p:nvCxnSpPr>
+          <p:cNvPr id="32" name="Straight Connector 31"/>
+          <p:cNvCxnSpPr/>
+          <p:nvPr/>
+        </p:nvCxnSpPr>
+        <p:spPr>
+          <a:xfrm>
+            <a:off x="4648200" y="3556000"/>
+            <a:ext cx="1447800" cy="0"/>
+          </a:xfrm>
+          <a:prstGeom prst="line">
+            <a:avLst/>
+          </a:prstGeom>
+          <a:ln>
+            <a:solidFill>
+              <a:srgbClr val="DC5924"/>
+            </a:solidFill>
+          </a:ln>
+        </p:spPr>
+        <p:style>
+          <a:lnRef idx="2">
+            <a:schemeClr val="accent1"/>
+          </a:lnRef>
+          <a:fillRef idx="0">
+            <a:schemeClr val="accent1"/>
+          </a:fillRef>
+          <a:effectRef idx="1">
+            <a:schemeClr val="accent1"/>
+          </a:effectRef>
+          <a:fontRef idx="minor">
+            <a:schemeClr val="tx1"/>
+          </a:fontRef>
+        </p:style>
+      </p:cxnSp>
+      <p:sp>
+        <p:nvSpPr>
+          <p:cNvPr id="6" name="TextBox 5"/>
           <p:cNvSpPr txBox="1"/>
           <p:nvPr/>
         </p:nvSpPr>
         <p:spPr>
           <a:xfrm>
-            <a:off x="1515498" y="2802628"/>
-            <a:ext cx="6033703" cy="369332"/>
+            <a:off x="5060462" y="5719247"/>
+            <a:ext cx="3751385" cy="646331"/>
           </a:xfrm>
           <a:prstGeom prst="rect">
             <a:avLst/>
@@ -16771,132 +17849,17 @@
           <a:lstStyle/>
           <a:p>
             <a:r>
-              <a:rPr lang="en-US" dirty="0" err="1" smtClean="0">
-                <a:latin typeface="Monaco"/>
-                <a:cs typeface="Monaco"/>
-              </a:rPr>
-              <a:t>acceptable_dict</a:t>
-            </a:r>
-            <a:r>
-              <a:rPr lang="en-US" dirty="0" smtClean="0">
-                <a:latin typeface="Monaco"/>
-                <a:cs typeface="Monaco"/>
-              </a:rPr>
-              <a:t> = {"a": 5, "b": 3, "c": 5}</a:t>
-            </a:r>
-          </a:p>
-        </p:txBody>
-      </p:sp>
-      <p:sp>
-        <p:nvSpPr>
-          <p:cNvPr id="5" name="TextBox 4"/>
-          <p:cNvSpPr txBox="1"/>
-          <p:nvPr/>
-        </p:nvSpPr>
-        <p:spPr>
-          <a:xfrm>
-            <a:off x="1515498" y="5177830"/>
-            <a:ext cx="6033703" cy="1200329"/>
-          </a:xfrm>
-          <a:prstGeom prst="rect">
-            <a:avLst/>
-          </a:prstGeom>
-          <a:noFill/>
-        </p:spPr>
-        <p:txBody>
-          <a:bodyPr wrap="square" rtlCol="0">
-            <a:spAutoFit/>
-          </a:bodyPr>
-          <a:lstStyle/>
-          <a:p>
-            <a:r>
-              <a:rPr lang="en-US" dirty="0" err="1" smtClean="0">
-                <a:latin typeface="Monaco"/>
-                <a:cs typeface="Monaco"/>
-              </a:rPr>
-              <a:t>acceptable_dict</a:t>
-            </a:r>
-            <a:r>
-              <a:rPr lang="en-US" dirty="0" smtClean="0">
-                <a:latin typeface="Monaco"/>
-                <a:cs typeface="Monaco"/>
-              </a:rPr>
-              <a:t>["a"] = 7</a:t>
-            </a:r>
-          </a:p>
-          <a:p>
-            <a:r>
-              <a:rPr lang="en-US" dirty="0" smtClean="0">
-                <a:latin typeface="Monaco"/>
-                <a:cs typeface="Monaco"/>
-              </a:rPr>
-              <a:t>print </a:t>
-            </a:r>
-            <a:r>
-              <a:rPr lang="en-US" dirty="0" err="1" smtClean="0">
-                <a:latin typeface="Monaco"/>
-                <a:cs typeface="Monaco"/>
-              </a:rPr>
-              <a:t>acceptable_dict</a:t>
-            </a:r>
-            <a:endParaRPr lang="en-US" dirty="0" smtClean="0">
-              <a:latin typeface="Monaco"/>
-              <a:cs typeface="Monaco"/>
-            </a:endParaRPr>
-          </a:p>
-          <a:p>
-            <a:r>
-              <a:rPr lang="en-US" dirty="0">
-                <a:solidFill>
-                  <a:srgbClr val="A6A6A6"/>
-                </a:solidFill>
-                <a:latin typeface="Monaco"/>
-                <a:cs typeface="Monaco"/>
-              </a:rPr>
-              <a:t>	{"a": </a:t>
-            </a:r>
-            <a:r>
-              <a:rPr lang="en-US" dirty="0" smtClean="0">
-                <a:solidFill>
-                  <a:srgbClr val="A6A6A6"/>
-                </a:solidFill>
-                <a:latin typeface="Monaco"/>
-                <a:cs typeface="Monaco"/>
-              </a:rPr>
-              <a:t>7, "</a:t>
-            </a:r>
-            <a:r>
-              <a:rPr lang="en-US" dirty="0">
-                <a:solidFill>
-                  <a:srgbClr val="A6A6A6"/>
-                </a:solidFill>
-                <a:latin typeface="Monaco"/>
-                <a:cs typeface="Monaco"/>
-              </a:rPr>
-              <a:t>c": </a:t>
-            </a:r>
-            <a:r>
-              <a:rPr lang="en-US" dirty="0" smtClean="0">
-                <a:solidFill>
-                  <a:srgbClr val="A6A6A6"/>
-                </a:solidFill>
-                <a:latin typeface="Monaco"/>
-                <a:cs typeface="Monaco"/>
-              </a:rPr>
-              <a:t>5, "b": 3}</a:t>
+              <a:rPr lang="en-US" dirty="0" smtClean="0">
+                <a:solidFill>
+                  <a:schemeClr val="accent5"/>
+                </a:solidFill>
+              </a:rPr>
+              <a:t>NB: these are essentially required for while-loops</a:t>
             </a:r>
             <a:endParaRPr lang="en-US" dirty="0">
               <a:solidFill>
-                <a:srgbClr val="A6A6A6"/>
+                <a:schemeClr val="accent5"/>
               </a:solidFill>
-              <a:latin typeface="Monaco"/>
-              <a:cs typeface="Monaco"/>
-            </a:endParaRPr>
-          </a:p>
-          <a:p>
-            <a:endParaRPr lang="en-US" dirty="0" smtClean="0">
-              <a:latin typeface="Monaco"/>
-              <a:cs typeface="Monaco"/>
             </a:endParaRPr>
           </a:p>
         </p:txBody>
@@ -16904,7 +17867,7 @@
     </p:spTree>
     <p:extLst>
       <p:ext uri="{BB962C8B-B14F-4D97-AF65-F5344CB8AC3E}">
-        <p14:creationId xmlns:p14="http://schemas.microsoft.com/office/powerpoint/2010/main" val="3149704189"/>
+        <p14:creationId xmlns:p14="http://schemas.microsoft.com/office/powerpoint/2010/main" val="276463259"/>
       </p:ext>
     </p:extLst>
   </p:cSld>

--- a/slides/day2_slides.pptx
+++ b/slides/day2_slides.pptx
@@ -242,7 +242,7 @@
           <a:p>
             <a:fld id="{F833E4A7-8C8F-0444-B05A-6DE0ED7B35B0}" type="datetimeFigureOut">
               <a:rPr lang="en-US" smtClean="0"/>
-              <a:t>5/15/15</a:t>
+              <a:t>5/17/15</a:t>
             </a:fld>
             <a:endParaRPr lang="en-US"/>
           </a:p>
@@ -703,7 +703,7 @@
           <a:p>
             <a:fld id="{CAF647BD-C221-1844-9ED2-A7F7759EF665}" type="datetimeFigureOut">
               <a:rPr lang="en-US" smtClean="0"/>
-              <a:t>5/15/15</a:t>
+              <a:t>5/17/15</a:t>
             </a:fld>
             <a:endParaRPr lang="en-US"/>
           </a:p>
@@ -968,7 +968,7 @@
           <a:p>
             <a:fld id="{CAF647BD-C221-1844-9ED2-A7F7759EF665}" type="datetimeFigureOut">
               <a:rPr lang="en-US" smtClean="0"/>
-              <a:t>5/15/15</a:t>
+              <a:t>5/17/15</a:t>
             </a:fld>
             <a:endParaRPr lang="en-US"/>
           </a:p>
@@ -1143,7 +1143,7 @@
           <a:p>
             <a:fld id="{CAF647BD-C221-1844-9ED2-A7F7759EF665}" type="datetimeFigureOut">
               <a:rPr lang="en-US" smtClean="0"/>
-              <a:t>5/15/15</a:t>
+              <a:t>5/17/15</a:t>
             </a:fld>
             <a:endParaRPr lang="en-US"/>
           </a:p>
@@ -1308,7 +1308,7 @@
           <a:p>
             <a:fld id="{CAF647BD-C221-1844-9ED2-A7F7759EF665}" type="datetimeFigureOut">
               <a:rPr lang="en-US" smtClean="0"/>
-              <a:t>5/15/15</a:t>
+              <a:t>5/17/15</a:t>
             </a:fld>
             <a:endParaRPr lang="en-US"/>
           </a:p>
@@ -1557,7 +1557,7 @@
           <a:p>
             <a:fld id="{CAF647BD-C221-1844-9ED2-A7F7759EF665}" type="datetimeFigureOut">
               <a:rPr lang="en-US" smtClean="0"/>
-              <a:t>5/15/15</a:t>
+              <a:t>5/17/15</a:t>
             </a:fld>
             <a:endParaRPr lang="en-US"/>
           </a:p>
@@ -1840,7 +1840,7 @@
           <a:p>
             <a:fld id="{CAF647BD-C221-1844-9ED2-A7F7759EF665}" type="datetimeFigureOut">
               <a:rPr lang="en-US" smtClean="0"/>
-              <a:t>5/15/15</a:t>
+              <a:t>5/17/15</a:t>
             </a:fld>
             <a:endParaRPr lang="en-US"/>
           </a:p>
@@ -2279,7 +2279,7 @@
           <a:p>
             <a:fld id="{CAF647BD-C221-1844-9ED2-A7F7759EF665}" type="datetimeFigureOut">
               <a:rPr lang="en-US" smtClean="0"/>
-              <a:t>5/15/15</a:t>
+              <a:t>5/17/15</a:t>
             </a:fld>
             <a:endParaRPr lang="en-US"/>
           </a:p>
@@ -2392,7 +2392,7 @@
           <a:p>
             <a:fld id="{CAF647BD-C221-1844-9ED2-A7F7759EF665}" type="datetimeFigureOut">
               <a:rPr lang="en-US" smtClean="0"/>
-              <a:t>5/15/15</a:t>
+              <a:t>5/17/15</a:t>
             </a:fld>
             <a:endParaRPr lang="en-US"/>
           </a:p>
@@ -2482,7 +2482,7 @@
           <a:p>
             <a:fld id="{CAF647BD-C221-1844-9ED2-A7F7759EF665}" type="datetimeFigureOut">
               <a:rPr lang="en-US" smtClean="0"/>
-              <a:t>5/15/15</a:t>
+              <a:t>5/17/15</a:t>
             </a:fld>
             <a:endParaRPr lang="en-US"/>
           </a:p>
@@ -2724,7 +2724,7 @@
           <a:p>
             <a:fld id="{CAF647BD-C221-1844-9ED2-A7F7759EF665}" type="datetimeFigureOut">
               <a:rPr lang="en-US" smtClean="0"/>
-              <a:t>5/15/15</a:t>
+              <a:t>5/17/15</a:t>
             </a:fld>
             <a:endParaRPr lang="en-US"/>
           </a:p>
@@ -3018,7 +3018,7 @@
           <a:p>
             <a:fld id="{CAF647BD-C221-1844-9ED2-A7F7759EF665}" type="datetimeFigureOut">
               <a:rPr lang="en-US" smtClean="0"/>
-              <a:t>5/15/15</a:t>
+              <a:t>5/17/15</a:t>
             </a:fld>
             <a:endParaRPr lang="en-US"/>
           </a:p>
@@ -3312,7 +3312,7 @@
           <a:p>
             <a:fld id="{CAF647BD-C221-1844-9ED2-A7F7759EF665}" type="datetimeFigureOut">
               <a:rPr lang="en-US" smtClean="0"/>
-              <a:t>5/15/15</a:t>
+              <a:t>5/17/15</a:t>
             </a:fld>
             <a:endParaRPr lang="en-US"/>
           </a:p>
@@ -3814,7 +3814,7 @@
           <a:p>
             <a:r>
               <a:rPr lang="en-US" sz="6600" dirty="0" smtClean="0"/>
-              <a:t>Introduction to Python: Day two</a:t>
+              <a:t>Introduction to Python: Day Two</a:t>
             </a:r>
             <a:endParaRPr lang="en-US" sz="6600" dirty="0"/>
           </a:p>
@@ -3822,7 +3822,7 @@
       </p:sp>
       <p:sp>
         <p:nvSpPr>
-          <p:cNvPr id="3" name="Subtitle 2"/>
+          <p:cNvPr id="6" name="Subtitle 2"/>
           <p:cNvSpPr>
             <a:spLocks noGrp="1"/>
           </p:cNvSpPr>
@@ -3830,24 +3830,60 @@
             <p:ph type="subTitle" idx="1"/>
           </p:nvPr>
         </p:nvSpPr>
-        <p:spPr/>
+        <p:spPr>
+          <a:xfrm>
+            <a:off x="457199" y="4800599"/>
+            <a:ext cx="8491415" cy="1578709"/>
+          </a:xfrm>
+        </p:spPr>
         <p:txBody>
           <a:bodyPr>
-            <a:normAutofit fontScale="62500" lnSpcReduction="20000"/>
+            <a:normAutofit fontScale="55000" lnSpcReduction="20000"/>
           </a:bodyPr>
           <a:lstStyle/>
           <a:p>
             <a:r>
               <a:rPr lang="en-US" dirty="0" smtClean="0"/>
-              <a:t>Stephanie Spielman</a:t>
-            </a:r>
-          </a:p>
-          <a:p>
+              <a:t>Stephanie </a:t>
+            </a:r>
             <a:r>
               <a:rPr lang="en-US" dirty="0" smtClean="0"/>
-              <a:t>UT CCBB Big data in biology summer school, 2015</a:t>
-            </a:r>
-            <a:endParaRPr lang="en-US" dirty="0"/>
+              <a:t>Spielman</a:t>
+            </a:r>
+          </a:p>
+          <a:p>
+            <a:endParaRPr lang="en-US" dirty="0" smtClean="0"/>
+          </a:p>
+          <a:p>
+            <a:r>
+              <a:rPr lang="en-US" dirty="0" smtClean="0"/>
+              <a:t>Big </a:t>
+            </a:r>
+            <a:r>
+              <a:rPr lang="en-US" dirty="0" smtClean="0"/>
+              <a:t>data in biology summer school, </a:t>
+            </a:r>
+            <a:r>
+              <a:rPr lang="en-US" dirty="0" smtClean="0"/>
+              <a:t>2015</a:t>
+            </a:r>
+          </a:p>
+          <a:p>
+            <a:r>
+              <a:rPr lang="en-US" dirty="0"/>
+              <a:t>Center for computational biology and bioinformatics </a:t>
+            </a:r>
+          </a:p>
+          <a:p>
+            <a:r>
+              <a:rPr lang="en-US" dirty="0" smtClean="0"/>
+              <a:t>University of Texas at </a:t>
+            </a:r>
+            <a:r>
+              <a:rPr lang="en-US" dirty="0" err="1" smtClean="0"/>
+              <a:t>austin</a:t>
+            </a:r>
+            <a:endParaRPr lang="en-US" dirty="0" smtClean="0"/>
           </a:p>
         </p:txBody>
       </p:sp>
@@ -14541,21 +14577,23 @@
                 <a:latin typeface="Monaco"/>
                 <a:cs typeface="Monaco"/>
               </a:rPr>
-              <a:t>for </a:t>
-            </a:r>
-            <a:r>
-              <a:rPr lang="en-US" dirty="0" smtClean="0">
-                <a:latin typeface="Monaco"/>
-                <a:cs typeface="Monaco"/>
-              </a:rPr>
-              <a:t>s </a:t>
-            </a:r>
-            <a:r>
-              <a:rPr lang="en-US" dirty="0" smtClean="0">
-                <a:latin typeface="Monaco"/>
-                <a:cs typeface="Monaco"/>
-              </a:rPr>
-              <a:t>in "python":</a:t>
+              <a:t>for s in "python":</a:t>
+            </a:r>
+          </a:p>
+          <a:p>
+            <a:r>
+              <a:rPr lang="en-US" dirty="0" smtClean="0">
+                <a:latin typeface="Monaco"/>
+                <a:cs typeface="Monaco"/>
+              </a:rPr>
+              <a:t>	print </a:t>
+            </a:r>
+            <a:r>
+              <a:rPr lang="en-US" dirty="0">
+                <a:latin typeface="Monaco"/>
+                <a:cs typeface="Monaco"/>
+              </a:rPr>
+              <a:t>s</a:t>
             </a:r>
             <a:endParaRPr lang="en-US" dirty="0" smtClean="0">
               <a:latin typeface="Monaco"/>
@@ -14563,26 +14601,6 @@
             </a:endParaRPr>
           </a:p>
           <a:p>
-            <a:r>
-              <a:rPr lang="en-US" dirty="0" smtClean="0">
-                <a:latin typeface="Monaco"/>
-                <a:cs typeface="Monaco"/>
-              </a:rPr>
-              <a:t>	print </a:t>
-            </a:r>
-            <a:r>
-              <a:rPr lang="en-US" dirty="0">
-                <a:latin typeface="Monaco"/>
-                <a:cs typeface="Monaco"/>
-              </a:rPr>
-              <a:t>s</a:t>
-            </a:r>
-            <a:endParaRPr lang="en-US" dirty="0" smtClean="0">
-              <a:latin typeface="Monaco"/>
-              <a:cs typeface="Monaco"/>
-            </a:endParaRPr>
-          </a:p>
-          <a:p>
             <a:endParaRPr lang="en-US" dirty="0">
               <a:latin typeface="Monaco"/>
               <a:cs typeface="Monaco"/>
@@ -14599,19 +14617,7 @@
                 <a:latin typeface="Monaco"/>
                 <a:cs typeface="Monaco"/>
               </a:rPr>
-              <a:t>	</a:t>
-            </a:r>
-            <a:r>
-              <a:rPr lang="en-US" dirty="0" smtClean="0">
-                <a:solidFill>
-                  <a:schemeClr val="bg1">
-                    <a:lumMod val="65000"/>
-                  </a:schemeClr>
-                </a:solidFill>
-                <a:latin typeface="Monaco"/>
-                <a:cs typeface="Monaco"/>
-              </a:rPr>
-              <a:t>p</a:t>
+              <a:t>	p</a:t>
             </a:r>
             <a:endParaRPr lang="en-US" dirty="0">
               <a:solidFill>
@@ -14637,6 +14643,21 @@
               </a:rPr>
               <a:t>y</a:t>
             </a:r>
+          </a:p>
+          <a:p>
+            <a:pPr lvl="1"/>
+            <a:r>
+              <a:rPr lang="en-US" dirty="0" smtClean="0">
+                <a:solidFill>
+                  <a:schemeClr val="bg1">
+                    <a:lumMod val="65000"/>
+                  </a:schemeClr>
+                </a:solidFill>
+                <a:latin typeface="Monaco"/>
+                <a:cs typeface="Monaco"/>
+              </a:rPr>
+              <a:t>t</a:t>
+            </a:r>
             <a:endParaRPr lang="en-US" dirty="0">
               <a:solidFill>
                 <a:schemeClr val="bg1">
@@ -14650,7 +14671,7 @@
           <a:p>
             <a:pPr lvl="1"/>
             <a:r>
-              <a:rPr lang="en-US" dirty="0" smtClean="0">
+              <a:rPr lang="en-US" dirty="0">
                 <a:solidFill>
                   <a:schemeClr val="bg1">
                     <a:lumMod val="65000"/>
@@ -14659,17 +14680,8 @@
                 <a:latin typeface="Monaco"/>
                 <a:cs typeface="Monaco"/>
               </a:rPr>
-              <a:t>t</a:t>
-            </a:r>
-            <a:endParaRPr lang="en-US" dirty="0">
-              <a:solidFill>
-                <a:schemeClr val="bg1">
-                  <a:lumMod val="65000"/>
-                </a:schemeClr>
-              </a:solidFill>
-              <a:latin typeface="Monaco"/>
-              <a:cs typeface="Monaco"/>
-            </a:endParaRPr>
+              <a:t>h</a:t>
+            </a:r>
           </a:p>
           <a:p>
             <a:pPr lvl="1"/>
@@ -14683,41 +14695,8 @@
                 <a:latin typeface="Monaco"/>
                 <a:cs typeface="Monaco"/>
               </a:rPr>
-              <a:t>h</a:t>
-            </a:r>
-            <a:endParaRPr lang="en-US" dirty="0">
-              <a:solidFill>
-                <a:schemeClr val="bg1">
-                  <a:lumMod val="65000"/>
-                </a:schemeClr>
-              </a:solidFill>
-              <a:latin typeface="Monaco"/>
-              <a:cs typeface="Monaco"/>
-            </a:endParaRPr>
-          </a:p>
-          <a:p>
-            <a:pPr lvl="1"/>
-            <a:r>
-              <a:rPr lang="en-US" dirty="0">
-                <a:solidFill>
-                  <a:schemeClr val="bg1">
-                    <a:lumMod val="65000"/>
-                  </a:schemeClr>
-                </a:solidFill>
-                <a:latin typeface="Monaco"/>
-                <a:cs typeface="Monaco"/>
-              </a:rPr>
               <a:t>o</a:t>
             </a:r>
-            <a:endParaRPr lang="en-US" dirty="0">
-              <a:solidFill>
-                <a:schemeClr val="bg1">
-                  <a:lumMod val="65000"/>
-                </a:schemeClr>
-              </a:solidFill>
-              <a:latin typeface="Monaco"/>
-              <a:cs typeface="Monaco"/>
-            </a:endParaRPr>
           </a:p>
           <a:p>
             <a:pPr lvl="1"/>
@@ -14820,62 +14799,26 @@
                 <a:latin typeface="Monaco"/>
                 <a:cs typeface="Monaco"/>
               </a:rPr>
-              <a:t>price = {</a:t>
-            </a:r>
-            <a:r>
-              <a:rPr lang="en-US" dirty="0" smtClean="0">
-                <a:latin typeface="Monaco"/>
-                <a:cs typeface="Monaco"/>
-              </a:rPr>
-              <a:t>"banana" : 0.79, "apple": 1.02, "bell pepper": 2.39}</a:t>
-            </a:r>
-          </a:p>
-          <a:p>
-            <a:r>
-              <a:rPr lang="en-US" dirty="0" smtClean="0">
-                <a:latin typeface="Monaco"/>
-                <a:cs typeface="Monaco"/>
-              </a:rPr>
-              <a:t>for </a:t>
-            </a:r>
-            <a:r>
-              <a:rPr lang="en-US" dirty="0" smtClean="0">
-                <a:latin typeface="Monaco"/>
-                <a:cs typeface="Monaco"/>
-              </a:rPr>
-              <a:t>item </a:t>
-            </a:r>
-            <a:r>
-              <a:rPr lang="en-US" dirty="0" smtClean="0">
-                <a:latin typeface="Monaco"/>
-                <a:cs typeface="Monaco"/>
-              </a:rPr>
-              <a:t>in price:</a:t>
-            </a:r>
-            <a:endParaRPr lang="en-US" dirty="0" smtClean="0">
-              <a:latin typeface="Monaco"/>
-              <a:cs typeface="Monaco"/>
-            </a:endParaRPr>
-          </a:p>
-          <a:p>
-            <a:r>
-              <a:rPr lang="en-US" dirty="0" smtClean="0">
-                <a:latin typeface="Monaco"/>
-                <a:cs typeface="Monaco"/>
-              </a:rPr>
-              <a:t>	print </a:t>
-            </a:r>
-            <a:r>
-              <a:rPr lang="en-US" dirty="0" smtClean="0">
-                <a:latin typeface="Monaco"/>
-                <a:cs typeface="Monaco"/>
-              </a:rPr>
-              <a:t>item</a:t>
-            </a:r>
-            <a:endParaRPr lang="en-US" dirty="0" smtClean="0">
-              <a:latin typeface="Monaco"/>
-              <a:cs typeface="Monaco"/>
-            </a:endParaRPr>
+              <a:t>price = {"banana" : 0.79, "apple": 1.02, "bell pepper": 2.39}</a:t>
+            </a:r>
+          </a:p>
+          <a:p>
+            <a:r>
+              <a:rPr lang="en-US" dirty="0" smtClean="0">
+                <a:latin typeface="Monaco"/>
+                <a:cs typeface="Monaco"/>
+              </a:rPr>
+              <a:t>for item in price:</a:t>
+            </a:r>
+          </a:p>
+          <a:p>
+            <a:r>
+              <a:rPr lang="en-US" dirty="0" smtClean="0">
+                <a:latin typeface="Monaco"/>
+                <a:cs typeface="Monaco"/>
+              </a:rPr>
+              <a:t>	print item</a:t>
+            </a:r>
           </a:p>
           <a:p>
             <a:endParaRPr lang="en-US" dirty="0">
@@ -14894,19 +14837,7 @@
                 <a:latin typeface="Monaco"/>
                 <a:cs typeface="Monaco"/>
               </a:rPr>
-              <a:t>	</a:t>
-            </a:r>
-            <a:r>
-              <a:rPr lang="en-US" dirty="0" smtClean="0">
-                <a:solidFill>
-                  <a:schemeClr val="bg1">
-                    <a:lumMod val="65000"/>
-                  </a:schemeClr>
-                </a:solidFill>
-                <a:latin typeface="Monaco"/>
-                <a:cs typeface="Monaco"/>
-              </a:rPr>
-              <a:t>bell pepper</a:t>
+              <a:t>	bell pepper</a:t>
             </a:r>
             <a:endParaRPr lang="en-US" dirty="0">
               <a:solidFill>
@@ -15043,62 +14974,26 @@
                 <a:latin typeface="Monaco"/>
                 <a:cs typeface="Monaco"/>
               </a:rPr>
-              <a:t>price = {</a:t>
-            </a:r>
-            <a:r>
-              <a:rPr lang="en-US" dirty="0" smtClean="0">
-                <a:latin typeface="Monaco"/>
-                <a:cs typeface="Monaco"/>
-              </a:rPr>
-              <a:t>"banana" : 0.79, "apple": 1.02, "bell pepper": 2.39}</a:t>
-            </a:r>
-          </a:p>
-          <a:p>
-            <a:r>
-              <a:rPr lang="en-US" dirty="0" smtClean="0">
-                <a:latin typeface="Monaco"/>
-                <a:cs typeface="Monaco"/>
-              </a:rPr>
-              <a:t>for </a:t>
-            </a:r>
-            <a:r>
-              <a:rPr lang="en-US" dirty="0" smtClean="0">
-                <a:latin typeface="Monaco"/>
-                <a:cs typeface="Monaco"/>
-              </a:rPr>
-              <a:t>item </a:t>
-            </a:r>
-            <a:r>
-              <a:rPr lang="en-US" dirty="0" smtClean="0">
-                <a:latin typeface="Monaco"/>
-                <a:cs typeface="Monaco"/>
-              </a:rPr>
-              <a:t>in price:</a:t>
-            </a:r>
-            <a:endParaRPr lang="en-US" dirty="0" smtClean="0">
-              <a:latin typeface="Monaco"/>
-              <a:cs typeface="Monaco"/>
-            </a:endParaRPr>
-          </a:p>
-          <a:p>
-            <a:r>
-              <a:rPr lang="en-US" dirty="0" smtClean="0">
-                <a:latin typeface="Monaco"/>
-                <a:cs typeface="Monaco"/>
-              </a:rPr>
-              <a:t>	print </a:t>
-            </a:r>
-            <a:r>
-              <a:rPr lang="en-US" dirty="0" smtClean="0">
-                <a:latin typeface="Monaco"/>
-                <a:cs typeface="Monaco"/>
-              </a:rPr>
-              <a:t>item</a:t>
-            </a:r>
-            <a:endParaRPr lang="en-US" dirty="0" smtClean="0">
-              <a:latin typeface="Monaco"/>
-              <a:cs typeface="Monaco"/>
-            </a:endParaRPr>
+              <a:t>price = {"banana" : 0.79, "apple": 1.02, "bell pepper": 2.39}</a:t>
+            </a:r>
+          </a:p>
+          <a:p>
+            <a:r>
+              <a:rPr lang="en-US" dirty="0" smtClean="0">
+                <a:latin typeface="Monaco"/>
+                <a:cs typeface="Monaco"/>
+              </a:rPr>
+              <a:t>for item in price:</a:t>
+            </a:r>
+          </a:p>
+          <a:p>
+            <a:r>
+              <a:rPr lang="en-US" dirty="0" smtClean="0">
+                <a:latin typeface="Monaco"/>
+                <a:cs typeface="Monaco"/>
+              </a:rPr>
+              <a:t>	print item</a:t>
+            </a:r>
           </a:p>
           <a:p>
             <a:endParaRPr lang="en-US" dirty="0">
@@ -15117,19 +15012,7 @@
                 <a:latin typeface="Monaco"/>
                 <a:cs typeface="Monaco"/>
               </a:rPr>
-              <a:t>	</a:t>
-            </a:r>
-            <a:r>
-              <a:rPr lang="en-US" dirty="0" smtClean="0">
-                <a:solidFill>
-                  <a:schemeClr val="bg1">
-                    <a:lumMod val="65000"/>
-                  </a:schemeClr>
-                </a:solidFill>
-                <a:latin typeface="Monaco"/>
-                <a:cs typeface="Monaco"/>
-              </a:rPr>
-              <a:t>bell pepper</a:t>
+              <a:t>	bell pepper</a:t>
             </a:r>
             <a:endParaRPr lang="en-US" dirty="0">
               <a:solidFill>
@@ -15304,42 +15187,17 @@
                 <a:latin typeface="Monaco"/>
                 <a:cs typeface="Monaco"/>
               </a:rPr>
-              <a:t>price = {</a:t>
-            </a:r>
-            <a:r>
-              <a:rPr lang="en-US" dirty="0" smtClean="0">
-                <a:latin typeface="Monaco"/>
-                <a:cs typeface="Monaco"/>
-              </a:rPr>
-              <a:t>"banana" : 0.79, "apple": 1.02, "bell pepper": 2.39}</a:t>
-            </a:r>
-          </a:p>
-          <a:p>
-            <a:r>
-              <a:rPr lang="en-US" dirty="0" smtClean="0">
-                <a:latin typeface="Monaco"/>
-                <a:cs typeface="Monaco"/>
-              </a:rPr>
-              <a:t>for </a:t>
-            </a:r>
-            <a:r>
-              <a:rPr lang="en-US" dirty="0" smtClean="0">
-                <a:latin typeface="Monaco"/>
-                <a:cs typeface="Monaco"/>
-              </a:rPr>
-              <a:t>item </a:t>
-            </a:r>
-            <a:r>
-              <a:rPr lang="en-US" dirty="0" smtClean="0">
-                <a:latin typeface="Monaco"/>
-                <a:cs typeface="Monaco"/>
-              </a:rPr>
-              <a:t>in price:</a:t>
-            </a:r>
-            <a:endParaRPr lang="en-US" dirty="0" smtClean="0">
-              <a:latin typeface="Monaco"/>
-              <a:cs typeface="Monaco"/>
-            </a:endParaRPr>
+              <a:t>price = {"banana" : 0.79, "apple": 1.02, "bell pepper": 2.39}</a:t>
+            </a:r>
+          </a:p>
+          <a:p>
+            <a:r>
+              <a:rPr lang="en-US" dirty="0" smtClean="0">
+                <a:latin typeface="Monaco"/>
+                <a:cs typeface="Monaco"/>
+              </a:rPr>
+              <a:t>for item in price:</a:t>
+            </a:r>
           </a:p>
           <a:p>
             <a:r>
@@ -15365,10 +15223,6 @@
               </a:rPr>
               <a:t>print item, price[item]</a:t>
             </a:r>
-            <a:endParaRPr lang="en-US" dirty="0" smtClean="0">
-              <a:latin typeface="Monaco"/>
-              <a:cs typeface="Monaco"/>
-            </a:endParaRPr>
           </a:p>
           <a:p>
             <a:endParaRPr lang="en-US" dirty="0">
@@ -15387,19 +15241,7 @@
                 <a:latin typeface="Monaco"/>
                 <a:cs typeface="Monaco"/>
               </a:rPr>
-              <a:t>	</a:t>
-            </a:r>
-            <a:r>
-              <a:rPr lang="en-US" dirty="0" smtClean="0">
-                <a:solidFill>
-                  <a:schemeClr val="bg1">
-                    <a:lumMod val="65000"/>
-                  </a:schemeClr>
-                </a:solidFill>
-                <a:latin typeface="Monaco"/>
-                <a:cs typeface="Monaco"/>
-              </a:rPr>
-              <a:t>bell pepper, 2.39</a:t>
+              <a:t>	bell pepper, 2.39</a:t>
             </a:r>
             <a:endParaRPr lang="en-US" dirty="0">
               <a:solidFill>

--- a/slides/day2_slides.pptx
+++ b/slides/day2_slides.pptx
@@ -5,60 +5,65 @@
     <p:sldMasterId id="2147483660" r:id="rId1"/>
   </p:sldMasterIdLst>
   <p:notesMasterIdLst>
-    <p:notesMasterId r:id="rId53"/>
+    <p:notesMasterId r:id="rId58"/>
   </p:notesMasterIdLst>
   <p:sldIdLst>
     <p:sldId id="256" r:id="rId2"/>
-    <p:sldId id="337" r:id="rId3"/>
-    <p:sldId id="338" r:id="rId4"/>
-    <p:sldId id="339" r:id="rId5"/>
-    <p:sldId id="340" r:id="rId6"/>
-    <p:sldId id="341" r:id="rId7"/>
-    <p:sldId id="385" r:id="rId8"/>
-    <p:sldId id="342" r:id="rId9"/>
-    <p:sldId id="343" r:id="rId10"/>
-    <p:sldId id="344" r:id="rId11"/>
-    <p:sldId id="345" r:id="rId12"/>
-    <p:sldId id="346" r:id="rId13"/>
-    <p:sldId id="357" r:id="rId14"/>
-    <p:sldId id="356" r:id="rId15"/>
-    <p:sldId id="347" r:id="rId16"/>
-    <p:sldId id="349" r:id="rId17"/>
-    <p:sldId id="350" r:id="rId18"/>
-    <p:sldId id="351" r:id="rId19"/>
-    <p:sldId id="348" r:id="rId20"/>
-    <p:sldId id="352" r:id="rId21"/>
-    <p:sldId id="355" r:id="rId22"/>
-    <p:sldId id="353" r:id="rId23"/>
-    <p:sldId id="382" r:id="rId24"/>
-    <p:sldId id="359" r:id="rId25"/>
-    <p:sldId id="360" r:id="rId26"/>
-    <p:sldId id="354" r:id="rId27"/>
-    <p:sldId id="364" r:id="rId28"/>
-    <p:sldId id="358" r:id="rId29"/>
-    <p:sldId id="368" r:id="rId30"/>
-    <p:sldId id="365" r:id="rId31"/>
-    <p:sldId id="369" r:id="rId32"/>
-    <p:sldId id="370" r:id="rId33"/>
-    <p:sldId id="371" r:id="rId34"/>
-    <p:sldId id="372" r:id="rId35"/>
-    <p:sldId id="373" r:id="rId36"/>
-    <p:sldId id="374" r:id="rId37"/>
-    <p:sldId id="375" r:id="rId38"/>
-    <p:sldId id="379" r:id="rId39"/>
-    <p:sldId id="376" r:id="rId40"/>
-    <p:sldId id="377" r:id="rId41"/>
-    <p:sldId id="378" r:id="rId42"/>
-    <p:sldId id="391" r:id="rId43"/>
-    <p:sldId id="395" r:id="rId44"/>
-    <p:sldId id="392" r:id="rId45"/>
-    <p:sldId id="398" r:id="rId46"/>
-    <p:sldId id="381" r:id="rId47"/>
-    <p:sldId id="383" r:id="rId48"/>
-    <p:sldId id="386" r:id="rId49"/>
-    <p:sldId id="387" r:id="rId50"/>
-    <p:sldId id="388" r:id="rId51"/>
-    <p:sldId id="399" r:id="rId52"/>
+    <p:sldId id="401" r:id="rId3"/>
+    <p:sldId id="400" r:id="rId4"/>
+    <p:sldId id="402" r:id="rId5"/>
+    <p:sldId id="403" r:id="rId6"/>
+    <p:sldId id="337" r:id="rId7"/>
+    <p:sldId id="404" r:id="rId8"/>
+    <p:sldId id="338" r:id="rId9"/>
+    <p:sldId id="339" r:id="rId10"/>
+    <p:sldId id="340" r:id="rId11"/>
+    <p:sldId id="341" r:id="rId12"/>
+    <p:sldId id="385" r:id="rId13"/>
+    <p:sldId id="342" r:id="rId14"/>
+    <p:sldId id="343" r:id="rId15"/>
+    <p:sldId id="344" r:id="rId16"/>
+    <p:sldId id="345" r:id="rId17"/>
+    <p:sldId id="346" r:id="rId18"/>
+    <p:sldId id="357" r:id="rId19"/>
+    <p:sldId id="356" r:id="rId20"/>
+    <p:sldId id="347" r:id="rId21"/>
+    <p:sldId id="349" r:id="rId22"/>
+    <p:sldId id="350" r:id="rId23"/>
+    <p:sldId id="351" r:id="rId24"/>
+    <p:sldId id="348" r:id="rId25"/>
+    <p:sldId id="352" r:id="rId26"/>
+    <p:sldId id="355" r:id="rId27"/>
+    <p:sldId id="353" r:id="rId28"/>
+    <p:sldId id="382" r:id="rId29"/>
+    <p:sldId id="359" r:id="rId30"/>
+    <p:sldId id="360" r:id="rId31"/>
+    <p:sldId id="354" r:id="rId32"/>
+    <p:sldId id="364" r:id="rId33"/>
+    <p:sldId id="358" r:id="rId34"/>
+    <p:sldId id="368" r:id="rId35"/>
+    <p:sldId id="365" r:id="rId36"/>
+    <p:sldId id="369" r:id="rId37"/>
+    <p:sldId id="370" r:id="rId38"/>
+    <p:sldId id="371" r:id="rId39"/>
+    <p:sldId id="372" r:id="rId40"/>
+    <p:sldId id="373" r:id="rId41"/>
+    <p:sldId id="374" r:id="rId42"/>
+    <p:sldId id="375" r:id="rId43"/>
+    <p:sldId id="379" r:id="rId44"/>
+    <p:sldId id="376" r:id="rId45"/>
+    <p:sldId id="377" r:id="rId46"/>
+    <p:sldId id="378" r:id="rId47"/>
+    <p:sldId id="391" r:id="rId48"/>
+    <p:sldId id="395" r:id="rId49"/>
+    <p:sldId id="392" r:id="rId50"/>
+    <p:sldId id="398" r:id="rId51"/>
+    <p:sldId id="381" r:id="rId52"/>
+    <p:sldId id="386" r:id="rId53"/>
+    <p:sldId id="387" r:id="rId54"/>
+    <p:sldId id="388" r:id="rId55"/>
+    <p:sldId id="399" r:id="rId56"/>
+    <p:sldId id="383" r:id="rId57"/>
   </p:sldIdLst>
   <p:sldSz cx="9144000" cy="6858000" type="screen4x3"/>
   <p:notesSz cx="6858000" cy="9144000"/>
@@ -242,7 +247,7 @@
           <a:p>
             <a:fld id="{F833E4A7-8C8F-0444-B05A-6DE0ED7B35B0}" type="datetimeFigureOut">
               <a:rPr lang="en-US" smtClean="0"/>
-              <a:t>5/17/15</a:t>
+              <a:t>5/21/15</a:t>
             </a:fld>
             <a:endParaRPr lang="en-US"/>
           </a:p>
@@ -703,7 +708,7 @@
           <a:p>
             <a:fld id="{CAF647BD-C221-1844-9ED2-A7F7759EF665}" type="datetimeFigureOut">
               <a:rPr lang="en-US" smtClean="0"/>
-              <a:t>5/17/15</a:t>
+              <a:t>5/21/15</a:t>
             </a:fld>
             <a:endParaRPr lang="en-US"/>
           </a:p>
@@ -968,7 +973,7 @@
           <a:p>
             <a:fld id="{CAF647BD-C221-1844-9ED2-A7F7759EF665}" type="datetimeFigureOut">
               <a:rPr lang="en-US" smtClean="0"/>
-              <a:t>5/17/15</a:t>
+              <a:t>5/21/15</a:t>
             </a:fld>
             <a:endParaRPr lang="en-US"/>
           </a:p>
@@ -1143,7 +1148,7 @@
           <a:p>
             <a:fld id="{CAF647BD-C221-1844-9ED2-A7F7759EF665}" type="datetimeFigureOut">
               <a:rPr lang="en-US" smtClean="0"/>
-              <a:t>5/17/15</a:t>
+              <a:t>5/21/15</a:t>
             </a:fld>
             <a:endParaRPr lang="en-US"/>
           </a:p>
@@ -1308,7 +1313,7 @@
           <a:p>
             <a:fld id="{CAF647BD-C221-1844-9ED2-A7F7759EF665}" type="datetimeFigureOut">
               <a:rPr lang="en-US" smtClean="0"/>
-              <a:t>5/17/15</a:t>
+              <a:t>5/21/15</a:t>
             </a:fld>
             <a:endParaRPr lang="en-US"/>
           </a:p>
@@ -1557,7 +1562,7 @@
           <a:p>
             <a:fld id="{CAF647BD-C221-1844-9ED2-A7F7759EF665}" type="datetimeFigureOut">
               <a:rPr lang="en-US" smtClean="0"/>
-              <a:t>5/17/15</a:t>
+              <a:t>5/21/15</a:t>
             </a:fld>
             <a:endParaRPr lang="en-US"/>
           </a:p>
@@ -1840,7 +1845,7 @@
           <a:p>
             <a:fld id="{CAF647BD-C221-1844-9ED2-A7F7759EF665}" type="datetimeFigureOut">
               <a:rPr lang="en-US" smtClean="0"/>
-              <a:t>5/17/15</a:t>
+              <a:t>5/21/15</a:t>
             </a:fld>
             <a:endParaRPr lang="en-US"/>
           </a:p>
@@ -2279,7 +2284,7 @@
           <a:p>
             <a:fld id="{CAF647BD-C221-1844-9ED2-A7F7759EF665}" type="datetimeFigureOut">
               <a:rPr lang="en-US" smtClean="0"/>
-              <a:t>5/17/15</a:t>
+              <a:t>5/21/15</a:t>
             </a:fld>
             <a:endParaRPr lang="en-US"/>
           </a:p>
@@ -2392,7 +2397,7 @@
           <a:p>
             <a:fld id="{CAF647BD-C221-1844-9ED2-A7F7759EF665}" type="datetimeFigureOut">
               <a:rPr lang="en-US" smtClean="0"/>
-              <a:t>5/17/15</a:t>
+              <a:t>5/21/15</a:t>
             </a:fld>
             <a:endParaRPr lang="en-US"/>
           </a:p>
@@ -2482,7 +2487,7 @@
           <a:p>
             <a:fld id="{CAF647BD-C221-1844-9ED2-A7F7759EF665}" type="datetimeFigureOut">
               <a:rPr lang="en-US" smtClean="0"/>
-              <a:t>5/17/15</a:t>
+              <a:t>5/21/15</a:t>
             </a:fld>
             <a:endParaRPr lang="en-US"/>
           </a:p>
@@ -2724,7 +2729,7 @@
           <a:p>
             <a:fld id="{CAF647BD-C221-1844-9ED2-A7F7759EF665}" type="datetimeFigureOut">
               <a:rPr lang="en-US" smtClean="0"/>
-              <a:t>5/17/15</a:t>
+              <a:t>5/21/15</a:t>
             </a:fld>
             <a:endParaRPr lang="en-US"/>
           </a:p>
@@ -3018,7 +3023,7 @@
           <a:p>
             <a:fld id="{CAF647BD-C221-1844-9ED2-A7F7759EF665}" type="datetimeFigureOut">
               <a:rPr lang="en-US" smtClean="0"/>
-              <a:t>5/17/15</a:t>
+              <a:t>5/21/15</a:t>
             </a:fld>
             <a:endParaRPr lang="en-US"/>
           </a:p>
@@ -3312,7 +3317,7 @@
           <a:p>
             <a:fld id="{CAF647BD-C221-1844-9ED2-A7F7759EF665}" type="datetimeFigureOut">
               <a:rPr lang="en-US" smtClean="0"/>
-              <a:t>5/17/15</a:t>
+              <a:t>5/21/15</a:t>
             </a:fld>
             <a:endParaRPr lang="en-US"/>
           </a:p>
@@ -3844,28 +3849,16 @@
           <a:p>
             <a:r>
               <a:rPr lang="en-US" dirty="0" smtClean="0"/>
-              <a:t>Stephanie </a:t>
-            </a:r>
+              <a:t>Stephanie Spielman</a:t>
+            </a:r>
+          </a:p>
+          <a:p>
+            <a:endParaRPr lang="en-US" dirty="0" smtClean="0"/>
+          </a:p>
+          <a:p>
             <a:r>
               <a:rPr lang="en-US" dirty="0" smtClean="0"/>
-              <a:t>Spielman</a:t>
-            </a:r>
-          </a:p>
-          <a:p>
-            <a:endParaRPr lang="en-US" dirty="0" smtClean="0"/>
-          </a:p>
-          <a:p>
-            <a:r>
-              <a:rPr lang="en-US" dirty="0" smtClean="0"/>
-              <a:t>Big </a:t>
-            </a:r>
-            <a:r>
-              <a:rPr lang="en-US" dirty="0" smtClean="0"/>
-              <a:t>data in biology summer school, </a:t>
-            </a:r>
-            <a:r>
-              <a:rPr lang="en-US" dirty="0" smtClean="0"/>
-              <a:t>2015</a:t>
+              <a:t>Big data in biology summer school, 2015</a:t>
             </a:r>
           </a:p>
           <a:p>
@@ -3934,8 +3927,69 @@
           <a:p>
             <a:r>
               <a:rPr lang="en-US" dirty="0" smtClean="0"/>
-              <a:t>performing logical operations</a:t>
-            </a:r>
+              <a:t>dictionary Keys must be unique</a:t>
+            </a:r>
+            <a:endParaRPr lang="en-US" dirty="0"/>
+          </a:p>
+        </p:txBody>
+      </p:sp>
+      <p:sp>
+        <p:nvSpPr>
+          <p:cNvPr id="3" name="Content Placeholder 2"/>
+          <p:cNvSpPr>
+            <a:spLocks noGrp="1"/>
+          </p:cNvSpPr>
+          <p:nvPr>
+            <p:ph idx="1"/>
+          </p:nvPr>
+        </p:nvSpPr>
+        <p:spPr/>
+        <p:txBody>
+          <a:bodyPr/>
+          <a:lstStyle/>
+          <a:p>
+            <a:pPr marL="457200" indent="-457200">
+              <a:buFont typeface="Arial"/>
+              <a:buChar char="•"/>
+            </a:pPr>
+            <a:r>
+              <a:rPr lang="en-US" dirty="0"/>
+              <a:t>Keys must be unique, but values may be repeated:</a:t>
+            </a:r>
+          </a:p>
+          <a:p>
+            <a:pPr marL="457200" indent="-457200">
+              <a:buFont typeface="Arial"/>
+              <a:buChar char="•"/>
+            </a:pPr>
+            <a:endParaRPr lang="en-US" dirty="0" smtClean="0"/>
+          </a:p>
+          <a:p>
+            <a:pPr marL="457200" indent="-457200">
+              <a:buFont typeface="Arial"/>
+              <a:buChar char="•"/>
+            </a:pPr>
+            <a:endParaRPr lang="en-US" dirty="0"/>
+          </a:p>
+          <a:p>
+            <a:pPr marL="457200" indent="-457200">
+              <a:buFont typeface="Arial"/>
+              <a:buChar char="•"/>
+            </a:pPr>
+            <a:r>
+              <a:rPr lang="en-US" dirty="0"/>
+              <a:t>Adding an existing key will </a:t>
+            </a:r>
+            <a:r>
+              <a:rPr lang="en-US" i="1" dirty="0"/>
+              <a:t>overwrite </a:t>
+            </a:r>
+            <a:r>
+              <a:rPr lang="en-US" dirty="0"/>
+              <a:t>the original:</a:t>
+            </a:r>
+          </a:p>
+          <a:p>
             <a:endParaRPr lang="en-US" dirty="0"/>
           </a:p>
         </p:txBody>
@@ -3948,8 +4002,8 @@
         </p:nvSpPr>
         <p:spPr>
           <a:xfrm>
-            <a:off x="265716" y="1632754"/>
-            <a:ext cx="8158734" cy="4524316"/>
+            <a:off x="1515498" y="2802628"/>
+            <a:ext cx="6033703" cy="369332"/>
           </a:xfrm>
           <a:prstGeom prst="rect">
             <a:avLst/>
@@ -3967,25 +4021,48 @@
                 <a:latin typeface="Monaco"/>
                 <a:cs typeface="Monaco"/>
               </a:rPr>
-              <a:t>a = 6</a:t>
-            </a:r>
-          </a:p>
-          <a:p>
-            <a:r>
-              <a:rPr lang="en-US" dirty="0" smtClean="0">
-                <a:latin typeface="Monaco"/>
-                <a:cs typeface="Monaco"/>
-              </a:rPr>
-              <a:t>b = 120</a:t>
-            </a:r>
-          </a:p>
-          <a:p>
-            <a:r>
-              <a:rPr lang="en-US" dirty="0" smtClean="0">
-                <a:latin typeface="Monaco"/>
-                <a:cs typeface="Monaco"/>
-              </a:rPr>
-              <a:t>print b &gt; a</a:t>
+              <a:t>acceptable_dict = {"a": 5, "b": 3, "c": 5}</a:t>
+            </a:r>
+          </a:p>
+        </p:txBody>
+      </p:sp>
+      <p:sp>
+        <p:nvSpPr>
+          <p:cNvPr id="5" name="TextBox 4"/>
+          <p:cNvSpPr txBox="1"/>
+          <p:nvPr/>
+        </p:nvSpPr>
+        <p:spPr>
+          <a:xfrm>
+            <a:off x="1515498" y="5177830"/>
+            <a:ext cx="6033703" cy="1200329"/>
+          </a:xfrm>
+          <a:prstGeom prst="rect">
+            <a:avLst/>
+          </a:prstGeom>
+          <a:noFill/>
+        </p:spPr>
+        <p:txBody>
+          <a:bodyPr wrap="square" rtlCol="0">
+            <a:spAutoFit/>
+          </a:bodyPr>
+          <a:lstStyle/>
+          <a:p>
+            <a:r>
+              <a:rPr lang="en-US" dirty="0" smtClean="0">
+                <a:latin typeface="Monaco"/>
+                <a:cs typeface="Monaco"/>
+              </a:rPr>
+              <a:t>acceptable_dict["a"] = 7</a:t>
+            </a:r>
+          </a:p>
+          <a:p>
+            <a:r>
+              <a:rPr lang="en-US" dirty="0" smtClean="0">
+                <a:latin typeface="Monaco"/>
+                <a:cs typeface="Monaco"/>
+              </a:rPr>
+              <a:t>print acceptable_dict</a:t>
             </a:r>
           </a:p>
           <a:p>
@@ -3997,7 +4074,7 @@
                 <a:latin typeface="Monaco"/>
                 <a:cs typeface="Monaco"/>
               </a:rPr>
-              <a:t>	</a:t>
+              <a:t>	{"a": </a:t>
             </a:r>
             <a:r>
               <a:rPr lang="en-US" dirty="0" smtClean="0">
@@ -4007,25 +4084,8 @@
                 <a:latin typeface="Monaco"/>
                 <a:cs typeface="Monaco"/>
               </a:rPr>
-              <a:t>True</a:t>
-            </a:r>
-          </a:p>
-          <a:p>
-            <a:endParaRPr lang="en-US" dirty="0" smtClean="0">
-              <a:latin typeface="Monaco"/>
-              <a:cs typeface="Monaco"/>
-            </a:endParaRPr>
-          </a:p>
-          <a:p>
-            <a:r>
-              <a:rPr lang="en-US" dirty="0" smtClean="0">
-                <a:latin typeface="Monaco"/>
-                <a:cs typeface="Monaco"/>
-              </a:rPr>
-              <a:t>print 6 == 6</a:t>
-            </a:r>
-          </a:p>
-          <a:p>
+              <a:t>7, "</a:t>
+            </a:r>
             <a:r>
               <a:rPr lang="en-US" dirty="0">
                 <a:solidFill>
@@ -4034,7 +4094,7 @@
                 <a:latin typeface="Monaco"/>
                 <a:cs typeface="Monaco"/>
               </a:rPr>
-              <a:t>	</a:t>
+              <a:t>c": </a:t>
             </a:r>
             <a:r>
               <a:rPr lang="en-US" dirty="0" smtClean="0">
@@ -4044,44 +4104,7 @@
                 <a:latin typeface="Monaco"/>
                 <a:cs typeface="Monaco"/>
               </a:rPr>
-              <a:t>True</a:t>
-            </a:r>
-          </a:p>
-          <a:p>
-            <a:endParaRPr lang="en-US" dirty="0" smtClean="0">
-              <a:latin typeface="Monaco"/>
-              <a:cs typeface="Monaco"/>
-            </a:endParaRPr>
-          </a:p>
-          <a:p>
-            <a:r>
-              <a:rPr lang="en-US" dirty="0" smtClean="0">
-                <a:latin typeface="Monaco"/>
-                <a:cs typeface="Monaco"/>
-              </a:rPr>
-              <a:t>print 7 != "this isn't even a number"</a:t>
-            </a:r>
-          </a:p>
-          <a:p>
-            <a:r>
-              <a:rPr lang="en-US" dirty="0">
-                <a:solidFill>
-                  <a:srgbClr val="A6A6A6"/>
-                </a:solidFill>
-                <a:latin typeface="Monaco"/>
-                <a:cs typeface="Monaco"/>
-              </a:rPr>
-              <a:t>	</a:t>
-            </a:r>
-            <a:r>
-              <a:rPr lang="en-US" dirty="0" smtClean="0">
-                <a:solidFill>
-                  <a:srgbClr val="A6A6A6"/>
-                </a:solidFill>
-                <a:latin typeface="Monaco"/>
-                <a:cs typeface="Monaco"/>
-              </a:rPr>
-              <a:t>True</a:t>
+              <a:t>5, "b": 3}</a:t>
             </a:r>
             <a:endParaRPr lang="en-US" dirty="0">
               <a:solidFill>
@@ -4097,81 +4120,12 @@
               <a:cs typeface="Monaco"/>
             </a:endParaRPr>
           </a:p>
-          <a:p>
-            <a:r>
-              <a:rPr lang="en-US" dirty="0" smtClean="0">
-                <a:latin typeface="Monaco"/>
-                <a:cs typeface="Monaco"/>
-              </a:rPr>
-              <a:t>c = 1.2345</a:t>
-            </a:r>
-            <a:endParaRPr lang="en-US" dirty="0">
-              <a:latin typeface="Monaco"/>
-              <a:cs typeface="Monaco"/>
-            </a:endParaRPr>
-          </a:p>
-          <a:p>
-            <a:r>
-              <a:rPr lang="en-US" dirty="0" smtClean="0">
-                <a:latin typeface="Monaco"/>
-                <a:cs typeface="Monaco"/>
-              </a:rPr>
-              <a:t>print -99 &gt;= c</a:t>
-            </a:r>
-          </a:p>
-          <a:p>
-            <a:r>
-              <a:rPr lang="en-US" dirty="0">
-                <a:latin typeface="Monaco"/>
-                <a:cs typeface="Monaco"/>
-              </a:rPr>
-              <a:t>	</a:t>
-            </a:r>
-            <a:r>
-              <a:rPr lang="en-US" dirty="0" smtClean="0">
-                <a:solidFill>
-                  <a:srgbClr val="A6A6A6"/>
-                </a:solidFill>
-                <a:latin typeface="Monaco"/>
-                <a:cs typeface="Monaco"/>
-              </a:rPr>
-              <a:t>False</a:t>
-            </a:r>
-          </a:p>
-          <a:p>
-            <a:r>
-              <a:rPr lang="en-US" dirty="0">
-                <a:solidFill>
-                  <a:srgbClr val="A6A6A6"/>
-                </a:solidFill>
-                <a:latin typeface="Monaco"/>
-                <a:cs typeface="Monaco"/>
-              </a:rPr>
-              <a:t>	</a:t>
-            </a:r>
-            <a:endParaRPr lang="en-US" dirty="0" smtClean="0">
-              <a:solidFill>
-                <a:srgbClr val="A6A6A6"/>
-              </a:solidFill>
-              <a:latin typeface="Monaco"/>
-              <a:cs typeface="Monaco"/>
-            </a:endParaRPr>
-          </a:p>
-          <a:p>
-            <a:endParaRPr lang="en-US" dirty="0">
-              <a:solidFill>
-                <a:srgbClr val="A6A6A6"/>
-              </a:solidFill>
-              <a:latin typeface="Monaco"/>
-              <a:cs typeface="Monaco"/>
-            </a:endParaRPr>
-          </a:p>
         </p:txBody>
       </p:sp>
     </p:spTree>
     <p:extLst>
       <p:ext uri="{BB962C8B-B14F-4D97-AF65-F5344CB8AC3E}">
-        <p14:creationId xmlns:p14="http://schemas.microsoft.com/office/powerpoint/2010/main" val="2935389993"/>
+        <p14:creationId xmlns:p14="http://schemas.microsoft.com/office/powerpoint/2010/main" val="3149704189"/>
       </p:ext>
     </p:extLst>
   </p:cSld>
@@ -4215,7 +4169,7 @@
           <a:p>
             <a:r>
               <a:rPr lang="en-US" dirty="0" smtClean="0"/>
-              <a:t>combining logical statements</a:t>
+              <a:t>Common dictionary methods</a:t>
             </a:r>
             <a:endParaRPr lang="en-US" dirty="0"/>
           </a:p>
@@ -4223,107 +4177,261 @@
       </p:sp>
       <p:sp>
         <p:nvSpPr>
-          <p:cNvPr id="3" name="Content Placeholder 2"/>
-          <p:cNvSpPr>
-            <a:spLocks noGrp="1"/>
-          </p:cNvSpPr>
-          <p:nvPr>
-            <p:ph idx="1"/>
-          </p:nvPr>
-        </p:nvSpPr>
-        <p:spPr/>
-        <p:txBody>
-          <a:bodyPr/>
+          <p:cNvPr id="4" name="TextBox 3"/>
+          <p:cNvSpPr txBox="1"/>
+          <p:nvPr/>
+        </p:nvSpPr>
+        <p:spPr>
+          <a:xfrm>
+            <a:off x="265716" y="1632754"/>
+            <a:ext cx="8158734" cy="3693319"/>
+          </a:xfrm>
+          <a:prstGeom prst="rect">
+            <a:avLst/>
+          </a:prstGeom>
+          <a:noFill/>
+        </p:spPr>
+        <p:txBody>
+          <a:bodyPr wrap="square" rtlCol="0">
+            <a:spAutoFit/>
+          </a:bodyPr>
           <a:lstStyle/>
           <a:p>
-            <a:pPr marL="457200" indent="-457200">
-              <a:buFont typeface="Arial"/>
-              <a:buChar char="•"/>
-            </a:pPr>
-            <a:r>
-              <a:rPr lang="en-US" dirty="0" smtClean="0"/>
-              <a:t>Use the Python operators </a:t>
-            </a:r>
-            <a:r>
-              <a:rPr lang="en-US" dirty="0" smtClean="0">
-                <a:latin typeface="Monaco"/>
-                <a:cs typeface="Monaco"/>
-              </a:rPr>
-              <a:t>and</a:t>
-            </a:r>
-            <a:r>
-              <a:rPr lang="en-US" dirty="0" smtClean="0"/>
-              <a:t> and </a:t>
-            </a:r>
-            <a:r>
-              <a:rPr lang="en-US" dirty="0" smtClean="0">
-                <a:latin typeface="Monaco"/>
-                <a:cs typeface="Monaco"/>
-              </a:rPr>
-              <a:t>or</a:t>
-            </a:r>
-            <a:r>
-              <a:rPr lang="en-US" dirty="0" smtClean="0"/>
-              <a:t> to combine logical statements</a:t>
-            </a:r>
-          </a:p>
-          <a:p>
-            <a:pPr marL="914400" lvl="1" indent="-457200">
-              <a:buFont typeface="Arial"/>
-              <a:buChar char="•"/>
-            </a:pPr>
-            <a:r>
-              <a:rPr lang="en-US" dirty="0" smtClean="0">
-                <a:latin typeface="Monaco"/>
-                <a:cs typeface="Monaco"/>
-              </a:rPr>
-              <a:t>and</a:t>
-            </a:r>
-            <a:r>
-              <a:rPr lang="en-US" dirty="0" smtClean="0"/>
-              <a:t>: </a:t>
-            </a:r>
-            <a:r>
-              <a:rPr lang="en-US" i="1" dirty="0" smtClean="0"/>
-              <a:t>both</a:t>
-            </a:r>
-            <a:r>
-              <a:rPr lang="en-US" dirty="0" smtClean="0"/>
-              <a:t> conditions must be True</a:t>
-            </a:r>
-          </a:p>
-          <a:p>
-            <a:pPr marL="914400" lvl="1" indent="-457200">
-              <a:buFont typeface="Arial"/>
-              <a:buChar char="•"/>
-            </a:pPr>
-            <a:r>
-              <a:rPr lang="en-US" dirty="0" smtClean="0">
-                <a:latin typeface="Monaco"/>
-                <a:cs typeface="Monaco"/>
-              </a:rPr>
-              <a:t>or</a:t>
-            </a:r>
-            <a:r>
-              <a:rPr lang="en-US" dirty="0" smtClean="0"/>
-              <a:t>:  </a:t>
-            </a:r>
-            <a:r>
-              <a:rPr lang="en-US" i="1" dirty="0" smtClean="0"/>
-              <a:t>only one</a:t>
-            </a:r>
-            <a:r>
-              <a:rPr lang="en-US" dirty="0" smtClean="0"/>
-              <a:t> condition must be True</a:t>
-            </a:r>
-            <a:endParaRPr lang="en-US" dirty="0"/>
+            <a:r>
+              <a:rPr lang="en-US" dirty="0" smtClean="0">
+                <a:latin typeface="Monaco"/>
+                <a:cs typeface="Monaco"/>
+              </a:rPr>
+              <a:t># Define a dictionary</a:t>
+            </a:r>
+          </a:p>
+          <a:p>
+            <a:r>
+              <a:rPr lang="en-US" dirty="0" smtClean="0">
+                <a:latin typeface="Monaco"/>
+                <a:cs typeface="Monaco"/>
+              </a:rPr>
+              <a:t>medals = {"gold": "first", "silver": "second", "bronze": "third"}</a:t>
+            </a:r>
+          </a:p>
+          <a:p>
+            <a:endParaRPr lang="en-US" dirty="0" smtClean="0">
+              <a:latin typeface="Monaco"/>
+              <a:cs typeface="Monaco"/>
+            </a:endParaRPr>
+          </a:p>
+          <a:p>
+            <a:endParaRPr lang="en-US" dirty="0" smtClean="0">
+              <a:latin typeface="Monaco"/>
+              <a:cs typeface="Monaco"/>
+            </a:endParaRPr>
+          </a:p>
+          <a:p>
+            <a:r>
+              <a:rPr lang="en-US" dirty="0" smtClean="0">
+                <a:latin typeface="Monaco"/>
+                <a:cs typeface="Monaco"/>
+              </a:rPr>
+              <a:t># The </a:t>
+            </a:r>
+            <a:r>
+              <a:rPr lang="en-US" i="1" dirty="0" smtClean="0">
+                <a:latin typeface="Monaco"/>
+                <a:cs typeface="Monaco"/>
+              </a:rPr>
+              <a:t>.keys()</a:t>
+            </a:r>
+            <a:r>
+              <a:rPr lang="en-US" dirty="0" smtClean="0">
+                <a:latin typeface="Monaco"/>
+                <a:cs typeface="Monaco"/>
+              </a:rPr>
+              <a:t> method returns a list of dictionary keys</a:t>
+            </a:r>
+          </a:p>
+          <a:p>
+            <a:r>
+              <a:rPr lang="en-US" dirty="0" smtClean="0">
+                <a:latin typeface="Monaco"/>
+                <a:cs typeface="Monaco"/>
+              </a:rPr>
+              <a:t>print </a:t>
+            </a:r>
+            <a:r>
+              <a:rPr lang="en-US" dirty="0" err="1" smtClean="0">
+                <a:latin typeface="Monaco"/>
+                <a:cs typeface="Monaco"/>
+              </a:rPr>
+              <a:t>medals.keys</a:t>
+            </a:r>
+            <a:r>
+              <a:rPr lang="en-US" dirty="0" smtClean="0">
+                <a:latin typeface="Monaco"/>
+                <a:cs typeface="Monaco"/>
+              </a:rPr>
+              <a:t>()</a:t>
+            </a:r>
+          </a:p>
+          <a:p>
+            <a:r>
+              <a:rPr lang="en-US" dirty="0">
+                <a:solidFill>
+                  <a:srgbClr val="A6A6A6"/>
+                </a:solidFill>
+                <a:latin typeface="Monaco"/>
+                <a:cs typeface="Monaco"/>
+              </a:rPr>
+              <a:t>	['bronze', 'silver', 'gold'</a:t>
+            </a:r>
+            <a:r>
+              <a:rPr lang="en-US" dirty="0" smtClean="0">
+                <a:solidFill>
+                  <a:srgbClr val="A6A6A6"/>
+                </a:solidFill>
+                <a:latin typeface="Monaco"/>
+                <a:cs typeface="Monaco"/>
+              </a:rPr>
+              <a:t>]</a:t>
+            </a:r>
+          </a:p>
+          <a:p>
+            <a:endParaRPr lang="en-US" dirty="0" smtClean="0">
+              <a:solidFill>
+                <a:schemeClr val="bg1">
+                  <a:lumMod val="65000"/>
+                </a:schemeClr>
+              </a:solidFill>
+              <a:latin typeface="Monaco"/>
+              <a:cs typeface="Monaco"/>
+            </a:endParaRPr>
+          </a:p>
+          <a:p>
+            <a:endParaRPr lang="en-US" dirty="0">
+              <a:solidFill>
+                <a:schemeClr val="bg1">
+                  <a:lumMod val="65000"/>
+                </a:schemeClr>
+              </a:solidFill>
+              <a:latin typeface="Monaco"/>
+              <a:cs typeface="Monaco"/>
+            </a:endParaRPr>
+          </a:p>
+          <a:p>
+            <a:r>
+              <a:rPr lang="en-US" dirty="0">
+                <a:latin typeface="Monaco"/>
+                <a:cs typeface="Monaco"/>
+              </a:rPr>
+              <a:t># The </a:t>
+            </a:r>
+            <a:r>
+              <a:rPr lang="en-US" i="1" dirty="0" smtClean="0">
+                <a:latin typeface="Monaco"/>
+                <a:cs typeface="Monaco"/>
+              </a:rPr>
+              <a:t>.values(</a:t>
+            </a:r>
+            <a:r>
+              <a:rPr lang="en-US" i="1" dirty="0">
+                <a:latin typeface="Monaco"/>
+                <a:cs typeface="Monaco"/>
+              </a:rPr>
+              <a:t>)</a:t>
+            </a:r>
+            <a:r>
+              <a:rPr lang="en-US" dirty="0">
+                <a:latin typeface="Monaco"/>
+                <a:cs typeface="Monaco"/>
+              </a:rPr>
+              <a:t> method returns a list of dictionary </a:t>
+            </a:r>
+            <a:r>
+              <a:rPr lang="en-US" dirty="0" smtClean="0">
+                <a:latin typeface="Monaco"/>
+                <a:cs typeface="Monaco"/>
+              </a:rPr>
+              <a:t>values</a:t>
+            </a:r>
+            <a:endParaRPr lang="en-US" dirty="0">
+              <a:latin typeface="Monaco"/>
+              <a:cs typeface="Monaco"/>
+            </a:endParaRPr>
+          </a:p>
+          <a:p>
+            <a:r>
+              <a:rPr lang="en-US" dirty="0">
+                <a:latin typeface="Monaco"/>
+                <a:cs typeface="Monaco"/>
+              </a:rPr>
+              <a:t>print </a:t>
+            </a:r>
+            <a:r>
+              <a:rPr lang="en-US" dirty="0" err="1" smtClean="0">
+                <a:latin typeface="Monaco"/>
+                <a:cs typeface="Monaco"/>
+              </a:rPr>
+              <a:t>medals.values</a:t>
+            </a:r>
+            <a:r>
+              <a:rPr lang="en-US" dirty="0" smtClean="0">
+                <a:latin typeface="Monaco"/>
+                <a:cs typeface="Monaco"/>
+              </a:rPr>
+              <a:t>(</a:t>
+            </a:r>
+            <a:r>
+              <a:rPr lang="en-US" dirty="0">
+                <a:latin typeface="Monaco"/>
+                <a:cs typeface="Monaco"/>
+              </a:rPr>
+              <a:t>)</a:t>
+            </a:r>
+          </a:p>
+          <a:p>
+            <a:r>
+              <a:rPr lang="en-US" dirty="0" smtClean="0">
+                <a:solidFill>
+                  <a:srgbClr val="A6A6A6"/>
+                </a:solidFill>
+                <a:latin typeface="Monaco"/>
+                <a:cs typeface="Monaco"/>
+              </a:rPr>
+              <a:t>	</a:t>
+            </a:r>
+            <a:r>
+              <a:rPr lang="en-US" dirty="0">
+                <a:solidFill>
+                  <a:srgbClr val="A6A6A6"/>
+                </a:solidFill>
+                <a:latin typeface="Monaco"/>
+                <a:cs typeface="Monaco"/>
+              </a:rPr>
+              <a:t>['third', 'second', 'first'</a:t>
+            </a:r>
+            <a:r>
+              <a:rPr lang="en-US" dirty="0" smtClean="0">
+                <a:solidFill>
+                  <a:srgbClr val="A6A6A6"/>
+                </a:solidFill>
+                <a:latin typeface="Monaco"/>
+                <a:cs typeface="Monaco"/>
+              </a:rPr>
+              <a:t>]</a:t>
+            </a:r>
+            <a:endParaRPr lang="en-US" dirty="0">
+              <a:solidFill>
+                <a:srgbClr val="A6A6A6"/>
+              </a:solidFill>
+              <a:latin typeface="Monaco"/>
+              <a:cs typeface="Monaco"/>
+            </a:endParaRPr>
           </a:p>
         </p:txBody>
       </p:sp>
     </p:spTree>
     <p:extLst>
       <p:ext uri="{BB962C8B-B14F-4D97-AF65-F5344CB8AC3E}">
-        <p14:creationId xmlns:p14="http://schemas.microsoft.com/office/powerpoint/2010/main" val="2442189817"/>
+        <p14:creationId xmlns:p14="http://schemas.microsoft.com/office/powerpoint/2010/main" val="3457954296"/>
       </p:ext>
     </p:extLst>
   </p:cSld>
@@ -4360,6 +4468,887 @@
             <p:ph type="title"/>
           </p:nvPr>
         </p:nvSpPr>
+        <p:spPr>
+          <a:xfrm>
+            <a:off x="2230714" y="3087537"/>
+            <a:ext cx="4688183" cy="692215"/>
+          </a:xfrm>
+        </p:spPr>
+        <p:txBody>
+          <a:bodyPr/>
+          <a:lstStyle/>
+          <a:p>
+            <a:r>
+              <a:rPr lang="en-US" dirty="0" smtClean="0"/>
+              <a:t>exercise break</a:t>
+            </a:r>
+            <a:endParaRPr lang="en-US" dirty="0"/>
+          </a:p>
+        </p:txBody>
+      </p:sp>
+    </p:spTree>
+    <p:extLst>
+      <p:ext uri="{BB962C8B-B14F-4D97-AF65-F5344CB8AC3E}">
+        <p14:creationId xmlns:p14="http://schemas.microsoft.com/office/powerpoint/2010/main" val="4207585177"/>
+      </p:ext>
+    </p:extLst>
+  </p:cSld>
+  <p:clrMapOvr>
+    <a:masterClrMapping/>
+  </p:clrMapOvr>
+</p:sld>
+</file>
+
+<file path=ppt/slides/slide13.xml><?xml version="1.0" encoding="utf-8"?>
+<p:sld xmlns:a="http://schemas.openxmlformats.org/drawingml/2006/main" xmlns:r="http://schemas.openxmlformats.org/officeDocument/2006/relationships" xmlns:p="http://schemas.openxmlformats.org/presentationml/2006/main">
+  <p:cSld>
+    <p:spTree>
+      <p:nvGrpSpPr>
+        <p:cNvPr id="1" name=""/>
+        <p:cNvGrpSpPr/>
+        <p:nvPr/>
+      </p:nvGrpSpPr>
+      <p:grpSpPr>
+        <a:xfrm>
+          <a:off x="0" y="0"/>
+          <a:ext cx="0" cy="0"/>
+          <a:chOff x="0" y="0"/>
+          <a:chExt cx="0" cy="0"/>
+        </a:xfrm>
+      </p:grpSpPr>
+      <p:sp>
+        <p:nvSpPr>
+          <p:cNvPr id="2" name="Title 1"/>
+          <p:cNvSpPr>
+            <a:spLocks noGrp="1"/>
+          </p:cNvSpPr>
+          <p:nvPr>
+            <p:ph type="title"/>
+          </p:nvPr>
+        </p:nvSpPr>
+        <p:spPr/>
+        <p:txBody>
+          <a:bodyPr/>
+          <a:lstStyle/>
+          <a:p>
+            <a:r>
+              <a:rPr lang="en-US" dirty="0" smtClean="0"/>
+              <a:t>logical evaluations and iterations</a:t>
+            </a:r>
+            <a:endParaRPr lang="en-US" dirty="0"/>
+          </a:p>
+        </p:txBody>
+      </p:sp>
+    </p:spTree>
+    <p:extLst>
+      <p:ext uri="{BB962C8B-B14F-4D97-AF65-F5344CB8AC3E}">
+        <p14:creationId xmlns:p14="http://schemas.microsoft.com/office/powerpoint/2010/main" val="4046658420"/>
+      </p:ext>
+    </p:extLst>
+  </p:cSld>
+  <p:clrMapOvr>
+    <a:masterClrMapping/>
+  </p:clrMapOvr>
+</p:sld>
+</file>
+
+<file path=ppt/slides/slide14.xml><?xml version="1.0" encoding="utf-8"?>
+<p:sld xmlns:a="http://schemas.openxmlformats.org/drawingml/2006/main" xmlns:r="http://schemas.openxmlformats.org/officeDocument/2006/relationships" xmlns:p="http://schemas.openxmlformats.org/presentationml/2006/main">
+  <p:cSld>
+    <p:spTree>
+      <p:nvGrpSpPr>
+        <p:cNvPr id="1" name=""/>
+        <p:cNvGrpSpPr/>
+        <p:nvPr/>
+      </p:nvGrpSpPr>
+      <p:grpSpPr>
+        <a:xfrm>
+          <a:off x="0" y="0"/>
+          <a:ext cx="0" cy="0"/>
+          <a:chOff x="0" y="0"/>
+          <a:chExt cx="0" cy="0"/>
+        </a:xfrm>
+      </p:grpSpPr>
+      <p:sp>
+        <p:nvSpPr>
+          <p:cNvPr id="2" name="Title 1"/>
+          <p:cNvSpPr>
+            <a:spLocks noGrp="1"/>
+          </p:cNvSpPr>
+          <p:nvPr>
+            <p:ph type="title"/>
+          </p:nvPr>
+        </p:nvSpPr>
+        <p:spPr/>
+        <p:txBody>
+          <a:bodyPr/>
+          <a:lstStyle/>
+          <a:p>
+            <a:r>
+              <a:rPr lang="en-US" dirty="0" smtClean="0"/>
+              <a:t>logical operators</a:t>
+            </a:r>
+            <a:endParaRPr lang="en-US" dirty="0"/>
+          </a:p>
+        </p:txBody>
+      </p:sp>
+      <p:sp>
+        <p:nvSpPr>
+          <p:cNvPr id="3" name="Content Placeholder 2"/>
+          <p:cNvSpPr>
+            <a:spLocks noGrp="1"/>
+          </p:cNvSpPr>
+          <p:nvPr>
+            <p:ph idx="1"/>
+          </p:nvPr>
+        </p:nvSpPr>
+        <p:spPr/>
+        <p:txBody>
+          <a:bodyPr/>
+          <a:lstStyle/>
+          <a:p>
+            <a:pPr marL="457200" indent="-457200">
+              <a:buFont typeface="Arial"/>
+              <a:buChar char="•"/>
+            </a:pPr>
+            <a:r>
+              <a:rPr lang="en-US" dirty="0" smtClean="0"/>
+              <a:t>Evaluate a condition as True or False using </a:t>
+            </a:r>
+            <a:r>
+              <a:rPr lang="en-US" i="1" dirty="0" smtClean="0"/>
+              <a:t>logical operators</a:t>
+            </a:r>
+          </a:p>
+          <a:p>
+            <a:pPr marL="914400" lvl="1" indent="-457200">
+              <a:buFont typeface="Arial"/>
+              <a:buChar char="•"/>
+            </a:pPr>
+            <a:r>
+              <a:rPr lang="en-US" dirty="0" smtClean="0"/>
+              <a:t>Variables with True/False values are of a type called </a:t>
+            </a:r>
+            <a:r>
+              <a:rPr lang="en-US" i="1" dirty="0" err="1" smtClean="0"/>
+              <a:t>boolean</a:t>
+            </a:r>
+            <a:r>
+              <a:rPr lang="en-US" dirty="0" smtClean="0"/>
+              <a:t> </a:t>
+            </a:r>
+          </a:p>
+        </p:txBody>
+      </p:sp>
+      <p:graphicFrame>
+        <p:nvGraphicFramePr>
+          <p:cNvPr id="5" name="Table 4"/>
+          <p:cNvGraphicFramePr>
+            <a:graphicFrameLocks noGrp="1"/>
+          </p:cNvGraphicFramePr>
+          <p:nvPr>
+            <p:extLst>
+              <p:ext uri="{D42A27DB-BD31-4B8C-83A1-F6EECF244321}">
+                <p14:modId xmlns:p14="http://schemas.microsoft.com/office/powerpoint/2010/main" val="3849102676"/>
+              </p:ext>
+            </p:extLst>
+          </p:nvPr>
+        </p:nvGraphicFramePr>
+        <p:xfrm>
+          <a:off x="674862" y="3857453"/>
+          <a:ext cx="7320025" cy="2268710"/>
+        </p:xfrm>
+        <a:graphic>
+          <a:graphicData uri="http://schemas.openxmlformats.org/drawingml/2006/table">
+            <a:tbl>
+              <a:tblPr firstRow="1" bandRow="1">
+                <a:tableStyleId>{616DA210-FB5B-4158-B5E0-FEB733F419BA}</a:tableStyleId>
+              </a:tblPr>
+              <a:tblGrid>
+                <a:gridCol w="1723089"/>
+                <a:gridCol w="5596936"/>
+              </a:tblGrid>
+              <a:tr h="453742">
+                <a:tc>
+                  <a:txBody>
+                    <a:bodyPr/>
+                    <a:lstStyle/>
+                    <a:p>
+                      <a:pPr algn="ctr"/>
+                      <a:r>
+                        <a:rPr lang="en-US" dirty="0" smtClean="0"/>
+                        <a:t>Operator</a:t>
+                      </a:r>
+                      <a:endParaRPr lang="en-US" dirty="0"/>
+                    </a:p>
+                  </a:txBody>
+                  <a:tcPr/>
+                </a:tc>
+                <a:tc>
+                  <a:txBody>
+                    <a:bodyPr/>
+                    <a:lstStyle/>
+                    <a:p>
+                      <a:pPr algn="ctr"/>
+                      <a:r>
+                        <a:rPr lang="en-US" dirty="0" smtClean="0"/>
+                        <a:t>Meaning</a:t>
+                      </a:r>
+                      <a:endParaRPr lang="en-US" dirty="0"/>
+                    </a:p>
+                  </a:txBody>
+                  <a:tcPr/>
+                </a:tc>
+              </a:tr>
+              <a:tr h="453742">
+                <a:tc>
+                  <a:txBody>
+                    <a:bodyPr/>
+                    <a:lstStyle/>
+                    <a:p>
+                      <a:pPr algn="ctr"/>
+                      <a:r>
+                        <a:rPr lang="en-US" dirty="0" smtClean="0">
+                          <a:latin typeface="Monaco"/>
+                          <a:cs typeface="Monaco"/>
+                        </a:rPr>
+                        <a:t>==</a:t>
+                      </a:r>
+                      <a:endParaRPr lang="en-US" dirty="0">
+                        <a:latin typeface="Monaco"/>
+                        <a:cs typeface="Monaco"/>
+                      </a:endParaRPr>
+                    </a:p>
+                  </a:txBody>
+                  <a:tcPr/>
+                </a:tc>
+                <a:tc>
+                  <a:txBody>
+                    <a:bodyPr/>
+                    <a:lstStyle/>
+                    <a:p>
+                      <a:r>
+                        <a:rPr lang="en-US" b="0" dirty="0" smtClean="0"/>
+                        <a:t>Equal</a:t>
+                      </a:r>
+                      <a:r>
+                        <a:rPr lang="en-US" b="0" baseline="0" dirty="0" smtClean="0"/>
+                        <a:t> to</a:t>
+                      </a:r>
+                      <a:endParaRPr lang="en-US" b="0" dirty="0"/>
+                    </a:p>
+                  </a:txBody>
+                  <a:tcPr/>
+                </a:tc>
+              </a:tr>
+              <a:tr h="453742">
+                <a:tc>
+                  <a:txBody>
+                    <a:bodyPr/>
+                    <a:lstStyle/>
+                    <a:p>
+                      <a:pPr algn="ctr"/>
+                      <a:r>
+                        <a:rPr lang="en-US" dirty="0" smtClean="0">
+                          <a:latin typeface="Monaco"/>
+                          <a:cs typeface="Monaco"/>
+                        </a:rPr>
+                        <a:t>!=</a:t>
+                      </a:r>
+                      <a:endParaRPr lang="en-US" dirty="0">
+                        <a:latin typeface="Monaco"/>
+                        <a:cs typeface="Monaco"/>
+                      </a:endParaRPr>
+                    </a:p>
+                  </a:txBody>
+                  <a:tcPr/>
+                </a:tc>
+                <a:tc>
+                  <a:txBody>
+                    <a:bodyPr/>
+                    <a:lstStyle/>
+                    <a:p>
+                      <a:r>
+                        <a:rPr lang="en-US" b="0" dirty="0" smtClean="0"/>
+                        <a:t>Not</a:t>
+                      </a:r>
+                      <a:r>
+                        <a:rPr lang="en-US" b="0" baseline="0" dirty="0" smtClean="0"/>
+                        <a:t> equal to</a:t>
+                      </a:r>
+                      <a:endParaRPr lang="en-US" b="0" dirty="0"/>
+                    </a:p>
+                  </a:txBody>
+                  <a:tcPr/>
+                </a:tc>
+              </a:tr>
+              <a:tr h="453742">
+                <a:tc>
+                  <a:txBody>
+                    <a:bodyPr/>
+                    <a:lstStyle/>
+                    <a:p>
+                      <a:pPr algn="ctr"/>
+                      <a:r>
+                        <a:rPr lang="en-US" dirty="0" smtClean="0">
+                          <a:latin typeface="Monaco"/>
+                          <a:cs typeface="Monaco"/>
+                        </a:rPr>
+                        <a:t>&gt;, &lt;</a:t>
+                      </a:r>
+                      <a:endParaRPr lang="en-US" dirty="0">
+                        <a:latin typeface="Monaco"/>
+                        <a:cs typeface="Monaco"/>
+                      </a:endParaRPr>
+                    </a:p>
+                  </a:txBody>
+                  <a:tcPr/>
+                </a:tc>
+                <a:tc>
+                  <a:txBody>
+                    <a:bodyPr/>
+                    <a:lstStyle/>
+                    <a:p>
+                      <a:r>
+                        <a:rPr lang="en-US" b="0" dirty="0" smtClean="0"/>
+                        <a:t>Greater than; less than</a:t>
+                      </a:r>
+                      <a:endParaRPr lang="en-US" b="0" dirty="0"/>
+                    </a:p>
+                  </a:txBody>
+                  <a:tcPr/>
+                </a:tc>
+              </a:tr>
+              <a:tr h="453742">
+                <a:tc>
+                  <a:txBody>
+                    <a:bodyPr/>
+                    <a:lstStyle/>
+                    <a:p>
+                      <a:pPr marL="0" marR="0" indent="0" algn="ctr" defTabSz="914400" rtl="0" eaLnBrk="1" fontAlgn="auto" latinLnBrk="0" hangingPunct="1">
+                        <a:lnSpc>
+                          <a:spcPct val="100000"/>
+                        </a:lnSpc>
+                        <a:spcBef>
+                          <a:spcPts val="0"/>
+                        </a:spcBef>
+                        <a:spcAft>
+                          <a:spcPts val="0"/>
+                        </a:spcAft>
+                        <a:buClrTx/>
+                        <a:buSzTx/>
+                        <a:buFontTx/>
+                        <a:buNone/>
+                        <a:tabLst/>
+                        <a:defRPr/>
+                      </a:pPr>
+                      <a:r>
+                        <a:rPr lang="en-US" dirty="0" smtClean="0">
+                          <a:latin typeface="Monaco"/>
+                          <a:cs typeface="Monaco"/>
+                        </a:rPr>
+                        <a:t>&gt;=, &lt;=</a:t>
+                      </a:r>
+                    </a:p>
+                  </a:txBody>
+                  <a:tcPr/>
+                </a:tc>
+                <a:tc>
+                  <a:txBody>
+                    <a:bodyPr/>
+                    <a:lstStyle/>
+                    <a:p>
+                      <a:r>
+                        <a:rPr lang="en-US" b="0" dirty="0" smtClean="0"/>
+                        <a:t>Greater</a:t>
+                      </a:r>
+                      <a:r>
+                        <a:rPr lang="en-US" b="0" baseline="0" dirty="0" smtClean="0"/>
+                        <a:t> than or equal to ; less than or equal to</a:t>
+                      </a:r>
+                      <a:endParaRPr lang="en-US" b="0" dirty="0"/>
+                    </a:p>
+                  </a:txBody>
+                  <a:tcPr/>
+                </a:tc>
+              </a:tr>
+            </a:tbl>
+          </a:graphicData>
+        </a:graphic>
+      </p:graphicFrame>
+    </p:spTree>
+    <p:extLst>
+      <p:ext uri="{BB962C8B-B14F-4D97-AF65-F5344CB8AC3E}">
+        <p14:creationId xmlns:p14="http://schemas.microsoft.com/office/powerpoint/2010/main" val="3896768929"/>
+      </p:ext>
+    </p:extLst>
+  </p:cSld>
+  <p:clrMapOvr>
+    <a:masterClrMapping/>
+  </p:clrMapOvr>
+</p:sld>
+</file>
+
+<file path=ppt/slides/slide15.xml><?xml version="1.0" encoding="utf-8"?>
+<p:sld xmlns:a="http://schemas.openxmlformats.org/drawingml/2006/main" xmlns:r="http://schemas.openxmlformats.org/officeDocument/2006/relationships" xmlns:p="http://schemas.openxmlformats.org/presentationml/2006/main">
+  <p:cSld>
+    <p:spTree>
+      <p:nvGrpSpPr>
+        <p:cNvPr id="1" name=""/>
+        <p:cNvGrpSpPr/>
+        <p:nvPr/>
+      </p:nvGrpSpPr>
+      <p:grpSpPr>
+        <a:xfrm>
+          <a:off x="0" y="0"/>
+          <a:ext cx="0" cy="0"/>
+          <a:chOff x="0" y="0"/>
+          <a:chExt cx="0" cy="0"/>
+        </a:xfrm>
+      </p:grpSpPr>
+      <p:sp>
+        <p:nvSpPr>
+          <p:cNvPr id="2" name="Title 1"/>
+          <p:cNvSpPr>
+            <a:spLocks noGrp="1"/>
+          </p:cNvSpPr>
+          <p:nvPr>
+            <p:ph type="title"/>
+          </p:nvPr>
+        </p:nvSpPr>
+        <p:spPr/>
+        <p:txBody>
+          <a:bodyPr/>
+          <a:lstStyle/>
+          <a:p>
+            <a:r>
+              <a:rPr lang="en-US" dirty="0" smtClean="0"/>
+              <a:t>performing logical comparisons</a:t>
+            </a:r>
+            <a:endParaRPr lang="en-US" dirty="0"/>
+          </a:p>
+        </p:txBody>
+      </p:sp>
+      <p:sp>
+        <p:nvSpPr>
+          <p:cNvPr id="4" name="TextBox 3"/>
+          <p:cNvSpPr txBox="1"/>
+          <p:nvPr/>
+        </p:nvSpPr>
+        <p:spPr>
+          <a:xfrm>
+            <a:off x="265716" y="1632754"/>
+            <a:ext cx="8158734" cy="4524316"/>
+          </a:xfrm>
+          <a:prstGeom prst="rect">
+            <a:avLst/>
+          </a:prstGeom>
+          <a:noFill/>
+        </p:spPr>
+        <p:txBody>
+          <a:bodyPr wrap="square" rtlCol="0">
+            <a:spAutoFit/>
+          </a:bodyPr>
+          <a:lstStyle/>
+          <a:p>
+            <a:r>
+              <a:rPr lang="en-US" dirty="0" smtClean="0">
+                <a:latin typeface="Monaco"/>
+                <a:cs typeface="Monaco"/>
+              </a:rPr>
+              <a:t>a = 6</a:t>
+            </a:r>
+          </a:p>
+          <a:p>
+            <a:r>
+              <a:rPr lang="en-US" dirty="0" smtClean="0">
+                <a:latin typeface="Monaco"/>
+                <a:cs typeface="Monaco"/>
+              </a:rPr>
+              <a:t>b = 120</a:t>
+            </a:r>
+          </a:p>
+          <a:p>
+            <a:r>
+              <a:rPr lang="en-US" dirty="0" smtClean="0">
+                <a:latin typeface="Monaco"/>
+                <a:cs typeface="Monaco"/>
+              </a:rPr>
+              <a:t>print b &gt; a</a:t>
+            </a:r>
+          </a:p>
+          <a:p>
+            <a:r>
+              <a:rPr lang="en-US" dirty="0">
+                <a:solidFill>
+                  <a:srgbClr val="A6A6A6"/>
+                </a:solidFill>
+                <a:latin typeface="Monaco"/>
+                <a:cs typeface="Monaco"/>
+              </a:rPr>
+              <a:t>	</a:t>
+            </a:r>
+            <a:r>
+              <a:rPr lang="en-US" dirty="0" smtClean="0">
+                <a:solidFill>
+                  <a:srgbClr val="A6A6A6"/>
+                </a:solidFill>
+                <a:latin typeface="Monaco"/>
+                <a:cs typeface="Monaco"/>
+              </a:rPr>
+              <a:t>True</a:t>
+            </a:r>
+          </a:p>
+          <a:p>
+            <a:endParaRPr lang="en-US" dirty="0" smtClean="0">
+              <a:latin typeface="Monaco"/>
+              <a:cs typeface="Monaco"/>
+            </a:endParaRPr>
+          </a:p>
+          <a:p>
+            <a:r>
+              <a:rPr lang="en-US" dirty="0" smtClean="0">
+                <a:latin typeface="Monaco"/>
+                <a:cs typeface="Monaco"/>
+              </a:rPr>
+              <a:t>print 6 == 6</a:t>
+            </a:r>
+          </a:p>
+          <a:p>
+            <a:r>
+              <a:rPr lang="en-US" dirty="0">
+                <a:solidFill>
+                  <a:srgbClr val="A6A6A6"/>
+                </a:solidFill>
+                <a:latin typeface="Monaco"/>
+                <a:cs typeface="Monaco"/>
+              </a:rPr>
+              <a:t>	</a:t>
+            </a:r>
+            <a:r>
+              <a:rPr lang="en-US" dirty="0" smtClean="0">
+                <a:solidFill>
+                  <a:srgbClr val="A6A6A6"/>
+                </a:solidFill>
+                <a:latin typeface="Monaco"/>
+                <a:cs typeface="Monaco"/>
+              </a:rPr>
+              <a:t>True</a:t>
+            </a:r>
+          </a:p>
+          <a:p>
+            <a:endParaRPr lang="en-US" dirty="0" smtClean="0">
+              <a:latin typeface="Monaco"/>
+              <a:cs typeface="Monaco"/>
+            </a:endParaRPr>
+          </a:p>
+          <a:p>
+            <a:r>
+              <a:rPr lang="en-US" dirty="0" smtClean="0">
+                <a:latin typeface="Monaco"/>
+                <a:cs typeface="Monaco"/>
+              </a:rPr>
+              <a:t>print 7 != "this isn't even a number"</a:t>
+            </a:r>
+          </a:p>
+          <a:p>
+            <a:r>
+              <a:rPr lang="en-US" dirty="0">
+                <a:solidFill>
+                  <a:srgbClr val="A6A6A6"/>
+                </a:solidFill>
+                <a:latin typeface="Monaco"/>
+                <a:cs typeface="Monaco"/>
+              </a:rPr>
+              <a:t>	</a:t>
+            </a:r>
+            <a:r>
+              <a:rPr lang="en-US" dirty="0" smtClean="0">
+                <a:solidFill>
+                  <a:srgbClr val="A6A6A6"/>
+                </a:solidFill>
+                <a:latin typeface="Monaco"/>
+                <a:cs typeface="Monaco"/>
+              </a:rPr>
+              <a:t>True</a:t>
+            </a:r>
+            <a:endParaRPr lang="en-US" dirty="0">
+              <a:solidFill>
+                <a:srgbClr val="A6A6A6"/>
+              </a:solidFill>
+              <a:latin typeface="Monaco"/>
+              <a:cs typeface="Monaco"/>
+            </a:endParaRPr>
+          </a:p>
+          <a:p>
+            <a:endParaRPr lang="en-US" dirty="0" smtClean="0">
+              <a:latin typeface="Monaco"/>
+              <a:cs typeface="Monaco"/>
+            </a:endParaRPr>
+          </a:p>
+          <a:p>
+            <a:r>
+              <a:rPr lang="en-US" dirty="0" smtClean="0">
+                <a:latin typeface="Monaco"/>
+                <a:cs typeface="Monaco"/>
+              </a:rPr>
+              <a:t>c = 1.2345</a:t>
+            </a:r>
+            <a:endParaRPr lang="en-US" dirty="0">
+              <a:latin typeface="Monaco"/>
+              <a:cs typeface="Monaco"/>
+            </a:endParaRPr>
+          </a:p>
+          <a:p>
+            <a:r>
+              <a:rPr lang="en-US" dirty="0" smtClean="0">
+                <a:latin typeface="Monaco"/>
+                <a:cs typeface="Monaco"/>
+              </a:rPr>
+              <a:t>print -99 &gt;= c</a:t>
+            </a:r>
+          </a:p>
+          <a:p>
+            <a:r>
+              <a:rPr lang="en-US" dirty="0">
+                <a:latin typeface="Monaco"/>
+                <a:cs typeface="Monaco"/>
+              </a:rPr>
+              <a:t>	</a:t>
+            </a:r>
+            <a:r>
+              <a:rPr lang="en-US" dirty="0" smtClean="0">
+                <a:solidFill>
+                  <a:srgbClr val="A6A6A6"/>
+                </a:solidFill>
+                <a:latin typeface="Monaco"/>
+                <a:cs typeface="Monaco"/>
+              </a:rPr>
+              <a:t>False</a:t>
+            </a:r>
+          </a:p>
+          <a:p>
+            <a:r>
+              <a:rPr lang="en-US" dirty="0">
+                <a:solidFill>
+                  <a:srgbClr val="A6A6A6"/>
+                </a:solidFill>
+                <a:latin typeface="Monaco"/>
+                <a:cs typeface="Monaco"/>
+              </a:rPr>
+              <a:t>	</a:t>
+            </a:r>
+            <a:endParaRPr lang="en-US" dirty="0" smtClean="0">
+              <a:solidFill>
+                <a:srgbClr val="A6A6A6"/>
+              </a:solidFill>
+              <a:latin typeface="Monaco"/>
+              <a:cs typeface="Monaco"/>
+            </a:endParaRPr>
+          </a:p>
+          <a:p>
+            <a:endParaRPr lang="en-US" dirty="0">
+              <a:solidFill>
+                <a:srgbClr val="A6A6A6"/>
+              </a:solidFill>
+              <a:latin typeface="Monaco"/>
+              <a:cs typeface="Monaco"/>
+            </a:endParaRPr>
+          </a:p>
+        </p:txBody>
+      </p:sp>
+    </p:spTree>
+    <p:extLst>
+      <p:ext uri="{BB962C8B-B14F-4D97-AF65-F5344CB8AC3E}">
+        <p14:creationId xmlns:p14="http://schemas.microsoft.com/office/powerpoint/2010/main" val="2935389993"/>
+      </p:ext>
+    </p:extLst>
+  </p:cSld>
+  <p:clrMapOvr>
+    <a:masterClrMapping/>
+  </p:clrMapOvr>
+</p:sld>
+</file>
+
+<file path=ppt/slides/slide16.xml><?xml version="1.0" encoding="utf-8"?>
+<p:sld xmlns:a="http://schemas.openxmlformats.org/drawingml/2006/main" xmlns:r="http://schemas.openxmlformats.org/officeDocument/2006/relationships" xmlns:p="http://schemas.openxmlformats.org/presentationml/2006/main">
+  <p:cSld>
+    <p:spTree>
+      <p:nvGrpSpPr>
+        <p:cNvPr id="1" name=""/>
+        <p:cNvGrpSpPr/>
+        <p:nvPr/>
+      </p:nvGrpSpPr>
+      <p:grpSpPr>
+        <a:xfrm>
+          <a:off x="0" y="0"/>
+          <a:ext cx="0" cy="0"/>
+          <a:chOff x="0" y="0"/>
+          <a:chExt cx="0" cy="0"/>
+        </a:xfrm>
+      </p:grpSpPr>
+      <p:sp>
+        <p:nvSpPr>
+          <p:cNvPr id="2" name="Title 1"/>
+          <p:cNvSpPr>
+            <a:spLocks noGrp="1"/>
+          </p:cNvSpPr>
+          <p:nvPr>
+            <p:ph type="title"/>
+          </p:nvPr>
+        </p:nvSpPr>
+        <p:spPr/>
+        <p:txBody>
+          <a:bodyPr/>
+          <a:lstStyle/>
+          <a:p>
+            <a:r>
+              <a:rPr lang="en-US" dirty="0" smtClean="0"/>
+              <a:t>combining logical statements</a:t>
+            </a:r>
+            <a:endParaRPr lang="en-US" dirty="0"/>
+          </a:p>
+        </p:txBody>
+      </p:sp>
+      <p:sp>
+        <p:nvSpPr>
+          <p:cNvPr id="3" name="Content Placeholder 2"/>
+          <p:cNvSpPr>
+            <a:spLocks noGrp="1"/>
+          </p:cNvSpPr>
+          <p:nvPr>
+            <p:ph idx="1"/>
+          </p:nvPr>
+        </p:nvSpPr>
+        <p:spPr/>
+        <p:txBody>
+          <a:bodyPr/>
+          <a:lstStyle/>
+          <a:p>
+            <a:pPr marL="457200" indent="-457200">
+              <a:buFont typeface="Arial"/>
+              <a:buChar char="•"/>
+            </a:pPr>
+            <a:r>
+              <a:rPr lang="en-US" dirty="0" smtClean="0"/>
+              <a:t>Use the Python operators </a:t>
+            </a:r>
+            <a:r>
+              <a:rPr lang="en-US" dirty="0" smtClean="0">
+                <a:latin typeface="Monaco"/>
+                <a:cs typeface="Monaco"/>
+              </a:rPr>
+              <a:t>and</a:t>
+            </a:r>
+            <a:r>
+              <a:rPr lang="en-US" dirty="0" smtClean="0"/>
+              <a:t> and </a:t>
+            </a:r>
+            <a:r>
+              <a:rPr lang="en-US" dirty="0" smtClean="0">
+                <a:latin typeface="Monaco"/>
+                <a:cs typeface="Monaco"/>
+              </a:rPr>
+              <a:t>or</a:t>
+            </a:r>
+            <a:r>
+              <a:rPr lang="en-US" dirty="0" smtClean="0"/>
+              <a:t> to combine logical statements</a:t>
+            </a:r>
+          </a:p>
+          <a:p>
+            <a:pPr marL="914400" lvl="1" indent="-457200">
+              <a:buFont typeface="Arial"/>
+              <a:buChar char="•"/>
+            </a:pPr>
+            <a:r>
+              <a:rPr lang="en-US" dirty="0" smtClean="0">
+                <a:latin typeface="Monaco"/>
+                <a:cs typeface="Monaco"/>
+              </a:rPr>
+              <a:t>and</a:t>
+            </a:r>
+            <a:r>
+              <a:rPr lang="en-US" dirty="0" smtClean="0"/>
+              <a:t>: </a:t>
+            </a:r>
+            <a:r>
+              <a:rPr lang="en-US" i="1" dirty="0" smtClean="0"/>
+              <a:t>both</a:t>
+            </a:r>
+            <a:r>
+              <a:rPr lang="en-US" dirty="0" smtClean="0"/>
+              <a:t> conditions must be True</a:t>
+            </a:r>
+          </a:p>
+          <a:p>
+            <a:pPr marL="914400" lvl="1" indent="-457200">
+              <a:buFont typeface="Arial"/>
+              <a:buChar char="•"/>
+            </a:pPr>
+            <a:r>
+              <a:rPr lang="en-US" dirty="0" smtClean="0">
+                <a:latin typeface="Monaco"/>
+                <a:cs typeface="Monaco"/>
+              </a:rPr>
+              <a:t>or</a:t>
+            </a:r>
+            <a:r>
+              <a:rPr lang="en-US" dirty="0" smtClean="0"/>
+              <a:t>:  </a:t>
+            </a:r>
+            <a:r>
+              <a:rPr lang="en-US" i="1" dirty="0" smtClean="0"/>
+              <a:t>only one</a:t>
+            </a:r>
+            <a:r>
+              <a:rPr lang="en-US" dirty="0" smtClean="0"/>
+              <a:t> condition must be True</a:t>
+            </a:r>
+            <a:endParaRPr lang="en-US" dirty="0"/>
+          </a:p>
+        </p:txBody>
+      </p:sp>
+    </p:spTree>
+    <p:extLst>
+      <p:ext uri="{BB962C8B-B14F-4D97-AF65-F5344CB8AC3E}">
+        <p14:creationId xmlns:p14="http://schemas.microsoft.com/office/powerpoint/2010/main" val="2442189817"/>
+      </p:ext>
+    </p:extLst>
+  </p:cSld>
+  <p:clrMapOvr>
+    <a:masterClrMapping/>
+  </p:clrMapOvr>
+</p:sld>
+</file>
+
+<file path=ppt/slides/slide17.xml><?xml version="1.0" encoding="utf-8"?>
+<p:sld xmlns:a="http://schemas.openxmlformats.org/drawingml/2006/main" xmlns:r="http://schemas.openxmlformats.org/officeDocument/2006/relationships" xmlns:p="http://schemas.openxmlformats.org/presentationml/2006/main">
+  <p:cSld>
+    <p:spTree>
+      <p:nvGrpSpPr>
+        <p:cNvPr id="1" name=""/>
+        <p:cNvGrpSpPr/>
+        <p:nvPr/>
+      </p:nvGrpSpPr>
+      <p:grpSpPr>
+        <a:xfrm>
+          <a:off x="0" y="0"/>
+          <a:ext cx="0" cy="0"/>
+          <a:chOff x="0" y="0"/>
+          <a:chExt cx="0" cy="0"/>
+        </a:xfrm>
+      </p:grpSpPr>
+      <p:sp>
+        <p:nvSpPr>
+          <p:cNvPr id="2" name="Title 1"/>
+          <p:cNvSpPr>
+            <a:spLocks noGrp="1"/>
+          </p:cNvSpPr>
+          <p:nvPr>
+            <p:ph type="title"/>
+          </p:nvPr>
+        </p:nvSpPr>
         <p:spPr/>
         <p:txBody>
           <a:bodyPr/>
@@ -4695,7 +5684,7 @@
 </p:sld>
 </file>
 
-<file path=ppt/slides/slide13.xml><?xml version="1.0" encoding="utf-8"?>
+<file path=ppt/slides/slide18.xml><?xml version="1.0" encoding="utf-8"?>
 <p:sld xmlns:a="http://schemas.openxmlformats.org/drawingml/2006/main" xmlns:r="http://schemas.openxmlformats.org/officeDocument/2006/relationships" xmlns:p="http://schemas.openxmlformats.org/presentationml/2006/main">
   <p:cSld>
     <p:spTree>
@@ -4778,7 +5767,7 @@
 </p:sld>
 </file>
 
-<file path=ppt/slides/slide14.xml><?xml version="1.0" encoding="utf-8"?>
+<file path=ppt/slides/slide19.xml><?xml version="1.0" encoding="utf-8"?>
 <p:sld xmlns:a="http://schemas.openxmlformats.org/drawingml/2006/main" xmlns:r="http://schemas.openxmlformats.org/officeDocument/2006/relationships" xmlns:p="http://schemas.openxmlformats.org/presentationml/2006/main">
   <p:cSld>
     <p:spTree>
@@ -5152,7 +6141,128 @@
 </p:sld>
 </file>
 
-<file path=ppt/slides/slide15.xml><?xml version="1.0" encoding="utf-8"?>
+<file path=ppt/slides/slide2.xml><?xml version="1.0" encoding="utf-8"?>
+<p:sld xmlns:a="http://schemas.openxmlformats.org/drawingml/2006/main" xmlns:r="http://schemas.openxmlformats.org/officeDocument/2006/relationships" xmlns:p="http://schemas.openxmlformats.org/presentationml/2006/main">
+  <p:cSld>
+    <p:spTree>
+      <p:nvGrpSpPr>
+        <p:cNvPr id="1" name=""/>
+        <p:cNvGrpSpPr/>
+        <p:nvPr/>
+      </p:nvGrpSpPr>
+      <p:grpSpPr>
+        <a:xfrm>
+          <a:off x="0" y="0"/>
+          <a:ext cx="0" cy="0"/>
+          <a:chOff x="0" y="0"/>
+          <a:chExt cx="0" cy="0"/>
+        </a:xfrm>
+      </p:grpSpPr>
+      <p:sp>
+        <p:nvSpPr>
+          <p:cNvPr id="2" name="Title 1"/>
+          <p:cNvSpPr>
+            <a:spLocks noGrp="1"/>
+          </p:cNvSpPr>
+          <p:nvPr>
+            <p:ph type="title"/>
+          </p:nvPr>
+        </p:nvSpPr>
+        <p:spPr/>
+        <p:txBody>
+          <a:bodyPr/>
+          <a:lstStyle/>
+          <a:p>
+            <a:r>
+              <a:rPr lang="en-US" dirty="0" smtClean="0"/>
+              <a:t>another data type: dictionaries</a:t>
+            </a:r>
+            <a:endParaRPr lang="en-US" dirty="0"/>
+          </a:p>
+        </p:txBody>
+      </p:sp>
+      <p:sp>
+        <p:nvSpPr>
+          <p:cNvPr id="3" name="Content Placeholder 2"/>
+          <p:cNvSpPr>
+            <a:spLocks noGrp="1"/>
+          </p:cNvSpPr>
+          <p:nvPr>
+            <p:ph idx="1"/>
+          </p:nvPr>
+        </p:nvSpPr>
+        <p:spPr/>
+        <p:txBody>
+          <a:bodyPr/>
+          <a:lstStyle/>
+          <a:p>
+            <a:pPr marL="457200" indent="-457200">
+              <a:buFont typeface="Arial"/>
+              <a:buChar char="•"/>
+            </a:pPr>
+            <a:r>
+              <a:rPr lang="en-US" dirty="0" smtClean="0"/>
+              <a:t>Dictionaries are defined with braces: </a:t>
+            </a:r>
+            <a:r>
+              <a:rPr lang="en-US" dirty="0" smtClean="0">
+                <a:latin typeface="Monaco"/>
+                <a:cs typeface="Monaco"/>
+              </a:rPr>
+              <a:t>{}</a:t>
+            </a:r>
+          </a:p>
+          <a:p>
+            <a:pPr marL="914400" lvl="1" indent="-457200">
+              <a:buFont typeface="Arial"/>
+              <a:buChar char="•"/>
+            </a:pPr>
+            <a:r>
+              <a:rPr lang="en-US" dirty="0" smtClean="0"/>
+              <a:t>Contain </a:t>
+            </a:r>
+            <a:r>
+              <a:rPr lang="en-US" dirty="0" err="1" smtClean="0">
+                <a:latin typeface="Monaco"/>
+                <a:cs typeface="Monaco"/>
+              </a:rPr>
+              <a:t>key:value</a:t>
+            </a:r>
+            <a:r>
+              <a:rPr lang="en-US" dirty="0" smtClean="0"/>
+              <a:t> pairs</a:t>
+            </a:r>
+          </a:p>
+          <a:p>
+            <a:pPr marL="914400" lvl="1" indent="-457200">
+              <a:buFont typeface="Arial"/>
+              <a:buChar char="•"/>
+            </a:pPr>
+            <a:r>
+              <a:rPr lang="en-US" dirty="0" smtClean="0"/>
+              <a:t>Known in other contexts as "associative arrays"</a:t>
+            </a:r>
+            <a:endParaRPr lang="en-US" dirty="0"/>
+          </a:p>
+          <a:p>
+            <a:endParaRPr lang="en-US" dirty="0"/>
+          </a:p>
+        </p:txBody>
+      </p:sp>
+    </p:spTree>
+    <p:extLst>
+      <p:ext uri="{BB962C8B-B14F-4D97-AF65-F5344CB8AC3E}">
+        <p14:creationId xmlns:p14="http://schemas.microsoft.com/office/powerpoint/2010/main" val="2214839457"/>
+      </p:ext>
+    </p:extLst>
+  </p:cSld>
+  <p:clrMapOvr>
+    <a:masterClrMapping/>
+  </p:clrMapOvr>
+</p:sld>
+</file>
+
+<file path=ppt/slides/slide20.xml><?xml version="1.0" encoding="utf-8"?>
 <p:sld xmlns:a="http://schemas.openxmlformats.org/drawingml/2006/main" xmlns:r="http://schemas.openxmlformats.org/officeDocument/2006/relationships" xmlns:p="http://schemas.openxmlformats.org/presentationml/2006/main">
   <p:cSld>
     <p:spTree>
@@ -5616,7 +6726,7 @@
 </p:sld>
 </file>
 
-<file path=ppt/slides/slide16.xml><?xml version="1.0" encoding="utf-8"?>
+<file path=ppt/slides/slide21.xml><?xml version="1.0" encoding="utf-8"?>
 <p:sld xmlns:a="http://schemas.openxmlformats.org/drawingml/2006/main" xmlns:r="http://schemas.openxmlformats.org/officeDocument/2006/relationships" xmlns:p="http://schemas.openxmlformats.org/presentationml/2006/main">
   <p:cSld>
     <p:spTree>
@@ -5758,7 +6868,7 @@
 </p:sld>
 </file>
 
-<file path=ppt/slides/slide17.xml><?xml version="1.0" encoding="utf-8"?>
+<file path=ppt/slides/slide22.xml><?xml version="1.0" encoding="utf-8"?>
 <p:sld xmlns:a="http://schemas.openxmlformats.org/drawingml/2006/main" xmlns:r="http://schemas.openxmlformats.org/officeDocument/2006/relationships" xmlns:p="http://schemas.openxmlformats.org/presentationml/2006/main">
   <p:cSld>
     <p:spTree>
@@ -6247,7 +7357,7 @@
 </p:sld>
 </file>
 
-<file path=ppt/slides/slide18.xml><?xml version="1.0" encoding="utf-8"?>
+<file path=ppt/slides/slide23.xml><?xml version="1.0" encoding="utf-8"?>
 <p:sld xmlns:a="http://schemas.openxmlformats.org/drawingml/2006/main" xmlns:r="http://schemas.openxmlformats.org/officeDocument/2006/relationships" xmlns:p="http://schemas.openxmlformats.org/presentationml/2006/main">
   <p:cSld>
     <p:spTree>
@@ -6414,7 +7524,7 @@
 </p:sld>
 </file>
 
-<file path=ppt/slides/slide19.xml><?xml version="1.0" encoding="utf-8"?>
+<file path=ppt/slides/slide24.xml><?xml version="1.0" encoding="utf-8"?>
 <p:sld xmlns:a="http://schemas.openxmlformats.org/drawingml/2006/main" xmlns:r="http://schemas.openxmlformats.org/officeDocument/2006/relationships" xmlns:p="http://schemas.openxmlformats.org/presentationml/2006/main">
   <p:cSld>
     <p:spTree>
@@ -7026,400 +8136,7 @@
 </p:sld>
 </file>
 
-<file path=ppt/slides/slide2.xml><?xml version="1.0" encoding="utf-8"?>
-<p:sld xmlns:a="http://schemas.openxmlformats.org/drawingml/2006/main" xmlns:r="http://schemas.openxmlformats.org/officeDocument/2006/relationships" xmlns:p="http://schemas.openxmlformats.org/presentationml/2006/main">
-  <p:cSld>
-    <p:spTree>
-      <p:nvGrpSpPr>
-        <p:cNvPr id="1" name=""/>
-        <p:cNvGrpSpPr/>
-        <p:nvPr/>
-      </p:nvGrpSpPr>
-      <p:grpSpPr>
-        <a:xfrm>
-          <a:off x="0" y="0"/>
-          <a:ext cx="0" cy="0"/>
-          <a:chOff x="0" y="0"/>
-          <a:chExt cx="0" cy="0"/>
-        </a:xfrm>
-      </p:grpSpPr>
-      <p:sp>
-        <p:nvSpPr>
-          <p:cNvPr id="2" name="Title 1"/>
-          <p:cNvSpPr>
-            <a:spLocks noGrp="1"/>
-          </p:cNvSpPr>
-          <p:nvPr>
-            <p:ph type="title"/>
-          </p:nvPr>
-        </p:nvSpPr>
-        <p:spPr/>
-        <p:txBody>
-          <a:bodyPr/>
-          <a:lstStyle/>
-          <a:p>
-            <a:r>
-              <a:rPr lang="en-US" dirty="0" smtClean="0"/>
-              <a:t>another data type: dictionaries</a:t>
-            </a:r>
-            <a:endParaRPr lang="en-US" dirty="0"/>
-          </a:p>
-        </p:txBody>
-      </p:sp>
-      <p:sp>
-        <p:nvSpPr>
-          <p:cNvPr id="3" name="Content Placeholder 2"/>
-          <p:cNvSpPr>
-            <a:spLocks noGrp="1"/>
-          </p:cNvSpPr>
-          <p:nvPr>
-            <p:ph idx="1"/>
-          </p:nvPr>
-        </p:nvSpPr>
-        <p:spPr/>
-        <p:txBody>
-          <a:bodyPr/>
-          <a:lstStyle/>
-          <a:p>
-            <a:pPr marL="457200" indent="-457200">
-              <a:buFont typeface="Arial"/>
-              <a:buChar char="•"/>
-            </a:pPr>
-            <a:r>
-              <a:rPr lang="en-US" dirty="0" smtClean="0"/>
-              <a:t>Dictionaries are defined with braces: </a:t>
-            </a:r>
-            <a:r>
-              <a:rPr lang="en-US" dirty="0" smtClean="0">
-                <a:latin typeface="Monaco"/>
-                <a:cs typeface="Monaco"/>
-              </a:rPr>
-              <a:t>{}</a:t>
-            </a:r>
-          </a:p>
-          <a:p>
-            <a:pPr marL="914400" lvl="1" indent="-457200">
-              <a:buFont typeface="Arial"/>
-              <a:buChar char="•"/>
-            </a:pPr>
-            <a:r>
-              <a:rPr lang="en-US" dirty="0" smtClean="0"/>
-              <a:t>Contain </a:t>
-            </a:r>
-            <a:r>
-              <a:rPr lang="en-US" dirty="0" err="1" smtClean="0">
-                <a:latin typeface="Monaco"/>
-                <a:cs typeface="Monaco"/>
-              </a:rPr>
-              <a:t>key:value</a:t>
-            </a:r>
-            <a:r>
-              <a:rPr lang="en-US" dirty="0" smtClean="0"/>
-              <a:t> pairs</a:t>
-            </a:r>
-          </a:p>
-          <a:p>
-            <a:pPr marL="914400" lvl="1" indent="-457200">
-              <a:buFont typeface="Arial"/>
-              <a:buChar char="•"/>
-            </a:pPr>
-            <a:r>
-              <a:rPr lang="en-US" dirty="0" smtClean="0"/>
-              <a:t>Known in other contexts as "associative arrays"</a:t>
-            </a:r>
-            <a:endParaRPr lang="en-US" dirty="0"/>
-          </a:p>
-          <a:p>
-            <a:endParaRPr lang="en-US" dirty="0"/>
-          </a:p>
-        </p:txBody>
-      </p:sp>
-      <p:sp>
-        <p:nvSpPr>
-          <p:cNvPr id="4" name="TextBox 3"/>
-          <p:cNvSpPr txBox="1"/>
-          <p:nvPr/>
-        </p:nvSpPr>
-        <p:spPr>
-          <a:xfrm>
-            <a:off x="457199" y="3463843"/>
-            <a:ext cx="8338444" cy="3970318"/>
-          </a:xfrm>
-          <a:prstGeom prst="rect">
-            <a:avLst/>
-          </a:prstGeom>
-          <a:noFill/>
-        </p:spPr>
-        <p:txBody>
-          <a:bodyPr wrap="square" rtlCol="0">
-            <a:spAutoFit/>
-          </a:bodyPr>
-          <a:lstStyle/>
-          <a:p>
-            <a:r>
-              <a:rPr lang="en-US" dirty="0" smtClean="0">
-                <a:latin typeface="Monaco"/>
-                <a:cs typeface="Monaco"/>
-              </a:rPr>
-              <a:t># Define a dictionary of names</a:t>
-            </a:r>
-          </a:p>
-          <a:p>
-            <a:r>
-              <a:rPr lang="en-US" dirty="0" smtClean="0">
-                <a:latin typeface="Monaco"/>
-                <a:cs typeface="Monaco"/>
-              </a:rPr>
-              <a:t>names = {"Stephanie": "Spielman", "</a:t>
-            </a:r>
-            <a:r>
-              <a:rPr lang="en-US" dirty="0" err="1" smtClean="0">
-                <a:latin typeface="Monaco"/>
-                <a:cs typeface="Monaco"/>
-              </a:rPr>
-              <a:t>Eleisha</a:t>
-            </a:r>
-            <a:r>
-              <a:rPr lang="en-US" dirty="0" smtClean="0">
-                <a:latin typeface="Monaco"/>
-                <a:cs typeface="Monaco"/>
-              </a:rPr>
-              <a:t>": "Jackson", "Claus": "</a:t>
-            </a:r>
-            <a:r>
-              <a:rPr lang="en-US" dirty="0" err="1" smtClean="0">
-                <a:latin typeface="Monaco"/>
-                <a:cs typeface="Monaco"/>
-              </a:rPr>
-              <a:t>Wilke</a:t>
-            </a:r>
-            <a:r>
-              <a:rPr lang="en-US" dirty="0" smtClean="0">
-                <a:latin typeface="Monaco"/>
-                <a:cs typeface="Monaco"/>
-              </a:rPr>
-              <a:t>"}</a:t>
-            </a:r>
-          </a:p>
-          <a:p>
-            <a:endParaRPr lang="en-US" dirty="0">
-              <a:latin typeface="Monaco"/>
-              <a:cs typeface="Monaco"/>
-            </a:endParaRPr>
-          </a:p>
-          <a:p>
-            <a:r>
-              <a:rPr lang="en-US" dirty="0" smtClean="0">
-                <a:latin typeface="Monaco"/>
-                <a:cs typeface="Monaco"/>
-              </a:rPr>
-              <a:t># Each </a:t>
-            </a:r>
-            <a:r>
-              <a:rPr lang="en-US" dirty="0" err="1" smtClean="0">
-                <a:latin typeface="Monaco"/>
-                <a:cs typeface="Monaco"/>
-              </a:rPr>
-              <a:t>key:value</a:t>
-            </a:r>
-            <a:r>
-              <a:rPr lang="en-US" dirty="0" smtClean="0">
-                <a:latin typeface="Monaco"/>
-                <a:cs typeface="Monaco"/>
-              </a:rPr>
-              <a:t> pair is a single item</a:t>
-            </a:r>
-          </a:p>
-          <a:p>
-            <a:r>
-              <a:rPr lang="en-US" dirty="0" smtClean="0">
-                <a:latin typeface="Monaco"/>
-                <a:cs typeface="Monaco"/>
-              </a:rPr>
-              <a:t>print </a:t>
-            </a:r>
-            <a:r>
-              <a:rPr lang="en-US" dirty="0" err="1" smtClean="0">
-                <a:latin typeface="Monaco"/>
-                <a:cs typeface="Monaco"/>
-              </a:rPr>
-              <a:t>len</a:t>
-            </a:r>
-            <a:r>
-              <a:rPr lang="en-US" dirty="0" smtClean="0">
-                <a:latin typeface="Monaco"/>
-                <a:cs typeface="Monaco"/>
-              </a:rPr>
-              <a:t>(names)</a:t>
-            </a:r>
-          </a:p>
-          <a:p>
-            <a:r>
-              <a:rPr lang="en-US" dirty="0">
-                <a:latin typeface="Monaco"/>
-                <a:cs typeface="Monaco"/>
-              </a:rPr>
-              <a:t>	</a:t>
-            </a:r>
-            <a:r>
-              <a:rPr lang="en-US" dirty="0" smtClean="0">
-                <a:solidFill>
-                  <a:schemeClr val="bg1">
-                    <a:lumMod val="65000"/>
-                  </a:schemeClr>
-                </a:solidFill>
-                <a:latin typeface="Monaco"/>
-                <a:cs typeface="Monaco"/>
-              </a:rPr>
-              <a:t>3</a:t>
-            </a:r>
-          </a:p>
-          <a:p>
-            <a:endParaRPr lang="en-US" dirty="0">
-              <a:latin typeface="Monaco"/>
-              <a:cs typeface="Monaco"/>
-            </a:endParaRPr>
-          </a:p>
-          <a:p>
-            <a:r>
-              <a:rPr lang="en-US" dirty="0" smtClean="0">
-                <a:latin typeface="Monaco"/>
-                <a:cs typeface="Monaco"/>
-              </a:rPr>
-              <a:t># Index dictionaries via *keys* (not position!!)</a:t>
-            </a:r>
-          </a:p>
-          <a:p>
-            <a:r>
-              <a:rPr lang="en-US" dirty="0" smtClean="0">
-                <a:latin typeface="Monaco"/>
-                <a:cs typeface="Monaco"/>
-              </a:rPr>
-              <a:t>print names["</a:t>
-            </a:r>
-            <a:r>
-              <a:rPr lang="en-US" dirty="0" err="1" smtClean="0">
-                <a:latin typeface="Monaco"/>
-                <a:cs typeface="Monaco"/>
-              </a:rPr>
-              <a:t>Eleisha</a:t>
-            </a:r>
-            <a:r>
-              <a:rPr lang="en-US" dirty="0" smtClean="0">
-                <a:latin typeface="Monaco"/>
-                <a:cs typeface="Monaco"/>
-              </a:rPr>
-              <a:t>"]</a:t>
-            </a:r>
-          </a:p>
-          <a:p>
-            <a:r>
-              <a:rPr lang="en-US" dirty="0">
-                <a:solidFill>
-                  <a:schemeClr val="bg1">
-                    <a:lumMod val="65000"/>
-                  </a:schemeClr>
-                </a:solidFill>
-                <a:latin typeface="Monaco"/>
-                <a:cs typeface="Monaco"/>
-              </a:rPr>
-              <a:t>	</a:t>
-            </a:r>
-            <a:r>
-              <a:rPr lang="en-US" dirty="0" smtClean="0">
-                <a:solidFill>
-                  <a:schemeClr val="bg1">
-                    <a:lumMod val="65000"/>
-                  </a:schemeClr>
-                </a:solidFill>
-                <a:latin typeface="Monaco"/>
-                <a:cs typeface="Monaco"/>
-              </a:rPr>
-              <a:t>"Jackson"</a:t>
-            </a:r>
-          </a:p>
-          <a:p>
-            <a:endParaRPr lang="en-US" dirty="0">
-              <a:latin typeface="Monaco"/>
-              <a:cs typeface="Monaco"/>
-            </a:endParaRPr>
-          </a:p>
-          <a:p>
-            <a:endParaRPr lang="en-US" dirty="0" smtClean="0">
-              <a:latin typeface="Monaco"/>
-              <a:cs typeface="Monaco"/>
-            </a:endParaRPr>
-          </a:p>
-          <a:p>
-            <a:r>
-              <a:rPr lang="en-US" dirty="0" smtClean="0">
-                <a:latin typeface="Monaco"/>
-                <a:cs typeface="Monaco"/>
-              </a:rPr>
-              <a:t> </a:t>
-            </a:r>
-          </a:p>
-        </p:txBody>
-      </p:sp>
-      <p:sp>
-        <p:nvSpPr>
-          <p:cNvPr id="5" name="Rectangle 4"/>
-          <p:cNvSpPr/>
-          <p:nvPr/>
-        </p:nvSpPr>
-        <p:spPr>
-          <a:xfrm>
-            <a:off x="1761248" y="3765274"/>
-            <a:ext cx="3177481" cy="283603"/>
-          </a:xfrm>
-          <a:prstGeom prst="rect">
-            <a:avLst/>
-          </a:prstGeom>
-          <a:noFill/>
-          <a:ln w="28575" cmpd="sng">
-            <a:solidFill>
-              <a:schemeClr val="accent2"/>
-            </a:solidFill>
-          </a:ln>
-          <a:effectLst/>
-        </p:spPr>
-        <p:style>
-          <a:lnRef idx="1">
-            <a:schemeClr val="accent1"/>
-          </a:lnRef>
-          <a:fillRef idx="3">
-            <a:schemeClr val="accent1"/>
-          </a:fillRef>
-          <a:effectRef idx="2">
-            <a:schemeClr val="accent1"/>
-          </a:effectRef>
-          <a:fontRef idx="minor">
-            <a:schemeClr val="lt1"/>
-          </a:fontRef>
-        </p:style>
-        <p:txBody>
-          <a:bodyPr rtlCol="0" anchor="ctr"/>
-          <a:lstStyle/>
-          <a:p>
-            <a:pPr algn="ctr"/>
-            <a:endParaRPr lang="en-US"/>
-          </a:p>
-        </p:txBody>
-      </p:sp>
-    </p:spTree>
-    <p:extLst>
-      <p:ext uri="{BB962C8B-B14F-4D97-AF65-F5344CB8AC3E}">
-        <p14:creationId xmlns:p14="http://schemas.microsoft.com/office/powerpoint/2010/main" val="515583906"/>
-      </p:ext>
-    </p:extLst>
-  </p:cSld>
-  <p:clrMapOvr>
-    <a:masterClrMapping/>
-  </p:clrMapOvr>
-</p:sld>
-</file>
-
-<file path=ppt/slides/slide20.xml><?xml version="1.0" encoding="utf-8"?>
+<file path=ppt/slides/slide25.xml><?xml version="1.0" encoding="utf-8"?>
 <p:sld xmlns:a="http://schemas.openxmlformats.org/drawingml/2006/main" xmlns:r="http://schemas.openxmlformats.org/officeDocument/2006/relationships" xmlns:p="http://schemas.openxmlformats.org/presentationml/2006/main">
   <p:cSld>
     <p:spTree>
@@ -7614,7 +8331,7 @@
 </p:sld>
 </file>
 
-<file path=ppt/slides/slide21.xml><?xml version="1.0" encoding="utf-8"?>
+<file path=ppt/slides/slide26.xml><?xml version="1.0" encoding="utf-8"?>
 <p:sld xmlns:a="http://schemas.openxmlformats.org/drawingml/2006/main" xmlns:r="http://schemas.openxmlformats.org/officeDocument/2006/relationships" xmlns:p="http://schemas.openxmlformats.org/presentationml/2006/main">
   <p:cSld>
     <p:spTree>
@@ -7863,7 +8580,7 @@
 </p:sld>
 </file>
 
-<file path=ppt/slides/slide22.xml><?xml version="1.0" encoding="utf-8"?>
+<file path=ppt/slides/slide27.xml><?xml version="1.0" encoding="utf-8"?>
 <p:sld xmlns:a="http://schemas.openxmlformats.org/drawingml/2006/main" xmlns:r="http://schemas.openxmlformats.org/officeDocument/2006/relationships" xmlns:p="http://schemas.openxmlformats.org/presentationml/2006/main">
   <p:cSld>
     <p:spTree>
@@ -8069,7 +8786,7 @@
 </p:sld>
 </file>
 
-<file path=ppt/slides/slide23.xml><?xml version="1.0" encoding="utf-8"?>
+<file path=ppt/slides/slide28.xml><?xml version="1.0" encoding="utf-8"?>
 <p:sld xmlns:a="http://schemas.openxmlformats.org/drawingml/2006/main" xmlns:r="http://schemas.openxmlformats.org/officeDocument/2006/relationships" xmlns:p="http://schemas.openxmlformats.org/presentationml/2006/main">
   <p:cSld>
     <p:spTree>
@@ -8127,7 +8844,7 @@
 </p:sld>
 </file>
 
-<file path=ppt/slides/slide24.xml><?xml version="1.0" encoding="utf-8"?>
+<file path=ppt/slides/slide29.xml><?xml version="1.0" encoding="utf-8"?>
 <p:sld xmlns:a="http://schemas.openxmlformats.org/drawingml/2006/main" xmlns:r="http://schemas.openxmlformats.org/officeDocument/2006/relationships" xmlns:p="http://schemas.openxmlformats.org/presentationml/2006/main">
   <p:cSld>
     <p:spTree>
@@ -8216,7 +8933,7 @@
 </p:sld>
 </file>
 
-<file path=ppt/slides/slide25.xml><?xml version="1.0" encoding="utf-8"?>
+<file path=ppt/slides/slide3.xml><?xml version="1.0" encoding="utf-8"?>
 <p:sld xmlns:a="http://schemas.openxmlformats.org/drawingml/2006/main" xmlns:r="http://schemas.openxmlformats.org/officeDocument/2006/relationships" xmlns:p="http://schemas.openxmlformats.org/presentationml/2006/main">
   <p:cSld>
     <p:spTree>
@@ -8250,6 +8967,205 @@
           <a:p>
             <a:r>
               <a:rPr lang="en-US" dirty="0" smtClean="0"/>
+              <a:t>another data type: dictionaries</a:t>
+            </a:r>
+            <a:endParaRPr lang="en-US" dirty="0"/>
+          </a:p>
+        </p:txBody>
+      </p:sp>
+      <p:sp>
+        <p:nvSpPr>
+          <p:cNvPr id="3" name="Content Placeholder 2"/>
+          <p:cNvSpPr>
+            <a:spLocks noGrp="1"/>
+          </p:cNvSpPr>
+          <p:nvPr>
+            <p:ph idx="1"/>
+          </p:nvPr>
+        </p:nvSpPr>
+        <p:spPr/>
+        <p:txBody>
+          <a:bodyPr/>
+          <a:lstStyle/>
+          <a:p>
+            <a:pPr marL="457200" indent="-457200">
+              <a:buFont typeface="Arial"/>
+              <a:buChar char="•"/>
+            </a:pPr>
+            <a:r>
+              <a:rPr lang="en-US" dirty="0" smtClean="0"/>
+              <a:t>Dictionaries are defined with braces: </a:t>
+            </a:r>
+            <a:r>
+              <a:rPr lang="en-US" dirty="0" smtClean="0">
+                <a:latin typeface="Monaco"/>
+                <a:cs typeface="Monaco"/>
+              </a:rPr>
+              <a:t>{}</a:t>
+            </a:r>
+          </a:p>
+          <a:p>
+            <a:pPr marL="914400" lvl="1" indent="-457200">
+              <a:buFont typeface="Arial"/>
+              <a:buChar char="•"/>
+            </a:pPr>
+            <a:r>
+              <a:rPr lang="en-US" dirty="0" smtClean="0"/>
+              <a:t>Contain </a:t>
+            </a:r>
+            <a:r>
+              <a:rPr lang="en-US" dirty="0" err="1" smtClean="0">
+                <a:latin typeface="Monaco"/>
+                <a:cs typeface="Monaco"/>
+              </a:rPr>
+              <a:t>key:value</a:t>
+            </a:r>
+            <a:r>
+              <a:rPr lang="en-US" dirty="0" smtClean="0"/>
+              <a:t> pairs</a:t>
+            </a:r>
+          </a:p>
+          <a:p>
+            <a:pPr marL="914400" lvl="1" indent="-457200">
+              <a:buFont typeface="Arial"/>
+              <a:buChar char="•"/>
+            </a:pPr>
+            <a:r>
+              <a:rPr lang="en-US" dirty="0" smtClean="0"/>
+              <a:t>Known in other contexts as "associative arrays"</a:t>
+            </a:r>
+            <a:endParaRPr lang="en-US" dirty="0"/>
+          </a:p>
+          <a:p>
+            <a:endParaRPr lang="en-US" dirty="0"/>
+          </a:p>
+        </p:txBody>
+      </p:sp>
+      <p:sp>
+        <p:nvSpPr>
+          <p:cNvPr id="4" name="TextBox 3"/>
+          <p:cNvSpPr txBox="1"/>
+          <p:nvPr/>
+        </p:nvSpPr>
+        <p:spPr>
+          <a:xfrm>
+            <a:off x="457199" y="3463843"/>
+            <a:ext cx="8338444" cy="1200329"/>
+          </a:xfrm>
+          <a:prstGeom prst="rect">
+            <a:avLst/>
+          </a:prstGeom>
+          <a:noFill/>
+        </p:spPr>
+        <p:txBody>
+          <a:bodyPr wrap="square" rtlCol="0">
+            <a:spAutoFit/>
+          </a:bodyPr>
+          <a:lstStyle/>
+          <a:p>
+            <a:r>
+              <a:rPr lang="en-US" dirty="0" smtClean="0">
+                <a:latin typeface="Monaco"/>
+                <a:cs typeface="Monaco"/>
+              </a:rPr>
+              <a:t># Define a dictionary of names</a:t>
+            </a:r>
+          </a:p>
+          <a:p>
+            <a:r>
+              <a:rPr lang="en-US" dirty="0" smtClean="0">
+                <a:latin typeface="Monaco"/>
+                <a:cs typeface="Monaco"/>
+              </a:rPr>
+              <a:t>names = {"Stephanie": "Spielman", "</a:t>
+            </a:r>
+            <a:r>
+              <a:rPr lang="en-US" dirty="0" err="1" smtClean="0">
+                <a:latin typeface="Monaco"/>
+                <a:cs typeface="Monaco"/>
+              </a:rPr>
+              <a:t>Eleisha</a:t>
+            </a:r>
+            <a:r>
+              <a:rPr lang="en-US" dirty="0" smtClean="0">
+                <a:latin typeface="Monaco"/>
+                <a:cs typeface="Monaco"/>
+              </a:rPr>
+              <a:t>": "Jackson", 	"Claus": "</a:t>
+            </a:r>
+            <a:r>
+              <a:rPr lang="en-US" dirty="0" err="1" smtClean="0">
+                <a:latin typeface="Monaco"/>
+                <a:cs typeface="Monaco"/>
+              </a:rPr>
+              <a:t>Wilke</a:t>
+            </a:r>
+            <a:r>
+              <a:rPr lang="en-US" dirty="0" smtClean="0">
+                <a:latin typeface="Monaco"/>
+                <a:cs typeface="Monaco"/>
+              </a:rPr>
+              <a:t>"}</a:t>
+            </a:r>
+          </a:p>
+          <a:p>
+            <a:r>
+              <a:rPr lang="en-US" dirty="0" smtClean="0">
+                <a:latin typeface="Monaco"/>
+                <a:cs typeface="Monaco"/>
+              </a:rPr>
+              <a:t> </a:t>
+            </a:r>
+          </a:p>
+        </p:txBody>
+      </p:sp>
+    </p:spTree>
+    <p:extLst>
+      <p:ext uri="{BB962C8B-B14F-4D97-AF65-F5344CB8AC3E}">
+        <p14:creationId xmlns:p14="http://schemas.microsoft.com/office/powerpoint/2010/main" val="2214839457"/>
+      </p:ext>
+    </p:extLst>
+  </p:cSld>
+  <p:clrMapOvr>
+    <a:masterClrMapping/>
+  </p:clrMapOvr>
+</p:sld>
+</file>
+
+<file path=ppt/slides/slide30.xml><?xml version="1.0" encoding="utf-8"?>
+<p:sld xmlns:a="http://schemas.openxmlformats.org/drawingml/2006/main" xmlns:r="http://schemas.openxmlformats.org/officeDocument/2006/relationships" xmlns:p="http://schemas.openxmlformats.org/presentationml/2006/main">
+  <p:cSld>
+    <p:spTree>
+      <p:nvGrpSpPr>
+        <p:cNvPr id="1" name=""/>
+        <p:cNvGrpSpPr/>
+        <p:nvPr/>
+      </p:nvGrpSpPr>
+      <p:grpSpPr>
+        <a:xfrm>
+          <a:off x="0" y="0"/>
+          <a:ext cx="0" cy="0"/>
+          <a:chOff x="0" y="0"/>
+          <a:chExt cx="0" cy="0"/>
+        </a:xfrm>
+      </p:grpSpPr>
+      <p:sp>
+        <p:nvSpPr>
+          <p:cNvPr id="2" name="Title 1"/>
+          <p:cNvSpPr>
+            <a:spLocks noGrp="1"/>
+          </p:cNvSpPr>
+          <p:nvPr>
+            <p:ph type="title"/>
+          </p:nvPr>
+        </p:nvSpPr>
+        <p:spPr/>
+        <p:txBody>
+          <a:bodyPr/>
+          <a:lstStyle/>
+          <a:p>
+            <a:r>
+              <a:rPr lang="en-US" dirty="0" smtClean="0"/>
               <a:t>iteration is our other control flow tool</a:t>
             </a:r>
             <a:endParaRPr lang="en-US" dirty="0"/>
@@ -8342,7 +9258,7 @@
 </p:sld>
 </file>
 
-<file path=ppt/slides/slide26.xml><?xml version="1.0" encoding="utf-8"?>
+<file path=ppt/slides/slide31.xml><?xml version="1.0" encoding="utf-8"?>
 <p:sld xmlns:a="http://schemas.openxmlformats.org/drawingml/2006/main" xmlns:r="http://schemas.openxmlformats.org/officeDocument/2006/relationships" xmlns:p="http://schemas.openxmlformats.org/presentationml/2006/main">
   <p:cSld>
     <p:spTree>
@@ -8513,7 +9429,7 @@
 </p:sld>
 </file>
 
-<file path=ppt/slides/slide27.xml><?xml version="1.0" encoding="utf-8"?>
+<file path=ppt/slides/slide32.xml><?xml version="1.0" encoding="utf-8"?>
 <p:sld xmlns:a="http://schemas.openxmlformats.org/drawingml/2006/main" xmlns:r="http://schemas.openxmlformats.org/officeDocument/2006/relationships" xmlns:p="http://schemas.openxmlformats.org/presentationml/2006/main">
   <p:cSld>
     <p:spTree>
@@ -8613,7 +9529,7 @@
 </p:sld>
 </file>
 
-<file path=ppt/slides/slide28.xml><?xml version="1.0" encoding="utf-8"?>
+<file path=ppt/slides/slide33.xml><?xml version="1.0" encoding="utf-8"?>
 <p:sld xmlns:a="http://schemas.openxmlformats.org/drawingml/2006/main" xmlns:r="http://schemas.openxmlformats.org/officeDocument/2006/relationships" xmlns:p="http://schemas.openxmlformats.org/presentationml/2006/main">
   <p:cSld>
     <p:spTree>
@@ -8940,7 +9856,7 @@
 </p:sld>
 </file>
 
-<file path=ppt/slides/slide29.xml><?xml version="1.0" encoding="utf-8"?>
+<file path=ppt/slides/slide34.xml><?xml version="1.0" encoding="utf-8"?>
 <p:sld xmlns:a="http://schemas.openxmlformats.org/drawingml/2006/main" xmlns:r="http://schemas.openxmlformats.org/officeDocument/2006/relationships" xmlns:p="http://schemas.openxmlformats.org/presentationml/2006/main">
   <p:cSld>
     <p:spTree>
@@ -9357,293 +10273,7 @@
 </p:sld>
 </file>
 
-<file path=ppt/slides/slide3.xml><?xml version="1.0" encoding="utf-8"?>
-<p:sld xmlns:a="http://schemas.openxmlformats.org/drawingml/2006/main" xmlns:r="http://schemas.openxmlformats.org/officeDocument/2006/relationships" xmlns:p="http://schemas.openxmlformats.org/presentationml/2006/main">
-  <p:cSld>
-    <p:spTree>
-      <p:nvGrpSpPr>
-        <p:cNvPr id="1" name=""/>
-        <p:cNvGrpSpPr/>
-        <p:nvPr/>
-      </p:nvGrpSpPr>
-      <p:grpSpPr>
-        <a:xfrm>
-          <a:off x="0" y="0"/>
-          <a:ext cx="0" cy="0"/>
-          <a:chOff x="0" y="0"/>
-          <a:chExt cx="0" cy="0"/>
-        </a:xfrm>
-      </p:grpSpPr>
-      <p:sp>
-        <p:nvSpPr>
-          <p:cNvPr id="2" name="Title 1"/>
-          <p:cNvSpPr>
-            <a:spLocks noGrp="1"/>
-          </p:cNvSpPr>
-          <p:nvPr>
-            <p:ph type="title"/>
-          </p:nvPr>
-        </p:nvSpPr>
-        <p:spPr/>
-        <p:txBody>
-          <a:bodyPr/>
-          <a:lstStyle/>
-          <a:p>
-            <a:r>
-              <a:rPr lang="en-US" dirty="0" smtClean="0"/>
-              <a:t>another data type: dictionaries</a:t>
-            </a:r>
-            <a:endParaRPr lang="en-US" dirty="0"/>
-          </a:p>
-        </p:txBody>
-      </p:sp>
-      <p:sp>
-        <p:nvSpPr>
-          <p:cNvPr id="4" name="TextBox 3"/>
-          <p:cNvSpPr txBox="1"/>
-          <p:nvPr/>
-        </p:nvSpPr>
-        <p:spPr>
-          <a:xfrm>
-            <a:off x="457199" y="1817687"/>
-            <a:ext cx="8338444" cy="2862323"/>
-          </a:xfrm>
-          <a:prstGeom prst="rect">
-            <a:avLst/>
-          </a:prstGeom>
-          <a:noFill/>
-        </p:spPr>
-        <p:txBody>
-          <a:bodyPr wrap="square" rtlCol="0">
-            <a:spAutoFit/>
-          </a:bodyPr>
-          <a:lstStyle/>
-          <a:p>
-            <a:r>
-              <a:rPr lang="en-US" dirty="0">
-                <a:latin typeface="Monaco"/>
-                <a:cs typeface="Monaco"/>
-              </a:rPr>
-              <a:t>names = {"Stephanie": "Spielman", "</a:t>
-            </a:r>
-            <a:r>
-              <a:rPr lang="en-US" dirty="0" err="1">
-                <a:latin typeface="Monaco"/>
-                <a:cs typeface="Monaco"/>
-              </a:rPr>
-              <a:t>Eleisha</a:t>
-            </a:r>
-            <a:r>
-              <a:rPr lang="en-US" dirty="0">
-                <a:latin typeface="Monaco"/>
-                <a:cs typeface="Monaco"/>
-              </a:rPr>
-              <a:t>": "Jackson", "Claus": </a:t>
-            </a:r>
-            <a:r>
-              <a:rPr lang="en-US" dirty="0" smtClean="0">
-                <a:latin typeface="Monaco"/>
-                <a:cs typeface="Monaco"/>
-              </a:rPr>
-              <a:t>"</a:t>
-            </a:r>
-            <a:r>
-              <a:rPr lang="en-US" dirty="0" err="1" smtClean="0">
-                <a:latin typeface="Monaco"/>
-                <a:cs typeface="Monaco"/>
-              </a:rPr>
-              <a:t>Wilke</a:t>
-            </a:r>
-            <a:r>
-              <a:rPr lang="en-US" dirty="0">
-                <a:latin typeface="Monaco"/>
-                <a:cs typeface="Monaco"/>
-              </a:rPr>
-              <a:t>"}</a:t>
-            </a:r>
-          </a:p>
-          <a:p>
-            <a:endParaRPr lang="en-US" dirty="0" smtClean="0">
-              <a:latin typeface="Monaco"/>
-              <a:cs typeface="Monaco"/>
-            </a:endParaRPr>
-          </a:p>
-          <a:p>
-            <a:r>
-              <a:rPr lang="en-US" dirty="0" smtClean="0">
-                <a:latin typeface="Monaco"/>
-                <a:cs typeface="Monaco"/>
-              </a:rPr>
-              <a:t># Add a </a:t>
-            </a:r>
-            <a:r>
-              <a:rPr lang="en-US" dirty="0" err="1" smtClean="0">
-                <a:latin typeface="Monaco"/>
-                <a:cs typeface="Monaco"/>
-              </a:rPr>
-              <a:t>key:value</a:t>
-            </a:r>
-            <a:r>
-              <a:rPr lang="en-US" dirty="0" smtClean="0">
-                <a:latin typeface="Monaco"/>
-                <a:cs typeface="Monaco"/>
-              </a:rPr>
-              <a:t> pair to a dictionary and print to confirm</a:t>
-            </a:r>
-          </a:p>
-          <a:p>
-            <a:r>
-              <a:rPr lang="en-US" dirty="0" smtClean="0">
-                <a:latin typeface="Monaco"/>
-                <a:cs typeface="Monaco"/>
-              </a:rPr>
-              <a:t>names["Bob"] = "Smith"</a:t>
-            </a:r>
-          </a:p>
-          <a:p>
-            <a:endParaRPr lang="en-US" dirty="0" smtClean="0">
-              <a:latin typeface="Monaco"/>
-              <a:cs typeface="Monaco"/>
-            </a:endParaRPr>
-          </a:p>
-          <a:p>
-            <a:r>
-              <a:rPr lang="en-US" dirty="0" smtClean="0">
-                <a:latin typeface="Monaco"/>
-                <a:cs typeface="Monaco"/>
-              </a:rPr>
-              <a:t>print names</a:t>
-            </a:r>
-          </a:p>
-          <a:p>
-            <a:r>
-              <a:rPr lang="en-US" dirty="0" smtClean="0">
-                <a:latin typeface="Monaco"/>
-                <a:cs typeface="Monaco"/>
-              </a:rPr>
-              <a:t>	</a:t>
-            </a:r>
-            <a:r>
-              <a:rPr lang="en-US" dirty="0" smtClean="0">
-                <a:solidFill>
-                  <a:schemeClr val="bg1">
-                    <a:lumMod val="65000"/>
-                  </a:schemeClr>
-                </a:solidFill>
-                <a:latin typeface="Monaco"/>
-                <a:cs typeface="Monaco"/>
-              </a:rPr>
-              <a:t>{'</a:t>
-            </a:r>
-            <a:r>
-              <a:rPr lang="en-US" dirty="0" err="1" smtClean="0">
-                <a:solidFill>
-                  <a:schemeClr val="bg1">
-                    <a:lumMod val="65000"/>
-                  </a:schemeClr>
-                </a:solidFill>
-                <a:latin typeface="Monaco"/>
-                <a:cs typeface="Monaco"/>
-              </a:rPr>
-              <a:t>Eleisha</a:t>
-            </a:r>
-            <a:r>
-              <a:rPr lang="en-US" dirty="0" smtClean="0">
-                <a:solidFill>
-                  <a:schemeClr val="bg1">
-                    <a:lumMod val="65000"/>
-                  </a:schemeClr>
-                </a:solidFill>
-                <a:latin typeface="Monaco"/>
-                <a:cs typeface="Monaco"/>
-              </a:rPr>
-              <a:t>': 'Jackson', 'Claus': '</a:t>
-            </a:r>
-            <a:r>
-              <a:rPr lang="en-US" dirty="0" err="1" smtClean="0">
-                <a:solidFill>
-                  <a:schemeClr val="bg1">
-                    <a:lumMod val="65000"/>
-                  </a:schemeClr>
-                </a:solidFill>
-                <a:latin typeface="Monaco"/>
-                <a:cs typeface="Monaco"/>
-              </a:rPr>
-              <a:t>Wilke</a:t>
-            </a:r>
-            <a:r>
-              <a:rPr lang="en-US" dirty="0" smtClean="0">
-                <a:solidFill>
-                  <a:schemeClr val="bg1">
-                    <a:lumMod val="65000"/>
-                  </a:schemeClr>
-                </a:solidFill>
-                <a:latin typeface="Monaco"/>
-                <a:cs typeface="Monaco"/>
-              </a:rPr>
-              <a:t>', 'Stephanie': 	'Spielman', 'Bob': 'Smith'}</a:t>
-            </a:r>
-          </a:p>
-          <a:p>
-            <a:endParaRPr lang="en-US" dirty="0" smtClean="0">
-              <a:latin typeface="Monaco"/>
-              <a:cs typeface="Monaco"/>
-            </a:endParaRPr>
-          </a:p>
-        </p:txBody>
-      </p:sp>
-      <p:sp>
-        <p:nvSpPr>
-          <p:cNvPr id="5" name="TextBox 4"/>
-          <p:cNvSpPr txBox="1"/>
-          <p:nvPr/>
-        </p:nvSpPr>
-        <p:spPr>
-          <a:xfrm>
-            <a:off x="2437694" y="4513888"/>
-            <a:ext cx="3657529" cy="430887"/>
-          </a:xfrm>
-          <a:prstGeom prst="rect">
-            <a:avLst/>
-          </a:prstGeom>
-          <a:noFill/>
-        </p:spPr>
-        <p:txBody>
-          <a:bodyPr wrap="square" rtlCol="0">
-            <a:spAutoFit/>
-          </a:bodyPr>
-          <a:lstStyle/>
-          <a:p>
-            <a:r>
-              <a:rPr lang="en-US" sz="2200" dirty="0" smtClean="0">
-                <a:solidFill>
-                  <a:srgbClr val="DC5924"/>
-                </a:solidFill>
-              </a:rPr>
-              <a:t>Did you expect this output?</a:t>
-            </a:r>
-            <a:endParaRPr lang="en-US" sz="2200" dirty="0">
-              <a:solidFill>
-                <a:srgbClr val="DC5924"/>
-              </a:solidFill>
-            </a:endParaRPr>
-          </a:p>
-        </p:txBody>
-      </p:sp>
-    </p:spTree>
-    <p:extLst>
-      <p:ext uri="{BB962C8B-B14F-4D97-AF65-F5344CB8AC3E}">
-        <p14:creationId xmlns:p14="http://schemas.microsoft.com/office/powerpoint/2010/main" val="3210468286"/>
-      </p:ext>
-    </p:extLst>
-  </p:cSld>
-  <p:clrMapOvr>
-    <a:masterClrMapping/>
-  </p:clrMapOvr>
-</p:sld>
-</file>
-
-<file path=ppt/slides/slide30.xml><?xml version="1.0" encoding="utf-8"?>
+<file path=ppt/slides/slide35.xml><?xml version="1.0" encoding="utf-8"?>
 <p:sld xmlns:a="http://schemas.openxmlformats.org/drawingml/2006/main" xmlns:r="http://schemas.openxmlformats.org/officeDocument/2006/relationships" xmlns:p="http://schemas.openxmlformats.org/presentationml/2006/main">
   <p:cSld>
     <p:spTree>
@@ -10105,7 +10735,7 @@
 </p:sld>
 </file>
 
-<file path=ppt/slides/slide31.xml><?xml version="1.0" encoding="utf-8"?>
+<file path=ppt/slides/slide36.xml><?xml version="1.0" encoding="utf-8"?>
 <p:sld xmlns:a="http://schemas.openxmlformats.org/drawingml/2006/main" xmlns:r="http://schemas.openxmlformats.org/officeDocument/2006/relationships" xmlns:p="http://schemas.openxmlformats.org/presentationml/2006/main">
   <p:cSld>
     <p:spTree>
@@ -10676,7 +11306,7 @@
 </p:sld>
 </file>
 
-<file path=ppt/slides/slide32.xml><?xml version="1.0" encoding="utf-8"?>
+<file path=ppt/slides/slide37.xml><?xml version="1.0" encoding="utf-8"?>
 <p:sld xmlns:a="http://schemas.openxmlformats.org/drawingml/2006/main" xmlns:r="http://schemas.openxmlformats.org/officeDocument/2006/relationships" xmlns:p="http://schemas.openxmlformats.org/presentationml/2006/main">
   <p:cSld>
     <p:spTree>
@@ -11077,7 +11707,7 @@
 </p:sld>
 </file>
 
-<file path=ppt/slides/slide33.xml><?xml version="1.0" encoding="utf-8"?>
+<file path=ppt/slides/slide38.xml><?xml version="1.0" encoding="utf-8"?>
 <p:sld xmlns:a="http://schemas.openxmlformats.org/drawingml/2006/main" xmlns:r="http://schemas.openxmlformats.org/officeDocument/2006/relationships" xmlns:p="http://schemas.openxmlformats.org/presentationml/2006/main">
   <p:cSld>
     <p:spTree>
@@ -11468,7 +12098,7 @@
 </p:sld>
 </file>
 
-<file path=ppt/slides/slide34.xml><?xml version="1.0" encoding="utf-8"?>
+<file path=ppt/slides/slide39.xml><?xml version="1.0" encoding="utf-8"?>
 <p:sld xmlns:a="http://schemas.openxmlformats.org/drawingml/2006/main" xmlns:r="http://schemas.openxmlformats.org/officeDocument/2006/relationships" xmlns:p="http://schemas.openxmlformats.org/presentationml/2006/main">
   <p:cSld>
     <p:spTree>
@@ -11788,7 +12418,7 @@
 </p:sld>
 </file>
 
-<file path=ppt/slides/slide35.xml><?xml version="1.0" encoding="utf-8"?>
+<file path=ppt/slides/slide4.xml><?xml version="1.0" encoding="utf-8"?>
 <p:sld xmlns:a="http://schemas.openxmlformats.org/drawingml/2006/main" xmlns:r="http://schemas.openxmlformats.org/officeDocument/2006/relationships" xmlns:p="http://schemas.openxmlformats.org/presentationml/2006/main">
   <p:cSld>
     <p:spTree>
@@ -11822,6 +12452,260 @@
           <a:p>
             <a:r>
               <a:rPr lang="en-US" dirty="0" smtClean="0"/>
+              <a:t>another data type: dictionaries</a:t>
+            </a:r>
+            <a:endParaRPr lang="en-US" dirty="0"/>
+          </a:p>
+        </p:txBody>
+      </p:sp>
+      <p:sp>
+        <p:nvSpPr>
+          <p:cNvPr id="3" name="Content Placeholder 2"/>
+          <p:cNvSpPr>
+            <a:spLocks noGrp="1"/>
+          </p:cNvSpPr>
+          <p:nvPr>
+            <p:ph idx="1"/>
+          </p:nvPr>
+        </p:nvSpPr>
+        <p:spPr/>
+        <p:txBody>
+          <a:bodyPr/>
+          <a:lstStyle/>
+          <a:p>
+            <a:pPr marL="457200" indent="-457200">
+              <a:buFont typeface="Arial"/>
+              <a:buChar char="•"/>
+            </a:pPr>
+            <a:r>
+              <a:rPr lang="en-US" dirty="0" smtClean="0"/>
+              <a:t>Dictionaries are defined with braces: </a:t>
+            </a:r>
+            <a:r>
+              <a:rPr lang="en-US" dirty="0" smtClean="0">
+                <a:latin typeface="Monaco"/>
+                <a:cs typeface="Monaco"/>
+              </a:rPr>
+              <a:t>{}</a:t>
+            </a:r>
+          </a:p>
+          <a:p>
+            <a:pPr marL="914400" lvl="1" indent="-457200">
+              <a:buFont typeface="Arial"/>
+              <a:buChar char="•"/>
+            </a:pPr>
+            <a:r>
+              <a:rPr lang="en-US" dirty="0" smtClean="0"/>
+              <a:t>Contain </a:t>
+            </a:r>
+            <a:r>
+              <a:rPr lang="en-US" dirty="0" err="1" smtClean="0">
+                <a:latin typeface="Monaco"/>
+                <a:cs typeface="Monaco"/>
+              </a:rPr>
+              <a:t>key:value</a:t>
+            </a:r>
+            <a:r>
+              <a:rPr lang="en-US" dirty="0" smtClean="0"/>
+              <a:t> pairs</a:t>
+            </a:r>
+          </a:p>
+          <a:p>
+            <a:pPr marL="914400" lvl="1" indent="-457200">
+              <a:buFont typeface="Arial"/>
+              <a:buChar char="•"/>
+            </a:pPr>
+            <a:r>
+              <a:rPr lang="en-US" dirty="0" smtClean="0"/>
+              <a:t>Known in other contexts as "associative arrays"</a:t>
+            </a:r>
+            <a:endParaRPr lang="en-US" dirty="0"/>
+          </a:p>
+          <a:p>
+            <a:endParaRPr lang="en-US" dirty="0"/>
+          </a:p>
+        </p:txBody>
+      </p:sp>
+      <p:sp>
+        <p:nvSpPr>
+          <p:cNvPr id="4" name="TextBox 3"/>
+          <p:cNvSpPr txBox="1"/>
+          <p:nvPr/>
+        </p:nvSpPr>
+        <p:spPr>
+          <a:xfrm>
+            <a:off x="457199" y="3463843"/>
+            <a:ext cx="8338444" cy="1477328"/>
+          </a:xfrm>
+          <a:prstGeom prst="rect">
+            <a:avLst/>
+          </a:prstGeom>
+          <a:noFill/>
+        </p:spPr>
+        <p:txBody>
+          <a:bodyPr wrap="square" rtlCol="0">
+            <a:spAutoFit/>
+          </a:bodyPr>
+          <a:lstStyle/>
+          <a:p>
+            <a:r>
+              <a:rPr lang="en-US" dirty="0" smtClean="0">
+                <a:latin typeface="Monaco"/>
+                <a:cs typeface="Monaco"/>
+              </a:rPr>
+              <a:t># Define a dictionary of names</a:t>
+            </a:r>
+          </a:p>
+          <a:p>
+            <a:r>
+              <a:rPr lang="en-US" dirty="0" smtClean="0">
+                <a:latin typeface="Monaco"/>
+                <a:cs typeface="Monaco"/>
+              </a:rPr>
+              <a:t>names = {"Stephanie": "Spielman", "</a:t>
+            </a:r>
+            <a:r>
+              <a:rPr lang="en-US" dirty="0" err="1" smtClean="0">
+                <a:latin typeface="Monaco"/>
+                <a:cs typeface="Monaco"/>
+              </a:rPr>
+              <a:t>Eleisha</a:t>
+            </a:r>
+            <a:r>
+              <a:rPr lang="en-US" dirty="0" smtClean="0">
+                <a:latin typeface="Monaco"/>
+                <a:cs typeface="Monaco"/>
+              </a:rPr>
+              <a:t>": "Jackson", 	"Claus": "</a:t>
+            </a:r>
+            <a:r>
+              <a:rPr lang="en-US" dirty="0" err="1" smtClean="0">
+                <a:latin typeface="Monaco"/>
+                <a:cs typeface="Monaco"/>
+              </a:rPr>
+              <a:t>Wilke</a:t>
+            </a:r>
+            <a:r>
+              <a:rPr lang="en-US" dirty="0" smtClean="0">
+                <a:latin typeface="Monaco"/>
+                <a:cs typeface="Monaco"/>
+              </a:rPr>
+              <a:t>"}</a:t>
+            </a:r>
+            <a:endParaRPr lang="en-US" dirty="0">
+              <a:latin typeface="Monaco"/>
+              <a:cs typeface="Monaco"/>
+            </a:endParaRPr>
+          </a:p>
+          <a:p>
+            <a:endParaRPr lang="en-US" dirty="0" smtClean="0">
+              <a:latin typeface="Monaco"/>
+              <a:cs typeface="Monaco"/>
+            </a:endParaRPr>
+          </a:p>
+          <a:p>
+            <a:r>
+              <a:rPr lang="en-US" dirty="0" smtClean="0">
+                <a:latin typeface="Monaco"/>
+                <a:cs typeface="Monaco"/>
+              </a:rPr>
+              <a:t> </a:t>
+            </a:r>
+          </a:p>
+        </p:txBody>
+      </p:sp>
+      <p:sp>
+        <p:nvSpPr>
+          <p:cNvPr id="5" name="Rectangle 4"/>
+          <p:cNvSpPr/>
+          <p:nvPr/>
+        </p:nvSpPr>
+        <p:spPr>
+          <a:xfrm>
+            <a:off x="1761248" y="3765274"/>
+            <a:ext cx="3177481" cy="283603"/>
+          </a:xfrm>
+          <a:prstGeom prst="rect">
+            <a:avLst/>
+          </a:prstGeom>
+          <a:noFill/>
+          <a:ln w="28575" cmpd="sng">
+            <a:solidFill>
+              <a:schemeClr val="accent2"/>
+            </a:solidFill>
+          </a:ln>
+          <a:effectLst/>
+        </p:spPr>
+        <p:style>
+          <a:lnRef idx="1">
+            <a:schemeClr val="accent1"/>
+          </a:lnRef>
+          <a:fillRef idx="3">
+            <a:schemeClr val="accent1"/>
+          </a:fillRef>
+          <a:effectRef idx="2">
+            <a:schemeClr val="accent1"/>
+          </a:effectRef>
+          <a:fontRef idx="minor">
+            <a:schemeClr val="lt1"/>
+          </a:fontRef>
+        </p:style>
+        <p:txBody>
+          <a:bodyPr rtlCol="0" anchor="ctr"/>
+          <a:lstStyle/>
+          <a:p>
+            <a:pPr algn="ctr"/>
+            <a:endParaRPr lang="en-US"/>
+          </a:p>
+        </p:txBody>
+      </p:sp>
+    </p:spTree>
+    <p:extLst>
+      <p:ext uri="{BB962C8B-B14F-4D97-AF65-F5344CB8AC3E}">
+        <p14:creationId xmlns:p14="http://schemas.microsoft.com/office/powerpoint/2010/main" val="3584717528"/>
+      </p:ext>
+    </p:extLst>
+  </p:cSld>
+  <p:clrMapOvr>
+    <a:masterClrMapping/>
+  </p:clrMapOvr>
+</p:sld>
+</file>
+
+<file path=ppt/slides/slide40.xml><?xml version="1.0" encoding="utf-8"?>
+<p:sld xmlns:a="http://schemas.openxmlformats.org/drawingml/2006/main" xmlns:r="http://schemas.openxmlformats.org/officeDocument/2006/relationships" xmlns:p="http://schemas.openxmlformats.org/presentationml/2006/main">
+  <p:cSld>
+    <p:spTree>
+      <p:nvGrpSpPr>
+        <p:cNvPr id="1" name=""/>
+        <p:cNvGrpSpPr/>
+        <p:nvPr/>
+      </p:nvGrpSpPr>
+      <p:grpSpPr>
+        <a:xfrm>
+          <a:off x="0" y="0"/>
+          <a:ext cx="0" cy="0"/>
+          <a:chOff x="0" y="0"/>
+          <a:chExt cx="0" cy="0"/>
+        </a:xfrm>
+      </p:grpSpPr>
+      <p:sp>
+        <p:nvSpPr>
+          <p:cNvPr id="2" name="Title 1"/>
+          <p:cNvSpPr>
+            <a:spLocks noGrp="1"/>
+          </p:cNvSpPr>
+          <p:nvPr>
+            <p:ph type="title"/>
+          </p:nvPr>
+        </p:nvSpPr>
+        <p:spPr/>
+        <p:txBody>
+          <a:bodyPr/>
+          <a:lstStyle/>
+          <a:p>
+            <a:r>
+              <a:rPr lang="en-US" dirty="0" smtClean="0"/>
               <a:t>iterating over lists Example: curving grades</a:t>
             </a:r>
             <a:endParaRPr lang="en-US" dirty="0"/>
@@ -12100,7 +12984,7 @@
 </p:sld>
 </file>
 
-<file path=ppt/slides/slide36.xml><?xml version="1.0" encoding="utf-8"?>
+<file path=ppt/slides/slide41.xml><?xml version="1.0" encoding="utf-8"?>
 <p:sld xmlns:a="http://schemas.openxmlformats.org/drawingml/2006/main" xmlns:r="http://schemas.openxmlformats.org/officeDocument/2006/relationships" xmlns:p="http://schemas.openxmlformats.org/presentationml/2006/main">
   <p:cSld>
     <p:spTree>
@@ -12457,7 +13341,7 @@
 </p:sld>
 </file>
 
-<file path=ppt/slides/slide37.xml><?xml version="1.0" encoding="utf-8"?>
+<file path=ppt/slides/slide42.xml><?xml version="1.0" encoding="utf-8"?>
 <p:sld xmlns:a="http://schemas.openxmlformats.org/drawingml/2006/main" xmlns:r="http://schemas.openxmlformats.org/officeDocument/2006/relationships" xmlns:p="http://schemas.openxmlformats.org/presentationml/2006/main">
   <p:cSld>
     <p:spTree>
@@ -12803,7 +13687,7 @@
 </p:sld>
 </file>
 
-<file path=ppt/slides/slide38.xml><?xml version="1.0" encoding="utf-8"?>
+<file path=ppt/slides/slide43.xml><?xml version="1.0" encoding="utf-8"?>
 <p:sld xmlns:a="http://schemas.openxmlformats.org/drawingml/2006/main" xmlns:r="http://schemas.openxmlformats.org/officeDocument/2006/relationships" xmlns:p="http://schemas.openxmlformats.org/presentationml/2006/main">
   <p:cSld>
     <p:spTree>
@@ -13353,7 +14237,7 @@
 </p:sld>
 </file>
 
-<file path=ppt/slides/slide39.xml><?xml version="1.0" encoding="utf-8"?>
+<file path=ppt/slides/slide44.xml><?xml version="1.0" encoding="utf-8"?>
 <p:sld xmlns:a="http://schemas.openxmlformats.org/drawingml/2006/main" xmlns:r="http://schemas.openxmlformats.org/officeDocument/2006/relationships" xmlns:p="http://schemas.openxmlformats.org/presentationml/2006/main">
   <p:cSld>
     <p:spTree>
@@ -13607,96 +14491,7 @@
 </p:sld>
 </file>
 
-<file path=ppt/slides/slide4.xml><?xml version="1.0" encoding="utf-8"?>
-<p:sld xmlns:a="http://schemas.openxmlformats.org/drawingml/2006/main" xmlns:r="http://schemas.openxmlformats.org/officeDocument/2006/relationships" xmlns:p="http://schemas.openxmlformats.org/presentationml/2006/main">
-  <p:cSld>
-    <p:spTree>
-      <p:nvGrpSpPr>
-        <p:cNvPr id="1" name=""/>
-        <p:cNvGrpSpPr/>
-        <p:nvPr/>
-      </p:nvGrpSpPr>
-      <p:grpSpPr>
-        <a:xfrm>
-          <a:off x="0" y="0"/>
-          <a:ext cx="0" cy="0"/>
-          <a:chOff x="0" y="0"/>
-          <a:chExt cx="0" cy="0"/>
-        </a:xfrm>
-      </p:grpSpPr>
-      <p:sp>
-        <p:nvSpPr>
-          <p:cNvPr id="2" name="Title 1"/>
-          <p:cNvSpPr>
-            <a:spLocks noGrp="1"/>
-          </p:cNvSpPr>
-          <p:nvPr>
-            <p:ph type="title"/>
-          </p:nvPr>
-        </p:nvSpPr>
-        <p:spPr/>
-        <p:txBody>
-          <a:bodyPr/>
-          <a:lstStyle/>
-          <a:p>
-            <a:r>
-              <a:rPr lang="en-US" dirty="0" smtClean="0"/>
-              <a:t>dictionaries are unordered</a:t>
-            </a:r>
-            <a:endParaRPr lang="en-US" dirty="0"/>
-          </a:p>
-        </p:txBody>
-      </p:sp>
-      <p:sp>
-        <p:nvSpPr>
-          <p:cNvPr id="3" name="Content Placeholder 2"/>
-          <p:cNvSpPr>
-            <a:spLocks noGrp="1"/>
-          </p:cNvSpPr>
-          <p:nvPr>
-            <p:ph idx="1"/>
-          </p:nvPr>
-        </p:nvSpPr>
-        <p:spPr/>
-        <p:txBody>
-          <a:bodyPr/>
-          <a:lstStyle/>
-          <a:p>
-            <a:pPr marL="457200" indent="-457200">
-              <a:buFont typeface="Arial"/>
-              <a:buChar char="•"/>
-            </a:pPr>
-            <a:r>
-              <a:rPr lang="en-US" dirty="0" smtClean="0"/>
-              <a:t>Unique key:value pairs are *always* preserved, but their order is not</a:t>
-            </a:r>
-          </a:p>
-          <a:p>
-            <a:pPr marL="914400" lvl="1" indent="-457200">
-              <a:buFont typeface="Arial"/>
-              <a:buChar char="•"/>
-            </a:pPr>
-            <a:r>
-              <a:rPr lang="en-US" dirty="0" smtClean="0"/>
-              <a:t>One of many reasons why we index with keys, not positions</a:t>
-            </a:r>
-          </a:p>
-        </p:txBody>
-      </p:sp>
-    </p:spTree>
-    <p:extLst>
-      <p:ext uri="{BB962C8B-B14F-4D97-AF65-F5344CB8AC3E}">
-        <p14:creationId xmlns:p14="http://schemas.microsoft.com/office/powerpoint/2010/main" val="4066469446"/>
-      </p:ext>
-    </p:extLst>
-  </p:cSld>
-  <p:clrMapOvr>
-    <a:masterClrMapping/>
-  </p:clrMapOvr>
-</p:sld>
-</file>
-
-<file path=ppt/slides/slide40.xml><?xml version="1.0" encoding="utf-8"?>
+<file path=ppt/slides/slide45.xml><?xml version="1.0" encoding="utf-8"?>
 <p:sld xmlns:a="http://schemas.openxmlformats.org/drawingml/2006/main" xmlns:r="http://schemas.openxmlformats.org/officeDocument/2006/relationships" xmlns:p="http://schemas.openxmlformats.org/presentationml/2006/main">
   <p:cSld>
     <p:spTree>
@@ -14033,1284 +14828,6 @@
 </p:sld>
 </file>
 
-<file path=ppt/slides/slide41.xml><?xml version="1.0" encoding="utf-8"?>
-<p:sld xmlns:a="http://schemas.openxmlformats.org/drawingml/2006/main" xmlns:r="http://schemas.openxmlformats.org/officeDocument/2006/relationships" xmlns:p="http://schemas.openxmlformats.org/presentationml/2006/main">
-  <p:cSld>
-    <p:spTree>
-      <p:nvGrpSpPr>
-        <p:cNvPr id="1" name=""/>
-        <p:cNvGrpSpPr/>
-        <p:nvPr/>
-      </p:nvGrpSpPr>
-      <p:grpSpPr>
-        <a:xfrm>
-          <a:off x="0" y="0"/>
-          <a:ext cx="0" cy="0"/>
-          <a:chOff x="0" y="0"/>
-          <a:chExt cx="0" cy="0"/>
-        </a:xfrm>
-      </p:grpSpPr>
-      <p:sp>
-        <p:nvSpPr>
-          <p:cNvPr id="2" name="Title 1"/>
-          <p:cNvSpPr>
-            <a:spLocks noGrp="1"/>
-          </p:cNvSpPr>
-          <p:nvPr>
-            <p:ph type="title"/>
-          </p:nvPr>
-        </p:nvSpPr>
-        <p:spPr/>
-        <p:txBody>
-          <a:bodyPr/>
-          <a:lstStyle/>
-          <a:p>
-            <a:r>
-              <a:rPr lang="en-US" dirty="0" smtClean="0"/>
-              <a:t>iterating a certain number of times</a:t>
-            </a:r>
-            <a:endParaRPr lang="en-US" dirty="0"/>
-          </a:p>
-        </p:txBody>
-      </p:sp>
-      <p:sp>
-        <p:nvSpPr>
-          <p:cNvPr id="5" name="TextBox 4"/>
-          <p:cNvSpPr txBox="1"/>
-          <p:nvPr/>
-        </p:nvSpPr>
-        <p:spPr>
-          <a:xfrm>
-            <a:off x="558329" y="2806230"/>
-            <a:ext cx="3221201" cy="2862323"/>
-          </a:xfrm>
-          <a:prstGeom prst="rect">
-            <a:avLst/>
-          </a:prstGeom>
-          <a:noFill/>
-        </p:spPr>
-        <p:txBody>
-          <a:bodyPr wrap="square" rtlCol="0">
-            <a:spAutoFit/>
-          </a:bodyPr>
-          <a:lstStyle/>
-          <a:p>
-            <a:r>
-              <a:rPr lang="en-US" dirty="0" smtClean="0">
-                <a:latin typeface="Monaco"/>
-                <a:cs typeface="Monaco"/>
-              </a:rPr>
-              <a:t>for grade in grades:</a:t>
-            </a:r>
-          </a:p>
-          <a:p>
-            <a:r>
-              <a:rPr lang="en-US" dirty="0" smtClean="0">
-                <a:latin typeface="Monaco"/>
-                <a:cs typeface="Monaco"/>
-              </a:rPr>
-              <a:t>	print grade * 1.1</a:t>
-            </a:r>
-          </a:p>
-          <a:p>
-            <a:endParaRPr lang="en-US" dirty="0">
-              <a:latin typeface="Monaco"/>
-              <a:cs typeface="Monaco"/>
-            </a:endParaRPr>
-          </a:p>
-          <a:p>
-            <a:r>
-              <a:rPr lang="en-US" dirty="0" smtClean="0">
-                <a:solidFill>
-                  <a:schemeClr val="bg1">
-                    <a:lumMod val="65000"/>
-                  </a:schemeClr>
-                </a:solidFill>
-                <a:latin typeface="Monaco"/>
-                <a:cs typeface="Monaco"/>
-              </a:rPr>
-              <a:t>	</a:t>
-            </a:r>
-            <a:r>
-              <a:rPr lang="en-US" dirty="0">
-                <a:solidFill>
-                  <a:schemeClr val="bg1">
-                    <a:lumMod val="65000"/>
-                  </a:schemeClr>
-                </a:solidFill>
-                <a:latin typeface="Monaco"/>
-                <a:cs typeface="Monaco"/>
-              </a:rPr>
-              <a:t>96.8</a:t>
-            </a:r>
-          </a:p>
-          <a:p>
-            <a:pPr lvl="1"/>
-            <a:r>
-              <a:rPr lang="en-US" dirty="0">
-                <a:solidFill>
-                  <a:schemeClr val="bg1">
-                    <a:lumMod val="65000"/>
-                  </a:schemeClr>
-                </a:solidFill>
-                <a:latin typeface="Monaco"/>
-                <a:cs typeface="Monaco"/>
-              </a:rPr>
-              <a:t>78.1</a:t>
-            </a:r>
-          </a:p>
-          <a:p>
-            <a:pPr lvl="1"/>
-            <a:r>
-              <a:rPr lang="en-US" dirty="0">
-                <a:solidFill>
-                  <a:schemeClr val="bg1">
-                    <a:lumMod val="65000"/>
-                  </a:schemeClr>
-                </a:solidFill>
-                <a:latin typeface="Monaco"/>
-                <a:cs typeface="Monaco"/>
-              </a:rPr>
-              <a:t>81.4</a:t>
-            </a:r>
-          </a:p>
-          <a:p>
-            <a:pPr lvl="1"/>
-            <a:r>
-              <a:rPr lang="en-US" dirty="0">
-                <a:solidFill>
-                  <a:schemeClr val="bg1">
-                    <a:lumMod val="65000"/>
-                  </a:schemeClr>
-                </a:solidFill>
-                <a:latin typeface="Monaco"/>
-                <a:cs typeface="Monaco"/>
-              </a:rPr>
-              <a:t>91.3</a:t>
-            </a:r>
-          </a:p>
-          <a:p>
-            <a:pPr lvl="1"/>
-            <a:r>
-              <a:rPr lang="en-US" dirty="0">
-                <a:solidFill>
-                  <a:schemeClr val="bg1">
-                    <a:lumMod val="65000"/>
-                  </a:schemeClr>
-                </a:solidFill>
-                <a:latin typeface="Monaco"/>
-                <a:cs typeface="Monaco"/>
-              </a:rPr>
-              <a:t>62.7</a:t>
-            </a:r>
-          </a:p>
-          <a:p>
-            <a:pPr lvl="1"/>
-            <a:r>
-              <a:rPr lang="en-US" dirty="0">
-                <a:solidFill>
-                  <a:schemeClr val="bg1">
-                    <a:lumMod val="65000"/>
-                  </a:schemeClr>
-                </a:solidFill>
-                <a:latin typeface="Monaco"/>
-                <a:cs typeface="Monaco"/>
-              </a:rPr>
-              <a:t>86.9</a:t>
-            </a:r>
-          </a:p>
-          <a:p>
-            <a:pPr lvl="1"/>
-            <a:r>
-              <a:rPr lang="en-US" dirty="0" smtClean="0">
-                <a:solidFill>
-                  <a:schemeClr val="bg1">
-                    <a:lumMod val="65000"/>
-                  </a:schemeClr>
-                </a:solidFill>
-                <a:latin typeface="Monaco"/>
-                <a:cs typeface="Monaco"/>
-              </a:rPr>
-              <a:t>72.6</a:t>
-            </a:r>
-            <a:endParaRPr lang="en-US" dirty="0" smtClean="0">
-              <a:latin typeface="Monaco"/>
-              <a:cs typeface="Monaco"/>
-            </a:endParaRPr>
-          </a:p>
-        </p:txBody>
-      </p:sp>
-      <p:sp>
-        <p:nvSpPr>
-          <p:cNvPr id="6" name="TextBox 5"/>
-          <p:cNvSpPr txBox="1"/>
-          <p:nvPr/>
-        </p:nvSpPr>
-        <p:spPr>
-          <a:xfrm>
-            <a:off x="1718776" y="1798949"/>
-            <a:ext cx="5736553" cy="923330"/>
-          </a:xfrm>
-          <a:prstGeom prst="rect">
-            <a:avLst/>
-          </a:prstGeom>
-          <a:noFill/>
-        </p:spPr>
-        <p:txBody>
-          <a:bodyPr wrap="square" rtlCol="0">
-            <a:spAutoFit/>
-          </a:bodyPr>
-          <a:lstStyle/>
-          <a:p>
-            <a:r>
-              <a:rPr lang="en-US" dirty="0">
-                <a:latin typeface="Monaco"/>
-                <a:cs typeface="Monaco"/>
-              </a:rPr>
-              <a:t># List of grades</a:t>
-            </a:r>
-          </a:p>
-          <a:p>
-            <a:r>
-              <a:rPr lang="en-US" dirty="0">
-                <a:latin typeface="Monaco"/>
-                <a:cs typeface="Monaco"/>
-              </a:rPr>
-              <a:t>grades = [88, 71, 74, 83, 57, 79, 66]</a:t>
-            </a:r>
-          </a:p>
-          <a:p>
-            <a:endParaRPr lang="en-US" dirty="0"/>
-          </a:p>
-        </p:txBody>
-      </p:sp>
-      <p:sp>
-        <p:nvSpPr>
-          <p:cNvPr id="7" name="TextBox 6"/>
-          <p:cNvSpPr txBox="1"/>
-          <p:nvPr/>
-        </p:nvSpPr>
-        <p:spPr>
-          <a:xfrm>
-            <a:off x="4315964" y="2806230"/>
-            <a:ext cx="4219579" cy="2862323"/>
-          </a:xfrm>
-          <a:prstGeom prst="rect">
-            <a:avLst/>
-          </a:prstGeom>
-          <a:noFill/>
-        </p:spPr>
-        <p:txBody>
-          <a:bodyPr wrap="square" rtlCol="0">
-            <a:spAutoFit/>
-          </a:bodyPr>
-          <a:lstStyle/>
-          <a:p>
-            <a:r>
-              <a:rPr lang="en-US" dirty="0" smtClean="0">
-                <a:latin typeface="Monaco"/>
-                <a:cs typeface="Monaco"/>
-              </a:rPr>
-              <a:t>for i in </a:t>
-            </a:r>
-            <a:r>
-              <a:rPr lang="en-US" dirty="0" smtClean="0">
-                <a:solidFill>
-                  <a:schemeClr val="accent5"/>
-                </a:solidFill>
-                <a:latin typeface="Monaco"/>
-                <a:cs typeface="Monaco"/>
-              </a:rPr>
-              <a:t>range(</a:t>
-            </a:r>
-            <a:r>
-              <a:rPr lang="en-US" dirty="0" err="1" smtClean="0">
-                <a:solidFill>
-                  <a:schemeClr val="accent5"/>
-                </a:solidFill>
-                <a:latin typeface="Monaco"/>
-                <a:cs typeface="Monaco"/>
-              </a:rPr>
-              <a:t>len</a:t>
-            </a:r>
-            <a:r>
-              <a:rPr lang="en-US" dirty="0" smtClean="0">
-                <a:solidFill>
-                  <a:schemeClr val="accent5"/>
-                </a:solidFill>
-                <a:latin typeface="Monaco"/>
-                <a:cs typeface="Monaco"/>
-              </a:rPr>
-              <a:t>(grades))</a:t>
-            </a:r>
-            <a:r>
-              <a:rPr lang="en-US" dirty="0" smtClean="0">
-                <a:latin typeface="Monaco"/>
-                <a:cs typeface="Monaco"/>
-              </a:rPr>
-              <a:t>:</a:t>
-            </a:r>
-          </a:p>
-          <a:p>
-            <a:r>
-              <a:rPr lang="en-US" dirty="0" smtClean="0">
-                <a:latin typeface="Monaco"/>
-                <a:cs typeface="Monaco"/>
-              </a:rPr>
-              <a:t>	print grades[i</a:t>
-            </a:r>
-            <a:r>
-              <a:rPr lang="en-US" dirty="0">
-                <a:latin typeface="Monaco"/>
-                <a:cs typeface="Monaco"/>
-              </a:rPr>
-              <a:t>]</a:t>
-            </a:r>
-            <a:r>
-              <a:rPr lang="en-US" dirty="0" smtClean="0">
-                <a:latin typeface="Monaco"/>
-                <a:cs typeface="Monaco"/>
-              </a:rPr>
-              <a:t> * 1.1</a:t>
-            </a:r>
-            <a:br>
-              <a:rPr lang="en-US" dirty="0" smtClean="0">
-                <a:latin typeface="Monaco"/>
-                <a:cs typeface="Monaco"/>
-              </a:rPr>
-            </a:br>
-            <a:endParaRPr lang="en-US" dirty="0">
-              <a:latin typeface="Monaco"/>
-              <a:cs typeface="Monaco"/>
-            </a:endParaRPr>
-          </a:p>
-          <a:p>
-            <a:r>
-              <a:rPr lang="en-US" dirty="0">
-                <a:solidFill>
-                  <a:schemeClr val="bg1">
-                    <a:lumMod val="65000"/>
-                  </a:schemeClr>
-                </a:solidFill>
-                <a:latin typeface="Monaco"/>
-                <a:cs typeface="Monaco"/>
-              </a:rPr>
-              <a:t>	96.8</a:t>
-            </a:r>
-          </a:p>
-          <a:p>
-            <a:pPr lvl="1"/>
-            <a:r>
-              <a:rPr lang="en-US" dirty="0">
-                <a:solidFill>
-                  <a:schemeClr val="bg1">
-                    <a:lumMod val="65000"/>
-                  </a:schemeClr>
-                </a:solidFill>
-                <a:latin typeface="Monaco"/>
-                <a:cs typeface="Monaco"/>
-              </a:rPr>
-              <a:t>78.1</a:t>
-            </a:r>
-          </a:p>
-          <a:p>
-            <a:pPr lvl="1"/>
-            <a:r>
-              <a:rPr lang="en-US" dirty="0">
-                <a:solidFill>
-                  <a:schemeClr val="bg1">
-                    <a:lumMod val="65000"/>
-                  </a:schemeClr>
-                </a:solidFill>
-                <a:latin typeface="Monaco"/>
-                <a:cs typeface="Monaco"/>
-              </a:rPr>
-              <a:t>81.4</a:t>
-            </a:r>
-          </a:p>
-          <a:p>
-            <a:pPr lvl="1"/>
-            <a:r>
-              <a:rPr lang="en-US" dirty="0">
-                <a:solidFill>
-                  <a:schemeClr val="bg1">
-                    <a:lumMod val="65000"/>
-                  </a:schemeClr>
-                </a:solidFill>
-                <a:latin typeface="Monaco"/>
-                <a:cs typeface="Monaco"/>
-              </a:rPr>
-              <a:t>91.3</a:t>
-            </a:r>
-          </a:p>
-          <a:p>
-            <a:pPr lvl="1"/>
-            <a:r>
-              <a:rPr lang="en-US" dirty="0">
-                <a:solidFill>
-                  <a:schemeClr val="bg1">
-                    <a:lumMod val="65000"/>
-                  </a:schemeClr>
-                </a:solidFill>
-                <a:latin typeface="Monaco"/>
-                <a:cs typeface="Monaco"/>
-              </a:rPr>
-              <a:t>62.7</a:t>
-            </a:r>
-          </a:p>
-          <a:p>
-            <a:pPr lvl="1"/>
-            <a:r>
-              <a:rPr lang="en-US" dirty="0">
-                <a:solidFill>
-                  <a:schemeClr val="bg1">
-                    <a:lumMod val="65000"/>
-                  </a:schemeClr>
-                </a:solidFill>
-                <a:latin typeface="Monaco"/>
-                <a:cs typeface="Monaco"/>
-              </a:rPr>
-              <a:t>86.9</a:t>
-            </a:r>
-          </a:p>
-          <a:p>
-            <a:pPr lvl="1"/>
-            <a:r>
-              <a:rPr lang="en-US" dirty="0" smtClean="0">
-                <a:solidFill>
-                  <a:schemeClr val="bg1">
-                    <a:lumMod val="65000"/>
-                  </a:schemeClr>
-                </a:solidFill>
-                <a:latin typeface="Monaco"/>
-                <a:cs typeface="Monaco"/>
-              </a:rPr>
-              <a:t>72.6</a:t>
-            </a:r>
-            <a:r>
-              <a:rPr lang="en-US" dirty="0" smtClean="0">
-                <a:latin typeface="Monaco"/>
-                <a:cs typeface="Monaco"/>
-              </a:rPr>
-              <a:t>	</a:t>
-            </a:r>
-          </a:p>
-        </p:txBody>
-      </p:sp>
-    </p:spTree>
-    <p:extLst>
-      <p:ext uri="{BB962C8B-B14F-4D97-AF65-F5344CB8AC3E}">
-        <p14:creationId xmlns:p14="http://schemas.microsoft.com/office/powerpoint/2010/main" val="3675497712"/>
-      </p:ext>
-    </p:extLst>
-  </p:cSld>
-  <p:clrMapOvr>
-    <a:masterClrMapping/>
-  </p:clrMapOvr>
-</p:sld>
-</file>
-
-<file path=ppt/slides/slide42.xml><?xml version="1.0" encoding="utf-8"?>
-<p:sld xmlns:a="http://schemas.openxmlformats.org/drawingml/2006/main" xmlns:r="http://schemas.openxmlformats.org/officeDocument/2006/relationships" xmlns:p="http://schemas.openxmlformats.org/presentationml/2006/main">
-  <p:cSld>
-    <p:spTree>
-      <p:nvGrpSpPr>
-        <p:cNvPr id="1" name=""/>
-        <p:cNvGrpSpPr/>
-        <p:nvPr/>
-      </p:nvGrpSpPr>
-      <p:grpSpPr>
-        <a:xfrm>
-          <a:off x="0" y="0"/>
-          <a:ext cx="0" cy="0"/>
-          <a:chOff x="0" y="0"/>
-          <a:chExt cx="0" cy="0"/>
-        </a:xfrm>
-      </p:grpSpPr>
-      <p:sp>
-        <p:nvSpPr>
-          <p:cNvPr id="2" name="Title 1"/>
-          <p:cNvSpPr>
-            <a:spLocks noGrp="1"/>
-          </p:cNvSpPr>
-          <p:nvPr>
-            <p:ph type="title"/>
-          </p:nvPr>
-        </p:nvSpPr>
-        <p:spPr/>
-        <p:txBody>
-          <a:bodyPr/>
-          <a:lstStyle/>
-          <a:p>
-            <a:r>
-              <a:rPr lang="en-US" dirty="0" smtClean="0"/>
-              <a:t>looping over strings</a:t>
-            </a:r>
-            <a:endParaRPr lang="en-US" dirty="0"/>
-          </a:p>
-        </p:txBody>
-      </p:sp>
-      <p:sp>
-        <p:nvSpPr>
-          <p:cNvPr id="4" name="TextBox 3"/>
-          <p:cNvSpPr txBox="1"/>
-          <p:nvPr/>
-        </p:nvSpPr>
-        <p:spPr>
-          <a:xfrm>
-            <a:off x="2342661" y="2036922"/>
-            <a:ext cx="3221201" cy="2585323"/>
-          </a:xfrm>
-          <a:prstGeom prst="rect">
-            <a:avLst/>
-          </a:prstGeom>
-          <a:noFill/>
-        </p:spPr>
-        <p:txBody>
-          <a:bodyPr wrap="square" rtlCol="0">
-            <a:spAutoFit/>
-          </a:bodyPr>
-          <a:lstStyle/>
-          <a:p>
-            <a:r>
-              <a:rPr lang="en-US" dirty="0" smtClean="0">
-                <a:latin typeface="Monaco"/>
-                <a:cs typeface="Monaco"/>
-              </a:rPr>
-              <a:t>for s in "python":</a:t>
-            </a:r>
-          </a:p>
-          <a:p>
-            <a:r>
-              <a:rPr lang="en-US" dirty="0" smtClean="0">
-                <a:latin typeface="Monaco"/>
-                <a:cs typeface="Monaco"/>
-              </a:rPr>
-              <a:t>	print </a:t>
-            </a:r>
-            <a:r>
-              <a:rPr lang="en-US" dirty="0">
-                <a:latin typeface="Monaco"/>
-                <a:cs typeface="Monaco"/>
-              </a:rPr>
-              <a:t>s</a:t>
-            </a:r>
-            <a:endParaRPr lang="en-US" dirty="0" smtClean="0">
-              <a:latin typeface="Monaco"/>
-              <a:cs typeface="Monaco"/>
-            </a:endParaRPr>
-          </a:p>
-          <a:p>
-            <a:endParaRPr lang="en-US" dirty="0">
-              <a:latin typeface="Monaco"/>
-              <a:cs typeface="Monaco"/>
-            </a:endParaRPr>
-          </a:p>
-          <a:p>
-            <a:r>
-              <a:rPr lang="en-US" dirty="0" smtClean="0">
-                <a:solidFill>
-                  <a:schemeClr val="bg1">
-                    <a:lumMod val="65000"/>
-                  </a:schemeClr>
-                </a:solidFill>
-                <a:latin typeface="Monaco"/>
-                <a:cs typeface="Monaco"/>
-              </a:rPr>
-              <a:t>	p</a:t>
-            </a:r>
-            <a:endParaRPr lang="en-US" dirty="0">
-              <a:solidFill>
-                <a:schemeClr val="bg1">
-                  <a:lumMod val="65000"/>
-                </a:schemeClr>
-              </a:solidFill>
-              <a:latin typeface="Monaco"/>
-              <a:cs typeface="Monaco"/>
-            </a:endParaRPr>
-          </a:p>
-          <a:p>
-            <a:pPr lvl="1"/>
-            <a:r>
-              <a:rPr lang="en-US" dirty="0">
-                <a:solidFill>
-                  <a:schemeClr val="bg1">
-                    <a:lumMod val="65000"/>
-                  </a:schemeClr>
-                </a:solidFill>
-                <a:latin typeface="Monaco"/>
-                <a:cs typeface="Monaco"/>
-              </a:rPr>
-              <a:t>y</a:t>
-            </a:r>
-          </a:p>
-          <a:p>
-            <a:pPr lvl="1"/>
-            <a:r>
-              <a:rPr lang="en-US" dirty="0" smtClean="0">
-                <a:solidFill>
-                  <a:schemeClr val="bg1">
-                    <a:lumMod val="65000"/>
-                  </a:schemeClr>
-                </a:solidFill>
-                <a:latin typeface="Monaco"/>
-                <a:cs typeface="Monaco"/>
-              </a:rPr>
-              <a:t>t</a:t>
-            </a:r>
-            <a:endParaRPr lang="en-US" dirty="0">
-              <a:solidFill>
-                <a:schemeClr val="bg1">
-                  <a:lumMod val="65000"/>
-                </a:schemeClr>
-              </a:solidFill>
-              <a:latin typeface="Monaco"/>
-              <a:cs typeface="Monaco"/>
-            </a:endParaRPr>
-          </a:p>
-          <a:p>
-            <a:pPr lvl="1"/>
-            <a:r>
-              <a:rPr lang="en-US" dirty="0">
-                <a:solidFill>
-                  <a:schemeClr val="bg1">
-                    <a:lumMod val="65000"/>
-                  </a:schemeClr>
-                </a:solidFill>
-                <a:latin typeface="Monaco"/>
-                <a:cs typeface="Monaco"/>
-              </a:rPr>
-              <a:t>h</a:t>
-            </a:r>
-          </a:p>
-          <a:p>
-            <a:pPr lvl="1"/>
-            <a:r>
-              <a:rPr lang="en-US" dirty="0">
-                <a:solidFill>
-                  <a:schemeClr val="bg1">
-                    <a:lumMod val="65000"/>
-                  </a:schemeClr>
-                </a:solidFill>
-                <a:latin typeface="Monaco"/>
-                <a:cs typeface="Monaco"/>
-              </a:rPr>
-              <a:t>o</a:t>
-            </a:r>
-          </a:p>
-          <a:p>
-            <a:pPr lvl="1"/>
-            <a:r>
-              <a:rPr lang="en-US" dirty="0" smtClean="0">
-                <a:solidFill>
-                  <a:schemeClr val="bg1">
-                    <a:lumMod val="65000"/>
-                  </a:schemeClr>
-                </a:solidFill>
-                <a:latin typeface="Monaco"/>
-                <a:cs typeface="Monaco"/>
-              </a:rPr>
-              <a:t>n</a:t>
-            </a:r>
-            <a:endParaRPr lang="en-US" dirty="0" smtClean="0">
-              <a:latin typeface="Monaco"/>
-              <a:cs typeface="Monaco"/>
-            </a:endParaRPr>
-          </a:p>
-        </p:txBody>
-      </p:sp>
-    </p:spTree>
-    <p:extLst>
-      <p:ext uri="{BB962C8B-B14F-4D97-AF65-F5344CB8AC3E}">
-        <p14:creationId xmlns:p14="http://schemas.microsoft.com/office/powerpoint/2010/main" val="2782538499"/>
-      </p:ext>
-    </p:extLst>
-  </p:cSld>
-  <p:clrMapOvr>
-    <a:masterClrMapping/>
-  </p:clrMapOvr>
-</p:sld>
-</file>
-
-<file path=ppt/slides/slide43.xml><?xml version="1.0" encoding="utf-8"?>
-<p:sld xmlns:a="http://schemas.openxmlformats.org/drawingml/2006/main" xmlns:r="http://schemas.openxmlformats.org/officeDocument/2006/relationships" xmlns:p="http://schemas.openxmlformats.org/presentationml/2006/main">
-  <p:cSld>
-    <p:spTree>
-      <p:nvGrpSpPr>
-        <p:cNvPr id="1" name=""/>
-        <p:cNvGrpSpPr/>
-        <p:nvPr/>
-      </p:nvGrpSpPr>
-      <p:grpSpPr>
-        <a:xfrm>
-          <a:off x="0" y="0"/>
-          <a:ext cx="0" cy="0"/>
-          <a:chOff x="0" y="0"/>
-          <a:chExt cx="0" cy="0"/>
-        </a:xfrm>
-      </p:grpSpPr>
-      <p:sp>
-        <p:nvSpPr>
-          <p:cNvPr id="2" name="Title 1"/>
-          <p:cNvSpPr>
-            <a:spLocks noGrp="1"/>
-          </p:cNvSpPr>
-          <p:nvPr>
-            <p:ph type="title"/>
-          </p:nvPr>
-        </p:nvSpPr>
-        <p:spPr/>
-        <p:txBody>
-          <a:bodyPr/>
-          <a:lstStyle/>
-          <a:p>
-            <a:r>
-              <a:rPr lang="en-US" dirty="0" smtClean="0"/>
-              <a:t>looping over dictionaries</a:t>
-            </a:r>
-            <a:endParaRPr lang="en-US" dirty="0"/>
-          </a:p>
-        </p:txBody>
-      </p:sp>
-      <p:sp>
-        <p:nvSpPr>
-          <p:cNvPr id="4" name="TextBox 3"/>
-          <p:cNvSpPr txBox="1"/>
-          <p:nvPr/>
-        </p:nvSpPr>
-        <p:spPr>
-          <a:xfrm>
-            <a:off x="205154" y="2036922"/>
-            <a:ext cx="8733691" cy="2031325"/>
-          </a:xfrm>
-          <a:prstGeom prst="rect">
-            <a:avLst/>
-          </a:prstGeom>
-          <a:noFill/>
-        </p:spPr>
-        <p:txBody>
-          <a:bodyPr wrap="square" rtlCol="0">
-            <a:spAutoFit/>
-          </a:bodyPr>
-          <a:lstStyle/>
-          <a:p>
-            <a:r>
-              <a:rPr lang="en-US" dirty="0" smtClean="0">
-                <a:latin typeface="Monaco"/>
-                <a:cs typeface="Monaco"/>
-              </a:rPr>
-              <a:t>price = {"banana" : 0.79, "apple": 1.02, "bell pepper": 2.39}</a:t>
-            </a:r>
-          </a:p>
-          <a:p>
-            <a:r>
-              <a:rPr lang="en-US" dirty="0" smtClean="0">
-                <a:latin typeface="Monaco"/>
-                <a:cs typeface="Monaco"/>
-              </a:rPr>
-              <a:t>for item in price:</a:t>
-            </a:r>
-          </a:p>
-          <a:p>
-            <a:r>
-              <a:rPr lang="en-US" dirty="0" smtClean="0">
-                <a:latin typeface="Monaco"/>
-                <a:cs typeface="Monaco"/>
-              </a:rPr>
-              <a:t>	print item</a:t>
-            </a:r>
-          </a:p>
-          <a:p>
-            <a:endParaRPr lang="en-US" dirty="0">
-              <a:latin typeface="Monaco"/>
-              <a:cs typeface="Monaco"/>
-            </a:endParaRPr>
-          </a:p>
-          <a:p>
-            <a:r>
-              <a:rPr lang="en-US" dirty="0" smtClean="0">
-                <a:solidFill>
-                  <a:schemeClr val="bg1">
-                    <a:lumMod val="65000"/>
-                  </a:schemeClr>
-                </a:solidFill>
-                <a:latin typeface="Monaco"/>
-                <a:cs typeface="Monaco"/>
-              </a:rPr>
-              <a:t>	bell pepper</a:t>
-            </a:r>
-            <a:endParaRPr lang="en-US" dirty="0">
-              <a:solidFill>
-                <a:schemeClr val="bg1">
-                  <a:lumMod val="65000"/>
-                </a:schemeClr>
-              </a:solidFill>
-              <a:latin typeface="Monaco"/>
-              <a:cs typeface="Monaco"/>
-            </a:endParaRPr>
-          </a:p>
-          <a:p>
-            <a:pPr lvl="1"/>
-            <a:r>
-              <a:rPr lang="en-US" dirty="0" smtClean="0">
-                <a:solidFill>
-                  <a:schemeClr val="bg1">
-                    <a:lumMod val="65000"/>
-                  </a:schemeClr>
-                </a:solidFill>
-                <a:latin typeface="Monaco"/>
-                <a:cs typeface="Monaco"/>
-              </a:rPr>
-              <a:t>banana</a:t>
-            </a:r>
-            <a:endParaRPr lang="en-US" dirty="0">
-              <a:solidFill>
-                <a:schemeClr val="bg1">
-                  <a:lumMod val="65000"/>
-                </a:schemeClr>
-              </a:solidFill>
-              <a:latin typeface="Monaco"/>
-              <a:cs typeface="Monaco"/>
-            </a:endParaRPr>
-          </a:p>
-          <a:p>
-            <a:pPr lvl="1"/>
-            <a:r>
-              <a:rPr lang="en-US" dirty="0" smtClean="0">
-                <a:solidFill>
-                  <a:schemeClr val="bg1">
-                    <a:lumMod val="65000"/>
-                  </a:schemeClr>
-                </a:solidFill>
-                <a:latin typeface="Monaco"/>
-                <a:cs typeface="Monaco"/>
-              </a:rPr>
-              <a:t>apple</a:t>
-            </a:r>
-            <a:endParaRPr lang="en-US" dirty="0" smtClean="0">
-              <a:latin typeface="Monaco"/>
-              <a:cs typeface="Monaco"/>
-            </a:endParaRPr>
-          </a:p>
-        </p:txBody>
-      </p:sp>
-    </p:spTree>
-    <p:extLst>
-      <p:ext uri="{BB962C8B-B14F-4D97-AF65-F5344CB8AC3E}">
-        <p14:creationId xmlns:p14="http://schemas.microsoft.com/office/powerpoint/2010/main" val="3288283213"/>
-      </p:ext>
-    </p:extLst>
-  </p:cSld>
-  <p:clrMapOvr>
-    <a:masterClrMapping/>
-  </p:clrMapOvr>
-</p:sld>
-</file>
-
-<file path=ppt/slides/slide44.xml><?xml version="1.0" encoding="utf-8"?>
-<p:sld xmlns:a="http://schemas.openxmlformats.org/drawingml/2006/main" xmlns:r="http://schemas.openxmlformats.org/officeDocument/2006/relationships" xmlns:p="http://schemas.openxmlformats.org/presentationml/2006/main">
-  <p:cSld>
-    <p:spTree>
-      <p:nvGrpSpPr>
-        <p:cNvPr id="1" name=""/>
-        <p:cNvGrpSpPr/>
-        <p:nvPr/>
-      </p:nvGrpSpPr>
-      <p:grpSpPr>
-        <a:xfrm>
-          <a:off x="0" y="0"/>
-          <a:ext cx="0" cy="0"/>
-          <a:chOff x="0" y="0"/>
-          <a:chExt cx="0" cy="0"/>
-        </a:xfrm>
-      </p:grpSpPr>
-      <p:sp>
-        <p:nvSpPr>
-          <p:cNvPr id="2" name="Title 1"/>
-          <p:cNvSpPr>
-            <a:spLocks noGrp="1"/>
-          </p:cNvSpPr>
-          <p:nvPr>
-            <p:ph type="title"/>
-          </p:nvPr>
-        </p:nvSpPr>
-        <p:spPr/>
-        <p:txBody>
-          <a:bodyPr/>
-          <a:lstStyle/>
-          <a:p>
-            <a:r>
-              <a:rPr lang="en-US" dirty="0" smtClean="0"/>
-              <a:t>looping over dictionaries</a:t>
-            </a:r>
-            <a:endParaRPr lang="en-US" dirty="0"/>
-          </a:p>
-        </p:txBody>
-      </p:sp>
-      <p:sp>
-        <p:nvSpPr>
-          <p:cNvPr id="4" name="TextBox 3"/>
-          <p:cNvSpPr txBox="1"/>
-          <p:nvPr/>
-        </p:nvSpPr>
-        <p:spPr>
-          <a:xfrm>
-            <a:off x="205154" y="2036922"/>
-            <a:ext cx="8733691" cy="2031325"/>
-          </a:xfrm>
-          <a:prstGeom prst="rect">
-            <a:avLst/>
-          </a:prstGeom>
-          <a:noFill/>
-        </p:spPr>
-        <p:txBody>
-          <a:bodyPr wrap="square" rtlCol="0">
-            <a:spAutoFit/>
-          </a:bodyPr>
-          <a:lstStyle/>
-          <a:p>
-            <a:r>
-              <a:rPr lang="en-US" dirty="0" smtClean="0">
-                <a:latin typeface="Monaco"/>
-                <a:cs typeface="Monaco"/>
-              </a:rPr>
-              <a:t>price = {"banana" : 0.79, "apple": 1.02, "bell pepper": 2.39}</a:t>
-            </a:r>
-          </a:p>
-          <a:p>
-            <a:r>
-              <a:rPr lang="en-US" dirty="0" smtClean="0">
-                <a:latin typeface="Monaco"/>
-                <a:cs typeface="Monaco"/>
-              </a:rPr>
-              <a:t>for item in price:</a:t>
-            </a:r>
-          </a:p>
-          <a:p>
-            <a:r>
-              <a:rPr lang="en-US" dirty="0" smtClean="0">
-                <a:latin typeface="Monaco"/>
-                <a:cs typeface="Monaco"/>
-              </a:rPr>
-              <a:t>	print item</a:t>
-            </a:r>
-          </a:p>
-          <a:p>
-            <a:endParaRPr lang="en-US" dirty="0">
-              <a:latin typeface="Monaco"/>
-              <a:cs typeface="Monaco"/>
-            </a:endParaRPr>
-          </a:p>
-          <a:p>
-            <a:r>
-              <a:rPr lang="en-US" dirty="0" smtClean="0">
-                <a:solidFill>
-                  <a:schemeClr val="bg1">
-                    <a:lumMod val="65000"/>
-                  </a:schemeClr>
-                </a:solidFill>
-                <a:latin typeface="Monaco"/>
-                <a:cs typeface="Monaco"/>
-              </a:rPr>
-              <a:t>	bell pepper</a:t>
-            </a:r>
-            <a:endParaRPr lang="en-US" dirty="0">
-              <a:solidFill>
-                <a:schemeClr val="bg1">
-                  <a:lumMod val="65000"/>
-                </a:schemeClr>
-              </a:solidFill>
-              <a:latin typeface="Monaco"/>
-              <a:cs typeface="Monaco"/>
-            </a:endParaRPr>
-          </a:p>
-          <a:p>
-            <a:pPr lvl="1"/>
-            <a:r>
-              <a:rPr lang="en-US" dirty="0" smtClean="0">
-                <a:solidFill>
-                  <a:schemeClr val="bg1">
-                    <a:lumMod val="65000"/>
-                  </a:schemeClr>
-                </a:solidFill>
-                <a:latin typeface="Monaco"/>
-                <a:cs typeface="Monaco"/>
-              </a:rPr>
-              <a:t>banana</a:t>
-            </a:r>
-            <a:endParaRPr lang="en-US" dirty="0">
-              <a:solidFill>
-                <a:schemeClr val="bg1">
-                  <a:lumMod val="65000"/>
-                </a:schemeClr>
-              </a:solidFill>
-              <a:latin typeface="Monaco"/>
-              <a:cs typeface="Monaco"/>
-            </a:endParaRPr>
-          </a:p>
-          <a:p>
-            <a:pPr lvl="1"/>
-            <a:r>
-              <a:rPr lang="en-US" dirty="0" smtClean="0">
-                <a:solidFill>
-                  <a:schemeClr val="bg1">
-                    <a:lumMod val="65000"/>
-                  </a:schemeClr>
-                </a:solidFill>
-                <a:latin typeface="Monaco"/>
-                <a:cs typeface="Monaco"/>
-              </a:rPr>
-              <a:t>apple</a:t>
-            </a:r>
-            <a:endParaRPr lang="en-US" dirty="0" smtClean="0">
-              <a:latin typeface="Monaco"/>
-              <a:cs typeface="Monaco"/>
-            </a:endParaRPr>
-          </a:p>
-        </p:txBody>
-      </p:sp>
-      <p:sp>
-        <p:nvSpPr>
-          <p:cNvPr id="3" name="TextBox 2"/>
-          <p:cNvSpPr txBox="1"/>
-          <p:nvPr/>
-        </p:nvSpPr>
-        <p:spPr>
-          <a:xfrm>
-            <a:off x="2481385" y="3482093"/>
-            <a:ext cx="3751385" cy="369332"/>
-          </a:xfrm>
-          <a:prstGeom prst="rect">
-            <a:avLst/>
-          </a:prstGeom>
-          <a:noFill/>
-        </p:spPr>
-        <p:txBody>
-          <a:bodyPr wrap="square" rtlCol="0">
-            <a:spAutoFit/>
-          </a:bodyPr>
-          <a:lstStyle/>
-          <a:p>
-            <a:r>
-              <a:rPr lang="en-US" dirty="0" smtClean="0">
-                <a:solidFill>
-                  <a:schemeClr val="accent5"/>
-                </a:solidFill>
-              </a:rPr>
-              <a:t>The loop variable is the key</a:t>
-            </a:r>
-            <a:endParaRPr lang="en-US" dirty="0">
-              <a:solidFill>
-                <a:schemeClr val="accent5"/>
-              </a:solidFill>
-            </a:endParaRPr>
-          </a:p>
-        </p:txBody>
-      </p:sp>
-    </p:spTree>
-    <p:extLst>
-      <p:ext uri="{BB962C8B-B14F-4D97-AF65-F5344CB8AC3E}">
-        <p14:creationId xmlns:p14="http://schemas.microsoft.com/office/powerpoint/2010/main" val="2360658973"/>
-      </p:ext>
-    </p:extLst>
-  </p:cSld>
-  <p:clrMapOvr>
-    <a:masterClrMapping/>
-  </p:clrMapOvr>
-</p:sld>
-</file>
-
-<file path=ppt/slides/slide45.xml><?xml version="1.0" encoding="utf-8"?>
-<p:sld xmlns:a="http://schemas.openxmlformats.org/drawingml/2006/main" xmlns:r="http://schemas.openxmlformats.org/officeDocument/2006/relationships" xmlns:p="http://schemas.openxmlformats.org/presentationml/2006/main">
-  <p:cSld>
-    <p:spTree>
-      <p:nvGrpSpPr>
-        <p:cNvPr id="1" name=""/>
-        <p:cNvGrpSpPr/>
-        <p:nvPr/>
-      </p:nvGrpSpPr>
-      <p:grpSpPr>
-        <a:xfrm>
-          <a:off x="0" y="0"/>
-          <a:ext cx="0" cy="0"/>
-          <a:chOff x="0" y="0"/>
-          <a:chExt cx="0" cy="0"/>
-        </a:xfrm>
-      </p:grpSpPr>
-      <p:sp>
-        <p:nvSpPr>
-          <p:cNvPr id="2" name="Title 1"/>
-          <p:cNvSpPr>
-            <a:spLocks noGrp="1"/>
-          </p:cNvSpPr>
-          <p:nvPr>
-            <p:ph type="title"/>
-          </p:nvPr>
-        </p:nvSpPr>
-        <p:spPr/>
-        <p:txBody>
-          <a:bodyPr/>
-          <a:lstStyle/>
-          <a:p>
-            <a:r>
-              <a:rPr lang="en-US" dirty="0" smtClean="0"/>
-              <a:t>looping over dictionaries</a:t>
-            </a:r>
-            <a:endParaRPr lang="en-US" dirty="0"/>
-          </a:p>
-        </p:txBody>
-      </p:sp>
-      <p:sp>
-        <p:nvSpPr>
-          <p:cNvPr id="4" name="TextBox 3"/>
-          <p:cNvSpPr txBox="1"/>
-          <p:nvPr/>
-        </p:nvSpPr>
-        <p:spPr>
-          <a:xfrm>
-            <a:off x="205154" y="2036922"/>
-            <a:ext cx="8733691" cy="2308324"/>
-          </a:xfrm>
-          <a:prstGeom prst="rect">
-            <a:avLst/>
-          </a:prstGeom>
-          <a:noFill/>
-        </p:spPr>
-        <p:txBody>
-          <a:bodyPr wrap="square" rtlCol="0">
-            <a:spAutoFit/>
-          </a:bodyPr>
-          <a:lstStyle/>
-          <a:p>
-            <a:r>
-              <a:rPr lang="en-US" dirty="0" smtClean="0">
-                <a:latin typeface="Monaco"/>
-                <a:cs typeface="Monaco"/>
-              </a:rPr>
-              <a:t>price = {"banana" : 0.79, "apple": 1.02, "bell pepper": 2.39}</a:t>
-            </a:r>
-          </a:p>
-          <a:p>
-            <a:r>
-              <a:rPr lang="en-US" dirty="0" smtClean="0">
-                <a:latin typeface="Monaco"/>
-                <a:cs typeface="Monaco"/>
-              </a:rPr>
-              <a:t>for item in price:</a:t>
-            </a:r>
-          </a:p>
-          <a:p>
-            <a:r>
-              <a:rPr lang="en-US" dirty="0" smtClean="0">
-                <a:latin typeface="Monaco"/>
-                <a:cs typeface="Monaco"/>
-              </a:rPr>
-              <a:t>	# Print the key *and* value</a:t>
-            </a:r>
-          </a:p>
-          <a:p>
-            <a:r>
-              <a:rPr lang="en-US" dirty="0">
-                <a:latin typeface="Monaco"/>
-                <a:cs typeface="Monaco"/>
-              </a:rPr>
-              <a:t>	</a:t>
-            </a:r>
-            <a:r>
-              <a:rPr lang="en-US" dirty="0" smtClean="0">
-                <a:latin typeface="Monaco"/>
-                <a:cs typeface="Monaco"/>
-              </a:rPr>
-              <a:t>print item, price[item]</a:t>
-            </a:r>
-          </a:p>
-          <a:p>
-            <a:endParaRPr lang="en-US" dirty="0">
-              <a:latin typeface="Monaco"/>
-              <a:cs typeface="Monaco"/>
-            </a:endParaRPr>
-          </a:p>
-          <a:p>
-            <a:r>
-              <a:rPr lang="en-US" dirty="0" smtClean="0">
-                <a:solidFill>
-                  <a:schemeClr val="bg1">
-                    <a:lumMod val="65000"/>
-                  </a:schemeClr>
-                </a:solidFill>
-                <a:latin typeface="Monaco"/>
-                <a:cs typeface="Monaco"/>
-              </a:rPr>
-              <a:t>	bell pepper, 2.39</a:t>
-            </a:r>
-            <a:endParaRPr lang="en-US" dirty="0">
-              <a:solidFill>
-                <a:schemeClr val="bg1">
-                  <a:lumMod val="65000"/>
-                </a:schemeClr>
-              </a:solidFill>
-              <a:latin typeface="Monaco"/>
-              <a:cs typeface="Monaco"/>
-            </a:endParaRPr>
-          </a:p>
-          <a:p>
-            <a:pPr lvl="1"/>
-            <a:r>
-              <a:rPr lang="en-US" dirty="0" smtClean="0">
-                <a:solidFill>
-                  <a:schemeClr val="bg1">
-                    <a:lumMod val="65000"/>
-                  </a:schemeClr>
-                </a:solidFill>
-                <a:latin typeface="Monaco"/>
-                <a:cs typeface="Monaco"/>
-              </a:rPr>
-              <a:t>banana, 0.79</a:t>
-            </a:r>
-            <a:endParaRPr lang="en-US" dirty="0">
-              <a:solidFill>
-                <a:schemeClr val="bg1">
-                  <a:lumMod val="65000"/>
-                </a:schemeClr>
-              </a:solidFill>
-              <a:latin typeface="Monaco"/>
-              <a:cs typeface="Monaco"/>
-            </a:endParaRPr>
-          </a:p>
-          <a:p>
-            <a:pPr lvl="1"/>
-            <a:r>
-              <a:rPr lang="en-US" dirty="0" smtClean="0">
-                <a:solidFill>
-                  <a:schemeClr val="bg1">
-                    <a:lumMod val="65000"/>
-                  </a:schemeClr>
-                </a:solidFill>
-                <a:latin typeface="Monaco"/>
-                <a:cs typeface="Monaco"/>
-              </a:rPr>
-              <a:t>apple, 1.02</a:t>
-            </a:r>
-            <a:endParaRPr lang="en-US" dirty="0" smtClean="0">
-              <a:latin typeface="Monaco"/>
-              <a:cs typeface="Monaco"/>
-            </a:endParaRPr>
-          </a:p>
-        </p:txBody>
-      </p:sp>
-    </p:spTree>
-    <p:extLst>
-      <p:ext uri="{BB962C8B-B14F-4D97-AF65-F5344CB8AC3E}">
-        <p14:creationId xmlns:p14="http://schemas.microsoft.com/office/powerpoint/2010/main" val="1259606957"/>
-      </p:ext>
-    </p:extLst>
-  </p:cSld>
-  <p:clrMapOvr>
-    <a:masterClrMapping/>
-  </p:clrMapOvr>
-</p:sld>
-</file>
-
 <file path=ppt/slides/slide46.xml><?xml version="1.0" encoding="utf-8"?>
 <p:sld xmlns:a="http://schemas.openxmlformats.org/drawingml/2006/main" xmlns:r="http://schemas.openxmlformats.org/officeDocument/2006/relationships" xmlns:p="http://schemas.openxmlformats.org/presentationml/2006/main">
   <p:cSld>
@@ -15345,7 +14862,7 @@
           <a:p>
             <a:r>
               <a:rPr lang="en-US" dirty="0" smtClean="0"/>
-              <a:t>using if and for together</a:t>
+              <a:t>iterating a certain number of times</a:t>
             </a:r>
             <a:endParaRPr lang="en-US" dirty="0"/>
           </a:p>
@@ -15353,14 +14870,14 @@
       </p:sp>
       <p:sp>
         <p:nvSpPr>
-          <p:cNvPr id="4" name="TextBox 3"/>
+          <p:cNvPr id="5" name="TextBox 4"/>
           <p:cNvSpPr txBox="1"/>
           <p:nvPr/>
         </p:nvSpPr>
         <p:spPr>
           <a:xfrm>
-            <a:off x="294255" y="1517496"/>
-            <a:ext cx="7476412" cy="6001644"/>
+            <a:off x="558329" y="2806230"/>
+            <a:ext cx="3221201" cy="2862323"/>
           </a:xfrm>
           <a:prstGeom prst="rect">
             <a:avLst/>
@@ -15374,248 +14891,297 @@
           <a:lstStyle/>
           <a:p>
             <a:r>
-              <a:rPr lang="en-US" sz="1600" dirty="0" smtClean="0">
-                <a:latin typeface="Monaco"/>
-                <a:cs typeface="Monaco"/>
-              </a:rPr>
-              <a:t># List of grades</a:t>
-            </a:r>
-          </a:p>
-          <a:p>
-            <a:r>
-              <a:rPr lang="en-US" sz="1600" dirty="0" smtClean="0">
-                <a:latin typeface="Monaco"/>
-                <a:cs typeface="Monaco"/>
-              </a:rPr>
-              <a:t>grades = [88, 71, 74, 83, 57, 79, 66]</a:t>
-            </a:r>
-          </a:p>
-          <a:p>
-            <a:endParaRPr lang="en-US" sz="1600" dirty="0">
+              <a:rPr lang="en-US" dirty="0" smtClean="0">
+                <a:latin typeface="Monaco"/>
+                <a:cs typeface="Monaco"/>
+              </a:rPr>
+              <a:t>for grade in grades:</a:t>
+            </a:r>
+          </a:p>
+          <a:p>
+            <a:r>
+              <a:rPr lang="en-US" dirty="0" smtClean="0">
+                <a:latin typeface="Monaco"/>
+                <a:cs typeface="Monaco"/>
+              </a:rPr>
+              <a:t>	print grade * 1.1</a:t>
+            </a:r>
+          </a:p>
+          <a:p>
+            <a:endParaRPr lang="en-US" dirty="0">
               <a:latin typeface="Monaco"/>
               <a:cs typeface="Monaco"/>
             </a:endParaRPr>
           </a:p>
           <a:p>
             <a:r>
-              <a:rPr lang="en-US" sz="1600" dirty="0" smtClean="0">
-                <a:latin typeface="Monaco"/>
-                <a:cs typeface="Monaco"/>
-              </a:rPr>
-              <a:t># Empty list of letter</a:t>
-            </a:r>
-          </a:p>
-          <a:p>
-            <a:r>
-              <a:rPr lang="en-US" sz="1600" dirty="0" smtClean="0">
-                <a:latin typeface="Monaco"/>
-                <a:cs typeface="Monaco"/>
-              </a:rPr>
-              <a:t>letter_grades = []</a:t>
-            </a:r>
-          </a:p>
-          <a:p>
-            <a:endParaRPr lang="en-US" sz="1600" dirty="0" smtClean="0">
+              <a:rPr lang="en-US" dirty="0" smtClean="0">
+                <a:solidFill>
+                  <a:schemeClr val="bg1">
+                    <a:lumMod val="65000"/>
+                  </a:schemeClr>
+                </a:solidFill>
+                <a:latin typeface="Monaco"/>
+                <a:cs typeface="Monaco"/>
+              </a:rPr>
+              <a:t>	</a:t>
+            </a:r>
+            <a:r>
+              <a:rPr lang="en-US" dirty="0">
+                <a:solidFill>
+                  <a:schemeClr val="bg1">
+                    <a:lumMod val="65000"/>
+                  </a:schemeClr>
+                </a:solidFill>
+                <a:latin typeface="Monaco"/>
+                <a:cs typeface="Monaco"/>
+              </a:rPr>
+              <a:t>96.8</a:t>
+            </a:r>
+          </a:p>
+          <a:p>
+            <a:pPr lvl="1"/>
+            <a:r>
+              <a:rPr lang="en-US" dirty="0">
+                <a:solidFill>
+                  <a:schemeClr val="bg1">
+                    <a:lumMod val="65000"/>
+                  </a:schemeClr>
+                </a:solidFill>
+                <a:latin typeface="Monaco"/>
+                <a:cs typeface="Monaco"/>
+              </a:rPr>
+              <a:t>78.1</a:t>
+            </a:r>
+          </a:p>
+          <a:p>
+            <a:pPr lvl="1"/>
+            <a:r>
+              <a:rPr lang="en-US" dirty="0">
+                <a:solidFill>
+                  <a:schemeClr val="bg1">
+                    <a:lumMod val="65000"/>
+                  </a:schemeClr>
+                </a:solidFill>
+                <a:latin typeface="Monaco"/>
+                <a:cs typeface="Monaco"/>
+              </a:rPr>
+              <a:t>81.4</a:t>
+            </a:r>
+          </a:p>
+          <a:p>
+            <a:pPr lvl="1"/>
+            <a:r>
+              <a:rPr lang="en-US" dirty="0">
+                <a:solidFill>
+                  <a:schemeClr val="bg1">
+                    <a:lumMod val="65000"/>
+                  </a:schemeClr>
+                </a:solidFill>
+                <a:latin typeface="Monaco"/>
+                <a:cs typeface="Monaco"/>
+              </a:rPr>
+              <a:t>91.3</a:t>
+            </a:r>
+          </a:p>
+          <a:p>
+            <a:pPr lvl="1"/>
+            <a:r>
+              <a:rPr lang="en-US" dirty="0">
+                <a:solidFill>
+                  <a:schemeClr val="bg1">
+                    <a:lumMod val="65000"/>
+                  </a:schemeClr>
+                </a:solidFill>
+                <a:latin typeface="Monaco"/>
+                <a:cs typeface="Monaco"/>
+              </a:rPr>
+              <a:t>62.7</a:t>
+            </a:r>
+          </a:p>
+          <a:p>
+            <a:pPr lvl="1"/>
+            <a:r>
+              <a:rPr lang="en-US" dirty="0">
+                <a:solidFill>
+                  <a:schemeClr val="bg1">
+                    <a:lumMod val="65000"/>
+                  </a:schemeClr>
+                </a:solidFill>
+                <a:latin typeface="Monaco"/>
+                <a:cs typeface="Monaco"/>
+              </a:rPr>
+              <a:t>86.9</a:t>
+            </a:r>
+          </a:p>
+          <a:p>
+            <a:pPr lvl="1"/>
+            <a:r>
+              <a:rPr lang="en-US" dirty="0" smtClean="0">
+                <a:solidFill>
+                  <a:schemeClr val="bg1">
+                    <a:lumMod val="65000"/>
+                  </a:schemeClr>
+                </a:solidFill>
+                <a:latin typeface="Monaco"/>
+                <a:cs typeface="Monaco"/>
+              </a:rPr>
+              <a:t>72.6</a:t>
+            </a:r>
+            <a:endParaRPr lang="en-US" dirty="0" smtClean="0">
               <a:latin typeface="Monaco"/>
               <a:cs typeface="Monaco"/>
             </a:endParaRPr>
           </a:p>
-          <a:p>
-            <a:r>
-              <a:rPr lang="en-US" sz="1600" dirty="0" smtClean="0">
-                <a:latin typeface="Monaco"/>
-                <a:cs typeface="Monaco"/>
-              </a:rPr>
-              <a:t># Determine the letter grade</a:t>
-            </a:r>
-          </a:p>
-          <a:p>
-            <a:r>
-              <a:rPr lang="en-US" sz="1600" dirty="0" smtClean="0">
-                <a:latin typeface="Monaco"/>
-                <a:cs typeface="Monaco"/>
-              </a:rPr>
-              <a:t>for grade in grades:</a:t>
-            </a:r>
-          </a:p>
-          <a:p>
-            <a:r>
-              <a:rPr lang="en-US" sz="1600" dirty="0">
-                <a:latin typeface="Monaco"/>
-                <a:cs typeface="Monaco"/>
-              </a:rPr>
-              <a:t>	</a:t>
-            </a:r>
-            <a:r>
-              <a:rPr lang="en-US" sz="1600" dirty="0" smtClean="0">
-                <a:latin typeface="Monaco"/>
-                <a:cs typeface="Monaco"/>
-              </a:rPr>
-              <a:t>if grade &gt;= 90:</a:t>
-            </a:r>
-          </a:p>
-          <a:p>
-            <a:r>
-              <a:rPr lang="en-US" sz="1600" dirty="0">
-                <a:latin typeface="Monaco"/>
-                <a:cs typeface="Monaco"/>
-              </a:rPr>
-              <a:t>	</a:t>
-            </a:r>
-            <a:r>
-              <a:rPr lang="en-US" sz="1600" dirty="0" smtClean="0">
-                <a:latin typeface="Monaco"/>
-                <a:cs typeface="Monaco"/>
-              </a:rPr>
-              <a:t>	letter_grades.append("A")</a:t>
-            </a:r>
-          </a:p>
-          <a:p>
-            <a:r>
-              <a:rPr lang="en-US" sz="1600" dirty="0">
-                <a:latin typeface="Monaco"/>
-                <a:cs typeface="Monaco"/>
-              </a:rPr>
-              <a:t>	</a:t>
-            </a:r>
-            <a:r>
-              <a:rPr lang="en-US" sz="1600" dirty="0" smtClean="0">
-                <a:latin typeface="Monaco"/>
-                <a:cs typeface="Monaco"/>
-              </a:rPr>
-              <a:t>elif grade &gt;= 80:</a:t>
-            </a:r>
-          </a:p>
-          <a:p>
-            <a:r>
-              <a:rPr lang="en-US" sz="1600" dirty="0">
-                <a:latin typeface="Monaco"/>
-                <a:cs typeface="Monaco"/>
-              </a:rPr>
-              <a:t>		</a:t>
-            </a:r>
-            <a:r>
-              <a:rPr lang="en-US" sz="1600" dirty="0" smtClean="0">
-                <a:latin typeface="Monaco"/>
-                <a:cs typeface="Monaco"/>
-              </a:rPr>
-              <a:t>letter_grades.append("B")</a:t>
-            </a:r>
-          </a:p>
-          <a:p>
-            <a:r>
-              <a:rPr lang="en-US" sz="1600" dirty="0">
-                <a:latin typeface="Monaco"/>
-                <a:cs typeface="Monaco"/>
-              </a:rPr>
-              <a:t>	</a:t>
-            </a:r>
-            <a:r>
-              <a:rPr lang="en-US" sz="1600" dirty="0" smtClean="0">
-                <a:latin typeface="Monaco"/>
-                <a:cs typeface="Monaco"/>
-              </a:rPr>
-              <a:t>elif grade &gt;= 70:</a:t>
-            </a:r>
-          </a:p>
-          <a:p>
-            <a:r>
-              <a:rPr lang="en-US" sz="1600" dirty="0">
-                <a:latin typeface="Monaco"/>
-                <a:cs typeface="Monaco"/>
-              </a:rPr>
-              <a:t>		</a:t>
-            </a:r>
-            <a:r>
-              <a:rPr lang="en-US" sz="1600" dirty="0" smtClean="0">
-                <a:latin typeface="Monaco"/>
-                <a:cs typeface="Monaco"/>
-              </a:rPr>
-              <a:t>letter_grades.append("C")</a:t>
-            </a:r>
-          </a:p>
-          <a:p>
-            <a:r>
-              <a:rPr lang="en-US" sz="1600" dirty="0">
-                <a:latin typeface="Monaco"/>
-                <a:cs typeface="Monaco"/>
-              </a:rPr>
-              <a:t>	</a:t>
-            </a:r>
-            <a:r>
-              <a:rPr lang="en-US" sz="1600" dirty="0" smtClean="0">
-                <a:latin typeface="Monaco"/>
-                <a:cs typeface="Monaco"/>
-              </a:rPr>
-              <a:t>elif grade &gt;= 60:</a:t>
-            </a:r>
-          </a:p>
-          <a:p>
-            <a:r>
-              <a:rPr lang="en-US" sz="1600" dirty="0">
-                <a:latin typeface="Monaco"/>
-                <a:cs typeface="Monaco"/>
-              </a:rPr>
-              <a:t>		</a:t>
-            </a:r>
-            <a:r>
-              <a:rPr lang="en-US" sz="1600" dirty="0" smtClean="0">
-                <a:latin typeface="Monaco"/>
-                <a:cs typeface="Monaco"/>
-              </a:rPr>
-              <a:t>letter_grades.append("D")</a:t>
-            </a:r>
-          </a:p>
-          <a:p>
-            <a:r>
-              <a:rPr lang="en-US" sz="1600" dirty="0">
-                <a:latin typeface="Monaco"/>
-                <a:cs typeface="Monaco"/>
-              </a:rPr>
-              <a:t>	</a:t>
-            </a:r>
-            <a:r>
-              <a:rPr lang="en-US" sz="1600" dirty="0" smtClean="0">
-                <a:latin typeface="Monaco"/>
-                <a:cs typeface="Monaco"/>
-              </a:rPr>
-              <a:t>else:</a:t>
-            </a:r>
-          </a:p>
-          <a:p>
-            <a:r>
-              <a:rPr lang="en-US" sz="1600" dirty="0">
-                <a:latin typeface="Monaco"/>
-                <a:cs typeface="Monaco"/>
-              </a:rPr>
-              <a:t>		</a:t>
-            </a:r>
-            <a:r>
-              <a:rPr lang="en-US" sz="1600" dirty="0" smtClean="0">
-                <a:latin typeface="Monaco"/>
-                <a:cs typeface="Monaco"/>
-              </a:rPr>
-              <a:t>letter_grades.append("F")</a:t>
-            </a:r>
-          </a:p>
-          <a:p>
-            <a:endParaRPr lang="en-US" sz="1600" dirty="0" smtClean="0">
+        </p:txBody>
+      </p:sp>
+      <p:sp>
+        <p:nvSpPr>
+          <p:cNvPr id="6" name="TextBox 5"/>
+          <p:cNvSpPr txBox="1"/>
+          <p:nvPr/>
+        </p:nvSpPr>
+        <p:spPr>
+          <a:xfrm>
+            <a:off x="1718776" y="1798949"/>
+            <a:ext cx="5736553" cy="923330"/>
+          </a:xfrm>
+          <a:prstGeom prst="rect">
+            <a:avLst/>
+          </a:prstGeom>
+          <a:noFill/>
+        </p:spPr>
+        <p:txBody>
+          <a:bodyPr wrap="square" rtlCol="0">
+            <a:spAutoFit/>
+          </a:bodyPr>
+          <a:lstStyle/>
+          <a:p>
+            <a:r>
+              <a:rPr lang="en-US" dirty="0">
+                <a:latin typeface="Monaco"/>
+                <a:cs typeface="Monaco"/>
+              </a:rPr>
+              <a:t># List of grades</a:t>
+            </a:r>
+          </a:p>
+          <a:p>
+            <a:r>
+              <a:rPr lang="en-US" dirty="0">
+                <a:latin typeface="Monaco"/>
+                <a:cs typeface="Monaco"/>
+              </a:rPr>
+              <a:t>grades = [88, 71, 74, 83, 57, 79, 66]</a:t>
+            </a:r>
+          </a:p>
+          <a:p>
+            <a:endParaRPr lang="en-US" dirty="0"/>
+          </a:p>
+        </p:txBody>
+      </p:sp>
+      <p:sp>
+        <p:nvSpPr>
+          <p:cNvPr id="7" name="TextBox 6"/>
+          <p:cNvSpPr txBox="1"/>
+          <p:nvPr/>
+        </p:nvSpPr>
+        <p:spPr>
+          <a:xfrm>
+            <a:off x="4315964" y="2806230"/>
+            <a:ext cx="4219579" cy="2862323"/>
+          </a:xfrm>
+          <a:prstGeom prst="rect">
+            <a:avLst/>
+          </a:prstGeom>
+          <a:noFill/>
+        </p:spPr>
+        <p:txBody>
+          <a:bodyPr wrap="square" rtlCol="0">
+            <a:spAutoFit/>
+          </a:bodyPr>
+          <a:lstStyle/>
+          <a:p>
+            <a:r>
+              <a:rPr lang="en-US" dirty="0" smtClean="0">
+                <a:latin typeface="Monaco"/>
+                <a:cs typeface="Monaco"/>
+              </a:rPr>
+              <a:t>for i in </a:t>
+            </a:r>
+            <a:r>
+              <a:rPr lang="en-US" dirty="0" smtClean="0">
+                <a:solidFill>
+                  <a:schemeClr val="accent5"/>
+                </a:solidFill>
+                <a:latin typeface="Monaco"/>
+                <a:cs typeface="Monaco"/>
+              </a:rPr>
+              <a:t>range(</a:t>
+            </a:r>
+            <a:r>
+              <a:rPr lang="en-US" dirty="0" err="1" smtClean="0">
+                <a:solidFill>
+                  <a:schemeClr val="accent5"/>
+                </a:solidFill>
+                <a:latin typeface="Monaco"/>
+                <a:cs typeface="Monaco"/>
+              </a:rPr>
+              <a:t>len</a:t>
+            </a:r>
+            <a:r>
+              <a:rPr lang="en-US" dirty="0" smtClean="0">
+                <a:solidFill>
+                  <a:schemeClr val="accent5"/>
+                </a:solidFill>
+                <a:latin typeface="Monaco"/>
+                <a:cs typeface="Monaco"/>
+              </a:rPr>
+              <a:t>(grades))</a:t>
+            </a:r>
+            <a:r>
+              <a:rPr lang="en-US" dirty="0" smtClean="0">
+                <a:latin typeface="Monaco"/>
+                <a:cs typeface="Monaco"/>
+              </a:rPr>
+              <a:t>:</a:t>
+            </a:r>
+          </a:p>
+          <a:p>
+            <a:r>
+              <a:rPr lang="en-US" dirty="0" smtClean="0">
+                <a:latin typeface="Monaco"/>
+                <a:cs typeface="Monaco"/>
+              </a:rPr>
+              <a:t>	print grades[i</a:t>
+            </a:r>
+            <a:r>
+              <a:rPr lang="en-US" dirty="0">
+                <a:latin typeface="Monaco"/>
+                <a:cs typeface="Monaco"/>
+              </a:rPr>
+              <a:t>]</a:t>
+            </a:r>
+            <a:r>
+              <a:rPr lang="en-US" dirty="0" smtClean="0">
+                <a:latin typeface="Monaco"/>
+                <a:cs typeface="Monaco"/>
+              </a:rPr>
+              <a:t> * 1.1</a:t>
+            </a:r>
+            <a:br>
+              <a:rPr lang="en-US" dirty="0" smtClean="0">
+                <a:latin typeface="Monaco"/>
+                <a:cs typeface="Monaco"/>
+              </a:rPr>
+            </a:br>
+            <a:endParaRPr lang="en-US" dirty="0">
               <a:latin typeface="Monaco"/>
               <a:cs typeface="Monaco"/>
             </a:endParaRPr>
           </a:p>
           <a:p>
             <a:r>
-              <a:rPr lang="en-US" sz="1600" dirty="0" smtClean="0">
-                <a:latin typeface="Monaco"/>
-                <a:cs typeface="Monaco"/>
-              </a:rPr>
-              <a:t>print letter_grades</a:t>
-            </a:r>
-          </a:p>
-          <a:p>
-            <a:r>
-              <a:rPr lang="en-US" sz="1600" dirty="0">
+              <a:rPr lang="en-US" dirty="0">
                 <a:solidFill>
                   <a:schemeClr val="bg1">
                     <a:lumMod val="65000"/>
@@ -15624,10 +15190,13 @@
                 <a:latin typeface="Monaco"/>
                 <a:cs typeface="Monaco"/>
               </a:rPr>
-              <a:t>	</a:t>
-            </a:r>
-            <a:r>
-              <a:rPr lang="fr-FR" sz="1600" dirty="0">
+              <a:t>	96.8</a:t>
+            </a:r>
+          </a:p>
+          <a:p>
+            <a:pPr lvl="1"/>
+            <a:r>
+              <a:rPr lang="en-US" dirty="0">
                 <a:solidFill>
                   <a:schemeClr val="bg1">
                     <a:lumMod val="65000"/>
@@ -15636,59 +15205,97 @@
                 <a:latin typeface="Monaco"/>
                 <a:cs typeface="Monaco"/>
               </a:rPr>
-              <a:t>['B', 'C', 'C', 'B', 'F', 'C', 'D']</a:t>
-            </a:r>
-            <a:endParaRPr lang="en-US" sz="1600" dirty="0" smtClean="0">
-              <a:solidFill>
-                <a:schemeClr val="bg1">
-                  <a:lumMod val="65000"/>
-                </a:schemeClr>
-              </a:solidFill>
-              <a:latin typeface="Monaco"/>
-              <a:cs typeface="Monaco"/>
-            </a:endParaRPr>
-          </a:p>
-          <a:p>
-            <a:r>
-              <a:rPr lang="en-US" sz="1600" dirty="0">
+              <a:t>78.1</a:t>
+            </a:r>
+          </a:p>
+          <a:p>
+            <a:pPr lvl="1"/>
+            <a:r>
+              <a:rPr lang="en-US" dirty="0">
+                <a:solidFill>
+                  <a:schemeClr val="bg1">
+                    <a:lumMod val="65000"/>
+                  </a:schemeClr>
+                </a:solidFill>
+                <a:latin typeface="Monaco"/>
+                <a:cs typeface="Monaco"/>
+              </a:rPr>
+              <a:t>81.4</a:t>
+            </a:r>
+          </a:p>
+          <a:p>
+            <a:pPr lvl="1"/>
+            <a:r>
+              <a:rPr lang="en-US" dirty="0">
+                <a:solidFill>
+                  <a:schemeClr val="bg1">
+                    <a:lumMod val="65000"/>
+                  </a:schemeClr>
+                </a:solidFill>
+                <a:latin typeface="Monaco"/>
+                <a:cs typeface="Monaco"/>
+              </a:rPr>
+              <a:t>91.3</a:t>
+            </a:r>
+          </a:p>
+          <a:p>
+            <a:pPr lvl="1"/>
+            <a:r>
+              <a:rPr lang="en-US" dirty="0">
+                <a:solidFill>
+                  <a:schemeClr val="bg1">
+                    <a:lumMod val="65000"/>
+                  </a:schemeClr>
+                </a:solidFill>
+                <a:latin typeface="Monaco"/>
+                <a:cs typeface="Monaco"/>
+              </a:rPr>
+              <a:t>62.7</a:t>
+            </a:r>
+          </a:p>
+          <a:p>
+            <a:pPr lvl="1"/>
+            <a:r>
+              <a:rPr lang="en-US" dirty="0">
+                <a:solidFill>
+                  <a:schemeClr val="bg1">
+                    <a:lumMod val="65000"/>
+                  </a:schemeClr>
+                </a:solidFill>
+                <a:latin typeface="Monaco"/>
+                <a:cs typeface="Monaco"/>
+              </a:rPr>
+              <a:t>86.9</a:t>
+            </a:r>
+          </a:p>
+          <a:p>
+            <a:pPr lvl="1"/>
+            <a:r>
+              <a:rPr lang="en-US" dirty="0" smtClean="0">
+                <a:solidFill>
+                  <a:schemeClr val="bg1">
+                    <a:lumMod val="65000"/>
+                  </a:schemeClr>
+                </a:solidFill>
+                <a:latin typeface="Monaco"/>
+                <a:cs typeface="Monaco"/>
+              </a:rPr>
+              <a:t>72.6</a:t>
+            </a:r>
+            <a:r>
+              <a:rPr lang="en-US" dirty="0" smtClean="0">
                 <a:latin typeface="Monaco"/>
                 <a:cs typeface="Monaco"/>
               </a:rPr>
               <a:t>	</a:t>
             </a:r>
-            <a:endParaRPr lang="en-US" sz="1600" dirty="0" smtClean="0">
-              <a:latin typeface="Monaco"/>
-              <a:cs typeface="Monaco"/>
-            </a:endParaRPr>
-          </a:p>
-          <a:p>
-            <a:r>
-              <a:rPr lang="en-US" sz="1600" dirty="0" smtClean="0">
-                <a:latin typeface="Monaco"/>
-                <a:cs typeface="Monaco"/>
-              </a:rPr>
-              <a:t>	</a:t>
-            </a:r>
-          </a:p>
-          <a:p>
-            <a:r>
-              <a:rPr lang="en-US" sz="1600" dirty="0">
-                <a:latin typeface="Monaco"/>
-                <a:cs typeface="Monaco"/>
-              </a:rPr>
-              <a:t>	</a:t>
-            </a:r>
-            <a:endParaRPr lang="en-US" sz="1600" dirty="0" smtClean="0">
-              <a:latin typeface="Monaco"/>
-              <a:cs typeface="Monaco"/>
-            </a:endParaRPr>
           </a:p>
         </p:txBody>
       </p:sp>
     </p:spTree>
     <p:extLst>
       <p:ext uri="{BB962C8B-B14F-4D97-AF65-F5344CB8AC3E}">
-        <p14:creationId xmlns:p14="http://schemas.microsoft.com/office/powerpoint/2010/main" val="246246496"/>
+        <p14:creationId xmlns:p14="http://schemas.microsoft.com/office/powerpoint/2010/main" val="3675497712"/>
       </p:ext>
     </p:extLst>
   </p:cSld>
@@ -15725,28 +15332,192 @@
             <p:ph type="title"/>
           </p:nvPr>
         </p:nvSpPr>
+        <p:spPr/>
+        <p:txBody>
+          <a:bodyPr/>
+          <a:lstStyle/>
+          <a:p>
+            <a:r>
+              <a:rPr lang="en-US" dirty="0" smtClean="0"/>
+              <a:t>looping over strings</a:t>
+            </a:r>
+            <a:endParaRPr lang="en-US" dirty="0"/>
+          </a:p>
+        </p:txBody>
+      </p:sp>
+      <p:sp>
+        <p:nvSpPr>
+          <p:cNvPr id="4" name="TextBox 3"/>
+          <p:cNvSpPr txBox="1"/>
+          <p:nvPr/>
+        </p:nvSpPr>
         <p:spPr>
           <a:xfrm>
-            <a:off x="2230714" y="3087537"/>
-            <a:ext cx="4688183" cy="692215"/>
+            <a:off x="2342661" y="2036922"/>
+            <a:ext cx="3221201" cy="2585323"/>
           </a:xfrm>
+          <a:prstGeom prst="rect">
+            <a:avLst/>
+          </a:prstGeom>
+          <a:noFill/>
         </p:spPr>
         <p:txBody>
-          <a:bodyPr/>
+          <a:bodyPr wrap="square" rtlCol="0">
+            <a:spAutoFit/>
+          </a:bodyPr>
           <a:lstStyle/>
           <a:p>
             <a:r>
-              <a:rPr lang="en-US" dirty="0" smtClean="0"/>
-              <a:t>exercise break</a:t>
-            </a:r>
-            <a:endParaRPr lang="en-US" dirty="0"/>
+              <a:rPr lang="en-US" dirty="0" smtClean="0">
+                <a:latin typeface="Monaco"/>
+                <a:cs typeface="Monaco"/>
+              </a:rPr>
+              <a:t>for s in "python":</a:t>
+            </a:r>
+          </a:p>
+          <a:p>
+            <a:r>
+              <a:rPr lang="en-US" dirty="0" smtClean="0">
+                <a:latin typeface="Monaco"/>
+                <a:cs typeface="Monaco"/>
+              </a:rPr>
+              <a:t>	print </a:t>
+            </a:r>
+            <a:r>
+              <a:rPr lang="en-US" dirty="0">
+                <a:latin typeface="Monaco"/>
+                <a:cs typeface="Monaco"/>
+              </a:rPr>
+              <a:t>s</a:t>
+            </a:r>
+            <a:endParaRPr lang="en-US" dirty="0" smtClean="0">
+              <a:latin typeface="Monaco"/>
+              <a:cs typeface="Monaco"/>
+            </a:endParaRPr>
+          </a:p>
+          <a:p>
+            <a:endParaRPr lang="en-US" dirty="0">
+              <a:latin typeface="Monaco"/>
+              <a:cs typeface="Monaco"/>
+            </a:endParaRPr>
+          </a:p>
+          <a:p>
+            <a:r>
+              <a:rPr lang="en-US" dirty="0" smtClean="0">
+                <a:solidFill>
+                  <a:schemeClr val="bg1">
+                    <a:lumMod val="65000"/>
+                  </a:schemeClr>
+                </a:solidFill>
+                <a:latin typeface="Monaco"/>
+                <a:cs typeface="Monaco"/>
+              </a:rPr>
+              <a:t>	p</a:t>
+            </a:r>
+            <a:endParaRPr lang="en-US" dirty="0">
+              <a:solidFill>
+                <a:schemeClr val="bg1">
+                  <a:lumMod val="65000"/>
+                </a:schemeClr>
+              </a:solidFill>
+              <a:latin typeface="Monaco"/>
+              <a:cs typeface="Monaco"/>
+            </a:endParaRPr>
+          </a:p>
+          <a:p>
+            <a:pPr lvl="1"/>
+            <a:r>
+              <a:rPr lang="en-US" dirty="0">
+                <a:solidFill>
+                  <a:schemeClr val="bg1">
+                    <a:lumMod val="65000"/>
+                  </a:schemeClr>
+                </a:solidFill>
+                <a:latin typeface="Monaco"/>
+                <a:cs typeface="Monaco"/>
+              </a:rPr>
+              <a:t>y</a:t>
+            </a:r>
+          </a:p>
+          <a:p>
+            <a:pPr lvl="1"/>
+            <a:r>
+              <a:rPr lang="en-US" dirty="0" smtClean="0">
+                <a:solidFill>
+                  <a:schemeClr val="bg1">
+                    <a:lumMod val="65000"/>
+                  </a:schemeClr>
+                </a:solidFill>
+                <a:latin typeface="Monaco"/>
+                <a:cs typeface="Monaco"/>
+              </a:rPr>
+              <a:t>t</a:t>
+            </a:r>
+            <a:endParaRPr lang="en-US" dirty="0">
+              <a:solidFill>
+                <a:schemeClr val="bg1">
+                  <a:lumMod val="65000"/>
+                </a:schemeClr>
+              </a:solidFill>
+              <a:latin typeface="Monaco"/>
+              <a:cs typeface="Monaco"/>
+            </a:endParaRPr>
+          </a:p>
+          <a:p>
+            <a:pPr lvl="1"/>
+            <a:r>
+              <a:rPr lang="en-US" dirty="0">
+                <a:solidFill>
+                  <a:schemeClr val="bg1">
+                    <a:lumMod val="65000"/>
+                  </a:schemeClr>
+                </a:solidFill>
+                <a:latin typeface="Monaco"/>
+                <a:cs typeface="Monaco"/>
+              </a:rPr>
+              <a:t>h</a:t>
+            </a:r>
+          </a:p>
+          <a:p>
+            <a:pPr lvl="1"/>
+            <a:r>
+              <a:rPr lang="en-US" dirty="0">
+                <a:solidFill>
+                  <a:schemeClr val="bg1">
+                    <a:lumMod val="65000"/>
+                  </a:schemeClr>
+                </a:solidFill>
+                <a:latin typeface="Monaco"/>
+                <a:cs typeface="Monaco"/>
+              </a:rPr>
+              <a:t>o</a:t>
+            </a:r>
+          </a:p>
+          <a:p>
+            <a:pPr lvl="1"/>
+            <a:r>
+              <a:rPr lang="en-US" dirty="0" smtClean="0">
+                <a:solidFill>
+                  <a:schemeClr val="bg1">
+                    <a:lumMod val="65000"/>
+                  </a:schemeClr>
+                </a:solidFill>
+                <a:latin typeface="Monaco"/>
+                <a:cs typeface="Monaco"/>
+              </a:rPr>
+              <a:t>n</a:t>
+            </a:r>
+            <a:endParaRPr lang="en-US" dirty="0" smtClean="0">
+              <a:latin typeface="Monaco"/>
+              <a:cs typeface="Monaco"/>
+            </a:endParaRPr>
           </a:p>
         </p:txBody>
       </p:sp>
     </p:spTree>
     <p:extLst>
       <p:ext uri="{BB962C8B-B14F-4D97-AF65-F5344CB8AC3E}">
-        <p14:creationId xmlns:p14="http://schemas.microsoft.com/office/powerpoint/2010/main" val="4207585177"/>
+        <p14:creationId xmlns:p14="http://schemas.microsoft.com/office/powerpoint/2010/main" val="2782538499"/>
       </p:ext>
     </p:extLst>
   </p:cSld>
@@ -15790,6 +15561,1227 @@
           <a:p>
             <a:r>
               <a:rPr lang="en-US" dirty="0" smtClean="0"/>
+              <a:t>looping over dictionaries</a:t>
+            </a:r>
+            <a:endParaRPr lang="en-US" dirty="0"/>
+          </a:p>
+        </p:txBody>
+      </p:sp>
+      <p:sp>
+        <p:nvSpPr>
+          <p:cNvPr id="4" name="TextBox 3"/>
+          <p:cNvSpPr txBox="1"/>
+          <p:nvPr/>
+        </p:nvSpPr>
+        <p:spPr>
+          <a:xfrm>
+            <a:off x="205154" y="2036922"/>
+            <a:ext cx="8733691" cy="923330"/>
+          </a:xfrm>
+          <a:prstGeom prst="rect">
+            <a:avLst/>
+          </a:prstGeom>
+          <a:noFill/>
+        </p:spPr>
+        <p:txBody>
+          <a:bodyPr wrap="square" rtlCol="0">
+            <a:spAutoFit/>
+          </a:bodyPr>
+          <a:lstStyle/>
+          <a:p>
+            <a:r>
+              <a:rPr lang="en-US" dirty="0" smtClean="0">
+                <a:latin typeface="Monaco"/>
+                <a:cs typeface="Monaco"/>
+              </a:rPr>
+              <a:t>price = {"banana" : 0.79, "apple": 1.02, "bell pepper": 2.39}</a:t>
+            </a:r>
+          </a:p>
+          <a:p>
+            <a:r>
+              <a:rPr lang="en-US" dirty="0" smtClean="0">
+                <a:latin typeface="Monaco"/>
+                <a:cs typeface="Monaco"/>
+              </a:rPr>
+              <a:t>for item in price:</a:t>
+            </a:r>
+          </a:p>
+          <a:p>
+            <a:r>
+              <a:rPr lang="en-US" dirty="0" smtClean="0">
+                <a:latin typeface="Monaco"/>
+                <a:cs typeface="Monaco"/>
+              </a:rPr>
+              <a:t>	print item</a:t>
+            </a:r>
+          </a:p>
+        </p:txBody>
+      </p:sp>
+    </p:spTree>
+    <p:extLst>
+      <p:ext uri="{BB962C8B-B14F-4D97-AF65-F5344CB8AC3E}">
+        <p14:creationId xmlns:p14="http://schemas.microsoft.com/office/powerpoint/2010/main" val="3288283213"/>
+      </p:ext>
+    </p:extLst>
+  </p:cSld>
+  <p:clrMapOvr>
+    <a:masterClrMapping/>
+  </p:clrMapOvr>
+</p:sld>
+</file>
+
+<file path=ppt/slides/slide49.xml><?xml version="1.0" encoding="utf-8"?>
+<p:sld xmlns:a="http://schemas.openxmlformats.org/drawingml/2006/main" xmlns:r="http://schemas.openxmlformats.org/officeDocument/2006/relationships" xmlns:p="http://schemas.openxmlformats.org/presentationml/2006/main">
+  <p:cSld>
+    <p:spTree>
+      <p:nvGrpSpPr>
+        <p:cNvPr id="1" name=""/>
+        <p:cNvGrpSpPr/>
+        <p:nvPr/>
+      </p:nvGrpSpPr>
+      <p:grpSpPr>
+        <a:xfrm>
+          <a:off x="0" y="0"/>
+          <a:ext cx="0" cy="0"/>
+          <a:chOff x="0" y="0"/>
+          <a:chExt cx="0" cy="0"/>
+        </a:xfrm>
+      </p:grpSpPr>
+      <p:sp>
+        <p:nvSpPr>
+          <p:cNvPr id="2" name="Title 1"/>
+          <p:cNvSpPr>
+            <a:spLocks noGrp="1"/>
+          </p:cNvSpPr>
+          <p:nvPr>
+            <p:ph type="title"/>
+          </p:nvPr>
+        </p:nvSpPr>
+        <p:spPr/>
+        <p:txBody>
+          <a:bodyPr/>
+          <a:lstStyle/>
+          <a:p>
+            <a:r>
+              <a:rPr lang="en-US" dirty="0" smtClean="0"/>
+              <a:t>looping over dictionaries</a:t>
+            </a:r>
+            <a:endParaRPr lang="en-US" dirty="0"/>
+          </a:p>
+        </p:txBody>
+      </p:sp>
+      <p:sp>
+        <p:nvSpPr>
+          <p:cNvPr id="4" name="TextBox 3"/>
+          <p:cNvSpPr txBox="1"/>
+          <p:nvPr/>
+        </p:nvSpPr>
+        <p:spPr>
+          <a:xfrm>
+            <a:off x="205154" y="2036922"/>
+            <a:ext cx="8733691" cy="2031325"/>
+          </a:xfrm>
+          <a:prstGeom prst="rect">
+            <a:avLst/>
+          </a:prstGeom>
+          <a:noFill/>
+        </p:spPr>
+        <p:txBody>
+          <a:bodyPr wrap="square" rtlCol="0">
+            <a:spAutoFit/>
+          </a:bodyPr>
+          <a:lstStyle/>
+          <a:p>
+            <a:r>
+              <a:rPr lang="en-US" dirty="0" smtClean="0">
+                <a:latin typeface="Monaco"/>
+                <a:cs typeface="Monaco"/>
+              </a:rPr>
+              <a:t>price = {"banana" : 0.79, "apple": 1.02, "bell pepper": 2.39}</a:t>
+            </a:r>
+          </a:p>
+          <a:p>
+            <a:r>
+              <a:rPr lang="en-US" dirty="0" smtClean="0">
+                <a:latin typeface="Monaco"/>
+                <a:cs typeface="Monaco"/>
+              </a:rPr>
+              <a:t>for item in price:</a:t>
+            </a:r>
+          </a:p>
+          <a:p>
+            <a:r>
+              <a:rPr lang="en-US" dirty="0" smtClean="0">
+                <a:latin typeface="Monaco"/>
+                <a:cs typeface="Monaco"/>
+              </a:rPr>
+              <a:t>	print item</a:t>
+            </a:r>
+          </a:p>
+          <a:p>
+            <a:endParaRPr lang="en-US" dirty="0">
+              <a:latin typeface="Monaco"/>
+              <a:cs typeface="Monaco"/>
+            </a:endParaRPr>
+          </a:p>
+          <a:p>
+            <a:r>
+              <a:rPr lang="en-US" dirty="0" smtClean="0">
+                <a:solidFill>
+                  <a:schemeClr val="bg1">
+                    <a:lumMod val="65000"/>
+                  </a:schemeClr>
+                </a:solidFill>
+                <a:latin typeface="Monaco"/>
+                <a:cs typeface="Monaco"/>
+              </a:rPr>
+              <a:t>	bell pepper</a:t>
+            </a:r>
+            <a:endParaRPr lang="en-US" dirty="0">
+              <a:solidFill>
+                <a:schemeClr val="bg1">
+                  <a:lumMod val="65000"/>
+                </a:schemeClr>
+              </a:solidFill>
+              <a:latin typeface="Monaco"/>
+              <a:cs typeface="Monaco"/>
+            </a:endParaRPr>
+          </a:p>
+          <a:p>
+            <a:pPr lvl="1"/>
+            <a:r>
+              <a:rPr lang="en-US" dirty="0" smtClean="0">
+                <a:solidFill>
+                  <a:schemeClr val="bg1">
+                    <a:lumMod val="65000"/>
+                  </a:schemeClr>
+                </a:solidFill>
+                <a:latin typeface="Monaco"/>
+                <a:cs typeface="Monaco"/>
+              </a:rPr>
+              <a:t>banana</a:t>
+            </a:r>
+            <a:endParaRPr lang="en-US" dirty="0">
+              <a:solidFill>
+                <a:schemeClr val="bg1">
+                  <a:lumMod val="65000"/>
+                </a:schemeClr>
+              </a:solidFill>
+              <a:latin typeface="Monaco"/>
+              <a:cs typeface="Monaco"/>
+            </a:endParaRPr>
+          </a:p>
+          <a:p>
+            <a:pPr lvl="1"/>
+            <a:r>
+              <a:rPr lang="en-US" dirty="0" smtClean="0">
+                <a:solidFill>
+                  <a:schemeClr val="bg1">
+                    <a:lumMod val="65000"/>
+                  </a:schemeClr>
+                </a:solidFill>
+                <a:latin typeface="Monaco"/>
+                <a:cs typeface="Monaco"/>
+              </a:rPr>
+              <a:t>apple</a:t>
+            </a:r>
+            <a:endParaRPr lang="en-US" dirty="0" smtClean="0">
+              <a:latin typeface="Monaco"/>
+              <a:cs typeface="Monaco"/>
+            </a:endParaRPr>
+          </a:p>
+        </p:txBody>
+      </p:sp>
+      <p:sp>
+        <p:nvSpPr>
+          <p:cNvPr id="3" name="TextBox 2"/>
+          <p:cNvSpPr txBox="1"/>
+          <p:nvPr/>
+        </p:nvSpPr>
+        <p:spPr>
+          <a:xfrm>
+            <a:off x="2481385" y="3482093"/>
+            <a:ext cx="3751385" cy="369332"/>
+          </a:xfrm>
+          <a:prstGeom prst="rect">
+            <a:avLst/>
+          </a:prstGeom>
+          <a:noFill/>
+        </p:spPr>
+        <p:txBody>
+          <a:bodyPr wrap="square" rtlCol="0">
+            <a:spAutoFit/>
+          </a:bodyPr>
+          <a:lstStyle/>
+          <a:p>
+            <a:r>
+              <a:rPr lang="en-US" dirty="0" smtClean="0">
+                <a:solidFill>
+                  <a:schemeClr val="accent5"/>
+                </a:solidFill>
+              </a:rPr>
+              <a:t>What are we actually looping over?</a:t>
+            </a:r>
+            <a:endParaRPr lang="en-US" dirty="0">
+              <a:solidFill>
+                <a:schemeClr val="accent5"/>
+              </a:solidFill>
+            </a:endParaRPr>
+          </a:p>
+        </p:txBody>
+      </p:sp>
+    </p:spTree>
+    <p:extLst>
+      <p:ext uri="{BB962C8B-B14F-4D97-AF65-F5344CB8AC3E}">
+        <p14:creationId xmlns:p14="http://schemas.microsoft.com/office/powerpoint/2010/main" val="2360658973"/>
+      </p:ext>
+    </p:extLst>
+  </p:cSld>
+  <p:clrMapOvr>
+    <a:masterClrMapping/>
+  </p:clrMapOvr>
+</p:sld>
+</file>
+
+<file path=ppt/slides/slide5.xml><?xml version="1.0" encoding="utf-8"?>
+<p:sld xmlns:a="http://schemas.openxmlformats.org/drawingml/2006/main" xmlns:r="http://schemas.openxmlformats.org/officeDocument/2006/relationships" xmlns:p="http://schemas.openxmlformats.org/presentationml/2006/main">
+  <p:cSld>
+    <p:spTree>
+      <p:nvGrpSpPr>
+        <p:cNvPr id="1" name=""/>
+        <p:cNvGrpSpPr/>
+        <p:nvPr/>
+      </p:nvGrpSpPr>
+      <p:grpSpPr>
+        <a:xfrm>
+          <a:off x="0" y="0"/>
+          <a:ext cx="0" cy="0"/>
+          <a:chOff x="0" y="0"/>
+          <a:chExt cx="0" cy="0"/>
+        </a:xfrm>
+      </p:grpSpPr>
+      <p:sp>
+        <p:nvSpPr>
+          <p:cNvPr id="2" name="Title 1"/>
+          <p:cNvSpPr>
+            <a:spLocks noGrp="1"/>
+          </p:cNvSpPr>
+          <p:nvPr>
+            <p:ph type="title"/>
+          </p:nvPr>
+        </p:nvSpPr>
+        <p:spPr/>
+        <p:txBody>
+          <a:bodyPr/>
+          <a:lstStyle/>
+          <a:p>
+            <a:r>
+              <a:rPr lang="en-US" dirty="0" smtClean="0"/>
+              <a:t>another data type: dictionaries</a:t>
+            </a:r>
+            <a:endParaRPr lang="en-US" dirty="0"/>
+          </a:p>
+        </p:txBody>
+      </p:sp>
+      <p:sp>
+        <p:nvSpPr>
+          <p:cNvPr id="3" name="Content Placeholder 2"/>
+          <p:cNvSpPr>
+            <a:spLocks noGrp="1"/>
+          </p:cNvSpPr>
+          <p:nvPr>
+            <p:ph idx="1"/>
+          </p:nvPr>
+        </p:nvSpPr>
+        <p:spPr/>
+        <p:txBody>
+          <a:bodyPr/>
+          <a:lstStyle/>
+          <a:p>
+            <a:pPr marL="457200" indent="-457200">
+              <a:buFont typeface="Arial"/>
+              <a:buChar char="•"/>
+            </a:pPr>
+            <a:r>
+              <a:rPr lang="en-US" dirty="0" smtClean="0"/>
+              <a:t>Dictionaries are defined with braces: </a:t>
+            </a:r>
+            <a:r>
+              <a:rPr lang="en-US" dirty="0" smtClean="0">
+                <a:latin typeface="Monaco"/>
+                <a:cs typeface="Monaco"/>
+              </a:rPr>
+              <a:t>{}</a:t>
+            </a:r>
+          </a:p>
+          <a:p>
+            <a:pPr marL="914400" lvl="1" indent="-457200">
+              <a:buFont typeface="Arial"/>
+              <a:buChar char="•"/>
+            </a:pPr>
+            <a:r>
+              <a:rPr lang="en-US" dirty="0" smtClean="0"/>
+              <a:t>Contain </a:t>
+            </a:r>
+            <a:r>
+              <a:rPr lang="en-US" dirty="0" err="1" smtClean="0">
+                <a:latin typeface="Monaco"/>
+                <a:cs typeface="Monaco"/>
+              </a:rPr>
+              <a:t>key:value</a:t>
+            </a:r>
+            <a:r>
+              <a:rPr lang="en-US" dirty="0" smtClean="0"/>
+              <a:t> pairs</a:t>
+            </a:r>
+          </a:p>
+          <a:p>
+            <a:pPr marL="914400" lvl="1" indent="-457200">
+              <a:buFont typeface="Arial"/>
+              <a:buChar char="•"/>
+            </a:pPr>
+            <a:r>
+              <a:rPr lang="en-US" dirty="0" smtClean="0"/>
+              <a:t>Known in other contexts as "associative arrays"</a:t>
+            </a:r>
+            <a:endParaRPr lang="en-US" dirty="0"/>
+          </a:p>
+          <a:p>
+            <a:endParaRPr lang="en-US" dirty="0"/>
+          </a:p>
+        </p:txBody>
+      </p:sp>
+      <p:sp>
+        <p:nvSpPr>
+          <p:cNvPr id="4" name="TextBox 3"/>
+          <p:cNvSpPr txBox="1"/>
+          <p:nvPr/>
+        </p:nvSpPr>
+        <p:spPr>
+          <a:xfrm>
+            <a:off x="457199" y="3463843"/>
+            <a:ext cx="8338444" cy="2585323"/>
+          </a:xfrm>
+          <a:prstGeom prst="rect">
+            <a:avLst/>
+          </a:prstGeom>
+          <a:noFill/>
+        </p:spPr>
+        <p:txBody>
+          <a:bodyPr wrap="square" rtlCol="0">
+            <a:spAutoFit/>
+          </a:bodyPr>
+          <a:lstStyle/>
+          <a:p>
+            <a:r>
+              <a:rPr lang="en-US" dirty="0" smtClean="0">
+                <a:latin typeface="Monaco"/>
+                <a:cs typeface="Monaco"/>
+              </a:rPr>
+              <a:t># Define a dictionary of names</a:t>
+            </a:r>
+          </a:p>
+          <a:p>
+            <a:r>
+              <a:rPr lang="en-US" dirty="0" smtClean="0">
+                <a:latin typeface="Monaco"/>
+                <a:cs typeface="Monaco"/>
+              </a:rPr>
+              <a:t>names = {"Stephanie": "Spielman", "</a:t>
+            </a:r>
+            <a:r>
+              <a:rPr lang="en-US" dirty="0" err="1" smtClean="0">
+                <a:latin typeface="Monaco"/>
+                <a:cs typeface="Monaco"/>
+              </a:rPr>
+              <a:t>Eleisha</a:t>
+            </a:r>
+            <a:r>
+              <a:rPr lang="en-US" dirty="0" smtClean="0">
+                <a:latin typeface="Monaco"/>
+                <a:cs typeface="Monaco"/>
+              </a:rPr>
+              <a:t>": "Jackson", 	"Claus": "</a:t>
+            </a:r>
+            <a:r>
+              <a:rPr lang="en-US" dirty="0" err="1" smtClean="0">
+                <a:latin typeface="Monaco"/>
+                <a:cs typeface="Monaco"/>
+              </a:rPr>
+              <a:t>Wilke</a:t>
+            </a:r>
+            <a:r>
+              <a:rPr lang="en-US" dirty="0" smtClean="0">
+                <a:latin typeface="Monaco"/>
+                <a:cs typeface="Monaco"/>
+              </a:rPr>
+              <a:t>"}</a:t>
+            </a:r>
+          </a:p>
+          <a:p>
+            <a:endParaRPr lang="en-US" dirty="0">
+              <a:latin typeface="Monaco"/>
+              <a:cs typeface="Monaco"/>
+            </a:endParaRPr>
+          </a:p>
+          <a:p>
+            <a:r>
+              <a:rPr lang="en-US" dirty="0" smtClean="0">
+                <a:latin typeface="Monaco"/>
+                <a:cs typeface="Monaco"/>
+              </a:rPr>
+              <a:t># Each </a:t>
+            </a:r>
+            <a:r>
+              <a:rPr lang="en-US" dirty="0" err="1" smtClean="0">
+                <a:latin typeface="Monaco"/>
+                <a:cs typeface="Monaco"/>
+              </a:rPr>
+              <a:t>key:value</a:t>
+            </a:r>
+            <a:r>
+              <a:rPr lang="en-US" dirty="0" smtClean="0">
+                <a:latin typeface="Monaco"/>
+                <a:cs typeface="Monaco"/>
+              </a:rPr>
+              <a:t> pair is a single item</a:t>
+            </a:r>
+          </a:p>
+          <a:p>
+            <a:r>
+              <a:rPr lang="en-US" dirty="0" smtClean="0">
+                <a:latin typeface="Monaco"/>
+                <a:cs typeface="Monaco"/>
+              </a:rPr>
+              <a:t>print </a:t>
+            </a:r>
+            <a:r>
+              <a:rPr lang="en-US" dirty="0" err="1" smtClean="0">
+                <a:latin typeface="Monaco"/>
+                <a:cs typeface="Monaco"/>
+              </a:rPr>
+              <a:t>len</a:t>
+            </a:r>
+            <a:r>
+              <a:rPr lang="en-US" dirty="0" smtClean="0">
+                <a:latin typeface="Monaco"/>
+                <a:cs typeface="Monaco"/>
+              </a:rPr>
+              <a:t>(names)</a:t>
+            </a:r>
+          </a:p>
+          <a:p>
+            <a:r>
+              <a:rPr lang="en-US" dirty="0">
+                <a:latin typeface="Monaco"/>
+                <a:cs typeface="Monaco"/>
+              </a:rPr>
+              <a:t>	</a:t>
+            </a:r>
+            <a:r>
+              <a:rPr lang="en-US" dirty="0" smtClean="0">
+                <a:solidFill>
+                  <a:schemeClr val="bg1">
+                    <a:lumMod val="65000"/>
+                  </a:schemeClr>
+                </a:solidFill>
+                <a:latin typeface="Monaco"/>
+                <a:cs typeface="Monaco"/>
+              </a:rPr>
+              <a:t>3</a:t>
+            </a:r>
+            <a:endParaRPr lang="en-US" dirty="0">
+              <a:latin typeface="Monaco"/>
+              <a:cs typeface="Monaco"/>
+            </a:endParaRPr>
+          </a:p>
+          <a:p>
+            <a:endParaRPr lang="en-US" dirty="0" smtClean="0">
+              <a:latin typeface="Monaco"/>
+              <a:cs typeface="Monaco"/>
+            </a:endParaRPr>
+          </a:p>
+          <a:p>
+            <a:r>
+              <a:rPr lang="en-US" dirty="0" smtClean="0">
+                <a:latin typeface="Monaco"/>
+                <a:cs typeface="Monaco"/>
+              </a:rPr>
+              <a:t> </a:t>
+            </a:r>
+          </a:p>
+        </p:txBody>
+      </p:sp>
+      <p:sp>
+        <p:nvSpPr>
+          <p:cNvPr id="5" name="Rectangle 4"/>
+          <p:cNvSpPr/>
+          <p:nvPr/>
+        </p:nvSpPr>
+        <p:spPr>
+          <a:xfrm>
+            <a:off x="1761248" y="3765274"/>
+            <a:ext cx="3177481" cy="283603"/>
+          </a:xfrm>
+          <a:prstGeom prst="rect">
+            <a:avLst/>
+          </a:prstGeom>
+          <a:noFill/>
+          <a:ln w="28575" cmpd="sng">
+            <a:solidFill>
+              <a:schemeClr val="accent2"/>
+            </a:solidFill>
+          </a:ln>
+          <a:effectLst/>
+        </p:spPr>
+        <p:style>
+          <a:lnRef idx="1">
+            <a:schemeClr val="accent1"/>
+          </a:lnRef>
+          <a:fillRef idx="3">
+            <a:schemeClr val="accent1"/>
+          </a:fillRef>
+          <a:effectRef idx="2">
+            <a:schemeClr val="accent1"/>
+          </a:effectRef>
+          <a:fontRef idx="minor">
+            <a:schemeClr val="lt1"/>
+          </a:fontRef>
+        </p:style>
+        <p:txBody>
+          <a:bodyPr rtlCol="0" anchor="ctr"/>
+          <a:lstStyle/>
+          <a:p>
+            <a:pPr algn="ctr"/>
+            <a:endParaRPr lang="en-US"/>
+          </a:p>
+        </p:txBody>
+      </p:sp>
+    </p:spTree>
+    <p:extLst>
+      <p:ext uri="{BB962C8B-B14F-4D97-AF65-F5344CB8AC3E}">
+        <p14:creationId xmlns:p14="http://schemas.microsoft.com/office/powerpoint/2010/main" val="3516576493"/>
+      </p:ext>
+    </p:extLst>
+  </p:cSld>
+  <p:clrMapOvr>
+    <a:masterClrMapping/>
+  </p:clrMapOvr>
+</p:sld>
+</file>
+
+<file path=ppt/slides/slide50.xml><?xml version="1.0" encoding="utf-8"?>
+<p:sld xmlns:a="http://schemas.openxmlformats.org/drawingml/2006/main" xmlns:r="http://schemas.openxmlformats.org/officeDocument/2006/relationships" xmlns:p="http://schemas.openxmlformats.org/presentationml/2006/main">
+  <p:cSld>
+    <p:spTree>
+      <p:nvGrpSpPr>
+        <p:cNvPr id="1" name=""/>
+        <p:cNvGrpSpPr/>
+        <p:nvPr/>
+      </p:nvGrpSpPr>
+      <p:grpSpPr>
+        <a:xfrm>
+          <a:off x="0" y="0"/>
+          <a:ext cx="0" cy="0"/>
+          <a:chOff x="0" y="0"/>
+          <a:chExt cx="0" cy="0"/>
+        </a:xfrm>
+      </p:grpSpPr>
+      <p:sp>
+        <p:nvSpPr>
+          <p:cNvPr id="2" name="Title 1"/>
+          <p:cNvSpPr>
+            <a:spLocks noGrp="1"/>
+          </p:cNvSpPr>
+          <p:nvPr>
+            <p:ph type="title"/>
+          </p:nvPr>
+        </p:nvSpPr>
+        <p:spPr/>
+        <p:txBody>
+          <a:bodyPr/>
+          <a:lstStyle/>
+          <a:p>
+            <a:r>
+              <a:rPr lang="en-US" dirty="0" smtClean="0"/>
+              <a:t>looping over dictionaries</a:t>
+            </a:r>
+            <a:endParaRPr lang="en-US" dirty="0"/>
+          </a:p>
+        </p:txBody>
+      </p:sp>
+      <p:sp>
+        <p:nvSpPr>
+          <p:cNvPr id="4" name="TextBox 3"/>
+          <p:cNvSpPr txBox="1"/>
+          <p:nvPr/>
+        </p:nvSpPr>
+        <p:spPr>
+          <a:xfrm>
+            <a:off x="205154" y="2036922"/>
+            <a:ext cx="8733691" cy="2308324"/>
+          </a:xfrm>
+          <a:prstGeom prst="rect">
+            <a:avLst/>
+          </a:prstGeom>
+          <a:noFill/>
+        </p:spPr>
+        <p:txBody>
+          <a:bodyPr wrap="square" rtlCol="0">
+            <a:spAutoFit/>
+          </a:bodyPr>
+          <a:lstStyle/>
+          <a:p>
+            <a:r>
+              <a:rPr lang="en-US" dirty="0" smtClean="0">
+                <a:latin typeface="Monaco"/>
+                <a:cs typeface="Monaco"/>
+              </a:rPr>
+              <a:t>price = {"banana" : 0.79, "apple": 1.02, "bell pepper": 2.39}</a:t>
+            </a:r>
+          </a:p>
+          <a:p>
+            <a:r>
+              <a:rPr lang="en-US" dirty="0" smtClean="0">
+                <a:latin typeface="Monaco"/>
+                <a:cs typeface="Monaco"/>
+              </a:rPr>
+              <a:t>for item in price:</a:t>
+            </a:r>
+          </a:p>
+          <a:p>
+            <a:r>
+              <a:rPr lang="en-US" dirty="0" smtClean="0">
+                <a:latin typeface="Monaco"/>
+                <a:cs typeface="Monaco"/>
+              </a:rPr>
+              <a:t>	# Print the key *and* value</a:t>
+            </a:r>
+          </a:p>
+          <a:p>
+            <a:r>
+              <a:rPr lang="en-US" dirty="0">
+                <a:latin typeface="Monaco"/>
+                <a:cs typeface="Monaco"/>
+              </a:rPr>
+              <a:t>	</a:t>
+            </a:r>
+            <a:r>
+              <a:rPr lang="en-US" dirty="0" smtClean="0">
+                <a:latin typeface="Monaco"/>
+                <a:cs typeface="Monaco"/>
+              </a:rPr>
+              <a:t>print item, price[item]</a:t>
+            </a:r>
+          </a:p>
+          <a:p>
+            <a:endParaRPr lang="en-US" dirty="0">
+              <a:latin typeface="Monaco"/>
+              <a:cs typeface="Monaco"/>
+            </a:endParaRPr>
+          </a:p>
+          <a:p>
+            <a:r>
+              <a:rPr lang="en-US" dirty="0" smtClean="0">
+                <a:solidFill>
+                  <a:schemeClr val="bg1">
+                    <a:lumMod val="65000"/>
+                  </a:schemeClr>
+                </a:solidFill>
+                <a:latin typeface="Monaco"/>
+                <a:cs typeface="Monaco"/>
+              </a:rPr>
+              <a:t>	bell pepper, 2.39</a:t>
+            </a:r>
+            <a:endParaRPr lang="en-US" dirty="0">
+              <a:solidFill>
+                <a:schemeClr val="bg1">
+                  <a:lumMod val="65000"/>
+                </a:schemeClr>
+              </a:solidFill>
+              <a:latin typeface="Monaco"/>
+              <a:cs typeface="Monaco"/>
+            </a:endParaRPr>
+          </a:p>
+          <a:p>
+            <a:pPr lvl="1"/>
+            <a:r>
+              <a:rPr lang="en-US" dirty="0" smtClean="0">
+                <a:solidFill>
+                  <a:schemeClr val="bg1">
+                    <a:lumMod val="65000"/>
+                  </a:schemeClr>
+                </a:solidFill>
+                <a:latin typeface="Monaco"/>
+                <a:cs typeface="Monaco"/>
+              </a:rPr>
+              <a:t>banana, 0.79</a:t>
+            </a:r>
+            <a:endParaRPr lang="en-US" dirty="0">
+              <a:solidFill>
+                <a:schemeClr val="bg1">
+                  <a:lumMod val="65000"/>
+                </a:schemeClr>
+              </a:solidFill>
+              <a:latin typeface="Monaco"/>
+              <a:cs typeface="Monaco"/>
+            </a:endParaRPr>
+          </a:p>
+          <a:p>
+            <a:pPr lvl="1"/>
+            <a:r>
+              <a:rPr lang="en-US" dirty="0" smtClean="0">
+                <a:solidFill>
+                  <a:schemeClr val="bg1">
+                    <a:lumMod val="65000"/>
+                  </a:schemeClr>
+                </a:solidFill>
+                <a:latin typeface="Monaco"/>
+                <a:cs typeface="Monaco"/>
+              </a:rPr>
+              <a:t>apple, 1.02</a:t>
+            </a:r>
+            <a:endParaRPr lang="en-US" dirty="0" smtClean="0">
+              <a:latin typeface="Monaco"/>
+              <a:cs typeface="Monaco"/>
+            </a:endParaRPr>
+          </a:p>
+        </p:txBody>
+      </p:sp>
+    </p:spTree>
+    <p:extLst>
+      <p:ext uri="{BB962C8B-B14F-4D97-AF65-F5344CB8AC3E}">
+        <p14:creationId xmlns:p14="http://schemas.microsoft.com/office/powerpoint/2010/main" val="1259606957"/>
+      </p:ext>
+    </p:extLst>
+  </p:cSld>
+  <p:clrMapOvr>
+    <a:masterClrMapping/>
+  </p:clrMapOvr>
+</p:sld>
+</file>
+
+<file path=ppt/slides/slide51.xml><?xml version="1.0" encoding="utf-8"?>
+<p:sld xmlns:a="http://schemas.openxmlformats.org/drawingml/2006/main" xmlns:r="http://schemas.openxmlformats.org/officeDocument/2006/relationships" xmlns:p="http://schemas.openxmlformats.org/presentationml/2006/main">
+  <p:cSld>
+    <p:spTree>
+      <p:nvGrpSpPr>
+        <p:cNvPr id="1" name=""/>
+        <p:cNvGrpSpPr/>
+        <p:nvPr/>
+      </p:nvGrpSpPr>
+      <p:grpSpPr>
+        <a:xfrm>
+          <a:off x="0" y="0"/>
+          <a:ext cx="0" cy="0"/>
+          <a:chOff x="0" y="0"/>
+          <a:chExt cx="0" cy="0"/>
+        </a:xfrm>
+      </p:grpSpPr>
+      <p:sp>
+        <p:nvSpPr>
+          <p:cNvPr id="2" name="Title 1"/>
+          <p:cNvSpPr>
+            <a:spLocks noGrp="1"/>
+          </p:cNvSpPr>
+          <p:nvPr>
+            <p:ph type="title"/>
+          </p:nvPr>
+        </p:nvSpPr>
+        <p:spPr/>
+        <p:txBody>
+          <a:bodyPr/>
+          <a:lstStyle/>
+          <a:p>
+            <a:r>
+              <a:rPr lang="en-US" dirty="0" smtClean="0"/>
+              <a:t>using if and for together</a:t>
+            </a:r>
+            <a:endParaRPr lang="en-US" dirty="0"/>
+          </a:p>
+        </p:txBody>
+      </p:sp>
+      <p:sp>
+        <p:nvSpPr>
+          <p:cNvPr id="4" name="TextBox 3"/>
+          <p:cNvSpPr txBox="1"/>
+          <p:nvPr/>
+        </p:nvSpPr>
+        <p:spPr>
+          <a:xfrm>
+            <a:off x="294255" y="1517496"/>
+            <a:ext cx="7476412" cy="6001644"/>
+          </a:xfrm>
+          <a:prstGeom prst="rect">
+            <a:avLst/>
+          </a:prstGeom>
+          <a:noFill/>
+        </p:spPr>
+        <p:txBody>
+          <a:bodyPr wrap="square" rtlCol="0">
+            <a:spAutoFit/>
+          </a:bodyPr>
+          <a:lstStyle/>
+          <a:p>
+            <a:r>
+              <a:rPr lang="en-US" sz="1600" dirty="0" smtClean="0">
+                <a:latin typeface="Monaco"/>
+                <a:cs typeface="Monaco"/>
+              </a:rPr>
+              <a:t># List of grades</a:t>
+            </a:r>
+          </a:p>
+          <a:p>
+            <a:r>
+              <a:rPr lang="en-US" sz="1600" dirty="0" smtClean="0">
+                <a:latin typeface="Monaco"/>
+                <a:cs typeface="Monaco"/>
+              </a:rPr>
+              <a:t>grades = [88, 71, 74, 83, 57, 79, 66]</a:t>
+            </a:r>
+          </a:p>
+          <a:p>
+            <a:endParaRPr lang="en-US" sz="1600" dirty="0">
+              <a:latin typeface="Monaco"/>
+              <a:cs typeface="Monaco"/>
+            </a:endParaRPr>
+          </a:p>
+          <a:p>
+            <a:r>
+              <a:rPr lang="en-US" sz="1600" dirty="0" smtClean="0">
+                <a:latin typeface="Monaco"/>
+                <a:cs typeface="Monaco"/>
+              </a:rPr>
+              <a:t># Empty list of letter</a:t>
+            </a:r>
+          </a:p>
+          <a:p>
+            <a:r>
+              <a:rPr lang="en-US" sz="1600" dirty="0" smtClean="0">
+                <a:latin typeface="Monaco"/>
+                <a:cs typeface="Monaco"/>
+              </a:rPr>
+              <a:t>letter_grades = []</a:t>
+            </a:r>
+          </a:p>
+          <a:p>
+            <a:endParaRPr lang="en-US" sz="1600" dirty="0" smtClean="0">
+              <a:latin typeface="Monaco"/>
+              <a:cs typeface="Monaco"/>
+            </a:endParaRPr>
+          </a:p>
+          <a:p>
+            <a:r>
+              <a:rPr lang="en-US" sz="1600" dirty="0" smtClean="0">
+                <a:latin typeface="Monaco"/>
+                <a:cs typeface="Monaco"/>
+              </a:rPr>
+              <a:t># Determine the letter grade</a:t>
+            </a:r>
+          </a:p>
+          <a:p>
+            <a:r>
+              <a:rPr lang="en-US" sz="1600" dirty="0" smtClean="0">
+                <a:latin typeface="Monaco"/>
+                <a:cs typeface="Monaco"/>
+              </a:rPr>
+              <a:t>for grade in grades:</a:t>
+            </a:r>
+          </a:p>
+          <a:p>
+            <a:r>
+              <a:rPr lang="en-US" sz="1600" dirty="0">
+                <a:latin typeface="Monaco"/>
+                <a:cs typeface="Monaco"/>
+              </a:rPr>
+              <a:t>	</a:t>
+            </a:r>
+            <a:r>
+              <a:rPr lang="en-US" sz="1600" dirty="0" smtClean="0">
+                <a:latin typeface="Monaco"/>
+                <a:cs typeface="Monaco"/>
+              </a:rPr>
+              <a:t>if grade &gt;= 90:</a:t>
+            </a:r>
+          </a:p>
+          <a:p>
+            <a:r>
+              <a:rPr lang="en-US" sz="1600" dirty="0">
+                <a:latin typeface="Monaco"/>
+                <a:cs typeface="Monaco"/>
+              </a:rPr>
+              <a:t>	</a:t>
+            </a:r>
+            <a:r>
+              <a:rPr lang="en-US" sz="1600" dirty="0" smtClean="0">
+                <a:latin typeface="Monaco"/>
+                <a:cs typeface="Monaco"/>
+              </a:rPr>
+              <a:t>	letter_grades.append("A")</a:t>
+            </a:r>
+          </a:p>
+          <a:p>
+            <a:r>
+              <a:rPr lang="en-US" sz="1600" dirty="0">
+                <a:latin typeface="Monaco"/>
+                <a:cs typeface="Monaco"/>
+              </a:rPr>
+              <a:t>	</a:t>
+            </a:r>
+            <a:r>
+              <a:rPr lang="en-US" sz="1600" dirty="0" smtClean="0">
+                <a:latin typeface="Monaco"/>
+                <a:cs typeface="Monaco"/>
+              </a:rPr>
+              <a:t>elif grade &gt;= 80:</a:t>
+            </a:r>
+          </a:p>
+          <a:p>
+            <a:r>
+              <a:rPr lang="en-US" sz="1600" dirty="0">
+                <a:latin typeface="Monaco"/>
+                <a:cs typeface="Monaco"/>
+              </a:rPr>
+              <a:t>		</a:t>
+            </a:r>
+            <a:r>
+              <a:rPr lang="en-US" sz="1600" dirty="0" smtClean="0">
+                <a:latin typeface="Monaco"/>
+                <a:cs typeface="Monaco"/>
+              </a:rPr>
+              <a:t>letter_grades.append("B")</a:t>
+            </a:r>
+          </a:p>
+          <a:p>
+            <a:r>
+              <a:rPr lang="en-US" sz="1600" dirty="0">
+                <a:latin typeface="Monaco"/>
+                <a:cs typeface="Monaco"/>
+              </a:rPr>
+              <a:t>	</a:t>
+            </a:r>
+            <a:r>
+              <a:rPr lang="en-US" sz="1600" dirty="0" smtClean="0">
+                <a:latin typeface="Monaco"/>
+                <a:cs typeface="Monaco"/>
+              </a:rPr>
+              <a:t>elif grade &gt;= 70:</a:t>
+            </a:r>
+          </a:p>
+          <a:p>
+            <a:r>
+              <a:rPr lang="en-US" sz="1600" dirty="0">
+                <a:latin typeface="Monaco"/>
+                <a:cs typeface="Monaco"/>
+              </a:rPr>
+              <a:t>		</a:t>
+            </a:r>
+            <a:r>
+              <a:rPr lang="en-US" sz="1600" dirty="0" smtClean="0">
+                <a:latin typeface="Monaco"/>
+                <a:cs typeface="Monaco"/>
+              </a:rPr>
+              <a:t>letter_grades.append("C")</a:t>
+            </a:r>
+          </a:p>
+          <a:p>
+            <a:r>
+              <a:rPr lang="en-US" sz="1600" dirty="0">
+                <a:latin typeface="Monaco"/>
+                <a:cs typeface="Monaco"/>
+              </a:rPr>
+              <a:t>	</a:t>
+            </a:r>
+            <a:r>
+              <a:rPr lang="en-US" sz="1600" dirty="0" smtClean="0">
+                <a:latin typeface="Monaco"/>
+                <a:cs typeface="Monaco"/>
+              </a:rPr>
+              <a:t>elif grade &gt;= 60:</a:t>
+            </a:r>
+          </a:p>
+          <a:p>
+            <a:r>
+              <a:rPr lang="en-US" sz="1600" dirty="0">
+                <a:latin typeface="Monaco"/>
+                <a:cs typeface="Monaco"/>
+              </a:rPr>
+              <a:t>		</a:t>
+            </a:r>
+            <a:r>
+              <a:rPr lang="en-US" sz="1600" dirty="0" smtClean="0">
+                <a:latin typeface="Monaco"/>
+                <a:cs typeface="Monaco"/>
+              </a:rPr>
+              <a:t>letter_grades.append("D")</a:t>
+            </a:r>
+          </a:p>
+          <a:p>
+            <a:r>
+              <a:rPr lang="en-US" sz="1600" dirty="0">
+                <a:latin typeface="Monaco"/>
+                <a:cs typeface="Monaco"/>
+              </a:rPr>
+              <a:t>	</a:t>
+            </a:r>
+            <a:r>
+              <a:rPr lang="en-US" sz="1600" dirty="0" smtClean="0">
+                <a:latin typeface="Monaco"/>
+                <a:cs typeface="Monaco"/>
+              </a:rPr>
+              <a:t>else:</a:t>
+            </a:r>
+          </a:p>
+          <a:p>
+            <a:r>
+              <a:rPr lang="en-US" sz="1600" dirty="0">
+                <a:latin typeface="Monaco"/>
+                <a:cs typeface="Monaco"/>
+              </a:rPr>
+              <a:t>		</a:t>
+            </a:r>
+            <a:r>
+              <a:rPr lang="en-US" sz="1600" dirty="0" smtClean="0">
+                <a:latin typeface="Monaco"/>
+                <a:cs typeface="Monaco"/>
+              </a:rPr>
+              <a:t>letter_grades.append("F")</a:t>
+            </a:r>
+          </a:p>
+          <a:p>
+            <a:endParaRPr lang="en-US" sz="1600" dirty="0" smtClean="0">
+              <a:latin typeface="Monaco"/>
+              <a:cs typeface="Monaco"/>
+            </a:endParaRPr>
+          </a:p>
+          <a:p>
+            <a:r>
+              <a:rPr lang="en-US" sz="1600" dirty="0" smtClean="0">
+                <a:latin typeface="Monaco"/>
+                <a:cs typeface="Monaco"/>
+              </a:rPr>
+              <a:t>print letter_grades</a:t>
+            </a:r>
+          </a:p>
+          <a:p>
+            <a:r>
+              <a:rPr lang="en-US" sz="1600" dirty="0">
+                <a:solidFill>
+                  <a:schemeClr val="bg1">
+                    <a:lumMod val="65000"/>
+                  </a:schemeClr>
+                </a:solidFill>
+                <a:latin typeface="Monaco"/>
+                <a:cs typeface="Monaco"/>
+              </a:rPr>
+              <a:t>	</a:t>
+            </a:r>
+            <a:r>
+              <a:rPr lang="fr-FR" sz="1600" dirty="0">
+                <a:solidFill>
+                  <a:schemeClr val="bg1">
+                    <a:lumMod val="65000"/>
+                  </a:schemeClr>
+                </a:solidFill>
+                <a:latin typeface="Monaco"/>
+                <a:cs typeface="Monaco"/>
+              </a:rPr>
+              <a:t>['B', 'C', 'C', 'B', 'F', 'C', 'D']</a:t>
+            </a:r>
+            <a:endParaRPr lang="en-US" sz="1600" dirty="0" smtClean="0">
+              <a:solidFill>
+                <a:schemeClr val="bg1">
+                  <a:lumMod val="65000"/>
+                </a:schemeClr>
+              </a:solidFill>
+              <a:latin typeface="Monaco"/>
+              <a:cs typeface="Monaco"/>
+            </a:endParaRPr>
+          </a:p>
+          <a:p>
+            <a:r>
+              <a:rPr lang="en-US" sz="1600" dirty="0">
+                <a:latin typeface="Monaco"/>
+                <a:cs typeface="Monaco"/>
+              </a:rPr>
+              <a:t>	</a:t>
+            </a:r>
+            <a:endParaRPr lang="en-US" sz="1600" dirty="0" smtClean="0">
+              <a:latin typeface="Monaco"/>
+              <a:cs typeface="Monaco"/>
+            </a:endParaRPr>
+          </a:p>
+          <a:p>
+            <a:r>
+              <a:rPr lang="en-US" sz="1600" dirty="0" smtClean="0">
+                <a:latin typeface="Monaco"/>
+                <a:cs typeface="Monaco"/>
+              </a:rPr>
+              <a:t>	</a:t>
+            </a:r>
+          </a:p>
+          <a:p>
+            <a:r>
+              <a:rPr lang="en-US" sz="1600" dirty="0">
+                <a:latin typeface="Monaco"/>
+                <a:cs typeface="Monaco"/>
+              </a:rPr>
+              <a:t>	</a:t>
+            </a:r>
+            <a:endParaRPr lang="en-US" sz="1600" dirty="0" smtClean="0">
+              <a:latin typeface="Monaco"/>
+              <a:cs typeface="Monaco"/>
+            </a:endParaRPr>
+          </a:p>
+        </p:txBody>
+      </p:sp>
+    </p:spTree>
+    <p:extLst>
+      <p:ext uri="{BB962C8B-B14F-4D97-AF65-F5344CB8AC3E}">
+        <p14:creationId xmlns:p14="http://schemas.microsoft.com/office/powerpoint/2010/main" val="246246496"/>
+      </p:ext>
+    </p:extLst>
+  </p:cSld>
+  <p:clrMapOvr>
+    <a:masterClrMapping/>
+  </p:clrMapOvr>
+</p:sld>
+</file>
+
+<file path=ppt/slides/slide52.xml><?xml version="1.0" encoding="utf-8"?>
+<p:sld xmlns:a="http://schemas.openxmlformats.org/drawingml/2006/main" xmlns:r="http://schemas.openxmlformats.org/officeDocument/2006/relationships" xmlns:p="http://schemas.openxmlformats.org/presentationml/2006/main">
+  <p:cSld>
+    <p:spTree>
+      <p:nvGrpSpPr>
+        <p:cNvPr id="1" name=""/>
+        <p:cNvGrpSpPr/>
+        <p:nvPr/>
+      </p:nvGrpSpPr>
+      <p:grpSpPr>
+        <a:xfrm>
+          <a:off x="0" y="0"/>
+          <a:ext cx="0" cy="0"/>
+          <a:chOff x="0" y="0"/>
+          <a:chExt cx="0" cy="0"/>
+        </a:xfrm>
+      </p:grpSpPr>
+      <p:sp>
+        <p:nvSpPr>
+          <p:cNvPr id="2" name="Title 1"/>
+          <p:cNvSpPr>
+            <a:spLocks noGrp="1"/>
+          </p:cNvSpPr>
+          <p:nvPr>
+            <p:ph type="title"/>
+          </p:nvPr>
+        </p:nvSpPr>
+        <p:spPr/>
+        <p:txBody>
+          <a:bodyPr/>
+          <a:lstStyle/>
+          <a:p>
+            <a:r>
+              <a:rPr lang="en-US" dirty="0" smtClean="0"/>
               <a:t>controlling the loops even more</a:t>
             </a:r>
             <a:endParaRPr lang="en-US" dirty="0"/>
@@ -15908,7 +16900,7 @@
 </p:sld>
 </file>
 
-<file path=ppt/slides/slide49.xml><?xml version="1.0" encoding="utf-8"?>
+<file path=ppt/slides/slide53.xml><?xml version="1.0" encoding="utf-8"?>
 <p:sld xmlns:a="http://schemas.openxmlformats.org/drawingml/2006/main" xmlns:r="http://schemas.openxmlformats.org/officeDocument/2006/relationships" xmlns:p="http://schemas.openxmlformats.org/presentationml/2006/main">
   <p:cSld>
     <p:spTree>
@@ -16387,249 +17379,7 @@
 </p:sld>
 </file>
 
-<file path=ppt/slides/slide5.xml><?xml version="1.0" encoding="utf-8"?>
-<p:sld xmlns:a="http://schemas.openxmlformats.org/drawingml/2006/main" xmlns:r="http://schemas.openxmlformats.org/officeDocument/2006/relationships" xmlns:p="http://schemas.openxmlformats.org/presentationml/2006/main">
-  <p:cSld>
-    <p:spTree>
-      <p:nvGrpSpPr>
-        <p:cNvPr id="1" name=""/>
-        <p:cNvGrpSpPr/>
-        <p:nvPr/>
-      </p:nvGrpSpPr>
-      <p:grpSpPr>
-        <a:xfrm>
-          <a:off x="0" y="0"/>
-          <a:ext cx="0" cy="0"/>
-          <a:chOff x="0" y="0"/>
-          <a:chExt cx="0" cy="0"/>
-        </a:xfrm>
-      </p:grpSpPr>
-      <p:sp>
-        <p:nvSpPr>
-          <p:cNvPr id="2" name="Title 1"/>
-          <p:cNvSpPr>
-            <a:spLocks noGrp="1"/>
-          </p:cNvSpPr>
-          <p:nvPr>
-            <p:ph type="title"/>
-          </p:nvPr>
-        </p:nvSpPr>
-        <p:spPr/>
-        <p:txBody>
-          <a:bodyPr/>
-          <a:lstStyle/>
-          <a:p>
-            <a:r>
-              <a:rPr lang="en-US" dirty="0" smtClean="0"/>
-              <a:t>dictionary Keys must be unique</a:t>
-            </a:r>
-            <a:endParaRPr lang="en-US" dirty="0"/>
-          </a:p>
-        </p:txBody>
-      </p:sp>
-      <p:sp>
-        <p:nvSpPr>
-          <p:cNvPr id="3" name="Content Placeholder 2"/>
-          <p:cNvSpPr>
-            <a:spLocks noGrp="1"/>
-          </p:cNvSpPr>
-          <p:nvPr>
-            <p:ph idx="1"/>
-          </p:nvPr>
-        </p:nvSpPr>
-        <p:spPr/>
-        <p:txBody>
-          <a:bodyPr/>
-          <a:lstStyle/>
-          <a:p>
-            <a:pPr marL="457200" indent="-457200">
-              <a:buFont typeface="Arial"/>
-              <a:buChar char="•"/>
-            </a:pPr>
-            <a:r>
-              <a:rPr lang="en-US" dirty="0"/>
-              <a:t>Keys must be unique, but values may be repeated:</a:t>
-            </a:r>
-          </a:p>
-          <a:p>
-            <a:pPr marL="457200" indent="-457200">
-              <a:buFont typeface="Arial"/>
-              <a:buChar char="•"/>
-            </a:pPr>
-            <a:endParaRPr lang="en-US" dirty="0" smtClean="0"/>
-          </a:p>
-          <a:p>
-            <a:pPr marL="457200" indent="-457200">
-              <a:buFont typeface="Arial"/>
-              <a:buChar char="•"/>
-            </a:pPr>
-            <a:endParaRPr lang="en-US" dirty="0"/>
-          </a:p>
-          <a:p>
-            <a:pPr marL="457200" indent="-457200">
-              <a:buFont typeface="Arial"/>
-              <a:buChar char="•"/>
-            </a:pPr>
-            <a:r>
-              <a:rPr lang="en-US" dirty="0"/>
-              <a:t>Adding an existing key will </a:t>
-            </a:r>
-            <a:r>
-              <a:rPr lang="en-US" i="1" dirty="0"/>
-              <a:t>overwrite </a:t>
-            </a:r>
-            <a:r>
-              <a:rPr lang="en-US" dirty="0"/>
-              <a:t>the original:</a:t>
-            </a:r>
-          </a:p>
-          <a:p>
-            <a:endParaRPr lang="en-US" dirty="0"/>
-          </a:p>
-        </p:txBody>
-      </p:sp>
-      <p:sp>
-        <p:nvSpPr>
-          <p:cNvPr id="4" name="TextBox 3"/>
-          <p:cNvSpPr txBox="1"/>
-          <p:nvPr/>
-        </p:nvSpPr>
-        <p:spPr>
-          <a:xfrm>
-            <a:off x="1515498" y="2802628"/>
-            <a:ext cx="6033703" cy="369332"/>
-          </a:xfrm>
-          <a:prstGeom prst="rect">
-            <a:avLst/>
-          </a:prstGeom>
-          <a:noFill/>
-        </p:spPr>
-        <p:txBody>
-          <a:bodyPr wrap="square" rtlCol="0">
-            <a:spAutoFit/>
-          </a:bodyPr>
-          <a:lstStyle/>
-          <a:p>
-            <a:r>
-              <a:rPr lang="en-US" dirty="0" smtClean="0">
-                <a:latin typeface="Monaco"/>
-                <a:cs typeface="Monaco"/>
-              </a:rPr>
-              <a:t>acceptable_dict = {"a": 5, "b": 3, "c": 5}</a:t>
-            </a:r>
-          </a:p>
-        </p:txBody>
-      </p:sp>
-      <p:sp>
-        <p:nvSpPr>
-          <p:cNvPr id="5" name="TextBox 4"/>
-          <p:cNvSpPr txBox="1"/>
-          <p:nvPr/>
-        </p:nvSpPr>
-        <p:spPr>
-          <a:xfrm>
-            <a:off x="1515498" y="5177830"/>
-            <a:ext cx="6033703" cy="1200329"/>
-          </a:xfrm>
-          <a:prstGeom prst="rect">
-            <a:avLst/>
-          </a:prstGeom>
-          <a:noFill/>
-        </p:spPr>
-        <p:txBody>
-          <a:bodyPr wrap="square" rtlCol="0">
-            <a:spAutoFit/>
-          </a:bodyPr>
-          <a:lstStyle/>
-          <a:p>
-            <a:r>
-              <a:rPr lang="en-US" dirty="0" smtClean="0">
-                <a:latin typeface="Monaco"/>
-                <a:cs typeface="Monaco"/>
-              </a:rPr>
-              <a:t>acceptable_dict["a"] = 7</a:t>
-            </a:r>
-          </a:p>
-          <a:p>
-            <a:r>
-              <a:rPr lang="en-US" dirty="0" smtClean="0">
-                <a:latin typeface="Monaco"/>
-                <a:cs typeface="Monaco"/>
-              </a:rPr>
-              <a:t>print acceptable_dict</a:t>
-            </a:r>
-          </a:p>
-          <a:p>
-            <a:r>
-              <a:rPr lang="en-US" dirty="0">
-                <a:solidFill>
-                  <a:srgbClr val="A6A6A6"/>
-                </a:solidFill>
-                <a:latin typeface="Monaco"/>
-                <a:cs typeface="Monaco"/>
-              </a:rPr>
-              <a:t>	{"a": </a:t>
-            </a:r>
-            <a:r>
-              <a:rPr lang="en-US" dirty="0" smtClean="0">
-                <a:solidFill>
-                  <a:srgbClr val="A6A6A6"/>
-                </a:solidFill>
-                <a:latin typeface="Monaco"/>
-                <a:cs typeface="Monaco"/>
-              </a:rPr>
-              <a:t>7, "</a:t>
-            </a:r>
-            <a:r>
-              <a:rPr lang="en-US" dirty="0">
-                <a:solidFill>
-                  <a:srgbClr val="A6A6A6"/>
-                </a:solidFill>
-                <a:latin typeface="Monaco"/>
-                <a:cs typeface="Monaco"/>
-              </a:rPr>
-              <a:t>c": </a:t>
-            </a:r>
-            <a:r>
-              <a:rPr lang="en-US" dirty="0" smtClean="0">
-                <a:solidFill>
-                  <a:srgbClr val="A6A6A6"/>
-                </a:solidFill>
-                <a:latin typeface="Monaco"/>
-                <a:cs typeface="Monaco"/>
-              </a:rPr>
-              <a:t>5, "b": 3}</a:t>
-            </a:r>
-            <a:endParaRPr lang="en-US" dirty="0">
-              <a:solidFill>
-                <a:srgbClr val="A6A6A6"/>
-              </a:solidFill>
-              <a:latin typeface="Monaco"/>
-              <a:cs typeface="Monaco"/>
-            </a:endParaRPr>
-          </a:p>
-          <a:p>
-            <a:endParaRPr lang="en-US" dirty="0" smtClean="0">
-              <a:latin typeface="Monaco"/>
-              <a:cs typeface="Monaco"/>
-            </a:endParaRPr>
-          </a:p>
-        </p:txBody>
-      </p:sp>
-    </p:spTree>
-    <p:extLst>
-      <p:ext uri="{BB962C8B-B14F-4D97-AF65-F5344CB8AC3E}">
-        <p14:creationId xmlns:p14="http://schemas.microsoft.com/office/powerpoint/2010/main" val="3149704189"/>
-      </p:ext>
-    </p:extLst>
-  </p:cSld>
-  <p:clrMapOvr>
-    <a:masterClrMapping/>
-  </p:clrMapOvr>
-</p:sld>
-</file>
-
-<file path=ppt/slides/slide50.xml><?xml version="1.0" encoding="utf-8"?>
+<file path=ppt/slides/slide54.xml><?xml version="1.0" encoding="utf-8"?>
 <p:sld xmlns:a="http://schemas.openxmlformats.org/drawingml/2006/main" xmlns:r="http://schemas.openxmlformats.org/officeDocument/2006/relationships" xmlns:p="http://schemas.openxmlformats.org/presentationml/2006/main">
   <p:cSld>
     <p:spTree>
@@ -17155,7 +17905,7 @@
 </p:sld>
 </file>
 
-<file path=ppt/slides/slide51.xml><?xml version="1.0" encoding="utf-8"?>
+<file path=ppt/slides/slide55.xml><?xml version="1.0" encoding="utf-8"?>
 <p:sld xmlns:a="http://schemas.openxmlformats.org/drawingml/2006/main" xmlns:r="http://schemas.openxmlformats.org/officeDocument/2006/relationships" xmlns:p="http://schemas.openxmlformats.org/presentationml/2006/main">
   <p:cSld>
     <p:spTree>
@@ -17719,6 +18469,64 @@
 </p:sld>
 </file>
 
+<file path=ppt/slides/slide56.xml><?xml version="1.0" encoding="utf-8"?>
+<p:sld xmlns:a="http://schemas.openxmlformats.org/drawingml/2006/main" xmlns:r="http://schemas.openxmlformats.org/officeDocument/2006/relationships" xmlns:p="http://schemas.openxmlformats.org/presentationml/2006/main">
+  <p:cSld>
+    <p:spTree>
+      <p:nvGrpSpPr>
+        <p:cNvPr id="1" name=""/>
+        <p:cNvGrpSpPr/>
+        <p:nvPr/>
+      </p:nvGrpSpPr>
+      <p:grpSpPr>
+        <a:xfrm>
+          <a:off x="0" y="0"/>
+          <a:ext cx="0" cy="0"/>
+          <a:chOff x="0" y="0"/>
+          <a:chExt cx="0" cy="0"/>
+        </a:xfrm>
+      </p:grpSpPr>
+      <p:sp>
+        <p:nvSpPr>
+          <p:cNvPr id="2" name="Title 1"/>
+          <p:cNvSpPr>
+            <a:spLocks noGrp="1"/>
+          </p:cNvSpPr>
+          <p:nvPr>
+            <p:ph type="title"/>
+          </p:nvPr>
+        </p:nvSpPr>
+        <p:spPr>
+          <a:xfrm>
+            <a:off x="2230714" y="3087537"/>
+            <a:ext cx="4688183" cy="692215"/>
+          </a:xfrm>
+        </p:spPr>
+        <p:txBody>
+          <a:bodyPr/>
+          <a:lstStyle/>
+          <a:p>
+            <a:r>
+              <a:rPr lang="en-US" dirty="0" smtClean="0"/>
+              <a:t>exercise break</a:t>
+            </a:r>
+            <a:endParaRPr lang="en-US" dirty="0"/>
+          </a:p>
+        </p:txBody>
+      </p:sp>
+    </p:spTree>
+    <p:extLst>
+      <p:ext uri="{BB962C8B-B14F-4D97-AF65-F5344CB8AC3E}">
+        <p14:creationId xmlns:p14="http://schemas.microsoft.com/office/powerpoint/2010/main" val="4207585177"/>
+      </p:ext>
+    </p:extLst>
+  </p:cSld>
+  <p:clrMapOvr>
+    <a:masterClrMapping/>
+  </p:clrMapOvr>
+</p:sld>
+</file>
+
 <file path=ppt/slides/slide6.xml><?xml version="1.0" encoding="utf-8"?>
 <p:sld xmlns:a="http://schemas.openxmlformats.org/drawingml/2006/main" xmlns:r="http://schemas.openxmlformats.org/officeDocument/2006/relationships" xmlns:p="http://schemas.openxmlformats.org/presentationml/2006/main">
   <p:cSld>
@@ -17753,8 +18561,76 @@
           <a:p>
             <a:r>
               <a:rPr lang="en-US" dirty="0" smtClean="0"/>
-              <a:t>Common dictionary methods</a:t>
-            </a:r>
+              <a:t>another data type: dictionaries</a:t>
+            </a:r>
+            <a:endParaRPr lang="en-US" dirty="0"/>
+          </a:p>
+        </p:txBody>
+      </p:sp>
+      <p:sp>
+        <p:nvSpPr>
+          <p:cNvPr id="3" name="Content Placeholder 2"/>
+          <p:cNvSpPr>
+            <a:spLocks noGrp="1"/>
+          </p:cNvSpPr>
+          <p:nvPr>
+            <p:ph idx="1"/>
+          </p:nvPr>
+        </p:nvSpPr>
+        <p:spPr/>
+        <p:txBody>
+          <a:bodyPr/>
+          <a:lstStyle/>
+          <a:p>
+            <a:pPr marL="457200" indent="-457200">
+              <a:buFont typeface="Arial"/>
+              <a:buChar char="•"/>
+            </a:pPr>
+            <a:r>
+              <a:rPr lang="en-US" dirty="0" smtClean="0"/>
+              <a:t>Dictionaries are defined with braces: </a:t>
+            </a:r>
+            <a:r>
+              <a:rPr lang="en-US" dirty="0" smtClean="0">
+                <a:latin typeface="Monaco"/>
+                <a:cs typeface="Monaco"/>
+              </a:rPr>
+              <a:t>{}</a:t>
+            </a:r>
+          </a:p>
+          <a:p>
+            <a:pPr marL="914400" lvl="1" indent="-457200">
+              <a:buFont typeface="Arial"/>
+              <a:buChar char="•"/>
+            </a:pPr>
+            <a:r>
+              <a:rPr lang="en-US" dirty="0" smtClean="0"/>
+              <a:t>Contain </a:t>
+            </a:r>
+            <a:r>
+              <a:rPr lang="en-US" dirty="0" err="1" smtClean="0">
+                <a:latin typeface="Monaco"/>
+                <a:cs typeface="Monaco"/>
+              </a:rPr>
+              <a:t>key:value</a:t>
+            </a:r>
+            <a:r>
+              <a:rPr lang="en-US" dirty="0" smtClean="0"/>
+              <a:t> pairs</a:t>
+            </a:r>
+          </a:p>
+          <a:p>
+            <a:pPr marL="914400" lvl="1" indent="-457200">
+              <a:buFont typeface="Arial"/>
+              <a:buChar char="•"/>
+            </a:pPr>
+            <a:r>
+              <a:rPr lang="en-US" dirty="0" smtClean="0"/>
+              <a:t>Known in other contexts as "associative arrays"</a:t>
+            </a:r>
+            <a:endParaRPr lang="en-US" dirty="0"/>
+          </a:p>
+          <a:p>
             <a:endParaRPr lang="en-US" dirty="0"/>
           </a:p>
         </p:txBody>
@@ -17767,8 +18643,8 @@
         </p:nvSpPr>
         <p:spPr>
           <a:xfrm>
-            <a:off x="265716" y="1632754"/>
-            <a:ext cx="8158734" cy="3693319"/>
+            <a:off x="457199" y="3463843"/>
+            <a:ext cx="8338444" cy="3970318"/>
           </a:xfrm>
           <a:prstGeom prst="rect">
             <a:avLst/>
@@ -17786,17 +18662,188 @@
                 <a:latin typeface="Monaco"/>
                 <a:cs typeface="Monaco"/>
               </a:rPr>
-              <a:t># Define a dictionary</a:t>
-            </a:r>
-          </a:p>
-          <a:p>
-            <a:r>
-              <a:rPr lang="en-US" dirty="0" smtClean="0">
-                <a:latin typeface="Monaco"/>
-                <a:cs typeface="Monaco"/>
-              </a:rPr>
-              <a:t>medals = {"gold": "first", "silver": "second", "bronze": "third"}</a:t>
-            </a:r>
+              <a:t># Define a dictionary of names</a:t>
+            </a:r>
+          </a:p>
+          <a:p>
+            <a:r>
+              <a:rPr lang="en-US" dirty="0" smtClean="0">
+                <a:latin typeface="Monaco"/>
+                <a:cs typeface="Monaco"/>
+              </a:rPr>
+              <a:t>names = {"Stephanie": "Spielman", "</a:t>
+            </a:r>
+            <a:r>
+              <a:rPr lang="en-US" dirty="0" err="1" smtClean="0">
+                <a:latin typeface="Monaco"/>
+                <a:cs typeface="Monaco"/>
+              </a:rPr>
+              <a:t>Eleisha</a:t>
+            </a:r>
+            <a:r>
+              <a:rPr lang="en-US" dirty="0" smtClean="0">
+                <a:latin typeface="Monaco"/>
+                <a:cs typeface="Monaco"/>
+              </a:rPr>
+              <a:t>": "Jackson", 	"Claus": "</a:t>
+            </a:r>
+            <a:r>
+              <a:rPr lang="en-US" dirty="0" err="1" smtClean="0">
+                <a:latin typeface="Monaco"/>
+                <a:cs typeface="Monaco"/>
+              </a:rPr>
+              <a:t>Wilke</a:t>
+            </a:r>
+            <a:r>
+              <a:rPr lang="en-US" dirty="0" smtClean="0">
+                <a:latin typeface="Monaco"/>
+                <a:cs typeface="Monaco"/>
+              </a:rPr>
+              <a:t>"}</a:t>
+            </a:r>
+          </a:p>
+          <a:p>
+            <a:endParaRPr lang="en-US" dirty="0">
+              <a:latin typeface="Monaco"/>
+              <a:cs typeface="Monaco"/>
+            </a:endParaRPr>
+          </a:p>
+          <a:p>
+            <a:r>
+              <a:rPr lang="en-US" dirty="0" smtClean="0">
+                <a:latin typeface="Monaco"/>
+                <a:cs typeface="Monaco"/>
+              </a:rPr>
+              <a:t># Each </a:t>
+            </a:r>
+            <a:r>
+              <a:rPr lang="en-US" dirty="0" err="1" smtClean="0">
+                <a:latin typeface="Monaco"/>
+                <a:cs typeface="Monaco"/>
+              </a:rPr>
+              <a:t>key:value</a:t>
+            </a:r>
+            <a:r>
+              <a:rPr lang="en-US" dirty="0" smtClean="0">
+                <a:latin typeface="Monaco"/>
+                <a:cs typeface="Monaco"/>
+              </a:rPr>
+              <a:t> pair is a single item</a:t>
+            </a:r>
+          </a:p>
+          <a:p>
+            <a:r>
+              <a:rPr lang="en-US" dirty="0" smtClean="0">
+                <a:latin typeface="Monaco"/>
+                <a:cs typeface="Monaco"/>
+              </a:rPr>
+              <a:t>print </a:t>
+            </a:r>
+            <a:r>
+              <a:rPr lang="en-US" dirty="0" err="1" smtClean="0">
+                <a:latin typeface="Monaco"/>
+                <a:cs typeface="Monaco"/>
+              </a:rPr>
+              <a:t>len</a:t>
+            </a:r>
+            <a:r>
+              <a:rPr lang="en-US" dirty="0" smtClean="0">
+                <a:latin typeface="Monaco"/>
+                <a:cs typeface="Monaco"/>
+              </a:rPr>
+              <a:t>(names)</a:t>
+            </a:r>
+          </a:p>
+          <a:p>
+            <a:r>
+              <a:rPr lang="en-US" dirty="0">
+                <a:latin typeface="Monaco"/>
+                <a:cs typeface="Monaco"/>
+              </a:rPr>
+              <a:t>	</a:t>
+            </a:r>
+            <a:r>
+              <a:rPr lang="en-US" dirty="0" smtClean="0">
+                <a:solidFill>
+                  <a:schemeClr val="bg1">
+                    <a:lumMod val="65000"/>
+                  </a:schemeClr>
+                </a:solidFill>
+                <a:latin typeface="Monaco"/>
+                <a:cs typeface="Monaco"/>
+              </a:rPr>
+              <a:t>3</a:t>
+            </a:r>
+          </a:p>
+          <a:p>
+            <a:endParaRPr lang="en-US" dirty="0">
+              <a:latin typeface="Monaco"/>
+              <a:cs typeface="Monaco"/>
+            </a:endParaRPr>
+          </a:p>
+          <a:p>
+            <a:r>
+              <a:rPr lang="en-US" dirty="0" smtClean="0">
+                <a:latin typeface="Monaco"/>
+                <a:cs typeface="Monaco"/>
+              </a:rPr>
+              <a:t># Index dictionaries via *keys* (not position!!)</a:t>
+            </a:r>
+          </a:p>
+          <a:p>
+            <a:r>
+              <a:rPr lang="en-US" dirty="0" smtClean="0">
+                <a:latin typeface="Monaco"/>
+                <a:cs typeface="Monaco"/>
+              </a:rPr>
+              <a:t>print names["</a:t>
+            </a:r>
+            <a:r>
+              <a:rPr lang="en-US" dirty="0" err="1" smtClean="0">
+                <a:latin typeface="Monaco"/>
+                <a:cs typeface="Monaco"/>
+              </a:rPr>
+              <a:t>Eleisha</a:t>
+            </a:r>
+            <a:r>
+              <a:rPr lang="en-US" dirty="0" smtClean="0">
+                <a:latin typeface="Monaco"/>
+                <a:cs typeface="Monaco"/>
+              </a:rPr>
+              <a:t>"]</a:t>
+            </a:r>
+          </a:p>
+          <a:p>
+            <a:r>
+              <a:rPr lang="en-US" dirty="0">
+                <a:solidFill>
+                  <a:schemeClr val="bg1">
+                    <a:lumMod val="65000"/>
+                  </a:schemeClr>
+                </a:solidFill>
+                <a:latin typeface="Monaco"/>
+                <a:cs typeface="Monaco"/>
+              </a:rPr>
+              <a:t>	</a:t>
+            </a:r>
+            <a:r>
+              <a:rPr lang="en-US" dirty="0" smtClean="0">
+                <a:solidFill>
+                  <a:schemeClr val="bg1">
+                    <a:lumMod val="65000"/>
+                  </a:schemeClr>
+                </a:solidFill>
+                <a:latin typeface="Monaco"/>
+                <a:cs typeface="Monaco"/>
+              </a:rPr>
+              <a:t>"Jackson"</a:t>
+            </a:r>
+          </a:p>
+          <a:p>
+            <a:endParaRPr lang="en-US" dirty="0">
+              <a:latin typeface="Monaco"/>
+              <a:cs typeface="Monaco"/>
+            </a:endParaRPr>
           </a:p>
           <a:p>
             <a:endParaRPr lang="en-US" dirty="0" smtClean="0">
@@ -17805,217 +18852,65 @@
             </a:endParaRPr>
           </a:p>
           <a:p>
-            <a:endParaRPr lang="en-US" dirty="0" smtClean="0">
-              <a:latin typeface="Monaco"/>
-              <a:cs typeface="Monaco"/>
-            </a:endParaRPr>
-          </a:p>
-          <a:p>
-            <a:r>
-              <a:rPr lang="en-US" dirty="0" smtClean="0">
-                <a:latin typeface="Monaco"/>
-                <a:cs typeface="Monaco"/>
-              </a:rPr>
-              <a:t># The </a:t>
-            </a:r>
-            <a:r>
-              <a:rPr lang="en-US" i="1" dirty="0" smtClean="0">
-                <a:latin typeface="Monaco"/>
-                <a:cs typeface="Monaco"/>
-              </a:rPr>
-              <a:t>.keys()</a:t>
-            </a:r>
-            <a:r>
-              <a:rPr lang="en-US" dirty="0" smtClean="0">
-                <a:latin typeface="Monaco"/>
-                <a:cs typeface="Monaco"/>
-              </a:rPr>
-              <a:t> method returns a list of dictionary keys</a:t>
-            </a:r>
-          </a:p>
-          <a:p>
-            <a:r>
-              <a:rPr lang="en-US" dirty="0" smtClean="0">
-                <a:latin typeface="Monaco"/>
-                <a:cs typeface="Monaco"/>
-              </a:rPr>
-              <a:t>print </a:t>
-            </a:r>
-            <a:r>
-              <a:rPr lang="en-US" dirty="0" err="1" smtClean="0">
-                <a:latin typeface="Monaco"/>
-                <a:cs typeface="Monaco"/>
-              </a:rPr>
-              <a:t>medals.keys</a:t>
-            </a:r>
-            <a:r>
-              <a:rPr lang="en-US" dirty="0" smtClean="0">
-                <a:latin typeface="Monaco"/>
-                <a:cs typeface="Monaco"/>
-              </a:rPr>
-              <a:t>()</a:t>
-            </a:r>
-          </a:p>
-          <a:p>
-            <a:r>
-              <a:rPr lang="en-US" dirty="0">
-                <a:solidFill>
-                  <a:srgbClr val="A6A6A6"/>
-                </a:solidFill>
-                <a:latin typeface="Monaco"/>
-                <a:cs typeface="Monaco"/>
-              </a:rPr>
-              <a:t>	['bronze', 'silver', 'gold'</a:t>
-            </a:r>
-            <a:r>
-              <a:rPr lang="en-US" dirty="0" smtClean="0">
-                <a:solidFill>
-                  <a:srgbClr val="A6A6A6"/>
-                </a:solidFill>
-                <a:latin typeface="Monaco"/>
-                <a:cs typeface="Monaco"/>
-              </a:rPr>
-              <a:t>]</a:t>
-            </a:r>
-          </a:p>
-          <a:p>
-            <a:endParaRPr lang="en-US" dirty="0" smtClean="0">
-              <a:solidFill>
-                <a:schemeClr val="bg1">
-                  <a:lumMod val="65000"/>
-                </a:schemeClr>
-              </a:solidFill>
-              <a:latin typeface="Monaco"/>
-              <a:cs typeface="Monaco"/>
-            </a:endParaRPr>
-          </a:p>
-          <a:p>
-            <a:endParaRPr lang="en-US" dirty="0">
-              <a:solidFill>
-                <a:schemeClr val="bg1">
-                  <a:lumMod val="65000"/>
-                </a:schemeClr>
-              </a:solidFill>
-              <a:latin typeface="Monaco"/>
-              <a:cs typeface="Monaco"/>
-            </a:endParaRPr>
-          </a:p>
-          <a:p>
-            <a:r>
-              <a:rPr lang="en-US" dirty="0">
-                <a:latin typeface="Monaco"/>
-                <a:cs typeface="Monaco"/>
-              </a:rPr>
-              <a:t># The </a:t>
-            </a:r>
-            <a:r>
-              <a:rPr lang="en-US" i="1" dirty="0" smtClean="0">
-                <a:latin typeface="Monaco"/>
-                <a:cs typeface="Monaco"/>
-              </a:rPr>
-              <a:t>.values(</a:t>
-            </a:r>
-            <a:r>
-              <a:rPr lang="en-US" i="1" dirty="0">
-                <a:latin typeface="Monaco"/>
-                <a:cs typeface="Monaco"/>
-              </a:rPr>
-              <a:t>)</a:t>
-            </a:r>
-            <a:r>
-              <a:rPr lang="en-US" dirty="0">
-                <a:latin typeface="Monaco"/>
-                <a:cs typeface="Monaco"/>
-              </a:rPr>
-              <a:t> method returns a list of dictionary </a:t>
-            </a:r>
-            <a:r>
-              <a:rPr lang="en-US" dirty="0" smtClean="0">
-                <a:latin typeface="Monaco"/>
-                <a:cs typeface="Monaco"/>
-              </a:rPr>
-              <a:t>values</a:t>
-            </a:r>
-            <a:endParaRPr lang="en-US" dirty="0">
-              <a:latin typeface="Monaco"/>
-              <a:cs typeface="Monaco"/>
-            </a:endParaRPr>
-          </a:p>
-          <a:p>
-            <a:r>
-              <a:rPr lang="en-US" dirty="0">
-                <a:latin typeface="Monaco"/>
-                <a:cs typeface="Monaco"/>
-              </a:rPr>
-              <a:t>print </a:t>
-            </a:r>
-            <a:r>
-              <a:rPr lang="en-US" dirty="0" err="1" smtClean="0">
-                <a:latin typeface="Monaco"/>
-                <a:cs typeface="Monaco"/>
-              </a:rPr>
-              <a:t>medals.values</a:t>
-            </a:r>
-            <a:r>
-              <a:rPr lang="en-US" dirty="0" smtClean="0">
-                <a:latin typeface="Monaco"/>
-                <a:cs typeface="Monaco"/>
-              </a:rPr>
-              <a:t>(</a:t>
-            </a:r>
-            <a:r>
-              <a:rPr lang="en-US" dirty="0">
-                <a:latin typeface="Monaco"/>
-                <a:cs typeface="Monaco"/>
-              </a:rPr>
-              <a:t>)</a:t>
-            </a:r>
-          </a:p>
-          <a:p>
-            <a:r>
-              <a:rPr lang="en-US" dirty="0" smtClean="0">
-                <a:solidFill>
-                  <a:srgbClr val="A6A6A6"/>
-                </a:solidFill>
-                <a:latin typeface="Monaco"/>
-                <a:cs typeface="Monaco"/>
-              </a:rPr>
-              <a:t>	</a:t>
-            </a:r>
-            <a:r>
-              <a:rPr lang="en-US" dirty="0">
-                <a:solidFill>
-                  <a:srgbClr val="A6A6A6"/>
-                </a:solidFill>
-                <a:latin typeface="Monaco"/>
-                <a:cs typeface="Monaco"/>
-              </a:rPr>
-              <a:t>['third', 'second', 'first'</a:t>
-            </a:r>
-            <a:r>
-              <a:rPr lang="en-US" dirty="0" smtClean="0">
-                <a:solidFill>
-                  <a:srgbClr val="A6A6A6"/>
-                </a:solidFill>
-                <a:latin typeface="Monaco"/>
-                <a:cs typeface="Monaco"/>
-              </a:rPr>
-              <a:t>]</a:t>
-            </a:r>
-            <a:endParaRPr lang="en-US" dirty="0">
-              <a:solidFill>
-                <a:srgbClr val="A6A6A6"/>
-              </a:solidFill>
-              <a:latin typeface="Monaco"/>
-              <a:cs typeface="Monaco"/>
-            </a:endParaRPr>
+            <a:r>
+              <a:rPr lang="en-US" dirty="0" smtClean="0">
+                <a:latin typeface="Monaco"/>
+                <a:cs typeface="Monaco"/>
+              </a:rPr>
+              <a:t> </a:t>
+            </a:r>
+          </a:p>
+        </p:txBody>
+      </p:sp>
+      <p:sp>
+        <p:nvSpPr>
+          <p:cNvPr id="5" name="Rectangle 4"/>
+          <p:cNvSpPr/>
+          <p:nvPr/>
+        </p:nvSpPr>
+        <p:spPr>
+          <a:xfrm>
+            <a:off x="1761248" y="3765274"/>
+            <a:ext cx="3177481" cy="283603"/>
+          </a:xfrm>
+          <a:prstGeom prst="rect">
+            <a:avLst/>
+          </a:prstGeom>
+          <a:noFill/>
+          <a:ln w="28575" cmpd="sng">
+            <a:solidFill>
+              <a:schemeClr val="accent2"/>
+            </a:solidFill>
+          </a:ln>
+          <a:effectLst/>
+        </p:spPr>
+        <p:style>
+          <a:lnRef idx="1">
+            <a:schemeClr val="accent1"/>
+          </a:lnRef>
+          <a:fillRef idx="3">
+            <a:schemeClr val="accent1"/>
+          </a:fillRef>
+          <a:effectRef idx="2">
+            <a:schemeClr val="accent1"/>
+          </a:effectRef>
+          <a:fontRef idx="minor">
+            <a:schemeClr val="lt1"/>
+          </a:fontRef>
+        </p:style>
+        <p:txBody>
+          <a:bodyPr rtlCol="0" anchor="ctr"/>
+          <a:lstStyle/>
+          <a:p>
+            <a:pPr algn="ctr"/>
+            <a:endParaRPr lang="en-US"/>
           </a:p>
         </p:txBody>
       </p:sp>
     </p:spTree>
     <p:extLst>
       <p:ext uri="{BB962C8B-B14F-4D97-AF65-F5344CB8AC3E}">
-        <p14:creationId xmlns:p14="http://schemas.microsoft.com/office/powerpoint/2010/main" val="3457954296"/>
+        <p14:creationId xmlns:p14="http://schemas.microsoft.com/office/powerpoint/2010/main" val="515583906"/>
       </p:ext>
     </p:extLst>
   </p:cSld>
@@ -18052,28 +18947,128 @@
             <p:ph type="title"/>
           </p:nvPr>
         </p:nvSpPr>
+        <p:spPr/>
+        <p:txBody>
+          <a:bodyPr/>
+          <a:lstStyle/>
+          <a:p>
+            <a:r>
+              <a:rPr lang="en-US" dirty="0" smtClean="0"/>
+              <a:t>another data type: dictionaries</a:t>
+            </a:r>
+            <a:endParaRPr lang="en-US" dirty="0"/>
+          </a:p>
+        </p:txBody>
+      </p:sp>
+      <p:sp>
+        <p:nvSpPr>
+          <p:cNvPr id="4" name="TextBox 3"/>
+          <p:cNvSpPr txBox="1"/>
+          <p:nvPr/>
+        </p:nvSpPr>
         <p:spPr>
           <a:xfrm>
-            <a:off x="2230714" y="3087537"/>
-            <a:ext cx="4688183" cy="692215"/>
+            <a:off x="457199" y="1817687"/>
+            <a:ext cx="8338444" cy="1477328"/>
           </a:xfrm>
+          <a:prstGeom prst="rect">
+            <a:avLst/>
+          </a:prstGeom>
+          <a:noFill/>
         </p:spPr>
         <p:txBody>
-          <a:bodyPr/>
+          <a:bodyPr wrap="square" rtlCol="0">
+            <a:spAutoFit/>
+          </a:bodyPr>
           <a:lstStyle/>
           <a:p>
             <a:r>
-              <a:rPr lang="en-US" dirty="0" smtClean="0"/>
-              <a:t>exercise break</a:t>
-            </a:r>
-            <a:endParaRPr lang="en-US" dirty="0"/>
+              <a:rPr lang="en-US" dirty="0">
+                <a:latin typeface="Monaco"/>
+                <a:cs typeface="Monaco"/>
+              </a:rPr>
+              <a:t>names = {"Stephanie": "Spielman", "</a:t>
+            </a:r>
+            <a:r>
+              <a:rPr lang="en-US" dirty="0" err="1">
+                <a:latin typeface="Monaco"/>
+                <a:cs typeface="Monaco"/>
+              </a:rPr>
+              <a:t>Eleisha</a:t>
+            </a:r>
+            <a:r>
+              <a:rPr lang="en-US" dirty="0">
+                <a:latin typeface="Monaco"/>
+                <a:cs typeface="Monaco"/>
+              </a:rPr>
+              <a:t>": "Jackson", "Claus": </a:t>
+            </a:r>
+            <a:r>
+              <a:rPr lang="en-US" dirty="0" smtClean="0">
+                <a:latin typeface="Monaco"/>
+                <a:cs typeface="Monaco"/>
+              </a:rPr>
+              <a:t>"</a:t>
+            </a:r>
+            <a:r>
+              <a:rPr lang="en-US" dirty="0" err="1" smtClean="0">
+                <a:latin typeface="Monaco"/>
+                <a:cs typeface="Monaco"/>
+              </a:rPr>
+              <a:t>Wilke</a:t>
+            </a:r>
+            <a:r>
+              <a:rPr lang="en-US" dirty="0">
+                <a:latin typeface="Monaco"/>
+                <a:cs typeface="Monaco"/>
+              </a:rPr>
+              <a:t>"}</a:t>
+            </a:r>
+          </a:p>
+          <a:p>
+            <a:endParaRPr lang="en-US" dirty="0" smtClean="0">
+              <a:latin typeface="Monaco"/>
+              <a:cs typeface="Monaco"/>
+            </a:endParaRPr>
+          </a:p>
+          <a:p>
+            <a:r>
+              <a:rPr lang="en-US" dirty="0" smtClean="0">
+                <a:latin typeface="Monaco"/>
+                <a:cs typeface="Monaco"/>
+              </a:rPr>
+              <a:t># Add a </a:t>
+            </a:r>
+            <a:r>
+              <a:rPr lang="en-US" dirty="0" err="1" smtClean="0">
+                <a:latin typeface="Monaco"/>
+                <a:cs typeface="Monaco"/>
+              </a:rPr>
+              <a:t>key:value</a:t>
+            </a:r>
+            <a:r>
+              <a:rPr lang="en-US" dirty="0" smtClean="0">
+                <a:latin typeface="Monaco"/>
+                <a:cs typeface="Monaco"/>
+              </a:rPr>
+              <a:t> pair to a dictionary and print to confirm</a:t>
+            </a:r>
+          </a:p>
+          <a:p>
+            <a:r>
+              <a:rPr lang="en-US" dirty="0" smtClean="0">
+                <a:latin typeface="Monaco"/>
+                <a:cs typeface="Monaco"/>
+              </a:rPr>
+              <a:t>names["Bob"] = "Smith"</a:t>
+            </a:r>
           </a:p>
         </p:txBody>
       </p:sp>
     </p:spTree>
     <p:extLst>
       <p:ext uri="{BB962C8B-B14F-4D97-AF65-F5344CB8AC3E}">
-        <p14:creationId xmlns:p14="http://schemas.microsoft.com/office/powerpoint/2010/main" val="4207585177"/>
+        <p14:creationId xmlns:p14="http://schemas.microsoft.com/office/powerpoint/2010/main" val="914640245"/>
       </p:ext>
     </p:extLst>
   </p:cSld>
@@ -18117,16 +19112,249 @@
           <a:p>
             <a:r>
               <a:rPr lang="en-US" dirty="0" smtClean="0"/>
-              <a:t>logical evaluations and iterations</a:t>
+              <a:t>another data type: dictionaries</a:t>
             </a:r>
             <a:endParaRPr lang="en-US" dirty="0"/>
+          </a:p>
+        </p:txBody>
+      </p:sp>
+      <p:sp>
+        <p:nvSpPr>
+          <p:cNvPr id="4" name="TextBox 3"/>
+          <p:cNvSpPr txBox="1"/>
+          <p:nvPr/>
+        </p:nvSpPr>
+        <p:spPr>
+          <a:xfrm>
+            <a:off x="457199" y="1817687"/>
+            <a:ext cx="8338444" cy="2862323"/>
+          </a:xfrm>
+          <a:prstGeom prst="rect">
+            <a:avLst/>
+          </a:prstGeom>
+          <a:noFill/>
+        </p:spPr>
+        <p:txBody>
+          <a:bodyPr wrap="square" rtlCol="0">
+            <a:spAutoFit/>
+          </a:bodyPr>
+          <a:lstStyle/>
+          <a:p>
+            <a:r>
+              <a:rPr lang="en-US" dirty="0">
+                <a:latin typeface="Monaco"/>
+                <a:cs typeface="Monaco"/>
+              </a:rPr>
+              <a:t>names = {"Stephanie": "Spielman", "</a:t>
+            </a:r>
+            <a:r>
+              <a:rPr lang="en-US" dirty="0" err="1">
+                <a:latin typeface="Monaco"/>
+                <a:cs typeface="Monaco"/>
+              </a:rPr>
+              <a:t>Eleisha</a:t>
+            </a:r>
+            <a:r>
+              <a:rPr lang="en-US" dirty="0">
+                <a:latin typeface="Monaco"/>
+                <a:cs typeface="Monaco"/>
+              </a:rPr>
+              <a:t>": "Jackson", "Claus": </a:t>
+            </a:r>
+            <a:r>
+              <a:rPr lang="en-US" dirty="0" smtClean="0">
+                <a:latin typeface="Monaco"/>
+                <a:cs typeface="Monaco"/>
+              </a:rPr>
+              <a:t>"</a:t>
+            </a:r>
+            <a:r>
+              <a:rPr lang="en-US" dirty="0" err="1" smtClean="0">
+                <a:latin typeface="Monaco"/>
+                <a:cs typeface="Monaco"/>
+              </a:rPr>
+              <a:t>Wilke</a:t>
+            </a:r>
+            <a:r>
+              <a:rPr lang="en-US" dirty="0">
+                <a:latin typeface="Monaco"/>
+                <a:cs typeface="Monaco"/>
+              </a:rPr>
+              <a:t>"}</a:t>
+            </a:r>
+          </a:p>
+          <a:p>
+            <a:endParaRPr lang="en-US" dirty="0" smtClean="0">
+              <a:latin typeface="Monaco"/>
+              <a:cs typeface="Monaco"/>
+            </a:endParaRPr>
+          </a:p>
+          <a:p>
+            <a:r>
+              <a:rPr lang="en-US" dirty="0" smtClean="0">
+                <a:latin typeface="Monaco"/>
+                <a:cs typeface="Monaco"/>
+              </a:rPr>
+              <a:t># Add a </a:t>
+            </a:r>
+            <a:r>
+              <a:rPr lang="en-US" dirty="0" err="1" smtClean="0">
+                <a:latin typeface="Monaco"/>
+                <a:cs typeface="Monaco"/>
+              </a:rPr>
+              <a:t>key:value</a:t>
+            </a:r>
+            <a:r>
+              <a:rPr lang="en-US" dirty="0" smtClean="0">
+                <a:latin typeface="Monaco"/>
+                <a:cs typeface="Monaco"/>
+              </a:rPr>
+              <a:t> pair to a dictionary and print to confirm</a:t>
+            </a:r>
+          </a:p>
+          <a:p>
+            <a:r>
+              <a:rPr lang="en-US" dirty="0" smtClean="0">
+                <a:latin typeface="Monaco"/>
+                <a:cs typeface="Monaco"/>
+              </a:rPr>
+              <a:t>names["Bob"] = "Smith"</a:t>
+            </a:r>
+          </a:p>
+          <a:p>
+            <a:endParaRPr lang="en-US" dirty="0" smtClean="0">
+              <a:latin typeface="Monaco"/>
+              <a:cs typeface="Monaco"/>
+            </a:endParaRPr>
+          </a:p>
+          <a:p>
+            <a:r>
+              <a:rPr lang="en-US" dirty="0" smtClean="0">
+                <a:latin typeface="Monaco"/>
+                <a:cs typeface="Monaco"/>
+              </a:rPr>
+              <a:t>print names</a:t>
+            </a:r>
+          </a:p>
+          <a:p>
+            <a:r>
+              <a:rPr lang="en-US" dirty="0" smtClean="0">
+                <a:latin typeface="Monaco"/>
+                <a:cs typeface="Monaco"/>
+              </a:rPr>
+              <a:t>	</a:t>
+            </a:r>
+            <a:r>
+              <a:rPr lang="en-US" dirty="0" smtClean="0">
+                <a:solidFill>
+                  <a:schemeClr val="bg1">
+                    <a:lumMod val="65000"/>
+                  </a:schemeClr>
+                </a:solidFill>
+                <a:latin typeface="Monaco"/>
+                <a:cs typeface="Monaco"/>
+              </a:rPr>
+              <a:t>{'</a:t>
+            </a:r>
+            <a:r>
+              <a:rPr lang="en-US" dirty="0" err="1" smtClean="0">
+                <a:solidFill>
+                  <a:schemeClr val="bg1">
+                    <a:lumMod val="65000"/>
+                  </a:schemeClr>
+                </a:solidFill>
+                <a:latin typeface="Monaco"/>
+                <a:cs typeface="Monaco"/>
+              </a:rPr>
+              <a:t>Eleisha</a:t>
+            </a:r>
+            <a:r>
+              <a:rPr lang="en-US" dirty="0" smtClean="0">
+                <a:solidFill>
+                  <a:schemeClr val="bg1">
+                    <a:lumMod val="65000"/>
+                  </a:schemeClr>
+                </a:solidFill>
+                <a:latin typeface="Monaco"/>
+                <a:cs typeface="Monaco"/>
+              </a:rPr>
+              <a:t>': 'Jackson', 'Claus': '</a:t>
+            </a:r>
+            <a:r>
+              <a:rPr lang="en-US" dirty="0" err="1" smtClean="0">
+                <a:solidFill>
+                  <a:schemeClr val="bg1">
+                    <a:lumMod val="65000"/>
+                  </a:schemeClr>
+                </a:solidFill>
+                <a:latin typeface="Monaco"/>
+                <a:cs typeface="Monaco"/>
+              </a:rPr>
+              <a:t>Wilke</a:t>
+            </a:r>
+            <a:r>
+              <a:rPr lang="en-US" dirty="0" smtClean="0">
+                <a:solidFill>
+                  <a:schemeClr val="bg1">
+                    <a:lumMod val="65000"/>
+                  </a:schemeClr>
+                </a:solidFill>
+                <a:latin typeface="Monaco"/>
+                <a:cs typeface="Monaco"/>
+              </a:rPr>
+              <a:t>', 'Stephanie': 	'Spielman', 'Bob': 'Smith'}</a:t>
+            </a:r>
+          </a:p>
+          <a:p>
+            <a:endParaRPr lang="en-US" dirty="0" smtClean="0">
+              <a:latin typeface="Monaco"/>
+              <a:cs typeface="Monaco"/>
+            </a:endParaRPr>
+          </a:p>
+        </p:txBody>
+      </p:sp>
+      <p:sp>
+        <p:nvSpPr>
+          <p:cNvPr id="5" name="TextBox 4"/>
+          <p:cNvSpPr txBox="1"/>
+          <p:nvPr/>
+        </p:nvSpPr>
+        <p:spPr>
+          <a:xfrm>
+            <a:off x="2437694" y="4513888"/>
+            <a:ext cx="3657529" cy="430887"/>
+          </a:xfrm>
+          <a:prstGeom prst="rect">
+            <a:avLst/>
+          </a:prstGeom>
+          <a:noFill/>
+        </p:spPr>
+        <p:txBody>
+          <a:bodyPr wrap="square" rtlCol="0">
+            <a:spAutoFit/>
+          </a:bodyPr>
+          <a:lstStyle/>
+          <a:p>
+            <a:r>
+              <a:rPr lang="en-US" sz="2200" dirty="0" smtClean="0">
+                <a:solidFill>
+                  <a:srgbClr val="DC5924"/>
+                </a:solidFill>
+              </a:rPr>
+              <a:t>Did you expect this output?</a:t>
+            </a:r>
+            <a:endParaRPr lang="en-US" sz="2200" dirty="0">
+              <a:solidFill>
+                <a:srgbClr val="DC5924"/>
+              </a:solidFill>
+            </a:endParaRPr>
           </a:p>
         </p:txBody>
       </p:sp>
     </p:spTree>
     <p:extLst>
       <p:ext uri="{BB962C8B-B14F-4D97-AF65-F5344CB8AC3E}">
-        <p14:creationId xmlns:p14="http://schemas.microsoft.com/office/powerpoint/2010/main" val="4046658420"/>
+        <p14:creationId xmlns:p14="http://schemas.microsoft.com/office/powerpoint/2010/main" val="3210468286"/>
       </p:ext>
     </p:extLst>
   </p:cSld>
@@ -18170,7 +19398,7 @@
           <a:p>
             <a:r>
               <a:rPr lang="en-US" dirty="0" smtClean="0"/>
-              <a:t>logical operators</a:t>
+              <a:t>dictionaries are unordered</a:t>
             </a:r>
             <a:endParaRPr lang="en-US" dirty="0"/>
           </a:p>
@@ -18197,11 +19425,7 @@
             </a:pPr>
             <a:r>
               <a:rPr lang="en-US" dirty="0" smtClean="0"/>
-              <a:t>Evaluate a condition as True or False using </a:t>
-            </a:r>
-            <a:r>
-              <a:rPr lang="en-US" i="1" dirty="0" smtClean="0"/>
-              <a:t>logical operators</a:t>
+              <a:t>Unique key:value pairs are *always* preserved, but their order is not</a:t>
             </a:r>
           </a:p>
           <a:p>
@@ -18211,259 +19435,15 @@
             </a:pPr>
             <a:r>
               <a:rPr lang="en-US" dirty="0" smtClean="0"/>
-              <a:t>Variables with True/False values are of a type called </a:t>
-            </a:r>
-            <a:r>
-              <a:rPr lang="en-US" i="1" dirty="0" err="1" smtClean="0"/>
-              <a:t>boolean</a:t>
-            </a:r>
-            <a:r>
-              <a:rPr lang="en-US" dirty="0" smtClean="0"/>
-              <a:t> </a:t>
-            </a:r>
-          </a:p>
-        </p:txBody>
-      </p:sp>
-      <p:graphicFrame>
-        <p:nvGraphicFramePr>
-          <p:cNvPr id="5" name="Table 4"/>
-          <p:cNvGraphicFramePr>
-            <a:graphicFrameLocks noGrp="1"/>
-          </p:cNvGraphicFramePr>
-          <p:nvPr>
-            <p:extLst>
-              <p:ext uri="{D42A27DB-BD31-4B8C-83A1-F6EECF244321}">
-                <p14:modId xmlns:p14="http://schemas.microsoft.com/office/powerpoint/2010/main" val="3694379935"/>
-              </p:ext>
-            </p:extLst>
-          </p:nvPr>
-        </p:nvGraphicFramePr>
-        <p:xfrm>
-          <a:off x="674862" y="3857453"/>
-          <a:ext cx="7320025" cy="2268710"/>
-        </p:xfrm>
-        <a:graphic>
-          <a:graphicData uri="http://schemas.openxmlformats.org/drawingml/2006/table">
-            <a:tbl>
-              <a:tblPr firstRow="1" bandRow="1">
-                <a:tableStyleId>{616DA210-FB5B-4158-B5E0-FEB733F419BA}</a:tableStyleId>
-              </a:tblPr>
-              <a:tblGrid>
-                <a:gridCol w="1723089"/>
-                <a:gridCol w="5596936"/>
-              </a:tblGrid>
-              <a:tr h="453742">
-                <a:tc>
-                  <a:txBody>
-                    <a:bodyPr/>
-                    <a:lstStyle/>
-                    <a:p>
-                      <a:pPr algn="ctr"/>
-                      <a:r>
-                        <a:rPr lang="en-US" dirty="0" smtClean="0"/>
-                        <a:t>Operator</a:t>
-                      </a:r>
-                      <a:endParaRPr lang="en-US" dirty="0"/>
-                    </a:p>
-                  </a:txBody>
-                  <a:tcPr/>
-                </a:tc>
-                <a:tc>
-                  <a:txBody>
-                    <a:bodyPr/>
-                    <a:lstStyle/>
-                    <a:p>
-                      <a:pPr algn="ctr"/>
-                      <a:r>
-                        <a:rPr lang="en-US" dirty="0" smtClean="0"/>
-                        <a:t>Meaning</a:t>
-                      </a:r>
-                      <a:endParaRPr lang="en-US" dirty="0"/>
-                    </a:p>
-                  </a:txBody>
-                  <a:tcPr/>
-                </a:tc>
-              </a:tr>
-              <a:tr h="453742">
-                <a:tc>
-                  <a:txBody>
-                    <a:bodyPr/>
-                    <a:lstStyle/>
-                    <a:p>
-                      <a:pPr algn="ctr"/>
-                      <a:r>
-                        <a:rPr lang="en-US" dirty="0" smtClean="0">
-                          <a:latin typeface="Monaco"/>
-                          <a:cs typeface="Monaco"/>
-                        </a:rPr>
-                        <a:t>==</a:t>
-                      </a:r>
-                      <a:endParaRPr lang="en-US" dirty="0">
-                        <a:latin typeface="Monaco"/>
-                        <a:cs typeface="Monaco"/>
-                      </a:endParaRPr>
-                    </a:p>
-                  </a:txBody>
-                  <a:tcPr/>
-                </a:tc>
-                <a:tc>
-                  <a:txBody>
-                    <a:bodyPr/>
-                    <a:lstStyle/>
-                    <a:p>
-                      <a:r>
-                        <a:rPr lang="en-US" b="0" dirty="0" smtClean="0"/>
-                        <a:t>Equal</a:t>
-                      </a:r>
-                      <a:r>
-                        <a:rPr lang="en-US" b="0" baseline="0" dirty="0" smtClean="0"/>
-                        <a:t> to*</a:t>
-                      </a:r>
-                      <a:endParaRPr lang="en-US" b="0" dirty="0"/>
-                    </a:p>
-                  </a:txBody>
-                  <a:tcPr/>
-                </a:tc>
-              </a:tr>
-              <a:tr h="453742">
-                <a:tc>
-                  <a:txBody>
-                    <a:bodyPr/>
-                    <a:lstStyle/>
-                    <a:p>
-                      <a:pPr algn="ctr"/>
-                      <a:r>
-                        <a:rPr lang="en-US" dirty="0" smtClean="0">
-                          <a:latin typeface="Monaco"/>
-                          <a:cs typeface="Monaco"/>
-                        </a:rPr>
-                        <a:t>!=</a:t>
-                      </a:r>
-                      <a:endParaRPr lang="en-US" dirty="0">
-                        <a:latin typeface="Monaco"/>
-                        <a:cs typeface="Monaco"/>
-                      </a:endParaRPr>
-                    </a:p>
-                  </a:txBody>
-                  <a:tcPr/>
-                </a:tc>
-                <a:tc>
-                  <a:txBody>
-                    <a:bodyPr/>
-                    <a:lstStyle/>
-                    <a:p>
-                      <a:r>
-                        <a:rPr lang="en-US" b="0" dirty="0" smtClean="0"/>
-                        <a:t>Not</a:t>
-                      </a:r>
-                      <a:r>
-                        <a:rPr lang="en-US" b="0" baseline="0" dirty="0" smtClean="0"/>
-                        <a:t> equal to</a:t>
-                      </a:r>
-                      <a:endParaRPr lang="en-US" b="0" dirty="0"/>
-                    </a:p>
-                  </a:txBody>
-                  <a:tcPr/>
-                </a:tc>
-              </a:tr>
-              <a:tr h="453742">
-                <a:tc>
-                  <a:txBody>
-                    <a:bodyPr/>
-                    <a:lstStyle/>
-                    <a:p>
-                      <a:pPr algn="ctr"/>
-                      <a:r>
-                        <a:rPr lang="en-US" dirty="0" smtClean="0">
-                          <a:latin typeface="Monaco"/>
-                          <a:cs typeface="Monaco"/>
-                        </a:rPr>
-                        <a:t>&gt;, &lt;</a:t>
-                      </a:r>
-                      <a:endParaRPr lang="en-US" dirty="0">
-                        <a:latin typeface="Monaco"/>
-                        <a:cs typeface="Monaco"/>
-                      </a:endParaRPr>
-                    </a:p>
-                  </a:txBody>
-                  <a:tcPr/>
-                </a:tc>
-                <a:tc>
-                  <a:txBody>
-                    <a:bodyPr/>
-                    <a:lstStyle/>
-                    <a:p>
-                      <a:r>
-                        <a:rPr lang="en-US" b="0" dirty="0" smtClean="0"/>
-                        <a:t>Greater than; less than</a:t>
-                      </a:r>
-                      <a:endParaRPr lang="en-US" b="0" dirty="0"/>
-                    </a:p>
-                  </a:txBody>
-                  <a:tcPr/>
-                </a:tc>
-              </a:tr>
-              <a:tr h="453742">
-                <a:tc>
-                  <a:txBody>
-                    <a:bodyPr/>
-                    <a:lstStyle/>
-                    <a:p>
-                      <a:pPr marL="0" marR="0" indent="0" algn="ctr" defTabSz="914400" rtl="0" eaLnBrk="1" fontAlgn="auto" latinLnBrk="0" hangingPunct="1">
-                        <a:lnSpc>
-                          <a:spcPct val="100000"/>
-                        </a:lnSpc>
-                        <a:spcBef>
-                          <a:spcPts val="0"/>
-                        </a:spcBef>
-                        <a:spcAft>
-                          <a:spcPts val="0"/>
-                        </a:spcAft>
-                        <a:buClrTx/>
-                        <a:buSzTx/>
-                        <a:buFontTx/>
-                        <a:buNone/>
-                        <a:tabLst/>
-                        <a:defRPr/>
-                      </a:pPr>
-                      <a:r>
-                        <a:rPr lang="en-US" dirty="0" smtClean="0">
-                          <a:latin typeface="Monaco"/>
-                          <a:cs typeface="Monaco"/>
-                        </a:rPr>
-                        <a:t>&gt;=, &lt;=</a:t>
-                      </a:r>
-                    </a:p>
-                  </a:txBody>
-                  <a:tcPr/>
-                </a:tc>
-                <a:tc>
-                  <a:txBody>
-                    <a:bodyPr/>
-                    <a:lstStyle/>
-                    <a:p>
-                      <a:r>
-                        <a:rPr lang="en-US" b="0" dirty="0" smtClean="0"/>
-                        <a:t>Greater</a:t>
-                      </a:r>
-                      <a:r>
-                        <a:rPr lang="en-US" b="0" baseline="0" dirty="0" smtClean="0"/>
-                        <a:t> than or equal to ; less than or equal to</a:t>
-                      </a:r>
-                      <a:endParaRPr lang="en-US" b="0" dirty="0"/>
-                    </a:p>
-                  </a:txBody>
-                  <a:tcPr/>
-                </a:tc>
-              </a:tr>
-            </a:tbl>
-          </a:graphicData>
-        </a:graphic>
-      </p:graphicFrame>
+              <a:t>One of many reasons why we index with keys, not positions</a:t>
+            </a:r>
+          </a:p>
+        </p:txBody>
+      </p:sp>
     </p:spTree>
     <p:extLst>
       <p:ext uri="{BB962C8B-B14F-4D97-AF65-F5344CB8AC3E}">
-        <p14:creationId xmlns:p14="http://schemas.microsoft.com/office/powerpoint/2010/main" val="3896768929"/>
+        <p14:creationId xmlns:p14="http://schemas.microsoft.com/office/powerpoint/2010/main" val="4066469446"/>
       </p:ext>
     </p:extLst>
   </p:cSld>
